--- a/Eclipse_RCP_Training.pptx
+++ b/Eclipse_RCP_Training.pptx
@@ -5,7 +5,7 @@
     <p:sldMasterId id="2147483648" r:id="rId1"/>
   </p:sldMasterIdLst>
   <p:notesMasterIdLst>
-    <p:notesMasterId r:id="rId83"/>
+    <p:notesMasterId r:id="rId111"/>
   </p:notesMasterIdLst>
   <p:sldIdLst>
     <p:sldId id="256" r:id="rId2"/>
@@ -83,12 +83,40 @@
     <p:sldId id="338" r:id="rId74"/>
     <p:sldId id="339" r:id="rId75"/>
     <p:sldId id="340" r:id="rId76"/>
-    <p:sldId id="342" r:id="rId77"/>
-    <p:sldId id="341" r:id="rId78"/>
-    <p:sldId id="343" r:id="rId79"/>
-    <p:sldId id="344" r:id="rId80"/>
-    <p:sldId id="345" r:id="rId81"/>
-    <p:sldId id="346" r:id="rId82"/>
+    <p:sldId id="351" r:id="rId77"/>
+    <p:sldId id="357" r:id="rId78"/>
+    <p:sldId id="358" r:id="rId79"/>
+    <p:sldId id="356" r:id="rId80"/>
+    <p:sldId id="359" r:id="rId81"/>
+    <p:sldId id="352" r:id="rId82"/>
+    <p:sldId id="353" r:id="rId83"/>
+    <p:sldId id="354" r:id="rId84"/>
+    <p:sldId id="355" r:id="rId85"/>
+    <p:sldId id="372" r:id="rId86"/>
+    <p:sldId id="373" r:id="rId87"/>
+    <p:sldId id="342" r:id="rId88"/>
+    <p:sldId id="341" r:id="rId89"/>
+    <p:sldId id="343" r:id="rId90"/>
+    <p:sldId id="344" r:id="rId91"/>
+    <p:sldId id="345" r:id="rId92"/>
+    <p:sldId id="346" r:id="rId93"/>
+    <p:sldId id="349" r:id="rId94"/>
+    <p:sldId id="350" r:id="rId95"/>
+    <p:sldId id="362" r:id="rId96"/>
+    <p:sldId id="360" r:id="rId97"/>
+    <p:sldId id="363" r:id="rId98"/>
+    <p:sldId id="364" r:id="rId99"/>
+    <p:sldId id="365" r:id="rId100"/>
+    <p:sldId id="366" r:id="rId101"/>
+    <p:sldId id="367" r:id="rId102"/>
+    <p:sldId id="368" r:id="rId103"/>
+    <p:sldId id="369" r:id="rId104"/>
+    <p:sldId id="370" r:id="rId105"/>
+    <p:sldId id="371" r:id="rId106"/>
+    <p:sldId id="374" r:id="rId107"/>
+    <p:sldId id="375" r:id="rId108"/>
+    <p:sldId id="376" r:id="rId109"/>
+    <p:sldId id="377" r:id="rId110"/>
   </p:sldIdLst>
   <p:sldSz cx="12192000" cy="6858000"/>
   <p:notesSz cx="6858000" cy="9144000"/>
@@ -3898,6 +3926,1250 @@
       </p:par>
     </p:tnLst>
   </p:timing>
+</p:sld>
+</file>
+
+<file path=ppt/slides/slide100.xml><?xml version="1.0" encoding="utf-8"?>
+<p:sld xmlns:a="http://schemas.openxmlformats.org/drawingml/2006/main" xmlns:r="http://schemas.openxmlformats.org/officeDocument/2006/relationships" xmlns:p="http://schemas.openxmlformats.org/presentationml/2006/main">
+  <p:cSld>
+    <p:bg>
+      <p:bgRef idx="1001">
+        <a:schemeClr val="bg1"/>
+      </p:bgRef>
+    </p:bg>
+    <p:spTree>
+      <p:nvGrpSpPr>
+        <p:cNvPr id="1" name=""/>
+        <p:cNvGrpSpPr/>
+        <p:nvPr/>
+      </p:nvGrpSpPr>
+      <p:grpSpPr>
+        <a:xfrm>
+          <a:off x="0" y="0"/>
+          <a:ext cx="0" cy="0"/>
+          <a:chOff x="0" y="0"/>
+          <a:chExt cx="0" cy="0"/>
+        </a:xfrm>
+      </p:grpSpPr>
+      <p:sp>
+        <p:nvSpPr>
+          <p:cNvPr id="2" name="Title 1"/>
+          <p:cNvSpPr>
+            <a:spLocks noGrp="1"/>
+          </p:cNvSpPr>
+          <p:nvPr>
+            <p:ph type="title"/>
+          </p:nvPr>
+        </p:nvSpPr>
+        <p:spPr/>
+        <p:txBody>
+          <a:bodyPr>
+            <a:normAutofit/>
+          </a:bodyPr>
+          <a:lstStyle/>
+          <a:p>
+            <a:r>
+              <a:rPr lang="en-US" sz="2800" kern="0" dirty="0">
+                <a:solidFill>
+                  <a:srgbClr val="4538A8"/>
+                </a:solidFill>
+                <a:latin typeface="Arial"/>
+                <a:cs typeface="Arial"/>
+              </a:rPr>
+              <a:t>Composite</a:t>
+            </a:r>
+            <a:endParaRPr lang="en-US" sz="2800" kern="0" dirty="0">
+              <a:solidFill>
+                <a:srgbClr val="4538A8"/>
+              </a:solidFill>
+              <a:latin typeface="Arial"/>
+              <a:cs typeface="Arial"/>
+            </a:endParaRPr>
+          </a:p>
+        </p:txBody>
+      </p:sp>
+      <p:sp>
+        <p:nvSpPr>
+          <p:cNvPr id="3" name="Content Placeholder 2"/>
+          <p:cNvSpPr>
+            <a:spLocks noGrp="1"/>
+          </p:cNvSpPr>
+          <p:nvPr>
+            <p:ph idx="1"/>
+          </p:nvPr>
+        </p:nvSpPr>
+        <p:spPr/>
+        <p:txBody>
+          <a:bodyPr>
+            <a:normAutofit fontScale="85000" lnSpcReduction="20000"/>
+          </a:bodyPr>
+          <a:lstStyle/>
+          <a:p>
+            <a:r>
+              <a:rPr lang="en-US" dirty="0" smtClean="0"/>
+              <a:t>A composite is a special type of widget.</a:t>
+            </a:r>
+          </a:p>
+          <a:p>
+            <a:endParaRPr lang="en-US" dirty="0" smtClean="0"/>
+          </a:p>
+          <a:p>
+            <a:r>
+              <a:rPr lang="en-US" dirty="0" smtClean="0"/>
+              <a:t>A composite doesn’t have any UI look and feel of its own , But it is own to form container like outline for the widgets</a:t>
+            </a:r>
+          </a:p>
+          <a:p>
+            <a:endParaRPr lang="en-US" dirty="0"/>
+          </a:p>
+          <a:p>
+            <a:r>
+              <a:rPr lang="en-US" dirty="0" smtClean="0"/>
+              <a:t>A composite is can have one or more widgets .</a:t>
+            </a:r>
+          </a:p>
+          <a:p>
+            <a:endParaRPr lang="en-US" dirty="0"/>
+          </a:p>
+          <a:p>
+            <a:r>
+              <a:rPr lang="en-US" dirty="0" smtClean="0"/>
+              <a:t>Inside the composite how the widgets are arranged depends upon the SWT layout set for the composite.</a:t>
+            </a:r>
+          </a:p>
+          <a:p>
+            <a:endParaRPr lang="en-US" dirty="0" smtClean="0"/>
+          </a:p>
+          <a:p>
+            <a:pPr marL="0" indent="0">
+              <a:buNone/>
+            </a:pPr>
+            <a:endParaRPr lang="en-US" dirty="0"/>
+          </a:p>
+          <a:p>
+            <a:pPr marL="0" indent="0">
+              <a:buNone/>
+            </a:pPr>
+            <a:r>
+              <a:rPr lang="en-US" dirty="0" smtClean="0"/>
+              <a:t> </a:t>
+            </a:r>
+            <a:endParaRPr lang="en-US" dirty="0"/>
+          </a:p>
+        </p:txBody>
+      </p:sp>
+    </p:spTree>
+    <p:extLst>
+      <p:ext uri="{BB962C8B-B14F-4D97-AF65-F5344CB8AC3E}">
+        <p14:creationId xmlns:p14="http://schemas.microsoft.com/office/powerpoint/2010/main" val="2752058922"/>
+      </p:ext>
+    </p:extLst>
+  </p:cSld>
+  <p:clrMapOvr>
+    <a:overrideClrMapping bg1="lt1" tx1="dk1" bg2="lt2" tx2="dk2" accent1="accent1" accent2="accent2" accent3="accent3" accent4="accent4" accent5="accent5" accent6="accent6" hlink="hlink" folHlink="folHlink"/>
+  </p:clrMapOvr>
+  <p:timing>
+    <p:tnLst>
+      <p:par>
+        <p:cTn id="1" dur="indefinite" restart="never" nodeType="tmRoot"/>
+      </p:par>
+    </p:tnLst>
+  </p:timing>
+</p:sld>
+</file>
+
+<file path=ppt/slides/slide101.xml><?xml version="1.0" encoding="utf-8"?>
+<p:sld xmlns:a="http://schemas.openxmlformats.org/drawingml/2006/main" xmlns:r="http://schemas.openxmlformats.org/officeDocument/2006/relationships" xmlns:p="http://schemas.openxmlformats.org/presentationml/2006/main">
+  <p:cSld>
+    <p:bg>
+      <p:bgRef idx="1001">
+        <a:schemeClr val="bg1"/>
+      </p:bgRef>
+    </p:bg>
+    <p:spTree>
+      <p:nvGrpSpPr>
+        <p:cNvPr id="1" name=""/>
+        <p:cNvGrpSpPr/>
+        <p:nvPr/>
+      </p:nvGrpSpPr>
+      <p:grpSpPr>
+        <a:xfrm>
+          <a:off x="0" y="0"/>
+          <a:ext cx="0" cy="0"/>
+          <a:chOff x="0" y="0"/>
+          <a:chExt cx="0" cy="0"/>
+        </a:xfrm>
+      </p:grpSpPr>
+      <p:sp>
+        <p:nvSpPr>
+          <p:cNvPr id="2" name="Title 1"/>
+          <p:cNvSpPr>
+            <a:spLocks noGrp="1"/>
+          </p:cNvSpPr>
+          <p:nvPr>
+            <p:ph type="title"/>
+          </p:nvPr>
+        </p:nvSpPr>
+        <p:spPr/>
+        <p:txBody>
+          <a:bodyPr>
+            <a:normAutofit/>
+          </a:bodyPr>
+          <a:lstStyle/>
+          <a:p>
+            <a:r>
+              <a:rPr lang="en-US" sz="2800" kern="0" dirty="0">
+                <a:solidFill>
+                  <a:srgbClr val="4538A8"/>
+                </a:solidFill>
+                <a:latin typeface="Arial"/>
+                <a:cs typeface="Arial"/>
+              </a:rPr>
+              <a:t>Group</a:t>
+            </a:r>
+            <a:endParaRPr lang="en-US" sz="2800" kern="0" dirty="0">
+              <a:solidFill>
+                <a:srgbClr val="4538A8"/>
+              </a:solidFill>
+              <a:latin typeface="Arial"/>
+              <a:cs typeface="Arial"/>
+            </a:endParaRPr>
+          </a:p>
+        </p:txBody>
+      </p:sp>
+      <p:sp>
+        <p:nvSpPr>
+          <p:cNvPr id="3" name="Content Placeholder 2"/>
+          <p:cNvSpPr>
+            <a:spLocks noGrp="1"/>
+          </p:cNvSpPr>
+          <p:nvPr>
+            <p:ph idx="1"/>
+          </p:nvPr>
+        </p:nvSpPr>
+        <p:spPr/>
+        <p:txBody>
+          <a:bodyPr/>
+          <a:lstStyle/>
+          <a:p>
+            <a:r>
+              <a:rPr lang="en-US" dirty="0" smtClean="0"/>
+              <a:t>Group is  widget used to group one or more widgets based on some common functionality they are used for.</a:t>
+            </a:r>
+          </a:p>
+          <a:p>
+            <a:endParaRPr lang="en-US" dirty="0"/>
+          </a:p>
+          <a:p>
+            <a:r>
+              <a:rPr lang="en-US" dirty="0" smtClean="0"/>
+              <a:t>Group extends a composite and similar to they can have one or more widgets/composite as children under a group.</a:t>
+            </a:r>
+          </a:p>
+          <a:p>
+            <a:endParaRPr lang="en-US" dirty="0"/>
+          </a:p>
+          <a:p>
+            <a:r>
+              <a:rPr lang="en-US" dirty="0" smtClean="0"/>
+              <a:t>The group can have a heading associated with the composite.</a:t>
+            </a:r>
+            <a:endParaRPr lang="en-US" dirty="0"/>
+          </a:p>
+        </p:txBody>
+      </p:sp>
+    </p:spTree>
+    <p:extLst>
+      <p:ext uri="{BB962C8B-B14F-4D97-AF65-F5344CB8AC3E}">
+        <p14:creationId xmlns:p14="http://schemas.microsoft.com/office/powerpoint/2010/main" val="2509695314"/>
+      </p:ext>
+    </p:extLst>
+  </p:cSld>
+  <p:clrMapOvr>
+    <a:overrideClrMapping bg1="lt1" tx1="dk1" bg2="lt2" tx2="dk2" accent1="accent1" accent2="accent2" accent3="accent3" accent4="accent4" accent5="accent5" accent6="accent6" hlink="hlink" folHlink="folHlink"/>
+  </p:clrMapOvr>
+  <p:timing>
+    <p:tnLst>
+      <p:par>
+        <p:cTn id="1" dur="indefinite" restart="never" nodeType="tmRoot"/>
+      </p:par>
+    </p:tnLst>
+  </p:timing>
+</p:sld>
+</file>
+
+<file path=ppt/slides/slide102.xml><?xml version="1.0" encoding="utf-8"?>
+<p:sld xmlns:a="http://schemas.openxmlformats.org/drawingml/2006/main" xmlns:r="http://schemas.openxmlformats.org/officeDocument/2006/relationships" xmlns:p="http://schemas.openxmlformats.org/presentationml/2006/main">
+  <p:cSld>
+    <p:bg>
+      <p:bgRef idx="1001">
+        <a:schemeClr val="bg1"/>
+      </p:bgRef>
+    </p:bg>
+    <p:spTree>
+      <p:nvGrpSpPr>
+        <p:cNvPr id="1" name=""/>
+        <p:cNvGrpSpPr/>
+        <p:nvPr/>
+      </p:nvGrpSpPr>
+      <p:grpSpPr>
+        <a:xfrm>
+          <a:off x="0" y="0"/>
+          <a:ext cx="0" cy="0"/>
+          <a:chOff x="0" y="0"/>
+          <a:chExt cx="0" cy="0"/>
+        </a:xfrm>
+      </p:grpSpPr>
+      <p:sp>
+        <p:nvSpPr>
+          <p:cNvPr id="2" name="Title 1"/>
+          <p:cNvSpPr>
+            <a:spLocks noGrp="1"/>
+          </p:cNvSpPr>
+          <p:nvPr>
+            <p:ph type="title"/>
+          </p:nvPr>
+        </p:nvSpPr>
+        <p:spPr>
+          <a:xfrm>
+            <a:off x="429639" y="500062"/>
+            <a:ext cx="10515600" cy="1325563"/>
+          </a:xfrm>
+        </p:spPr>
+        <p:txBody>
+          <a:bodyPr>
+            <a:normAutofit/>
+          </a:bodyPr>
+          <a:lstStyle/>
+          <a:p>
+            <a:r>
+              <a:rPr lang="en-US" sz="2800" kern="0" dirty="0">
+                <a:solidFill>
+                  <a:srgbClr val="4538A8"/>
+                </a:solidFill>
+                <a:latin typeface="Arial"/>
+                <a:cs typeface="Arial"/>
+              </a:rPr>
+              <a:t>Layouts</a:t>
+            </a:r>
+            <a:endParaRPr lang="en-US" sz="2800" kern="0" dirty="0">
+              <a:solidFill>
+                <a:srgbClr val="4538A8"/>
+              </a:solidFill>
+              <a:latin typeface="Arial"/>
+              <a:cs typeface="Arial"/>
+            </a:endParaRPr>
+          </a:p>
+        </p:txBody>
+      </p:sp>
+      <p:sp>
+        <p:nvSpPr>
+          <p:cNvPr id="3" name="Content Placeholder 2"/>
+          <p:cNvSpPr>
+            <a:spLocks noGrp="1"/>
+          </p:cNvSpPr>
+          <p:nvPr>
+            <p:ph idx="1"/>
+          </p:nvPr>
+        </p:nvSpPr>
+        <p:spPr/>
+        <p:txBody>
+          <a:bodyPr/>
+          <a:lstStyle/>
+          <a:p>
+            <a:r>
+              <a:rPr lang="en-US" dirty="0" smtClean="0"/>
+              <a:t>The Layout is a SWT class which manages the arrangement of the widgets in a Composite.</a:t>
+            </a:r>
+          </a:p>
+          <a:p>
+            <a:endParaRPr lang="en-US" dirty="0"/>
+          </a:p>
+          <a:p>
+            <a:r>
+              <a:rPr lang="en-US" dirty="0" smtClean="0"/>
+              <a:t>The layout is designed to arrange-rearrange the widgets as per the size of the Shell / Workbench and resize the widgets based on the expand or shrinking of the shell.</a:t>
+            </a:r>
+          </a:p>
+          <a:p>
+            <a:endParaRPr lang="en-US" dirty="0" smtClean="0"/>
+          </a:p>
+          <a:p>
+            <a:r>
+              <a:rPr lang="en-US" dirty="0" smtClean="0"/>
+              <a:t>Layout may use a </a:t>
+            </a:r>
+            <a:r>
+              <a:rPr lang="en-US" dirty="0" err="1" smtClean="0"/>
+              <a:t>LayoutData</a:t>
+            </a:r>
+            <a:r>
+              <a:rPr lang="en-US" dirty="0" smtClean="0"/>
+              <a:t> to specify the parameters for each of the widgets in a composite.</a:t>
+            </a:r>
+            <a:endParaRPr lang="en-US" dirty="0"/>
+          </a:p>
+        </p:txBody>
+      </p:sp>
+    </p:spTree>
+    <p:extLst>
+      <p:ext uri="{BB962C8B-B14F-4D97-AF65-F5344CB8AC3E}">
+        <p14:creationId xmlns:p14="http://schemas.microsoft.com/office/powerpoint/2010/main" val="2459738013"/>
+      </p:ext>
+    </p:extLst>
+  </p:cSld>
+  <p:clrMapOvr>
+    <a:overrideClrMapping bg1="lt1" tx1="dk1" bg2="lt2" tx2="dk2" accent1="accent1" accent2="accent2" accent3="accent3" accent4="accent4" accent5="accent5" accent6="accent6" hlink="hlink" folHlink="folHlink"/>
+  </p:clrMapOvr>
+  <p:timing>
+    <p:tnLst>
+      <p:par>
+        <p:cTn id="1" dur="indefinite" restart="never" nodeType="tmRoot"/>
+      </p:par>
+    </p:tnLst>
+  </p:timing>
+</p:sld>
+</file>
+
+<file path=ppt/slides/slide103.xml><?xml version="1.0" encoding="utf-8"?>
+<p:sld xmlns:a="http://schemas.openxmlformats.org/drawingml/2006/main" xmlns:r="http://schemas.openxmlformats.org/officeDocument/2006/relationships" xmlns:p="http://schemas.openxmlformats.org/presentationml/2006/main">
+  <p:cSld>
+    <p:spTree>
+      <p:nvGrpSpPr>
+        <p:cNvPr id="1" name=""/>
+        <p:cNvGrpSpPr/>
+        <p:nvPr/>
+      </p:nvGrpSpPr>
+      <p:grpSpPr>
+        <a:xfrm>
+          <a:off x="0" y="0"/>
+          <a:ext cx="0" cy="0"/>
+          <a:chOff x="0" y="0"/>
+          <a:chExt cx="0" cy="0"/>
+        </a:xfrm>
+      </p:grpSpPr>
+      <p:sp>
+        <p:nvSpPr>
+          <p:cNvPr id="2" name="Title 1"/>
+          <p:cNvSpPr>
+            <a:spLocks noGrp="1"/>
+          </p:cNvSpPr>
+          <p:nvPr>
+            <p:ph type="title"/>
+          </p:nvPr>
+        </p:nvSpPr>
+        <p:spPr/>
+        <p:txBody>
+          <a:bodyPr/>
+          <a:lstStyle/>
+          <a:p>
+            <a:r>
+              <a:rPr lang="en-US" dirty="0" smtClean="0"/>
+              <a:t>Types of Layouts</a:t>
+            </a:r>
+            <a:endParaRPr lang="en-US" dirty="0"/>
+          </a:p>
+        </p:txBody>
+      </p:sp>
+      <p:sp>
+        <p:nvSpPr>
+          <p:cNvPr id="3" name="Content Placeholder 2"/>
+          <p:cNvSpPr>
+            <a:spLocks noGrp="1"/>
+          </p:cNvSpPr>
+          <p:nvPr>
+            <p:ph idx="1"/>
+          </p:nvPr>
+        </p:nvSpPr>
+        <p:spPr/>
+        <p:txBody>
+          <a:bodyPr/>
+          <a:lstStyle/>
+          <a:p>
+            <a:r>
+              <a:rPr lang="en-US" dirty="0" smtClean="0"/>
+              <a:t>There are 4 kinds of layouts which are commonly used</a:t>
+            </a:r>
+          </a:p>
+          <a:p>
+            <a:endParaRPr lang="en-US" dirty="0"/>
+          </a:p>
+          <a:p>
+            <a:r>
+              <a:rPr lang="en-US" dirty="0" err="1" smtClean="0"/>
+              <a:t>FillLayout</a:t>
+            </a:r>
+            <a:endParaRPr lang="en-US" dirty="0" smtClean="0"/>
+          </a:p>
+          <a:p>
+            <a:r>
+              <a:rPr lang="en-US" dirty="0" err="1" smtClean="0"/>
+              <a:t>RowLayout</a:t>
+            </a:r>
+            <a:endParaRPr lang="en-US" dirty="0" smtClean="0"/>
+          </a:p>
+          <a:p>
+            <a:r>
+              <a:rPr lang="en-US" dirty="0" err="1" smtClean="0"/>
+              <a:t>GridLayout</a:t>
+            </a:r>
+            <a:endParaRPr lang="en-US" dirty="0" smtClean="0"/>
+          </a:p>
+          <a:p>
+            <a:r>
+              <a:rPr lang="en-US" dirty="0" err="1" smtClean="0"/>
+              <a:t>StackLayout</a:t>
+            </a:r>
+            <a:endParaRPr lang="en-US" dirty="0"/>
+          </a:p>
+        </p:txBody>
+      </p:sp>
+    </p:spTree>
+    <p:extLst>
+      <p:ext uri="{BB962C8B-B14F-4D97-AF65-F5344CB8AC3E}">
+        <p14:creationId xmlns:p14="http://schemas.microsoft.com/office/powerpoint/2010/main" val="3951228333"/>
+      </p:ext>
+    </p:extLst>
+  </p:cSld>
+  <p:clrMapOvr>
+    <a:masterClrMapping/>
+  </p:clrMapOvr>
+</p:sld>
+</file>
+
+<file path=ppt/slides/slide104.xml><?xml version="1.0" encoding="utf-8"?>
+<p:sld xmlns:a="http://schemas.openxmlformats.org/drawingml/2006/main" xmlns:r="http://schemas.openxmlformats.org/officeDocument/2006/relationships" xmlns:p="http://schemas.openxmlformats.org/presentationml/2006/main">
+  <p:cSld>
+    <p:spTree>
+      <p:nvGrpSpPr>
+        <p:cNvPr id="1" name=""/>
+        <p:cNvGrpSpPr/>
+        <p:nvPr/>
+      </p:nvGrpSpPr>
+      <p:grpSpPr>
+        <a:xfrm>
+          <a:off x="0" y="0"/>
+          <a:ext cx="0" cy="0"/>
+          <a:chOff x="0" y="0"/>
+          <a:chExt cx="0" cy="0"/>
+        </a:xfrm>
+      </p:grpSpPr>
+      <p:sp>
+        <p:nvSpPr>
+          <p:cNvPr id="2" name="Title 1"/>
+          <p:cNvSpPr>
+            <a:spLocks noGrp="1"/>
+          </p:cNvSpPr>
+          <p:nvPr>
+            <p:ph type="title"/>
+          </p:nvPr>
+        </p:nvSpPr>
+        <p:spPr/>
+        <p:txBody>
+          <a:bodyPr/>
+          <a:lstStyle/>
+          <a:p>
+            <a:r>
+              <a:rPr lang="en-US" dirty="0" err="1" smtClean="0"/>
+              <a:t>FillLayout</a:t>
+            </a:r>
+            <a:endParaRPr lang="en-US" dirty="0"/>
+          </a:p>
+        </p:txBody>
+      </p:sp>
+      <p:sp>
+        <p:nvSpPr>
+          <p:cNvPr id="3" name="Content Placeholder 2"/>
+          <p:cNvSpPr>
+            <a:spLocks noGrp="1"/>
+          </p:cNvSpPr>
+          <p:nvPr>
+            <p:ph idx="1"/>
+          </p:nvPr>
+        </p:nvSpPr>
+        <p:spPr/>
+        <p:txBody>
+          <a:bodyPr>
+            <a:normAutofit lnSpcReduction="10000"/>
+          </a:bodyPr>
+          <a:lstStyle/>
+          <a:p>
+            <a:r>
+              <a:rPr lang="en-US" dirty="0" err="1"/>
+              <a:t>FillLayout</a:t>
+            </a:r>
+            <a:r>
+              <a:rPr lang="en-US" dirty="0"/>
+              <a:t> is the simplest layout class. </a:t>
+            </a:r>
+            <a:endParaRPr lang="en-US" dirty="0" smtClean="0"/>
+          </a:p>
+          <a:p>
+            <a:r>
+              <a:rPr lang="en-US" dirty="0" smtClean="0"/>
+              <a:t>It </a:t>
+            </a:r>
+            <a:r>
+              <a:rPr lang="en-US" dirty="0"/>
+              <a:t>lays out widgets in a single row or column, forcing them to be the same size</a:t>
+            </a:r>
+            <a:r>
+              <a:rPr lang="en-US" dirty="0" smtClean="0"/>
+              <a:t>.</a:t>
+            </a:r>
+          </a:p>
+          <a:p>
+            <a:endParaRPr lang="en-US" dirty="0"/>
+          </a:p>
+          <a:p>
+            <a:r>
+              <a:rPr lang="en-US" dirty="0" smtClean="0"/>
+              <a:t> </a:t>
+            </a:r>
+            <a:r>
+              <a:rPr lang="en-US" dirty="0"/>
+              <a:t>Initially, the widgets will all be as tall as the tallest widget, and as wide as the widest. </a:t>
+            </a:r>
+            <a:endParaRPr lang="en-US" dirty="0" smtClean="0"/>
+          </a:p>
+          <a:p>
+            <a:endParaRPr lang="en-US" dirty="0"/>
+          </a:p>
+          <a:p>
+            <a:r>
+              <a:rPr lang="en-US" dirty="0" err="1" smtClean="0"/>
+              <a:t>FillLayout</a:t>
+            </a:r>
+            <a:r>
+              <a:rPr lang="en-US" dirty="0" smtClean="0"/>
+              <a:t> </a:t>
+            </a:r>
+            <a:r>
+              <a:rPr lang="en-US" dirty="0"/>
+              <a:t>does not wrap, and you cannot specify margins or spacing. You might use it to lay out buttons in a task bar or tool bar, or to stack checkboxes in a Group. </a:t>
+            </a:r>
+          </a:p>
+        </p:txBody>
+      </p:sp>
+    </p:spTree>
+    <p:extLst>
+      <p:ext uri="{BB962C8B-B14F-4D97-AF65-F5344CB8AC3E}">
+        <p14:creationId xmlns:p14="http://schemas.microsoft.com/office/powerpoint/2010/main" val="2674614097"/>
+      </p:ext>
+    </p:extLst>
+  </p:cSld>
+  <p:clrMapOvr>
+    <a:masterClrMapping/>
+  </p:clrMapOvr>
+</p:sld>
+</file>
+
+<file path=ppt/slides/slide105.xml><?xml version="1.0" encoding="utf-8"?>
+<p:sld xmlns:a="http://schemas.openxmlformats.org/drawingml/2006/main" xmlns:r="http://schemas.openxmlformats.org/officeDocument/2006/relationships" xmlns:p="http://schemas.openxmlformats.org/presentationml/2006/main">
+  <p:cSld>
+    <p:spTree>
+      <p:nvGrpSpPr>
+        <p:cNvPr id="1" name=""/>
+        <p:cNvGrpSpPr/>
+        <p:nvPr/>
+      </p:nvGrpSpPr>
+      <p:grpSpPr>
+        <a:xfrm>
+          <a:off x="0" y="0"/>
+          <a:ext cx="0" cy="0"/>
+          <a:chOff x="0" y="0"/>
+          <a:chExt cx="0" cy="0"/>
+        </a:xfrm>
+      </p:grpSpPr>
+      <p:sp>
+        <p:nvSpPr>
+          <p:cNvPr id="2" name="Title 1"/>
+          <p:cNvSpPr>
+            <a:spLocks noGrp="1"/>
+          </p:cNvSpPr>
+          <p:nvPr>
+            <p:ph type="title"/>
+          </p:nvPr>
+        </p:nvSpPr>
+        <p:spPr/>
+        <p:txBody>
+          <a:bodyPr/>
+          <a:lstStyle/>
+          <a:p>
+            <a:r>
+              <a:rPr lang="en-US" dirty="0" err="1" smtClean="0"/>
+              <a:t>FillLayout</a:t>
+            </a:r>
+            <a:r>
+              <a:rPr lang="en-US" dirty="0" smtClean="0"/>
+              <a:t> types</a:t>
+            </a:r>
+            <a:endParaRPr lang="en-US" dirty="0"/>
+          </a:p>
+        </p:txBody>
+      </p:sp>
+      <p:sp>
+        <p:nvSpPr>
+          <p:cNvPr id="5" name="Content Placeholder 4"/>
+          <p:cNvSpPr>
+            <a:spLocks noGrp="1"/>
+          </p:cNvSpPr>
+          <p:nvPr>
+            <p:ph idx="1"/>
+          </p:nvPr>
+        </p:nvSpPr>
+        <p:spPr/>
+        <p:txBody>
+          <a:bodyPr/>
+          <a:lstStyle/>
+          <a:p>
+            <a:r>
+              <a:rPr lang="en-US" dirty="0" err="1"/>
+              <a:t>fillLayout.type</a:t>
+            </a:r>
+            <a:r>
+              <a:rPr lang="en-US" dirty="0"/>
+              <a:t> = </a:t>
+            </a:r>
+            <a:r>
+              <a:rPr lang="en-US" dirty="0" smtClean="0"/>
+              <a:t>SWT.HORIZONTAL</a:t>
+            </a:r>
+          </a:p>
+          <a:p>
+            <a:endParaRPr lang="en-US" dirty="0" smtClean="0"/>
+          </a:p>
+          <a:p>
+            <a:endParaRPr lang="en-US" dirty="0"/>
+          </a:p>
+          <a:p>
+            <a:endParaRPr lang="en-US" dirty="0" smtClean="0"/>
+          </a:p>
+          <a:p>
+            <a:r>
+              <a:rPr lang="en-US" dirty="0" err="1" smtClean="0"/>
+              <a:t>fillLayout.type</a:t>
+            </a:r>
+            <a:r>
+              <a:rPr lang="en-US" dirty="0" smtClean="0"/>
+              <a:t> = SWT.VERTICAL</a:t>
+            </a:r>
+          </a:p>
+          <a:p>
+            <a:endParaRPr lang="en-US" dirty="0"/>
+          </a:p>
+        </p:txBody>
+      </p:sp>
+      <p:pic>
+        <p:nvPicPr>
+          <p:cNvPr id="8" name="Picture 7"/>
+          <p:cNvPicPr>
+            <a:picLocks noChangeAspect="1"/>
+          </p:cNvPicPr>
+          <p:nvPr/>
+        </p:nvPicPr>
+        <p:blipFill>
+          <a:blip r:embed="rId2">
+            <a:extLst>
+              <a:ext uri="{28A0092B-C50C-407E-A947-70E740481C1C}">
+                <a14:useLocalDpi xmlns:a14="http://schemas.microsoft.com/office/drawing/2010/main" val="0"/>
+              </a:ext>
+            </a:extLst>
+          </a:blip>
+          <a:stretch>
+            <a:fillRect/>
+          </a:stretch>
+        </p:blipFill>
+        <p:spPr>
+          <a:xfrm>
+            <a:off x="1230199" y="2617350"/>
+            <a:ext cx="8077900" cy="883997"/>
+          </a:xfrm>
+          <a:prstGeom prst="rect">
+            <a:avLst/>
+          </a:prstGeom>
+        </p:spPr>
+      </p:pic>
+      <p:pic>
+        <p:nvPicPr>
+          <p:cNvPr id="9" name="Picture 8"/>
+          <p:cNvPicPr>
+            <a:picLocks noChangeAspect="1"/>
+          </p:cNvPicPr>
+          <p:nvPr/>
+        </p:nvPicPr>
+        <p:blipFill>
+          <a:blip r:embed="rId3">
+            <a:extLst>
+              <a:ext uri="{28A0092B-C50C-407E-A947-70E740481C1C}">
+                <a14:useLocalDpi xmlns:a14="http://schemas.microsoft.com/office/drawing/2010/main" val="0"/>
+              </a:ext>
+            </a:extLst>
+          </a:blip>
+          <a:stretch>
+            <a:fillRect/>
+          </a:stretch>
+        </p:blipFill>
+        <p:spPr>
+          <a:xfrm>
+            <a:off x="1230199" y="4569075"/>
+            <a:ext cx="7727350" cy="2019475"/>
+          </a:xfrm>
+          <a:prstGeom prst="rect">
+            <a:avLst/>
+          </a:prstGeom>
+        </p:spPr>
+      </p:pic>
+    </p:spTree>
+    <p:extLst>
+      <p:ext uri="{BB962C8B-B14F-4D97-AF65-F5344CB8AC3E}">
+        <p14:creationId xmlns:p14="http://schemas.microsoft.com/office/powerpoint/2010/main" val="26907087"/>
+      </p:ext>
+    </p:extLst>
+  </p:cSld>
+  <p:clrMapOvr>
+    <a:masterClrMapping/>
+  </p:clrMapOvr>
+</p:sld>
+</file>
+
+<file path=ppt/slides/slide106.xml><?xml version="1.0" encoding="utf-8"?>
+<p:sld xmlns:a="http://schemas.openxmlformats.org/drawingml/2006/main" xmlns:r="http://schemas.openxmlformats.org/officeDocument/2006/relationships" xmlns:p="http://schemas.openxmlformats.org/presentationml/2006/main">
+  <p:cSld>
+    <p:spTree>
+      <p:nvGrpSpPr>
+        <p:cNvPr id="1" name=""/>
+        <p:cNvGrpSpPr/>
+        <p:nvPr/>
+      </p:nvGrpSpPr>
+      <p:grpSpPr>
+        <a:xfrm>
+          <a:off x="0" y="0"/>
+          <a:ext cx="0" cy="0"/>
+          <a:chOff x="0" y="0"/>
+          <a:chExt cx="0" cy="0"/>
+        </a:xfrm>
+      </p:grpSpPr>
+      <p:sp>
+        <p:nvSpPr>
+          <p:cNvPr id="2" name="Title 1"/>
+          <p:cNvSpPr>
+            <a:spLocks noGrp="1"/>
+          </p:cNvSpPr>
+          <p:nvPr>
+            <p:ph type="title"/>
+          </p:nvPr>
+        </p:nvSpPr>
+        <p:spPr/>
+        <p:txBody>
+          <a:bodyPr/>
+          <a:lstStyle/>
+          <a:p>
+            <a:r>
+              <a:rPr lang="en-US" dirty="0" smtClean="0"/>
+              <a:t>Row Layout</a:t>
+            </a:r>
+            <a:endParaRPr lang="en-US" dirty="0"/>
+          </a:p>
+        </p:txBody>
+      </p:sp>
+      <p:sp>
+        <p:nvSpPr>
+          <p:cNvPr id="3" name="Content Placeholder 2"/>
+          <p:cNvSpPr>
+            <a:spLocks noGrp="1"/>
+          </p:cNvSpPr>
+          <p:nvPr>
+            <p:ph idx="1"/>
+          </p:nvPr>
+        </p:nvSpPr>
+        <p:spPr/>
+        <p:txBody>
+          <a:bodyPr/>
+          <a:lstStyle/>
+          <a:p>
+            <a:r>
+              <a:rPr lang="en-US" dirty="0" smtClean="0"/>
+              <a:t>It lays </a:t>
+            </a:r>
+            <a:r>
+              <a:rPr lang="en-US" dirty="0"/>
+              <a:t>out widgets in a row or rows, with fill, wrap, and spacing </a:t>
+            </a:r>
+            <a:r>
+              <a:rPr lang="en-US" dirty="0" smtClean="0"/>
+              <a:t>options</a:t>
+            </a:r>
+          </a:p>
+          <a:p>
+            <a:endParaRPr lang="en-US" dirty="0"/>
+          </a:p>
+          <a:p>
+            <a:r>
+              <a:rPr lang="en-US" dirty="0" err="1"/>
+              <a:t>rowLayout.wrap</a:t>
+            </a:r>
+            <a:r>
+              <a:rPr lang="en-US" dirty="0"/>
+              <a:t> = true;</a:t>
+            </a:r>
+          </a:p>
+          <a:p>
+            <a:r>
+              <a:rPr lang="en-US" dirty="0" err="1"/>
+              <a:t>rowLayout.pack</a:t>
+            </a:r>
+            <a:r>
+              <a:rPr lang="en-US" dirty="0"/>
+              <a:t> = true;</a:t>
+            </a:r>
+          </a:p>
+          <a:p>
+            <a:r>
+              <a:rPr lang="en-US" dirty="0" err="1"/>
+              <a:t>rowLayout.justify</a:t>
+            </a:r>
+            <a:r>
+              <a:rPr lang="en-US" dirty="0"/>
+              <a:t> = false;</a:t>
+            </a:r>
+          </a:p>
+          <a:p>
+            <a:r>
+              <a:rPr lang="en-US" dirty="0" err="1"/>
+              <a:t>rowLayout.type</a:t>
+            </a:r>
+            <a:r>
+              <a:rPr lang="en-US" dirty="0"/>
+              <a:t> = SWT.HORIZONTAL</a:t>
+            </a:r>
+          </a:p>
+        </p:txBody>
+      </p:sp>
+    </p:spTree>
+    <p:extLst>
+      <p:ext uri="{BB962C8B-B14F-4D97-AF65-F5344CB8AC3E}">
+        <p14:creationId xmlns:p14="http://schemas.microsoft.com/office/powerpoint/2010/main" val="3518727054"/>
+      </p:ext>
+    </p:extLst>
+  </p:cSld>
+  <p:clrMapOvr>
+    <a:masterClrMapping/>
+  </p:clrMapOvr>
+</p:sld>
+</file>
+
+<file path=ppt/slides/slide107.xml><?xml version="1.0" encoding="utf-8"?>
+<p:sld xmlns:a="http://schemas.openxmlformats.org/drawingml/2006/main" xmlns:r="http://schemas.openxmlformats.org/officeDocument/2006/relationships" xmlns:p="http://schemas.openxmlformats.org/presentationml/2006/main">
+  <p:cSld>
+    <p:spTree>
+      <p:nvGrpSpPr>
+        <p:cNvPr id="1" name=""/>
+        <p:cNvGrpSpPr/>
+        <p:nvPr/>
+      </p:nvGrpSpPr>
+      <p:grpSpPr>
+        <a:xfrm>
+          <a:off x="0" y="0"/>
+          <a:ext cx="0" cy="0"/>
+          <a:chOff x="0" y="0"/>
+          <a:chExt cx="0" cy="0"/>
+        </a:xfrm>
+      </p:grpSpPr>
+      <p:sp>
+        <p:nvSpPr>
+          <p:cNvPr id="2" name="Title 1"/>
+          <p:cNvSpPr>
+            <a:spLocks noGrp="1"/>
+          </p:cNvSpPr>
+          <p:nvPr>
+            <p:ph type="title"/>
+          </p:nvPr>
+        </p:nvSpPr>
+        <p:spPr/>
+        <p:txBody>
+          <a:bodyPr/>
+          <a:lstStyle/>
+          <a:p>
+            <a:r>
+              <a:rPr lang="en-US" dirty="0" smtClean="0"/>
+              <a:t>Grid Layout</a:t>
+            </a:r>
+            <a:endParaRPr lang="en-US" dirty="0"/>
+          </a:p>
+        </p:txBody>
+      </p:sp>
+      <p:sp>
+        <p:nvSpPr>
+          <p:cNvPr id="3" name="Content Placeholder 2"/>
+          <p:cNvSpPr>
+            <a:spLocks noGrp="1"/>
+          </p:cNvSpPr>
+          <p:nvPr>
+            <p:ph idx="1"/>
+          </p:nvPr>
+        </p:nvSpPr>
+        <p:spPr/>
+        <p:txBody>
+          <a:bodyPr/>
+          <a:lstStyle/>
+          <a:p>
+            <a:r>
+              <a:rPr lang="en-US" dirty="0" smtClean="0"/>
+              <a:t>Arranges in a grid like format </a:t>
+            </a:r>
+          </a:p>
+          <a:p>
+            <a:endParaRPr lang="en-US" dirty="0"/>
+          </a:p>
+          <a:p>
+            <a:r>
+              <a:rPr lang="en-US" dirty="0" smtClean="0"/>
+              <a:t>The number of columns in a grid can be specified in the </a:t>
+            </a:r>
+            <a:r>
+              <a:rPr lang="en-US" dirty="0" err="1" smtClean="0"/>
+              <a:t>GridLayot</a:t>
+            </a:r>
+            <a:r>
+              <a:rPr lang="en-US" dirty="0" smtClean="0"/>
+              <a:t> , the widgets are </a:t>
+            </a:r>
+            <a:r>
+              <a:rPr lang="en-US" dirty="0" err="1" smtClean="0"/>
+              <a:t>layed</a:t>
+            </a:r>
+            <a:r>
+              <a:rPr lang="en-US" dirty="0" smtClean="0"/>
+              <a:t> out as the number of columns</a:t>
+            </a:r>
+          </a:p>
+          <a:p>
+            <a:endParaRPr lang="en-US" dirty="0"/>
+          </a:p>
+          <a:p>
+            <a:r>
+              <a:rPr lang="en-US" dirty="0" smtClean="0"/>
+              <a:t>Uses </a:t>
+            </a:r>
+            <a:r>
+              <a:rPr lang="en-US" dirty="0" err="1" smtClean="0"/>
+              <a:t>GridData</a:t>
+            </a:r>
+            <a:r>
+              <a:rPr lang="en-US" dirty="0" smtClean="0"/>
+              <a:t> to manage the widget level layout parameters</a:t>
+            </a:r>
+            <a:endParaRPr lang="en-US" dirty="0"/>
+          </a:p>
+        </p:txBody>
+      </p:sp>
+    </p:spTree>
+    <p:extLst>
+      <p:ext uri="{BB962C8B-B14F-4D97-AF65-F5344CB8AC3E}">
+        <p14:creationId xmlns:p14="http://schemas.microsoft.com/office/powerpoint/2010/main" val="3692445834"/>
+      </p:ext>
+    </p:extLst>
+  </p:cSld>
+  <p:clrMapOvr>
+    <a:masterClrMapping/>
+  </p:clrMapOvr>
+</p:sld>
+</file>
+
+<file path=ppt/slides/slide108.xml><?xml version="1.0" encoding="utf-8"?>
+<p:sld xmlns:a="http://schemas.openxmlformats.org/drawingml/2006/main" xmlns:r="http://schemas.openxmlformats.org/officeDocument/2006/relationships" xmlns:p="http://schemas.openxmlformats.org/presentationml/2006/main">
+  <p:cSld>
+    <p:spTree>
+      <p:nvGrpSpPr>
+        <p:cNvPr id="1" name=""/>
+        <p:cNvGrpSpPr/>
+        <p:nvPr/>
+      </p:nvGrpSpPr>
+      <p:grpSpPr>
+        <a:xfrm>
+          <a:off x="0" y="0"/>
+          <a:ext cx="0" cy="0"/>
+          <a:chOff x="0" y="0"/>
+          <a:chExt cx="0" cy="0"/>
+        </a:xfrm>
+      </p:grpSpPr>
+      <p:sp>
+        <p:nvSpPr>
+          <p:cNvPr id="2" name="Title 1"/>
+          <p:cNvSpPr>
+            <a:spLocks noGrp="1"/>
+          </p:cNvSpPr>
+          <p:nvPr>
+            <p:ph type="title"/>
+          </p:nvPr>
+        </p:nvSpPr>
+        <p:spPr/>
+        <p:txBody>
+          <a:bodyPr/>
+          <a:lstStyle/>
+          <a:p>
+            <a:r>
+              <a:rPr lang="en-US" dirty="0" err="1" smtClean="0"/>
+              <a:t>StackLayout</a:t>
+            </a:r>
+            <a:endParaRPr lang="en-US" dirty="0"/>
+          </a:p>
+        </p:txBody>
+      </p:sp>
+      <p:sp>
+        <p:nvSpPr>
+          <p:cNvPr id="3" name="Content Placeholder 2"/>
+          <p:cNvSpPr>
+            <a:spLocks noGrp="1"/>
+          </p:cNvSpPr>
+          <p:nvPr>
+            <p:ph idx="1"/>
+          </p:nvPr>
+        </p:nvSpPr>
+        <p:spPr/>
+        <p:txBody>
+          <a:bodyPr/>
+          <a:lstStyle/>
+          <a:p>
+            <a:r>
+              <a:rPr lang="en-US" dirty="0" smtClean="0"/>
+              <a:t>Used to flip – flop between two composites which can be shown in a </a:t>
+            </a:r>
+          </a:p>
+          <a:p>
+            <a:pPr marL="0" indent="0">
+              <a:buNone/>
+            </a:pPr>
+            <a:r>
+              <a:rPr lang="en-US" dirty="0"/>
+              <a:t> </a:t>
+            </a:r>
+            <a:r>
+              <a:rPr lang="en-US" dirty="0" smtClean="0"/>
+              <a:t>  mutually exclusive way.</a:t>
+            </a:r>
+            <a:endParaRPr lang="en-US" dirty="0"/>
+          </a:p>
+        </p:txBody>
+      </p:sp>
+    </p:spTree>
+    <p:extLst>
+      <p:ext uri="{BB962C8B-B14F-4D97-AF65-F5344CB8AC3E}">
+        <p14:creationId xmlns:p14="http://schemas.microsoft.com/office/powerpoint/2010/main" val="1498775384"/>
+      </p:ext>
+    </p:extLst>
+  </p:cSld>
+  <p:clrMapOvr>
+    <a:masterClrMapping/>
+  </p:clrMapOvr>
+</p:sld>
+</file>
+
+<file path=ppt/slides/slide109.xml><?xml version="1.0" encoding="utf-8"?>
+<p:sld xmlns:a="http://schemas.openxmlformats.org/drawingml/2006/main" xmlns:r="http://schemas.openxmlformats.org/officeDocument/2006/relationships" xmlns:p="http://schemas.openxmlformats.org/presentationml/2006/main">
+  <p:cSld>
+    <p:spTree>
+      <p:nvGrpSpPr>
+        <p:cNvPr id="1" name=""/>
+        <p:cNvGrpSpPr/>
+        <p:nvPr/>
+      </p:nvGrpSpPr>
+      <p:grpSpPr>
+        <a:xfrm>
+          <a:off x="0" y="0"/>
+          <a:ext cx="0" cy="0"/>
+          <a:chOff x="0" y="0"/>
+          <a:chExt cx="0" cy="0"/>
+        </a:xfrm>
+      </p:grpSpPr>
+      <p:sp>
+        <p:nvSpPr>
+          <p:cNvPr id="2" name="Title 1"/>
+          <p:cNvSpPr>
+            <a:spLocks noGrp="1"/>
+          </p:cNvSpPr>
+          <p:nvPr>
+            <p:ph type="title"/>
+          </p:nvPr>
+        </p:nvSpPr>
+        <p:spPr/>
+        <p:txBody>
+          <a:bodyPr/>
+          <a:lstStyle/>
+          <a:p>
+            <a:r>
+              <a:rPr lang="en-US" dirty="0" smtClean="0"/>
+              <a:t>Custom Layout</a:t>
+            </a:r>
+            <a:endParaRPr lang="en-US" dirty="0"/>
+          </a:p>
+        </p:txBody>
+      </p:sp>
+      <p:sp>
+        <p:nvSpPr>
+          <p:cNvPr id="3" name="Content Placeholder 2"/>
+          <p:cNvSpPr>
+            <a:spLocks noGrp="1"/>
+          </p:cNvSpPr>
+          <p:nvPr>
+            <p:ph idx="1"/>
+          </p:nvPr>
+        </p:nvSpPr>
+        <p:spPr/>
+        <p:txBody>
+          <a:bodyPr/>
+          <a:lstStyle/>
+          <a:p>
+            <a:r>
+              <a:rPr lang="en-US" dirty="0" smtClean="0"/>
+              <a:t>Custom Layout used to have your own custom for a composite.</a:t>
+            </a:r>
+          </a:p>
+          <a:p>
+            <a:endParaRPr lang="en-US" dirty="0"/>
+          </a:p>
+          <a:p>
+            <a:r>
+              <a:rPr lang="en-US" dirty="0" smtClean="0"/>
+              <a:t>The </a:t>
+            </a:r>
+            <a:r>
+              <a:rPr lang="en-US" dirty="0" err="1" smtClean="0"/>
+              <a:t>computesize</a:t>
+            </a:r>
+            <a:r>
+              <a:rPr lang="en-US" dirty="0" smtClean="0"/>
+              <a:t> method computes size for each of the children of the composite</a:t>
+            </a:r>
+          </a:p>
+          <a:p>
+            <a:endParaRPr lang="en-US" dirty="0"/>
+          </a:p>
+          <a:p>
+            <a:r>
+              <a:rPr lang="en-US" dirty="0" smtClean="0"/>
+              <a:t>The layout method uses this size computed to render the widget with appropriate height and width.</a:t>
+            </a:r>
+          </a:p>
+          <a:p>
+            <a:pPr marL="0" indent="0">
+              <a:buNone/>
+            </a:pPr>
+            <a:endParaRPr lang="en-US" dirty="0"/>
+          </a:p>
+        </p:txBody>
+      </p:sp>
+    </p:spTree>
+    <p:extLst>
+      <p:ext uri="{BB962C8B-B14F-4D97-AF65-F5344CB8AC3E}">
+        <p14:creationId xmlns:p14="http://schemas.microsoft.com/office/powerpoint/2010/main" val="364607661"/>
+      </p:ext>
+    </p:extLst>
+  </p:cSld>
+  <p:clrMapOvr>
+    <a:masterClrMapping/>
+  </p:clrMapOvr>
 </p:sld>
 </file>
 
@@ -22828,14 +24100,21 @@
         </p:nvSpPr>
         <p:spPr/>
         <p:txBody>
-          <a:bodyPr/>
+          <a:bodyPr>
+            <a:normAutofit/>
+          </a:bodyPr>
           <a:lstStyle/>
           <a:p>
             <a:r>
-              <a:rPr lang="en-US" dirty="0" smtClean="0"/>
+              <a:rPr lang="en-US" sz="2800" kern="0" dirty="0">
+                <a:solidFill>
+                  <a:srgbClr val="4538A8"/>
+                </a:solidFill>
+                <a:latin typeface="Arial"/>
+                <a:cs typeface="Arial"/>
+              </a:rPr>
               <a:t>How to Open Editor ?</a:t>
             </a:r>
-            <a:endParaRPr lang="en-US" dirty="0"/>
           </a:p>
         </p:txBody>
       </p:sp>
@@ -22864,6 +24143,40 @@
               <a:rPr lang="en-US" dirty="0" smtClean="0"/>
               <a:t>These APIs can be called from a view or from a menu/command using a Handler.</a:t>
             </a:r>
+          </a:p>
+          <a:p>
+            <a:endParaRPr lang="en-US" dirty="0"/>
+          </a:p>
+          <a:p>
+            <a:r>
+              <a:rPr lang="en-US" dirty="0" err="1"/>
+              <a:t>HandlerUtil.</a:t>
+            </a:r>
+            <a:r>
+              <a:rPr lang="en-US" i="1" dirty="0" err="1"/>
+              <a:t>getActiveWorkbenchWindow</a:t>
+            </a:r>
+            <a:r>
+              <a:rPr lang="en-US" i="1" dirty="0"/>
+              <a:t>(event).</a:t>
+            </a:r>
+            <a:r>
+              <a:rPr lang="en-US" i="1" dirty="0" err="1"/>
+              <a:t>getActivePage</a:t>
+            </a:r>
+            <a:r>
+              <a:rPr lang="en-US" i="1" dirty="0"/>
+              <a:t>().</a:t>
+            </a:r>
+            <a:r>
+              <a:rPr lang="en-US" i="1" dirty="0" err="1"/>
+              <a:t>openEditor</a:t>
+            </a:r>
+            <a:r>
+              <a:rPr lang="en-US" i="1" dirty="0"/>
+              <a:t>(input, FirstEditor.ID);</a:t>
+            </a:r>
+            <a:endParaRPr lang="en-US" dirty="0" smtClean="0"/>
           </a:p>
           <a:p>
             <a:endParaRPr lang="en-US" dirty="0"/>
@@ -22880,6 +24193,13 @@
   <p:clrMapOvr>
     <a:masterClrMapping/>
   </p:clrMapOvr>
+  <p:timing>
+    <p:tnLst>
+      <p:par>
+        <p:cTn id="1" dur="indefinite" restart="never" nodeType="tmRoot"/>
+      </p:par>
+    </p:tnLst>
+  </p:timing>
 </p:sld>
 </file>
 
@@ -22917,20 +24237,37 @@
           <a:p>
             <a:r>
               <a:rPr lang="en-US" dirty="0" smtClean="0"/>
-              <a:t>              		Demo</a:t>
+              <a:t>              		</a:t>
+            </a:r>
+            <a:r>
+              <a:rPr lang="en-US" sz="5400" kern="0" dirty="0">
+                <a:solidFill>
+                  <a:srgbClr val="4538A8"/>
+                </a:solidFill>
+                <a:latin typeface="Arial"/>
+                <a:cs typeface="Arial"/>
+              </a:rPr>
+              <a:t>Demo</a:t>
             </a:r>
             <a:br>
-              <a:rPr lang="en-US" dirty="0" smtClean="0"/>
+              <a:rPr lang="en-US" sz="5400" kern="0" dirty="0">
+                <a:solidFill>
+                  <a:srgbClr val="4538A8"/>
+                </a:solidFill>
+                <a:latin typeface="Arial"/>
+                <a:cs typeface="Arial"/>
+              </a:rPr>
             </a:br>
             <a:r>
-              <a:rPr lang="en-US" dirty="0"/>
-              <a:t>	</a:t>
-            </a:r>
-            <a:r>
-              <a:rPr lang="en-US" dirty="0" smtClean="0"/>
-              <a:t>	   Simple UI Editor</a:t>
-            </a:r>
-            <a:endParaRPr lang="en-US" dirty="0"/>
+              <a:rPr lang="en-US" sz="5400" kern="0" dirty="0">
+                <a:solidFill>
+                  <a:srgbClr val="4538A8"/>
+                </a:solidFill>
+                <a:latin typeface="Arial"/>
+                <a:cs typeface="Arial"/>
+              </a:rPr>
+              <a:t>		   Simple UI Editor</a:t>
+            </a:r>
           </a:p>
         </p:txBody>
       </p:sp>
@@ -24379,15 +25716,8 @@
                 <a:latin typeface="Arial"/>
                 <a:cs typeface="Arial"/>
               </a:rPr>
-              <a:t>SWT Overview..</a:t>
-            </a:r>
-            <a:endParaRPr lang="en-US" sz="2800" kern="0" dirty="0">
-              <a:solidFill>
-                <a:srgbClr val="4538A8"/>
-              </a:solidFill>
-              <a:latin typeface="Arial"/>
-              <a:cs typeface="Arial"/>
-            </a:endParaRPr>
+              <a:t>Branding</a:t>
+            </a:r>
           </a:p>
         </p:txBody>
       </p:sp>
@@ -24407,49 +25737,37 @@
           <a:lstStyle/>
           <a:p>
             <a:r>
-              <a:rPr lang="en-US" dirty="0"/>
-              <a:t>The purpose of SWT </a:t>
-            </a:r>
-            <a:endParaRPr lang="en-US" dirty="0" smtClean="0"/>
-          </a:p>
-          <a:p>
-            <a:r>
-              <a:rPr lang="en-US" dirty="0" smtClean="0"/>
-              <a:t>The </a:t>
-            </a:r>
-            <a:r>
-              <a:rPr lang="en-US" dirty="0"/>
-              <a:t>reasons for their creation </a:t>
-            </a:r>
-            <a:endParaRPr lang="en-US" dirty="0" smtClean="0"/>
-          </a:p>
-          <a:p>
-            <a:r>
-              <a:rPr lang="en-US" dirty="0" smtClean="0"/>
-              <a:t> </a:t>
-            </a:r>
-            <a:r>
-              <a:rPr lang="en-US" dirty="0"/>
-              <a:t>How the two libraries differ from Swing </a:t>
-            </a:r>
-            <a:endParaRPr lang="en-US" dirty="0" smtClean="0"/>
-          </a:p>
-          <a:p>
-            <a:r>
-              <a:rPr lang="en-US" dirty="0" smtClean="0"/>
-              <a:t> </a:t>
-            </a:r>
-            <a:r>
-              <a:rPr lang="en-US" dirty="0"/>
-              <a:t>Licensing and platform support</a:t>
-            </a:r>
+              <a:rPr lang="en-US" dirty="0" smtClean="0"/>
+              <a:t>In Eclipse branding an RCP application is done by providing the branding information in the .product file.</a:t>
+            </a:r>
+          </a:p>
+          <a:p>
+            <a:r>
+              <a:rPr lang="en-US" dirty="0" smtClean="0"/>
+              <a:t>The branding information will inform the image to be used as splash and the launch of the product</a:t>
+            </a:r>
+          </a:p>
+          <a:p>
+            <a:r>
+              <a:rPr lang="en-US" dirty="0" smtClean="0"/>
+              <a:t>The name of .exe generated when the product is exported </a:t>
+            </a:r>
+          </a:p>
+          <a:p>
+            <a:r>
+              <a:rPr lang="en-US" dirty="0" smtClean="0"/>
+              <a:t>Icons for the .exe , shortcut and Task bar icon can be specified in the branding</a:t>
+            </a:r>
+          </a:p>
+          <a:p>
+            <a:endParaRPr lang="en-US" dirty="0"/>
           </a:p>
         </p:txBody>
       </p:sp>
     </p:spTree>
     <p:extLst>
       <p:ext uri="{BB962C8B-B14F-4D97-AF65-F5344CB8AC3E}">
-        <p14:creationId xmlns:p14="http://schemas.microsoft.com/office/powerpoint/2010/main" val="809343945"/>
+        <p14:creationId xmlns:p14="http://schemas.microsoft.com/office/powerpoint/2010/main" val="2207907778"/>
       </p:ext>
     </p:extLst>
   </p:cSld>
@@ -24500,7 +25818,7 @@
           <a:p>
             <a:r>
               <a:rPr lang="en-US" dirty="0" smtClean="0"/>
-              <a:t>What exactly is SWT</a:t>
+              <a:t>Product file Changes</a:t>
             </a:r>
             <a:endParaRPr lang="en-US" dirty="0"/>
           </a:p>
@@ -24518,69 +25836,39 @@
         </p:nvSpPr>
         <p:spPr/>
         <p:txBody>
-          <a:bodyPr>
-            <a:normAutofit/>
-          </a:bodyPr>
+          <a:bodyPr/>
           <a:lstStyle/>
           <a:p>
             <a:r>
-              <a:rPr lang="en-US" dirty="0"/>
-              <a:t>Although we refer to </a:t>
-            </a:r>
-            <a:r>
-              <a:rPr lang="en-US" dirty="0" smtClean="0"/>
-              <a:t>SWT as a </a:t>
-            </a:r>
-            <a:r>
-              <a:rPr lang="en-US" dirty="0"/>
-              <a:t>tools or </a:t>
-            </a:r>
-            <a:r>
-              <a:rPr lang="en-US" dirty="0" smtClean="0"/>
-              <a:t>toolset, it is  </a:t>
-            </a:r>
-            <a:r>
-              <a:rPr lang="en-US" dirty="0"/>
-              <a:t>essentially software </a:t>
-            </a:r>
-            <a:r>
-              <a:rPr lang="en-US" dirty="0" smtClean="0"/>
-              <a:t>library.</a:t>
-            </a:r>
-          </a:p>
-          <a:p>
-            <a:r>
-              <a:rPr lang="en-US" dirty="0" smtClean="0"/>
-              <a:t> It  </a:t>
-            </a:r>
-            <a:r>
-              <a:rPr lang="en-US" dirty="0"/>
-              <a:t>consist of packages that contain Java classes and interfaces. But what makes these components so special is that you can combine them to form GUIs</a:t>
-            </a:r>
-            <a:r>
-              <a:rPr lang="en-US" dirty="0" smtClean="0"/>
-              <a:t>.</a:t>
-            </a:r>
-          </a:p>
-          <a:p>
-            <a:r>
-              <a:rPr lang="en-US" dirty="0" smtClean="0"/>
-              <a:t>Can be independently run in a Java program independent of Eclipse Platform as a java library.</a:t>
-            </a:r>
-          </a:p>
-          <a:p>
-            <a:r>
-              <a:rPr lang="en-US" dirty="0" smtClean="0"/>
-              <a:t> </a:t>
-            </a:r>
-            <a:r>
-              <a:rPr lang="en-US" dirty="0"/>
-              <a:t>And not just any GUIs, either! Your applications will run quickly, make effective use of computer </a:t>
-            </a:r>
-            <a:r>
-              <a:rPr lang="en-US" dirty="0" smtClean="0"/>
-              <a:t>memory</a:t>
-            </a:r>
+              <a:rPr lang="en-US" dirty="0" smtClean="0"/>
+              <a:t>In the product file the values in the following  tabs are changed</a:t>
+            </a:r>
+          </a:p>
+          <a:p>
+            <a:r>
+              <a:rPr lang="en-US" dirty="0" smtClean="0"/>
+              <a:t>Launching:</a:t>
+            </a:r>
+          </a:p>
+          <a:p>
+            <a:r>
+              <a:rPr lang="en-US" dirty="0" smtClean="0"/>
+              <a:t>Change the name of the Launcher , by default the .exe is named as eclipse.exe , name this to your application name.</a:t>
+            </a:r>
+          </a:p>
+          <a:p>
+            <a:r>
+              <a:rPr lang="en-US" dirty="0" smtClean="0"/>
+              <a:t>Add a splash.bmp image to the plugin and make sure in the splash tab the reference for the plugin containing the splash image is given</a:t>
+            </a:r>
+          </a:p>
+          <a:p>
+            <a:r>
+              <a:rPr lang="en-US" dirty="0" smtClean="0"/>
+              <a:t>Icons for each of the .exe, desktop and taskbar icon are specified </a:t>
+            </a:r>
+          </a:p>
+          <a:p>
             <a:endParaRPr lang="en-US" dirty="0"/>
           </a:p>
         </p:txBody>
@@ -24588,7 +25876,7 @@
     </p:spTree>
     <p:extLst>
       <p:ext uri="{BB962C8B-B14F-4D97-AF65-F5344CB8AC3E}">
-        <p14:creationId xmlns:p14="http://schemas.microsoft.com/office/powerpoint/2010/main" val="4278772553"/>
+        <p14:creationId xmlns:p14="http://schemas.microsoft.com/office/powerpoint/2010/main" val="149128883"/>
       </p:ext>
     </p:extLst>
   </p:cSld>
@@ -24639,9 +25927,1442 @@
           <a:p>
             <a:r>
               <a:rPr lang="en-US" dirty="0" smtClean="0"/>
+              <a:t>About Dialog</a:t>
+            </a:r>
+            <a:endParaRPr lang="en-US" dirty="0"/>
+          </a:p>
+        </p:txBody>
+      </p:sp>
+      <p:sp>
+        <p:nvSpPr>
+          <p:cNvPr id="3" name="Content Placeholder 2"/>
+          <p:cNvSpPr>
+            <a:spLocks noGrp="1"/>
+          </p:cNvSpPr>
+          <p:nvPr>
+            <p:ph idx="1"/>
+          </p:nvPr>
+        </p:nvSpPr>
+        <p:spPr/>
+        <p:txBody>
+          <a:bodyPr/>
+          <a:lstStyle/>
+          <a:p>
+            <a:r>
+              <a:rPr lang="en-US" dirty="0" smtClean="0"/>
+              <a:t>In the Product About Dialog , an Image and a text to describe the Product is added.</a:t>
+            </a:r>
+          </a:p>
+          <a:p>
+            <a:endParaRPr lang="en-US" dirty="0"/>
+          </a:p>
+          <a:p>
+            <a:r>
+              <a:rPr lang="en-US" dirty="0" smtClean="0"/>
+              <a:t>The About Dialog has to be added to the RCP application using the command for About Dialog </a:t>
+            </a:r>
+          </a:p>
+          <a:p>
+            <a:endParaRPr lang="en-US" dirty="0"/>
+          </a:p>
+          <a:p>
+            <a:r>
+              <a:rPr lang="en-US" dirty="0" smtClean="0"/>
+              <a:t>Create a menu in the plugin.xml and associate it with the standard command for About Dialog.</a:t>
+            </a:r>
+            <a:endParaRPr lang="en-US" dirty="0"/>
+          </a:p>
+        </p:txBody>
+      </p:sp>
+    </p:spTree>
+    <p:extLst>
+      <p:ext uri="{BB962C8B-B14F-4D97-AF65-F5344CB8AC3E}">
+        <p14:creationId xmlns:p14="http://schemas.microsoft.com/office/powerpoint/2010/main" val="213937261"/>
+      </p:ext>
+    </p:extLst>
+  </p:cSld>
+  <p:clrMapOvr>
+    <a:masterClrMapping/>
+  </p:clrMapOvr>
+  <p:timing>
+    <p:tnLst>
+      <p:par>
+        <p:cTn id="1" dur="indefinite" restart="never" nodeType="tmRoot"/>
+      </p:par>
+    </p:tnLst>
+  </p:timing>
+</p:sld>
+</file>
+
+<file path=ppt/slides/slide79.xml><?xml version="1.0" encoding="utf-8"?>
+<p:sld xmlns:a="http://schemas.openxmlformats.org/drawingml/2006/main" xmlns:r="http://schemas.openxmlformats.org/officeDocument/2006/relationships" xmlns:p="http://schemas.openxmlformats.org/presentationml/2006/main">
+  <p:cSld>
+    <p:spTree>
+      <p:nvGrpSpPr>
+        <p:cNvPr id="1" name=""/>
+        <p:cNvGrpSpPr/>
+        <p:nvPr/>
+      </p:nvGrpSpPr>
+      <p:grpSpPr>
+        <a:xfrm>
+          <a:off x="0" y="0"/>
+          <a:ext cx="0" cy="0"/>
+          <a:chOff x="0" y="0"/>
+          <a:chExt cx="0" cy="0"/>
+        </a:xfrm>
+      </p:grpSpPr>
+      <p:sp>
+        <p:nvSpPr>
+          <p:cNvPr id="2" name="Title 1"/>
+          <p:cNvSpPr>
+            <a:spLocks noGrp="1"/>
+          </p:cNvSpPr>
+          <p:nvPr>
+            <p:ph type="title"/>
+          </p:nvPr>
+        </p:nvSpPr>
+        <p:spPr/>
+        <p:txBody>
+          <a:bodyPr/>
+          <a:lstStyle/>
+          <a:p>
+            <a:r>
+              <a:rPr lang="en-US" dirty="0" smtClean="0"/>
+              <a:t>Branding &amp; Licensing</a:t>
+            </a:r>
+            <a:endParaRPr lang="en-US" dirty="0"/>
+          </a:p>
+        </p:txBody>
+      </p:sp>
+      <p:sp>
+        <p:nvSpPr>
+          <p:cNvPr id="3" name="Content Placeholder 2"/>
+          <p:cNvSpPr>
+            <a:spLocks noGrp="1"/>
+          </p:cNvSpPr>
+          <p:nvPr>
+            <p:ph idx="1"/>
+          </p:nvPr>
+        </p:nvSpPr>
+        <p:spPr/>
+        <p:txBody>
+          <a:bodyPr/>
+          <a:lstStyle/>
+          <a:p>
+            <a:r>
+              <a:rPr lang="en-US" dirty="0" smtClean="0"/>
+              <a:t>The licensing information for the product can be added as part of the branding .</a:t>
+            </a:r>
+          </a:p>
+          <a:p>
+            <a:endParaRPr lang="en-US" dirty="0"/>
+          </a:p>
+          <a:p>
+            <a:r>
+              <a:rPr lang="en-US" dirty="0" smtClean="0"/>
+              <a:t>The license URL and the </a:t>
+            </a:r>
+            <a:r>
+              <a:rPr lang="en-US" dirty="0" err="1" smtClean="0"/>
+              <a:t>url</a:t>
+            </a:r>
+            <a:r>
+              <a:rPr lang="en-US" dirty="0" smtClean="0"/>
+              <a:t> for the update site can be provided.</a:t>
+            </a:r>
+            <a:endParaRPr lang="en-US" dirty="0"/>
+          </a:p>
+        </p:txBody>
+      </p:sp>
+    </p:spTree>
+    <p:extLst>
+      <p:ext uri="{BB962C8B-B14F-4D97-AF65-F5344CB8AC3E}">
+        <p14:creationId xmlns:p14="http://schemas.microsoft.com/office/powerpoint/2010/main" val="1857433349"/>
+      </p:ext>
+    </p:extLst>
+  </p:cSld>
+  <p:clrMapOvr>
+    <a:masterClrMapping/>
+  </p:clrMapOvr>
+  <p:timing>
+    <p:tnLst>
+      <p:par>
+        <p:cTn id="1" dur="indefinite" restart="never" nodeType="tmRoot"/>
+      </p:par>
+    </p:tnLst>
+  </p:timing>
+</p:sld>
+</file>
+
+<file path=ppt/slides/slide8.xml><?xml version="1.0" encoding="utf-8"?>
+<p:sld xmlns:a="http://schemas.openxmlformats.org/drawingml/2006/main" xmlns:r="http://schemas.openxmlformats.org/officeDocument/2006/relationships" xmlns:p="http://schemas.openxmlformats.org/presentationml/2006/main">
+  <p:cSld>
+    <p:spTree>
+      <p:nvGrpSpPr>
+        <p:cNvPr id="1" name=""/>
+        <p:cNvGrpSpPr/>
+        <p:nvPr/>
+      </p:nvGrpSpPr>
+      <p:grpSpPr>
+        <a:xfrm>
+          <a:off x="0" y="0"/>
+          <a:ext cx="0" cy="0"/>
+          <a:chOff x="0" y="0"/>
+          <a:chExt cx="0" cy="0"/>
+        </a:xfrm>
+      </p:grpSpPr>
+      <p:sp>
+        <p:nvSpPr>
+          <p:cNvPr id="2" name="Title 1"/>
+          <p:cNvSpPr>
+            <a:spLocks noGrp="1"/>
+          </p:cNvSpPr>
+          <p:nvPr>
+            <p:ph type="title"/>
+          </p:nvPr>
+        </p:nvSpPr>
+        <p:spPr/>
+        <p:txBody>
+          <a:bodyPr/>
+          <a:lstStyle/>
+          <a:p>
+            <a:r>
+              <a:rPr lang="en-US" altLang="en-US" sz="2800" kern="0" dirty="0">
+                <a:solidFill>
+                  <a:srgbClr val="4538A8"/>
+                </a:solidFill>
+                <a:latin typeface="Arial"/>
+                <a:cs typeface="Arial"/>
+              </a:rPr>
+              <a:t>Why should you use it? – The good reasons</a:t>
+            </a:r>
+            <a:endParaRPr lang="en-US" sz="2800" kern="0" dirty="0">
+              <a:solidFill>
+                <a:srgbClr val="4538A8"/>
+              </a:solidFill>
+              <a:latin typeface="Arial"/>
+              <a:cs typeface="Arial"/>
+            </a:endParaRPr>
+          </a:p>
+        </p:txBody>
+      </p:sp>
+      <p:sp>
+        <p:nvSpPr>
+          <p:cNvPr id="5" name="Content Placeholder 2"/>
+          <p:cNvSpPr>
+            <a:spLocks noGrp="1"/>
+          </p:cNvSpPr>
+          <p:nvPr>
+            <p:ph idx="1"/>
+          </p:nvPr>
+        </p:nvSpPr>
+        <p:spPr/>
+        <p:txBody>
+          <a:bodyPr>
+            <a:normAutofit lnSpcReduction="10000"/>
+          </a:bodyPr>
+          <a:lstStyle/>
+          <a:p>
+            <a:r>
+              <a:rPr lang="en-US" altLang="en-US" sz="2800" dirty="0" smtClean="0"/>
+              <a:t>Branding</a:t>
+            </a:r>
+          </a:p>
+          <a:p>
+            <a:pPr lvl="1"/>
+            <a:r>
+              <a:rPr lang="en-US" altLang="en-US" dirty="0" smtClean="0"/>
+              <a:t>Splash screens, intro screen, icon sets, cheat sheets, No need to have anything “Eclipse” about it</a:t>
+            </a:r>
+          </a:p>
+          <a:p>
+            <a:r>
+              <a:rPr lang="en-US" altLang="en-US" sz="2800" dirty="0" smtClean="0"/>
+              <a:t>Extensible help</a:t>
+            </a:r>
+          </a:p>
+          <a:p>
+            <a:r>
+              <a:rPr lang="en-US" altLang="en-US" sz="2800" dirty="0" smtClean="0"/>
+              <a:t>Manages the mundane</a:t>
+            </a:r>
+          </a:p>
+          <a:p>
+            <a:pPr lvl="1"/>
+            <a:r>
+              <a:rPr lang="en-US" altLang="en-US" dirty="0" smtClean="0"/>
+              <a:t>Preference store, update manager, tips and tricks, navigation</a:t>
+            </a:r>
+          </a:p>
+          <a:p>
+            <a:r>
+              <a:rPr lang="en-US" altLang="en-US" sz="2800" dirty="0" smtClean="0"/>
+              <a:t>Access to a world of plug-ins</a:t>
+            </a:r>
+          </a:p>
+          <a:p>
+            <a:pPr lvl="1"/>
+            <a:r>
+              <a:rPr lang="en-US" altLang="en-US" dirty="0" smtClean="0"/>
+              <a:t>Leverage other plug-ins, your application is improved as Eclipse improves</a:t>
+            </a:r>
+            <a:r>
+              <a:rPr lang="en-US" altLang="en-US" sz="1400" dirty="0" smtClean="0"/>
+              <a:t>  (force multiplier!)</a:t>
+            </a:r>
+          </a:p>
+          <a:p>
+            <a:r>
+              <a:rPr lang="en-US" altLang="en-US" sz="2800" dirty="0" smtClean="0"/>
+              <a:t>Much more, just ask, look and find; chances are if it is not application specific it is in Eclipse!</a:t>
+            </a:r>
+          </a:p>
+          <a:p>
+            <a:endParaRPr lang="en-AU" altLang="en-US" sz="2800" dirty="0" smtClean="0"/>
+          </a:p>
+        </p:txBody>
+      </p:sp>
+    </p:spTree>
+    <p:extLst>
+      <p:ext uri="{BB962C8B-B14F-4D97-AF65-F5344CB8AC3E}">
+        <p14:creationId xmlns:p14="http://schemas.microsoft.com/office/powerpoint/2010/main" val="1793003071"/>
+      </p:ext>
+    </p:extLst>
+  </p:cSld>
+  <p:clrMapOvr>
+    <a:masterClrMapping/>
+  </p:clrMapOvr>
+  <p:timing>
+    <p:tnLst>
+      <p:par>
+        <p:cTn id="1" dur="indefinite" restart="never" nodeType="tmRoot"/>
+      </p:par>
+    </p:tnLst>
+  </p:timing>
+</p:sld>
+</file>
+
+<file path=ppt/slides/slide80.xml><?xml version="1.0" encoding="utf-8"?>
+<p:sld xmlns:a="http://schemas.openxmlformats.org/drawingml/2006/main" xmlns:r="http://schemas.openxmlformats.org/officeDocument/2006/relationships" xmlns:p="http://schemas.openxmlformats.org/presentationml/2006/main">
+  <p:cSld>
+    <p:spTree>
+      <p:nvGrpSpPr>
+        <p:cNvPr id="1" name=""/>
+        <p:cNvGrpSpPr/>
+        <p:nvPr/>
+      </p:nvGrpSpPr>
+      <p:grpSpPr>
+        <a:xfrm>
+          <a:off x="0" y="0"/>
+          <a:ext cx="0" cy="0"/>
+          <a:chOff x="0" y="0"/>
+          <a:chExt cx="0" cy="0"/>
+        </a:xfrm>
+      </p:grpSpPr>
+      <p:sp>
+        <p:nvSpPr>
+          <p:cNvPr id="2" name="Title 1"/>
+          <p:cNvSpPr>
+            <a:spLocks noGrp="1"/>
+          </p:cNvSpPr>
+          <p:nvPr>
+            <p:ph type="title"/>
+          </p:nvPr>
+        </p:nvSpPr>
+        <p:spPr/>
+        <p:txBody>
+          <a:bodyPr/>
+          <a:lstStyle/>
+          <a:p>
+            <a:r>
+              <a:rPr lang="en-US" dirty="0" smtClean="0"/>
+              <a:t>Update URL</a:t>
+            </a:r>
+            <a:endParaRPr lang="en-US" dirty="0"/>
+          </a:p>
+        </p:txBody>
+      </p:sp>
+      <p:sp>
+        <p:nvSpPr>
+          <p:cNvPr id="3" name="Content Placeholder 2"/>
+          <p:cNvSpPr>
+            <a:spLocks noGrp="1"/>
+          </p:cNvSpPr>
+          <p:nvPr>
+            <p:ph idx="1"/>
+          </p:nvPr>
+        </p:nvSpPr>
+        <p:spPr/>
+        <p:txBody>
+          <a:bodyPr/>
+          <a:lstStyle/>
+          <a:p>
+            <a:r>
+              <a:rPr lang="en-US" dirty="0" smtClean="0"/>
+              <a:t>An update URL can be specified where the repository for the application is present .</a:t>
+            </a:r>
+          </a:p>
+          <a:p>
+            <a:endParaRPr lang="en-US" dirty="0"/>
+          </a:p>
+          <a:p>
+            <a:r>
+              <a:rPr lang="en-US" dirty="0" smtClean="0"/>
+              <a:t>The repository will have a plugins directory and artifacts.jar  and content.jar</a:t>
+            </a:r>
+            <a:endParaRPr lang="en-US" dirty="0"/>
+          </a:p>
+        </p:txBody>
+      </p:sp>
+    </p:spTree>
+    <p:extLst>
+      <p:ext uri="{BB962C8B-B14F-4D97-AF65-F5344CB8AC3E}">
+        <p14:creationId xmlns:p14="http://schemas.microsoft.com/office/powerpoint/2010/main" val="1345506082"/>
+      </p:ext>
+    </p:extLst>
+  </p:cSld>
+  <p:clrMapOvr>
+    <a:masterClrMapping/>
+  </p:clrMapOvr>
+  <p:timing>
+    <p:tnLst>
+      <p:par>
+        <p:cTn id="1" dur="indefinite" restart="never" nodeType="tmRoot"/>
+      </p:par>
+    </p:tnLst>
+  </p:timing>
+</p:sld>
+</file>
+
+<file path=ppt/slides/slide81.xml><?xml version="1.0" encoding="utf-8"?>
+<p:sld xmlns:a="http://schemas.openxmlformats.org/drawingml/2006/main" xmlns:r="http://schemas.openxmlformats.org/officeDocument/2006/relationships" xmlns:p="http://schemas.openxmlformats.org/presentationml/2006/main">
+  <p:cSld>
+    <p:bg>
+      <p:bgRef idx="1001">
+        <a:schemeClr val="bg1"/>
+      </p:bgRef>
+    </p:bg>
+    <p:spTree>
+      <p:nvGrpSpPr>
+        <p:cNvPr id="1" name=""/>
+        <p:cNvGrpSpPr/>
+        <p:nvPr/>
+      </p:nvGrpSpPr>
+      <p:grpSpPr>
+        <a:xfrm>
+          <a:off x="0" y="0"/>
+          <a:ext cx="0" cy="0"/>
+          <a:chOff x="0" y="0"/>
+          <a:chExt cx="0" cy="0"/>
+        </a:xfrm>
+      </p:grpSpPr>
+      <p:sp>
+        <p:nvSpPr>
+          <p:cNvPr id="2" name="Title 1"/>
+          <p:cNvSpPr>
+            <a:spLocks noGrp="1"/>
+          </p:cNvSpPr>
+          <p:nvPr>
+            <p:ph type="title"/>
+          </p:nvPr>
+        </p:nvSpPr>
+        <p:spPr/>
+        <p:txBody>
+          <a:bodyPr>
+            <a:normAutofit/>
+          </a:bodyPr>
+          <a:lstStyle/>
+          <a:p>
+            <a:r>
+              <a:rPr lang="en-US" sz="2800" kern="0" dirty="0">
+                <a:solidFill>
+                  <a:srgbClr val="4538A8"/>
+                </a:solidFill>
+                <a:latin typeface="Arial"/>
+                <a:cs typeface="Arial"/>
+              </a:rPr>
+              <a:t>Features</a:t>
+            </a:r>
+          </a:p>
+        </p:txBody>
+      </p:sp>
+      <p:sp>
+        <p:nvSpPr>
+          <p:cNvPr id="3" name="Content Placeholder 2"/>
+          <p:cNvSpPr>
+            <a:spLocks noGrp="1"/>
+          </p:cNvSpPr>
+          <p:nvPr>
+            <p:ph idx="1"/>
+          </p:nvPr>
+        </p:nvSpPr>
+        <p:spPr/>
+        <p:txBody>
+          <a:bodyPr/>
+          <a:lstStyle/>
+          <a:p>
+            <a:r>
+              <a:rPr lang="en-US" dirty="0" smtClean="0"/>
+              <a:t>A feature is component in eclipse RCP like the plugins , where in we group the related plugins into a single feature</a:t>
+            </a:r>
+          </a:p>
+          <a:p>
+            <a:endParaRPr lang="en-US" dirty="0"/>
+          </a:p>
+          <a:p>
+            <a:r>
+              <a:rPr lang="en-US" dirty="0" smtClean="0"/>
+              <a:t>A feature created will have a feature.xml which contains the information about the dependencies of the feature.</a:t>
+            </a:r>
+          </a:p>
+          <a:p>
+            <a:endParaRPr lang="en-US" dirty="0"/>
+          </a:p>
+          <a:p>
+            <a:r>
+              <a:rPr lang="en-US" dirty="0" smtClean="0"/>
+              <a:t>The feature can have another feature / plugins as it dependent features and plugins .</a:t>
+            </a:r>
+            <a:endParaRPr lang="en-US" dirty="0"/>
+          </a:p>
+        </p:txBody>
+      </p:sp>
+    </p:spTree>
+    <p:extLst>
+      <p:ext uri="{BB962C8B-B14F-4D97-AF65-F5344CB8AC3E}">
+        <p14:creationId xmlns:p14="http://schemas.microsoft.com/office/powerpoint/2010/main" val="1486889717"/>
+      </p:ext>
+    </p:extLst>
+  </p:cSld>
+  <p:clrMapOvr>
+    <a:overrideClrMapping bg1="lt1" tx1="dk1" bg2="lt2" tx2="dk2" accent1="accent1" accent2="accent2" accent3="accent3" accent4="accent4" accent5="accent5" accent6="accent6" hlink="hlink" folHlink="folHlink"/>
+  </p:clrMapOvr>
+  <p:timing>
+    <p:tnLst>
+      <p:par>
+        <p:cTn id="1" dur="indefinite" restart="never" nodeType="tmRoot"/>
+      </p:par>
+    </p:tnLst>
+  </p:timing>
+</p:sld>
+</file>
+
+<file path=ppt/slides/slide82.xml><?xml version="1.0" encoding="utf-8"?>
+<p:sld xmlns:a="http://schemas.openxmlformats.org/drawingml/2006/main" xmlns:r="http://schemas.openxmlformats.org/officeDocument/2006/relationships" xmlns:p="http://schemas.openxmlformats.org/presentationml/2006/main">
+  <p:cSld>
+    <p:spTree>
+      <p:nvGrpSpPr>
+        <p:cNvPr id="1" name=""/>
+        <p:cNvGrpSpPr/>
+        <p:nvPr/>
+      </p:nvGrpSpPr>
+      <p:grpSpPr>
+        <a:xfrm>
+          <a:off x="0" y="0"/>
+          <a:ext cx="0" cy="0"/>
+          <a:chOff x="0" y="0"/>
+          <a:chExt cx="0" cy="0"/>
+        </a:xfrm>
+      </p:grpSpPr>
+      <p:sp>
+        <p:nvSpPr>
+          <p:cNvPr id="2" name="Title 1"/>
+          <p:cNvSpPr>
+            <a:spLocks noGrp="1"/>
+          </p:cNvSpPr>
+          <p:nvPr>
+            <p:ph type="title"/>
+          </p:nvPr>
+        </p:nvSpPr>
+        <p:spPr/>
+        <p:txBody>
+          <a:bodyPr>
+            <a:normAutofit/>
+          </a:bodyPr>
+          <a:lstStyle/>
+          <a:p>
+            <a:r>
+              <a:rPr lang="en-US" sz="2800" kern="0" dirty="0">
+                <a:solidFill>
+                  <a:srgbClr val="4538A8"/>
+                </a:solidFill>
+                <a:latin typeface="Arial"/>
+                <a:cs typeface="Arial"/>
+              </a:rPr>
+              <a:t>Features</a:t>
+            </a:r>
+          </a:p>
+        </p:txBody>
+      </p:sp>
+      <p:sp>
+        <p:nvSpPr>
+          <p:cNvPr id="3" name="Content Placeholder 2"/>
+          <p:cNvSpPr>
+            <a:spLocks noGrp="1"/>
+          </p:cNvSpPr>
+          <p:nvPr>
+            <p:ph idx="1"/>
+          </p:nvPr>
+        </p:nvSpPr>
+        <p:spPr/>
+        <p:txBody>
+          <a:bodyPr/>
+          <a:lstStyle/>
+          <a:p>
+            <a:r>
+              <a:rPr lang="en-US" dirty="0" smtClean="0"/>
+              <a:t>The Eclipse RCP application can be configured to be exported using a feature project.</a:t>
+            </a:r>
+          </a:p>
+          <a:p>
+            <a:endParaRPr lang="en-US" dirty="0"/>
+          </a:p>
+          <a:p>
+            <a:r>
+              <a:rPr lang="en-US" dirty="0" smtClean="0"/>
+              <a:t>A features can have its own branding in terms of license information and update and can be added or removed from an eclipse RCP application to provide / remove a capability in the RCP application </a:t>
+            </a:r>
+            <a:endParaRPr lang="en-US" dirty="0"/>
+          </a:p>
+        </p:txBody>
+      </p:sp>
+    </p:spTree>
+    <p:extLst>
+      <p:ext uri="{BB962C8B-B14F-4D97-AF65-F5344CB8AC3E}">
+        <p14:creationId xmlns:p14="http://schemas.microsoft.com/office/powerpoint/2010/main" val="795550605"/>
+      </p:ext>
+    </p:extLst>
+  </p:cSld>
+  <p:clrMapOvr>
+    <a:masterClrMapping/>
+  </p:clrMapOvr>
+  <p:timing>
+    <p:tnLst>
+      <p:par>
+        <p:cTn id="1" dur="indefinite" restart="never" nodeType="tmRoot"/>
+      </p:par>
+    </p:tnLst>
+  </p:timing>
+</p:sld>
+</file>
+
+<file path=ppt/slides/slide83.xml><?xml version="1.0" encoding="utf-8"?>
+<p:sld xmlns:a="http://schemas.openxmlformats.org/drawingml/2006/main" xmlns:r="http://schemas.openxmlformats.org/officeDocument/2006/relationships" xmlns:p="http://schemas.openxmlformats.org/presentationml/2006/main">
+  <p:cSld>
+    <p:spTree>
+      <p:nvGrpSpPr>
+        <p:cNvPr id="1" name=""/>
+        <p:cNvGrpSpPr/>
+        <p:nvPr/>
+      </p:nvGrpSpPr>
+      <p:grpSpPr>
+        <a:xfrm>
+          <a:off x="0" y="0"/>
+          <a:ext cx="0" cy="0"/>
+          <a:chOff x="0" y="0"/>
+          <a:chExt cx="0" cy="0"/>
+        </a:xfrm>
+      </p:grpSpPr>
+      <p:sp>
+        <p:nvSpPr>
+          <p:cNvPr id="2" name="Title 1"/>
+          <p:cNvSpPr>
+            <a:spLocks noGrp="1"/>
+          </p:cNvSpPr>
+          <p:nvPr>
+            <p:ph type="title"/>
+          </p:nvPr>
+        </p:nvSpPr>
+        <p:spPr/>
+        <p:txBody>
+          <a:bodyPr>
+            <a:normAutofit/>
+          </a:bodyPr>
+          <a:lstStyle/>
+          <a:p>
+            <a:r>
+              <a:rPr lang="en-US" sz="2800" kern="0" dirty="0">
+                <a:solidFill>
+                  <a:srgbClr val="4538A8"/>
+                </a:solidFill>
+                <a:latin typeface="Arial"/>
+                <a:cs typeface="Arial"/>
+              </a:rPr>
+              <a:t>Creating a Feature Project</a:t>
+            </a:r>
+          </a:p>
+        </p:txBody>
+      </p:sp>
+      <p:sp>
+        <p:nvSpPr>
+          <p:cNvPr id="3" name="Content Placeholder 2"/>
+          <p:cNvSpPr>
+            <a:spLocks noGrp="1"/>
+          </p:cNvSpPr>
+          <p:nvPr>
+            <p:ph idx="1"/>
+          </p:nvPr>
+        </p:nvSpPr>
+        <p:spPr/>
+        <p:txBody>
+          <a:bodyPr/>
+          <a:lstStyle/>
+          <a:p>
+            <a:r>
+              <a:rPr lang="en-US" dirty="0" smtClean="0"/>
+              <a:t>Feature projects are created using the File-&gt; New .. Feature project</a:t>
+            </a:r>
+          </a:p>
+          <a:p>
+            <a:r>
+              <a:rPr lang="en-US" dirty="0" smtClean="0"/>
+              <a:t>An unique ID and a name and version is provided in the feature.</a:t>
+            </a:r>
+          </a:p>
+          <a:p>
+            <a:endParaRPr lang="en-US" dirty="0"/>
+          </a:p>
+          <a:p>
+            <a:r>
+              <a:rPr lang="en-US" dirty="0" smtClean="0"/>
+              <a:t>The dependencies for the feature are added as ‘Include features’ and ‘Included plugins’</a:t>
+            </a:r>
+          </a:p>
+          <a:p>
+            <a:endParaRPr lang="en-US" dirty="0"/>
+          </a:p>
+          <a:p>
+            <a:r>
+              <a:rPr lang="en-US" dirty="0" smtClean="0"/>
+              <a:t>The Product file can be configured to use the feature to run the eclipse application.</a:t>
+            </a:r>
+            <a:endParaRPr lang="en-US" dirty="0"/>
+          </a:p>
+        </p:txBody>
+      </p:sp>
+    </p:spTree>
+    <p:extLst>
+      <p:ext uri="{BB962C8B-B14F-4D97-AF65-F5344CB8AC3E}">
+        <p14:creationId xmlns:p14="http://schemas.microsoft.com/office/powerpoint/2010/main" val="1751731279"/>
+      </p:ext>
+    </p:extLst>
+  </p:cSld>
+  <p:clrMapOvr>
+    <a:masterClrMapping/>
+  </p:clrMapOvr>
+  <p:timing>
+    <p:tnLst>
+      <p:par>
+        <p:cTn id="1" dur="indefinite" restart="never" nodeType="tmRoot"/>
+      </p:par>
+    </p:tnLst>
+  </p:timing>
+</p:sld>
+</file>
+
+<file path=ppt/slides/slide84.xml><?xml version="1.0" encoding="utf-8"?>
+<p:sld xmlns:a="http://schemas.openxmlformats.org/drawingml/2006/main" xmlns:r="http://schemas.openxmlformats.org/officeDocument/2006/relationships" xmlns:p="http://schemas.openxmlformats.org/presentationml/2006/main" show="0">
+  <p:cSld>
+    <p:spTree>
+      <p:nvGrpSpPr>
+        <p:cNvPr id="1" name=""/>
+        <p:cNvGrpSpPr/>
+        <p:nvPr/>
+      </p:nvGrpSpPr>
+      <p:grpSpPr>
+        <a:xfrm>
+          <a:off x="0" y="0"/>
+          <a:ext cx="0" cy="0"/>
+          <a:chOff x="0" y="0"/>
+          <a:chExt cx="0" cy="0"/>
+        </a:xfrm>
+      </p:grpSpPr>
+      <p:sp>
+        <p:nvSpPr>
+          <p:cNvPr id="2" name="Title 1"/>
+          <p:cNvSpPr>
+            <a:spLocks noGrp="1"/>
+          </p:cNvSpPr>
+          <p:nvPr>
+            <p:ph type="title"/>
+          </p:nvPr>
+        </p:nvSpPr>
+        <p:spPr/>
+        <p:txBody>
+          <a:bodyPr>
+            <a:normAutofit/>
+          </a:bodyPr>
+          <a:lstStyle/>
+          <a:p>
+            <a:r>
+              <a:rPr lang="en-US" sz="2800" kern="0" dirty="0">
+                <a:solidFill>
+                  <a:srgbClr val="4538A8"/>
+                </a:solidFill>
+                <a:latin typeface="Arial"/>
+                <a:cs typeface="Arial"/>
+              </a:rPr>
+              <a:t>Exporting a </a:t>
+            </a:r>
+            <a:r>
+              <a:rPr lang="en-US" sz="2800" kern="0" dirty="0" smtClean="0">
+                <a:solidFill>
+                  <a:srgbClr val="4538A8"/>
+                </a:solidFill>
+                <a:latin typeface="Arial"/>
+                <a:cs typeface="Arial"/>
+              </a:rPr>
+              <a:t>product with feature</a:t>
+            </a:r>
+            <a:endParaRPr lang="en-US" sz="2800" kern="0" dirty="0">
+              <a:solidFill>
+                <a:srgbClr val="4538A8"/>
+              </a:solidFill>
+              <a:latin typeface="Arial"/>
+              <a:cs typeface="Arial"/>
+            </a:endParaRPr>
+          </a:p>
+        </p:txBody>
+      </p:sp>
+      <p:sp>
+        <p:nvSpPr>
+          <p:cNvPr id="3" name="Content Placeholder 2"/>
+          <p:cNvSpPr>
+            <a:spLocks noGrp="1"/>
+          </p:cNvSpPr>
+          <p:nvPr>
+            <p:ph idx="1"/>
+          </p:nvPr>
+        </p:nvSpPr>
+        <p:spPr/>
+        <p:txBody>
+          <a:bodyPr/>
+          <a:lstStyle/>
+          <a:p>
+            <a:r>
+              <a:rPr lang="en-US" dirty="0" smtClean="0"/>
+              <a:t>Change the product configuration selection in the product file editor</a:t>
+            </a:r>
+          </a:p>
+          <a:p>
+            <a:r>
+              <a:rPr lang="en-US" dirty="0" smtClean="0"/>
+              <a:t>Click on the Export Product</a:t>
+            </a:r>
+          </a:p>
+          <a:p>
+            <a:endParaRPr lang="en-US" dirty="0"/>
+          </a:p>
+          <a:p>
+            <a:r>
+              <a:rPr lang="en-US" dirty="0" smtClean="0"/>
+              <a:t>Verify the product is exported and contains a feature directory.</a:t>
+            </a:r>
+          </a:p>
+          <a:p>
+            <a:r>
+              <a:rPr lang="en-US" dirty="0" smtClean="0"/>
+              <a:t>The feature directory should have a feature.jar file </a:t>
+            </a:r>
+          </a:p>
+          <a:p>
+            <a:pPr marL="0" indent="0">
+              <a:buNone/>
+            </a:pPr>
+            <a:endParaRPr lang="en-US" dirty="0"/>
+          </a:p>
+          <a:p>
+            <a:pPr marL="0" indent="0">
+              <a:buNone/>
+            </a:pPr>
+            <a:r>
+              <a:rPr lang="en-US" dirty="0" smtClean="0"/>
+              <a:t>Run and verify the product is launched.</a:t>
+            </a:r>
+            <a:endParaRPr lang="en-US" dirty="0"/>
+          </a:p>
+        </p:txBody>
+      </p:sp>
+    </p:spTree>
+    <p:extLst>
+      <p:ext uri="{BB962C8B-B14F-4D97-AF65-F5344CB8AC3E}">
+        <p14:creationId xmlns:p14="http://schemas.microsoft.com/office/powerpoint/2010/main" val="3727719373"/>
+      </p:ext>
+    </p:extLst>
+  </p:cSld>
+  <p:clrMapOvr>
+    <a:masterClrMapping/>
+  </p:clrMapOvr>
+  <mc:AlternateContent xmlns:mc="http://schemas.openxmlformats.org/markup-compatibility/2006">
+    <mc:Choice xmlns:p14="http://schemas.microsoft.com/office/powerpoint/2010/main" Requires="p14">
+      <p:transition spd="slow" p14:dur="2000"/>
+    </mc:Choice>
+    <mc:Fallback>
+      <p:transition spd="slow"/>
+    </mc:Fallback>
+  </mc:AlternateContent>
+  <p:timing>
+    <p:tnLst>
+      <p:par>
+        <p:cTn id="1" dur="indefinite" restart="never" nodeType="tmRoot"/>
+      </p:par>
+    </p:tnLst>
+  </p:timing>
+</p:sld>
+</file>
+
+<file path=ppt/slides/slide85.xml><?xml version="1.0" encoding="utf-8"?>
+<p:sld xmlns:a="http://schemas.openxmlformats.org/drawingml/2006/main" xmlns:r="http://schemas.openxmlformats.org/officeDocument/2006/relationships" xmlns:p="http://schemas.openxmlformats.org/presentationml/2006/main">
+  <p:cSld>
+    <p:bg>
+      <p:bgRef idx="1001">
+        <a:schemeClr val="bg1"/>
+      </p:bgRef>
+    </p:bg>
+    <p:spTree>
+      <p:nvGrpSpPr>
+        <p:cNvPr id="1" name=""/>
+        <p:cNvGrpSpPr/>
+        <p:nvPr/>
+      </p:nvGrpSpPr>
+      <p:grpSpPr>
+        <a:xfrm>
+          <a:off x="0" y="0"/>
+          <a:ext cx="0" cy="0"/>
+          <a:chOff x="0" y="0"/>
+          <a:chExt cx="0" cy="0"/>
+        </a:xfrm>
+      </p:grpSpPr>
+      <p:sp>
+        <p:nvSpPr>
+          <p:cNvPr id="2" name="Title 1"/>
+          <p:cNvSpPr>
+            <a:spLocks noGrp="1"/>
+          </p:cNvSpPr>
+          <p:nvPr>
+            <p:ph type="title"/>
+          </p:nvPr>
+        </p:nvSpPr>
+        <p:spPr/>
+        <p:txBody>
+          <a:bodyPr>
+            <a:normAutofit/>
+          </a:bodyPr>
+          <a:lstStyle/>
+          <a:p>
+            <a:r>
+              <a:rPr lang="en-US" sz="2800" kern="0" dirty="0">
+                <a:solidFill>
+                  <a:srgbClr val="4538A8"/>
+                </a:solidFill>
+                <a:latin typeface="Arial"/>
+                <a:cs typeface="Arial"/>
+              </a:rPr>
+              <a:t>Exporting a feature</a:t>
+            </a:r>
+            <a:endParaRPr lang="en-US" sz="2800" kern="0" dirty="0">
+              <a:solidFill>
+                <a:srgbClr val="4538A8"/>
+              </a:solidFill>
+              <a:latin typeface="Arial"/>
+              <a:cs typeface="Arial"/>
+            </a:endParaRPr>
+          </a:p>
+        </p:txBody>
+      </p:sp>
+      <p:sp>
+        <p:nvSpPr>
+          <p:cNvPr id="3" name="Content Placeholder 2"/>
+          <p:cNvSpPr>
+            <a:spLocks noGrp="1"/>
+          </p:cNvSpPr>
+          <p:nvPr>
+            <p:ph idx="1"/>
+          </p:nvPr>
+        </p:nvSpPr>
+        <p:spPr/>
+        <p:txBody>
+          <a:bodyPr/>
+          <a:lstStyle/>
+          <a:p>
+            <a:r>
+              <a:rPr lang="en-US" dirty="0" smtClean="0"/>
+              <a:t>To export a feature , open the feature.xml in an editor </a:t>
+            </a:r>
+          </a:p>
+          <a:p>
+            <a:endParaRPr lang="en-US" dirty="0"/>
+          </a:p>
+          <a:p>
+            <a:r>
+              <a:rPr lang="en-US" dirty="0" smtClean="0"/>
+              <a:t>In the Exporting section , Selecting the Export Wizard.</a:t>
+            </a:r>
+          </a:p>
+          <a:p>
+            <a:endParaRPr lang="en-US" dirty="0"/>
+          </a:p>
+          <a:p>
+            <a:r>
+              <a:rPr lang="en-US" dirty="0" smtClean="0"/>
+              <a:t>Fill in the name and folder where the features has to be exported.</a:t>
+            </a:r>
+          </a:p>
+          <a:p>
+            <a:endParaRPr lang="en-US" dirty="0"/>
+          </a:p>
+          <a:p>
+            <a:r>
+              <a:rPr lang="en-US" dirty="0" smtClean="0"/>
+              <a:t>After export verify that a directory with features and plugins directory is created and it contains artifacts.jar and content.jar</a:t>
+            </a:r>
+            <a:endParaRPr lang="en-US" dirty="0"/>
+          </a:p>
+        </p:txBody>
+      </p:sp>
+    </p:spTree>
+    <p:extLst>
+      <p:ext uri="{BB962C8B-B14F-4D97-AF65-F5344CB8AC3E}">
+        <p14:creationId xmlns:p14="http://schemas.microsoft.com/office/powerpoint/2010/main" val="1453537528"/>
+      </p:ext>
+    </p:extLst>
+  </p:cSld>
+  <p:clrMapOvr>
+    <a:overrideClrMapping bg1="lt1" tx1="dk1" bg2="lt2" tx2="dk2" accent1="accent1" accent2="accent2" accent3="accent3" accent4="accent4" accent5="accent5" accent6="accent6" hlink="hlink" folHlink="folHlink"/>
+  </p:clrMapOvr>
+</p:sld>
+</file>
+
+<file path=ppt/slides/slide86.xml><?xml version="1.0" encoding="utf-8"?>
+<p:sld xmlns:a="http://schemas.openxmlformats.org/drawingml/2006/main" xmlns:r="http://schemas.openxmlformats.org/officeDocument/2006/relationships" xmlns:p="http://schemas.openxmlformats.org/presentationml/2006/main">
+  <p:cSld>
+    <p:spTree>
+      <p:nvGrpSpPr>
+        <p:cNvPr id="1" name=""/>
+        <p:cNvGrpSpPr/>
+        <p:nvPr/>
+      </p:nvGrpSpPr>
+      <p:grpSpPr>
+        <a:xfrm>
+          <a:off x="0" y="0"/>
+          <a:ext cx="0" cy="0"/>
+          <a:chOff x="0" y="0"/>
+          <a:chExt cx="0" cy="0"/>
+        </a:xfrm>
+      </p:grpSpPr>
+      <p:sp>
+        <p:nvSpPr>
+          <p:cNvPr id="2" name="Title 1"/>
+          <p:cNvSpPr>
+            <a:spLocks noGrp="1"/>
+          </p:cNvSpPr>
+          <p:nvPr>
+            <p:ph type="title"/>
+          </p:nvPr>
+        </p:nvSpPr>
+        <p:spPr/>
+        <p:txBody>
+          <a:bodyPr>
+            <a:normAutofit/>
+          </a:bodyPr>
+          <a:lstStyle/>
+          <a:p>
+            <a:r>
+              <a:rPr lang="en-US" sz="2800" kern="0" dirty="0">
+                <a:solidFill>
+                  <a:srgbClr val="4538A8"/>
+                </a:solidFill>
+                <a:latin typeface="Arial"/>
+                <a:cs typeface="Arial"/>
+              </a:rPr>
+              <a:t>Installing a feature</a:t>
+            </a:r>
+            <a:endParaRPr lang="en-US" sz="2800" kern="0" dirty="0">
+              <a:solidFill>
+                <a:srgbClr val="4538A8"/>
+              </a:solidFill>
+              <a:latin typeface="Arial"/>
+              <a:cs typeface="Arial"/>
+            </a:endParaRPr>
+          </a:p>
+        </p:txBody>
+      </p:sp>
+      <p:sp>
+        <p:nvSpPr>
+          <p:cNvPr id="3" name="Content Placeholder 2"/>
+          <p:cNvSpPr>
+            <a:spLocks noGrp="1"/>
+          </p:cNvSpPr>
+          <p:nvPr>
+            <p:ph idx="1"/>
+          </p:nvPr>
+        </p:nvSpPr>
+        <p:spPr/>
+        <p:txBody>
+          <a:bodyPr/>
+          <a:lstStyle/>
+          <a:p>
+            <a:r>
+              <a:rPr lang="en-US" dirty="0" smtClean="0"/>
+              <a:t>A feature can be installed into an Eclipse Application by Install as a new software and pointing to the directory where the feature was exported.</a:t>
+            </a:r>
+          </a:p>
+          <a:p>
+            <a:endParaRPr lang="en-US" dirty="0"/>
+          </a:p>
+          <a:p>
+            <a:r>
+              <a:rPr lang="en-US" dirty="0" smtClean="0"/>
+              <a:t>The eclipse framework will install this feature along with all the plugins the feature is composed of.</a:t>
+            </a:r>
+            <a:endParaRPr lang="en-US" dirty="0"/>
+          </a:p>
+        </p:txBody>
+      </p:sp>
+    </p:spTree>
+    <p:extLst>
+      <p:ext uri="{BB962C8B-B14F-4D97-AF65-F5344CB8AC3E}">
+        <p14:creationId xmlns:p14="http://schemas.microsoft.com/office/powerpoint/2010/main" val="137579470"/>
+      </p:ext>
+    </p:extLst>
+  </p:cSld>
+  <p:clrMapOvr>
+    <a:masterClrMapping/>
+  </p:clrMapOvr>
+</p:sld>
+</file>
+
+<file path=ppt/slides/slide87.xml><?xml version="1.0" encoding="utf-8"?>
+<p:sld xmlns:a="http://schemas.openxmlformats.org/drawingml/2006/main" xmlns:r="http://schemas.openxmlformats.org/officeDocument/2006/relationships" xmlns:p="http://schemas.openxmlformats.org/presentationml/2006/main">
+  <p:cSld>
+    <p:bg>
+      <p:bgRef idx="1001">
+        <a:schemeClr val="bg1"/>
+      </p:bgRef>
+    </p:bg>
+    <p:spTree>
+      <p:nvGrpSpPr>
+        <p:cNvPr id="1" name=""/>
+        <p:cNvGrpSpPr/>
+        <p:nvPr/>
+      </p:nvGrpSpPr>
+      <p:grpSpPr>
+        <a:xfrm>
+          <a:off x="0" y="0"/>
+          <a:ext cx="0" cy="0"/>
+          <a:chOff x="0" y="0"/>
+          <a:chExt cx="0" cy="0"/>
+        </a:xfrm>
+      </p:grpSpPr>
+      <p:sp>
+        <p:nvSpPr>
+          <p:cNvPr id="2" name="Title 1"/>
+          <p:cNvSpPr>
+            <a:spLocks noGrp="1"/>
+          </p:cNvSpPr>
+          <p:nvPr>
+            <p:ph type="title"/>
+          </p:nvPr>
+        </p:nvSpPr>
+        <p:spPr/>
+        <p:txBody>
+          <a:bodyPr>
+            <a:normAutofit/>
+          </a:bodyPr>
+          <a:lstStyle/>
+          <a:p>
+            <a:r>
+              <a:rPr lang="en-US" sz="2800" kern="0" dirty="0">
+                <a:solidFill>
+                  <a:srgbClr val="4538A8"/>
+                </a:solidFill>
+                <a:latin typeface="Arial"/>
+                <a:cs typeface="Arial"/>
+              </a:rPr>
+              <a:t>SWT Overview..</a:t>
+            </a:r>
+          </a:p>
+        </p:txBody>
+      </p:sp>
+      <p:sp>
+        <p:nvSpPr>
+          <p:cNvPr id="3" name="Content Placeholder 2"/>
+          <p:cNvSpPr>
+            <a:spLocks noGrp="1"/>
+          </p:cNvSpPr>
+          <p:nvPr>
+            <p:ph idx="1"/>
+          </p:nvPr>
+        </p:nvSpPr>
+        <p:spPr/>
+        <p:txBody>
+          <a:bodyPr/>
+          <a:lstStyle/>
+          <a:p>
+            <a:r>
+              <a:rPr lang="en-US" dirty="0"/>
+              <a:t>The purpose of SWT </a:t>
+            </a:r>
+            <a:endParaRPr lang="en-US" dirty="0" smtClean="0"/>
+          </a:p>
+          <a:p>
+            <a:r>
+              <a:rPr lang="en-US" dirty="0" smtClean="0"/>
+              <a:t>The </a:t>
+            </a:r>
+            <a:r>
+              <a:rPr lang="en-US" dirty="0"/>
+              <a:t>reasons for their creation </a:t>
+            </a:r>
+            <a:endParaRPr lang="en-US" dirty="0" smtClean="0"/>
+          </a:p>
+          <a:p>
+            <a:r>
+              <a:rPr lang="en-US" dirty="0" smtClean="0"/>
+              <a:t> </a:t>
+            </a:r>
+            <a:r>
+              <a:rPr lang="en-US" dirty="0"/>
+              <a:t>How the two libraries differ from Swing </a:t>
+            </a:r>
+            <a:endParaRPr lang="en-US" dirty="0" smtClean="0"/>
+          </a:p>
+          <a:p>
+            <a:r>
+              <a:rPr lang="en-US" dirty="0" smtClean="0"/>
+              <a:t> </a:t>
+            </a:r>
+            <a:r>
+              <a:rPr lang="en-US" dirty="0"/>
+              <a:t>Licensing and platform support</a:t>
+            </a:r>
+          </a:p>
+        </p:txBody>
+      </p:sp>
+    </p:spTree>
+    <p:extLst>
+      <p:ext uri="{BB962C8B-B14F-4D97-AF65-F5344CB8AC3E}">
+        <p14:creationId xmlns:p14="http://schemas.microsoft.com/office/powerpoint/2010/main" val="809343945"/>
+      </p:ext>
+    </p:extLst>
+  </p:cSld>
+  <p:clrMapOvr>
+    <a:overrideClrMapping bg1="lt1" tx1="dk1" bg2="lt2" tx2="dk2" accent1="accent1" accent2="accent2" accent3="accent3" accent4="accent4" accent5="accent5" accent6="accent6" hlink="hlink" folHlink="folHlink"/>
+  </p:clrMapOvr>
+  <p:timing>
+    <p:tnLst>
+      <p:par>
+        <p:cTn id="1" dur="indefinite" restart="never" nodeType="tmRoot"/>
+      </p:par>
+    </p:tnLst>
+  </p:timing>
+</p:sld>
+</file>
+
+<file path=ppt/slides/slide88.xml><?xml version="1.0" encoding="utf-8"?>
+<p:sld xmlns:a="http://schemas.openxmlformats.org/drawingml/2006/main" xmlns:r="http://schemas.openxmlformats.org/officeDocument/2006/relationships" xmlns:p="http://schemas.openxmlformats.org/presentationml/2006/main">
+  <p:cSld>
+    <p:spTree>
+      <p:nvGrpSpPr>
+        <p:cNvPr id="1" name=""/>
+        <p:cNvGrpSpPr/>
+        <p:nvPr/>
+      </p:nvGrpSpPr>
+      <p:grpSpPr>
+        <a:xfrm>
+          <a:off x="0" y="0"/>
+          <a:ext cx="0" cy="0"/>
+          <a:chOff x="0" y="0"/>
+          <a:chExt cx="0" cy="0"/>
+        </a:xfrm>
+      </p:grpSpPr>
+      <p:sp>
+        <p:nvSpPr>
+          <p:cNvPr id="2" name="Title 1"/>
+          <p:cNvSpPr>
+            <a:spLocks noGrp="1"/>
+          </p:cNvSpPr>
+          <p:nvPr>
+            <p:ph type="title"/>
+          </p:nvPr>
+        </p:nvSpPr>
+        <p:spPr/>
+        <p:txBody>
+          <a:bodyPr>
+            <a:normAutofit/>
+          </a:bodyPr>
+          <a:lstStyle/>
+          <a:p>
+            <a:r>
+              <a:rPr lang="en-US" sz="2800" kern="0" dirty="0">
+                <a:solidFill>
+                  <a:srgbClr val="4538A8"/>
+                </a:solidFill>
+                <a:latin typeface="Arial"/>
+                <a:cs typeface="Arial"/>
+              </a:rPr>
+              <a:t>What exactly is SWT</a:t>
+            </a:r>
+            <a:endParaRPr lang="en-US" sz="2800" kern="0" dirty="0">
+              <a:solidFill>
+                <a:srgbClr val="4538A8"/>
+              </a:solidFill>
+              <a:latin typeface="Arial"/>
+              <a:cs typeface="Arial"/>
+            </a:endParaRPr>
+          </a:p>
+        </p:txBody>
+      </p:sp>
+      <p:sp>
+        <p:nvSpPr>
+          <p:cNvPr id="3" name="Content Placeholder 2"/>
+          <p:cNvSpPr>
+            <a:spLocks noGrp="1"/>
+          </p:cNvSpPr>
+          <p:nvPr>
+            <p:ph idx="1"/>
+          </p:nvPr>
+        </p:nvSpPr>
+        <p:spPr/>
+        <p:txBody>
+          <a:bodyPr>
+            <a:normAutofit/>
+          </a:bodyPr>
+          <a:lstStyle/>
+          <a:p>
+            <a:r>
+              <a:rPr lang="en-US" dirty="0"/>
+              <a:t>Although we refer to </a:t>
+            </a:r>
+            <a:r>
+              <a:rPr lang="en-US" dirty="0" smtClean="0"/>
+              <a:t>SWT as a </a:t>
+            </a:r>
+            <a:r>
+              <a:rPr lang="en-US" dirty="0"/>
+              <a:t>tools or </a:t>
+            </a:r>
+            <a:r>
+              <a:rPr lang="en-US" dirty="0" smtClean="0"/>
+              <a:t>toolset, it is  </a:t>
+            </a:r>
+            <a:r>
+              <a:rPr lang="en-US" dirty="0"/>
+              <a:t>essentially software </a:t>
+            </a:r>
+            <a:r>
+              <a:rPr lang="en-US" dirty="0" smtClean="0"/>
+              <a:t>library.</a:t>
+            </a:r>
+          </a:p>
+          <a:p>
+            <a:r>
+              <a:rPr lang="en-US" dirty="0" smtClean="0"/>
+              <a:t> It  </a:t>
+            </a:r>
+            <a:r>
+              <a:rPr lang="en-US" dirty="0"/>
+              <a:t>consist of packages that contain Java classes and interfaces. But what makes these components so special is that you can combine them to form GUIs</a:t>
+            </a:r>
+            <a:r>
+              <a:rPr lang="en-US" dirty="0" smtClean="0"/>
+              <a:t>.</a:t>
+            </a:r>
+          </a:p>
+          <a:p>
+            <a:r>
+              <a:rPr lang="en-US" dirty="0" smtClean="0"/>
+              <a:t>Can be independently run in a Java program independent of Eclipse Platform as a java library.</a:t>
+            </a:r>
+          </a:p>
+          <a:p>
+            <a:r>
+              <a:rPr lang="en-US" dirty="0" smtClean="0"/>
+              <a:t> </a:t>
+            </a:r>
+            <a:r>
+              <a:rPr lang="en-US" dirty="0"/>
+              <a:t>And not just any GUIs, either! Your applications will run quickly, make effective use of computer </a:t>
+            </a:r>
+            <a:r>
+              <a:rPr lang="en-US" dirty="0" smtClean="0"/>
+              <a:t>memory</a:t>
+            </a:r>
+            <a:endParaRPr lang="en-US" dirty="0"/>
+          </a:p>
+        </p:txBody>
+      </p:sp>
+    </p:spTree>
+    <p:extLst>
+      <p:ext uri="{BB962C8B-B14F-4D97-AF65-F5344CB8AC3E}">
+        <p14:creationId xmlns:p14="http://schemas.microsoft.com/office/powerpoint/2010/main" val="4278772553"/>
+      </p:ext>
+    </p:extLst>
+  </p:cSld>
+  <p:clrMapOvr>
+    <a:masterClrMapping/>
+  </p:clrMapOvr>
+  <p:timing>
+    <p:tnLst>
+      <p:par>
+        <p:cTn id="1" dur="indefinite" restart="never" nodeType="tmRoot"/>
+      </p:par>
+    </p:tnLst>
+  </p:timing>
+</p:sld>
+</file>
+
+<file path=ppt/slides/slide89.xml><?xml version="1.0" encoding="utf-8"?>
+<p:sld xmlns:a="http://schemas.openxmlformats.org/drawingml/2006/main" xmlns:r="http://schemas.openxmlformats.org/officeDocument/2006/relationships" xmlns:p="http://schemas.openxmlformats.org/presentationml/2006/main">
+  <p:cSld>
+    <p:spTree>
+      <p:nvGrpSpPr>
+        <p:cNvPr id="1" name=""/>
+        <p:cNvGrpSpPr/>
+        <p:nvPr/>
+      </p:nvGrpSpPr>
+      <p:grpSpPr>
+        <a:xfrm>
+          <a:off x="0" y="0"/>
+          <a:ext cx="0" cy="0"/>
+          <a:chOff x="0" y="0"/>
+          <a:chExt cx="0" cy="0"/>
+        </a:xfrm>
+      </p:grpSpPr>
+      <p:sp>
+        <p:nvSpPr>
+          <p:cNvPr id="2" name="Title 1"/>
+          <p:cNvSpPr>
+            <a:spLocks noGrp="1"/>
+          </p:cNvSpPr>
+          <p:nvPr>
+            <p:ph type="title"/>
+          </p:nvPr>
+        </p:nvSpPr>
+        <p:spPr/>
+        <p:txBody>
+          <a:bodyPr>
+            <a:normAutofit/>
+          </a:bodyPr>
+          <a:lstStyle/>
+          <a:p>
+            <a:r>
+              <a:rPr lang="en-US" sz="2800" kern="0" dirty="0">
+                <a:solidFill>
+                  <a:srgbClr val="4538A8"/>
+                </a:solidFill>
+                <a:latin typeface="Arial"/>
+                <a:cs typeface="Arial"/>
+              </a:rPr>
               <a:t>Native UI blending</a:t>
             </a:r>
-            <a:endParaRPr lang="en-US" dirty="0"/>
+            <a:endParaRPr lang="en-US" sz="2800" kern="0" dirty="0">
+              <a:solidFill>
+                <a:srgbClr val="4538A8"/>
+              </a:solidFill>
+              <a:latin typeface="Arial"/>
+              <a:cs typeface="Arial"/>
+            </a:endParaRPr>
           </a:p>
         </p:txBody>
       </p:sp>
@@ -24796,7 +27517,6 @@
               <a:rPr lang="en-US" dirty="0"/>
               <a:t>chameleons, assume the look and feel of whichever Java-supported operating system they run on. No other GUI-building library can say that.</a:t>
             </a:r>
-            <a:endParaRPr lang="en-US" dirty="0"/>
           </a:p>
         </p:txBody>
       </p:sp>
@@ -24820,7 +27540,7 @@
 </p:sld>
 </file>
 
-<file path=ppt/slides/slide79.xml><?xml version="1.0" encoding="utf-8"?>
+<file path=ppt/slides/slide9.xml><?xml version="1.0" encoding="utf-8"?>
 <p:sld xmlns:a="http://schemas.openxmlformats.org/drawingml/2006/main" xmlns:r="http://schemas.openxmlformats.org/officeDocument/2006/relationships" xmlns:p="http://schemas.openxmlformats.org/presentationml/2006/main">
   <p:cSld>
     <p:spTree>
@@ -24839,6 +27559,151 @@
       </p:grpSpPr>
       <p:sp>
         <p:nvSpPr>
+          <p:cNvPr id="3" name="Content Placeholder 2"/>
+          <p:cNvSpPr>
+            <a:spLocks noGrp="1"/>
+          </p:cNvSpPr>
+          <p:nvPr>
+            <p:ph idx="1"/>
+          </p:nvPr>
+        </p:nvSpPr>
+        <p:spPr/>
+        <p:txBody>
+          <a:bodyPr/>
+          <a:lstStyle/>
+          <a:p>
+            <a:r>
+              <a:rPr lang="en-US" altLang="en-US" dirty="0"/>
+              <a:t>OSGI</a:t>
+            </a:r>
+          </a:p>
+          <a:p>
+            <a:pPr lvl="1"/>
+            <a:r>
+              <a:rPr lang="en-US" altLang="en-US" sz="2000" dirty="0"/>
+              <a:t>Provides the plug-in based environment for Eclipse</a:t>
+            </a:r>
+          </a:p>
+          <a:p>
+            <a:pPr lvl="1"/>
+            <a:r>
+              <a:rPr lang="en-US" altLang="en-US" sz="2000" dirty="0"/>
+              <a:t>Is a standard of which Equinox is the implementation Eclipse uses</a:t>
+            </a:r>
+          </a:p>
+          <a:p>
+            <a:pPr lvl="1"/>
+            <a:r>
+              <a:rPr lang="en-US" altLang="en-US" sz="2000" dirty="0"/>
+              <a:t>Permits lazy-loading of plug-ins</a:t>
+            </a:r>
+          </a:p>
+          <a:p>
+            <a:pPr lvl="1"/>
+            <a:r>
+              <a:rPr lang="en-US" altLang="en-US" sz="2000" dirty="0" smtClean="0"/>
+              <a:t>Permits multiple </a:t>
+            </a:r>
+            <a:r>
+              <a:rPr lang="en-US" altLang="en-US" sz="2000" dirty="0"/>
+              <a:t>versions of the same plug-ins/packages to coexist</a:t>
+            </a:r>
+          </a:p>
+          <a:p>
+            <a:pPr lvl="1"/>
+            <a:r>
+              <a:rPr lang="en-US" altLang="en-US" sz="2000" dirty="0"/>
+              <a:t>Every Eclipse Plug-in is an OSGI plug-in</a:t>
+            </a:r>
+          </a:p>
+          <a:p>
+            <a:pPr lvl="1"/>
+            <a:r>
+              <a:rPr lang="en-US" altLang="en-US" sz="2000" dirty="0"/>
+              <a:t>Every OSGI plug-in can be treated as a standard JAR outside OSGI</a:t>
+            </a:r>
+          </a:p>
+          <a:p>
+            <a:endParaRPr lang="en-US" dirty="0"/>
+          </a:p>
+        </p:txBody>
+      </p:sp>
+      <p:sp>
+        <p:nvSpPr>
+          <p:cNvPr id="4" name="Title 1"/>
+          <p:cNvSpPr>
+            <a:spLocks noGrp="1"/>
+          </p:cNvSpPr>
+          <p:nvPr>
+            <p:ph type="title"/>
+          </p:nvPr>
+        </p:nvSpPr>
+        <p:spPr/>
+        <p:txBody>
+          <a:bodyPr>
+            <a:normAutofit/>
+          </a:bodyPr>
+          <a:lstStyle/>
+          <a:p>
+            <a:r>
+              <a:rPr lang="en-US" altLang="en-US" sz="2800" kern="0" dirty="0">
+                <a:solidFill>
+                  <a:srgbClr val="4538A8"/>
+                </a:solidFill>
+                <a:latin typeface="Arial"/>
+                <a:cs typeface="Arial"/>
+              </a:rPr>
+              <a:t>Core Technologies</a:t>
+            </a:r>
+            <a:endParaRPr lang="en-AU" altLang="en-US" sz="2800" kern="0" dirty="0">
+              <a:solidFill>
+                <a:srgbClr val="4538A8"/>
+              </a:solidFill>
+              <a:latin typeface="Arial"/>
+              <a:cs typeface="Arial"/>
+            </a:endParaRPr>
+          </a:p>
+        </p:txBody>
+      </p:sp>
+    </p:spTree>
+    <p:extLst>
+      <p:ext uri="{BB962C8B-B14F-4D97-AF65-F5344CB8AC3E}">
+        <p14:creationId xmlns:p14="http://schemas.microsoft.com/office/powerpoint/2010/main" val="1971777688"/>
+      </p:ext>
+    </p:extLst>
+  </p:cSld>
+  <p:clrMapOvr>
+    <a:masterClrMapping/>
+  </p:clrMapOvr>
+  <p:timing>
+    <p:tnLst>
+      <p:par>
+        <p:cTn id="1" dur="indefinite" restart="never" nodeType="tmRoot"/>
+      </p:par>
+    </p:tnLst>
+  </p:timing>
+</p:sld>
+</file>
+
+<file path=ppt/slides/slide90.xml><?xml version="1.0" encoding="utf-8"?>
+<p:sld xmlns:a="http://schemas.openxmlformats.org/drawingml/2006/main" xmlns:r="http://schemas.openxmlformats.org/officeDocument/2006/relationships" xmlns:p="http://schemas.openxmlformats.org/presentationml/2006/main">
+  <p:cSld>
+    <p:spTree>
+      <p:nvGrpSpPr>
+        <p:cNvPr id="1" name=""/>
+        <p:cNvGrpSpPr/>
+        <p:nvPr/>
+      </p:nvGrpSpPr>
+      <p:grpSpPr>
+        <a:xfrm>
+          <a:off x="0" y="0"/>
+          <a:ext cx="0" cy="0"/>
+          <a:chOff x="0" y="0"/>
+          <a:chExt cx="0" cy="0"/>
+        </a:xfrm>
+      </p:grpSpPr>
+      <p:sp>
+        <p:nvSpPr>
           <p:cNvPr id="2" name="Title 1"/>
           <p:cNvSpPr>
             <a:spLocks noGrp="1"/>
@@ -24849,14 +27714,28 @@
         </p:nvSpPr>
         <p:spPr/>
         <p:txBody>
-          <a:bodyPr/>
+          <a:bodyPr>
+            <a:normAutofit/>
+          </a:bodyPr>
           <a:lstStyle/>
           <a:p>
             <a:r>
-              <a:rPr lang="en-US" dirty="0" smtClean="0"/>
+              <a:rPr lang="en-US" sz="2800" kern="0" dirty="0">
+                <a:solidFill>
+                  <a:srgbClr val="4538A8"/>
+                </a:solidFill>
+                <a:latin typeface="Arial"/>
+                <a:cs typeface="Arial"/>
+              </a:rPr>
               <a:t>Licensing and Platform Support</a:t>
             </a:r>
-            <a:endParaRPr lang="en-US" dirty="0"/>
+            <a:endParaRPr lang="en-US" sz="2800" kern="0" dirty="0">
+              <a:solidFill>
+                <a:srgbClr val="4538A8"/>
+              </a:solidFill>
+              <a:latin typeface="Arial"/>
+              <a:cs typeface="Arial"/>
+            </a:endParaRPr>
           </a:p>
         </p:txBody>
       </p:sp>
@@ -24975,7 +27854,7 @@
 </p:sld>
 </file>
 
-<file path=ppt/slides/slide8.xml><?xml version="1.0" encoding="utf-8"?>
+<file path=ppt/slides/slide91.xml><?xml version="1.0" encoding="utf-8"?>
 <p:sld xmlns:a="http://schemas.openxmlformats.org/drawingml/2006/main" xmlns:r="http://schemas.openxmlformats.org/officeDocument/2006/relationships" xmlns:p="http://schemas.openxmlformats.org/presentationml/2006/main">
   <p:cSld>
     <p:spTree>
@@ -25004,18 +27883,20 @@
         </p:nvSpPr>
         <p:spPr/>
         <p:txBody>
-          <a:bodyPr/>
+          <a:bodyPr>
+            <a:normAutofit/>
+          </a:bodyPr>
           <a:lstStyle/>
           <a:p>
             <a:r>
-              <a:rPr lang="en-US" altLang="en-US" sz="2800" kern="0" dirty="0">
+              <a:rPr lang="en-US" sz="2800" kern="0" dirty="0">
                 <a:solidFill>
                   <a:srgbClr val="4538A8"/>
                 </a:solidFill>
                 <a:latin typeface="Arial"/>
                 <a:cs typeface="Arial"/>
               </a:rPr>
-              <a:t>Why should you use it? – The good reasons</a:t>
+              <a:t>SWT / JFACE </a:t>
             </a:r>
             <a:endParaRPr lang="en-US" sz="2800" kern="0" dirty="0">
               <a:solidFill>
@@ -25024,142 +27905,6 @@
               <a:latin typeface="Arial"/>
               <a:cs typeface="Arial"/>
             </a:endParaRPr>
-          </a:p>
-        </p:txBody>
-      </p:sp>
-      <p:sp>
-        <p:nvSpPr>
-          <p:cNvPr id="5" name="Content Placeholder 2"/>
-          <p:cNvSpPr>
-            <a:spLocks noGrp="1"/>
-          </p:cNvSpPr>
-          <p:nvPr>
-            <p:ph idx="1"/>
-          </p:nvPr>
-        </p:nvSpPr>
-        <p:spPr/>
-        <p:txBody>
-          <a:bodyPr>
-            <a:normAutofit lnSpcReduction="10000"/>
-          </a:bodyPr>
-          <a:lstStyle/>
-          <a:p>
-            <a:r>
-              <a:rPr lang="en-US" altLang="en-US" sz="2800" dirty="0" smtClean="0"/>
-              <a:t>Branding</a:t>
-            </a:r>
-          </a:p>
-          <a:p>
-            <a:pPr lvl="1"/>
-            <a:r>
-              <a:rPr lang="en-US" altLang="en-US" dirty="0" smtClean="0"/>
-              <a:t>Splash screens, intro screen, icon sets, cheat sheets, No need to have anything “Eclipse” about it</a:t>
-            </a:r>
-          </a:p>
-          <a:p>
-            <a:r>
-              <a:rPr lang="en-US" altLang="en-US" sz="2800" dirty="0" smtClean="0"/>
-              <a:t>Extensible help</a:t>
-            </a:r>
-          </a:p>
-          <a:p>
-            <a:r>
-              <a:rPr lang="en-US" altLang="en-US" sz="2800" dirty="0" smtClean="0"/>
-              <a:t>Manages the mundane</a:t>
-            </a:r>
-          </a:p>
-          <a:p>
-            <a:pPr lvl="1"/>
-            <a:r>
-              <a:rPr lang="en-US" altLang="en-US" dirty="0" smtClean="0"/>
-              <a:t>Preference store, update manager, tips and tricks, navigation</a:t>
-            </a:r>
-          </a:p>
-          <a:p>
-            <a:r>
-              <a:rPr lang="en-US" altLang="en-US" sz="2800" dirty="0" smtClean="0"/>
-              <a:t>Access to a world of plug-ins</a:t>
-            </a:r>
-          </a:p>
-          <a:p>
-            <a:pPr lvl="1"/>
-            <a:r>
-              <a:rPr lang="en-US" altLang="en-US" dirty="0" smtClean="0"/>
-              <a:t>Leverage other plug-ins, your application is improved as Eclipse improves</a:t>
-            </a:r>
-            <a:r>
-              <a:rPr lang="en-US" altLang="en-US" sz="1400" dirty="0" smtClean="0"/>
-              <a:t>  (force multiplier!)</a:t>
-            </a:r>
-          </a:p>
-          <a:p>
-            <a:r>
-              <a:rPr lang="en-US" altLang="en-US" sz="2800" dirty="0" smtClean="0"/>
-              <a:t>Much more, just ask, look and find; chances are if it is not application specific it is in Eclipse!</a:t>
-            </a:r>
-          </a:p>
-          <a:p>
-            <a:endParaRPr lang="en-AU" altLang="en-US" sz="2800" dirty="0" smtClean="0"/>
-          </a:p>
-        </p:txBody>
-      </p:sp>
-    </p:spTree>
-    <p:extLst>
-      <p:ext uri="{BB962C8B-B14F-4D97-AF65-F5344CB8AC3E}">
-        <p14:creationId xmlns:p14="http://schemas.microsoft.com/office/powerpoint/2010/main" val="1793003071"/>
-      </p:ext>
-    </p:extLst>
-  </p:cSld>
-  <p:clrMapOvr>
-    <a:masterClrMapping/>
-  </p:clrMapOvr>
-  <p:timing>
-    <p:tnLst>
-      <p:par>
-        <p:cTn id="1" dur="indefinite" restart="never" nodeType="tmRoot"/>
-      </p:par>
-    </p:tnLst>
-  </p:timing>
-</p:sld>
-</file>
-
-<file path=ppt/slides/slide80.xml><?xml version="1.0" encoding="utf-8"?>
-<p:sld xmlns:a="http://schemas.openxmlformats.org/drawingml/2006/main" xmlns:r="http://schemas.openxmlformats.org/officeDocument/2006/relationships" xmlns:p="http://schemas.openxmlformats.org/presentationml/2006/main">
-  <p:cSld>
-    <p:spTree>
-      <p:nvGrpSpPr>
-        <p:cNvPr id="1" name=""/>
-        <p:cNvGrpSpPr/>
-        <p:nvPr/>
-      </p:nvGrpSpPr>
-      <p:grpSpPr>
-        <a:xfrm>
-          <a:off x="0" y="0"/>
-          <a:ext cx="0" cy="0"/>
-          <a:chOff x="0" y="0"/>
-          <a:chExt cx="0" cy="0"/>
-        </a:xfrm>
-      </p:grpSpPr>
-      <p:sp>
-        <p:nvSpPr>
-          <p:cNvPr id="2" name="Title 1"/>
-          <p:cNvSpPr>
-            <a:spLocks noGrp="1"/>
-          </p:cNvSpPr>
-          <p:nvPr>
-            <p:ph type="title"/>
-          </p:nvPr>
-        </p:nvSpPr>
-        <p:spPr/>
-        <p:txBody>
-          <a:bodyPr/>
-          <a:lstStyle/>
-          <a:p>
-            <a:r>
-              <a:rPr lang="en-US" dirty="0" smtClean="0"/>
-              <a:t>SWT / JFACE </a:t>
-            </a:r>
-            <a:endParaRPr lang="en-US" dirty="0"/>
           </a:p>
         </p:txBody>
       </p:sp>
@@ -25261,7 +28006,7 @@
 </p:sld>
 </file>
 
-<file path=ppt/slides/slide81.xml><?xml version="1.0" encoding="utf-8"?>
+<file path=ppt/slides/slide92.xml><?xml version="1.0" encoding="utf-8"?>
 <p:sld xmlns:a="http://schemas.openxmlformats.org/drawingml/2006/main" xmlns:r="http://schemas.openxmlformats.org/officeDocument/2006/relationships" xmlns:p="http://schemas.openxmlformats.org/presentationml/2006/main">
   <p:cSld>
     <p:spTree>
@@ -25290,14 +28035,28 @@
         </p:nvSpPr>
         <p:spPr/>
         <p:txBody>
-          <a:bodyPr/>
+          <a:bodyPr>
+            <a:normAutofit/>
+          </a:bodyPr>
           <a:lstStyle/>
           <a:p>
             <a:r>
-              <a:rPr lang="en-US" dirty="0" smtClean="0"/>
+              <a:rPr lang="en-US" sz="2800" kern="0" dirty="0">
+                <a:solidFill>
+                  <a:srgbClr val="4538A8"/>
+                </a:solidFill>
+                <a:latin typeface="Arial"/>
+                <a:cs typeface="Arial"/>
+              </a:rPr>
               <a:t>The Hello SWT program</a:t>
             </a:r>
-            <a:endParaRPr lang="en-US" dirty="0"/>
+            <a:endParaRPr lang="en-US" sz="2800" kern="0" dirty="0">
+              <a:solidFill>
+                <a:srgbClr val="4538A8"/>
+              </a:solidFill>
+              <a:latin typeface="Arial"/>
+              <a:cs typeface="Arial"/>
+            </a:endParaRPr>
           </a:p>
         </p:txBody>
       </p:sp>
@@ -25363,10 +28122,535 @@
   <p:clrMapOvr>
     <a:masterClrMapping/>
   </p:clrMapOvr>
+  <p:timing>
+    <p:tnLst>
+      <p:par>
+        <p:cTn id="1" dur="indefinite" restart="never" nodeType="tmRoot"/>
+      </p:par>
+    </p:tnLst>
+  </p:timing>
 </p:sld>
 </file>
 
-<file path=ppt/slides/slide9.xml><?xml version="1.0" encoding="utf-8"?>
+<file path=ppt/slides/slide93.xml><?xml version="1.0" encoding="utf-8"?>
+<p:sld xmlns:a="http://schemas.openxmlformats.org/drawingml/2006/main" xmlns:r="http://schemas.openxmlformats.org/officeDocument/2006/relationships" xmlns:p="http://schemas.openxmlformats.org/presentationml/2006/main">
+  <p:cSld>
+    <p:bg>
+      <p:bgRef idx="1001">
+        <a:schemeClr val="bg1"/>
+      </p:bgRef>
+    </p:bg>
+    <p:spTree>
+      <p:nvGrpSpPr>
+        <p:cNvPr id="1" name=""/>
+        <p:cNvGrpSpPr/>
+        <p:nvPr/>
+      </p:nvGrpSpPr>
+      <p:grpSpPr>
+        <a:xfrm>
+          <a:off x="0" y="0"/>
+          <a:ext cx="0" cy="0"/>
+          <a:chOff x="0" y="0"/>
+          <a:chExt cx="0" cy="0"/>
+        </a:xfrm>
+      </p:grpSpPr>
+      <p:sp>
+        <p:nvSpPr>
+          <p:cNvPr id="2" name="Title 1"/>
+          <p:cNvSpPr>
+            <a:spLocks noGrp="1"/>
+          </p:cNvSpPr>
+          <p:nvPr>
+            <p:ph type="title"/>
+          </p:nvPr>
+        </p:nvSpPr>
+        <p:spPr>
+          <a:xfrm>
+            <a:off x="800911" y="500062"/>
+            <a:ext cx="10515600" cy="1325563"/>
+          </a:xfrm>
+        </p:spPr>
+        <p:txBody>
+          <a:bodyPr>
+            <a:normAutofit/>
+          </a:bodyPr>
+          <a:lstStyle/>
+          <a:p>
+            <a:r>
+              <a:rPr lang="en-US" sz="2800" kern="0" dirty="0">
+                <a:solidFill>
+                  <a:srgbClr val="4538A8"/>
+                </a:solidFill>
+                <a:latin typeface="Arial"/>
+                <a:cs typeface="Arial"/>
+              </a:rPr>
+              <a:t>Widgets in SWT</a:t>
+            </a:r>
+            <a:endParaRPr lang="en-US" sz="2800" kern="0" dirty="0">
+              <a:solidFill>
+                <a:srgbClr val="4538A8"/>
+              </a:solidFill>
+              <a:latin typeface="Arial"/>
+              <a:cs typeface="Arial"/>
+            </a:endParaRPr>
+          </a:p>
+        </p:txBody>
+      </p:sp>
+      <p:sp>
+        <p:nvSpPr>
+          <p:cNvPr id="3" name="Content Placeholder 2"/>
+          <p:cNvSpPr>
+            <a:spLocks noGrp="1"/>
+          </p:cNvSpPr>
+          <p:nvPr>
+            <p:ph idx="1"/>
+          </p:nvPr>
+        </p:nvSpPr>
+        <p:spPr/>
+        <p:txBody>
+          <a:bodyPr/>
+          <a:lstStyle/>
+          <a:p>
+            <a:r>
+              <a:rPr lang="en-US" dirty="0" smtClean="0"/>
+              <a:t>SWT has a wide range of widgets to be used for the UI development in Eclipse RCP projects</a:t>
+            </a:r>
+          </a:p>
+          <a:p>
+            <a:pPr marL="0" indent="0">
+              <a:buNone/>
+            </a:pPr>
+            <a:endParaRPr lang="en-US" dirty="0"/>
+          </a:p>
+        </p:txBody>
+      </p:sp>
+      <p:pic>
+        <p:nvPicPr>
+          <p:cNvPr id="4" name="Picture 3"/>
+          <p:cNvPicPr>
+            <a:picLocks noChangeAspect="1"/>
+          </p:cNvPicPr>
+          <p:nvPr/>
+        </p:nvPicPr>
+        <p:blipFill>
+          <a:blip r:embed="rId3">
+            <a:extLst>
+              <a:ext uri="{28A0092B-C50C-407E-A947-70E740481C1C}">
+                <a14:useLocalDpi xmlns:a14="http://schemas.microsoft.com/office/drawing/2010/main" val="0"/>
+              </a:ext>
+            </a:extLst>
+          </a:blip>
+          <a:stretch>
+            <a:fillRect/>
+          </a:stretch>
+        </p:blipFill>
+        <p:spPr>
+          <a:xfrm>
+            <a:off x="2729925" y="2770557"/>
+            <a:ext cx="6112417" cy="3351970"/>
+          </a:xfrm>
+          <a:prstGeom prst="rect">
+            <a:avLst/>
+          </a:prstGeom>
+        </p:spPr>
+      </p:pic>
+    </p:spTree>
+    <p:extLst>
+      <p:ext uri="{BB962C8B-B14F-4D97-AF65-F5344CB8AC3E}">
+        <p14:creationId xmlns:p14="http://schemas.microsoft.com/office/powerpoint/2010/main" val="1278198138"/>
+      </p:ext>
+    </p:extLst>
+  </p:cSld>
+  <p:clrMapOvr>
+    <a:overrideClrMapping bg1="lt1" tx1="dk1" bg2="lt2" tx2="dk2" accent1="accent1" accent2="accent2" accent3="accent3" accent4="accent4" accent5="accent5" accent6="accent6" hlink="hlink" folHlink="folHlink"/>
+  </p:clrMapOvr>
+  <p:timing>
+    <p:tnLst>
+      <p:par>
+        <p:cTn id="1" dur="indefinite" restart="never" nodeType="tmRoot"/>
+      </p:par>
+    </p:tnLst>
+  </p:timing>
+</p:sld>
+</file>
+
+<file path=ppt/slides/slide94.xml><?xml version="1.0" encoding="utf-8"?>
+<p:sld xmlns:a="http://schemas.openxmlformats.org/drawingml/2006/main" xmlns:r="http://schemas.openxmlformats.org/officeDocument/2006/relationships" xmlns:p="http://schemas.openxmlformats.org/presentationml/2006/main">
+  <p:cSld>
+    <p:bg>
+      <p:bgRef idx="1001">
+        <a:schemeClr val="bg1"/>
+      </p:bgRef>
+    </p:bg>
+    <p:spTree>
+      <p:nvGrpSpPr>
+        <p:cNvPr id="1" name=""/>
+        <p:cNvGrpSpPr/>
+        <p:nvPr/>
+      </p:nvGrpSpPr>
+      <p:grpSpPr>
+        <a:xfrm>
+          <a:off x="0" y="0"/>
+          <a:ext cx="0" cy="0"/>
+          <a:chOff x="0" y="0"/>
+          <a:chExt cx="0" cy="0"/>
+        </a:xfrm>
+      </p:grpSpPr>
+      <p:sp>
+        <p:nvSpPr>
+          <p:cNvPr id="2" name="Title 1"/>
+          <p:cNvSpPr>
+            <a:spLocks noGrp="1"/>
+          </p:cNvSpPr>
+          <p:nvPr>
+            <p:ph type="title"/>
+          </p:nvPr>
+        </p:nvSpPr>
+        <p:spPr/>
+        <p:txBody>
+          <a:bodyPr>
+            <a:normAutofit/>
+          </a:bodyPr>
+          <a:lstStyle/>
+          <a:p>
+            <a:r>
+              <a:rPr lang="en-US" sz="2800" kern="0" dirty="0">
+                <a:solidFill>
+                  <a:srgbClr val="4538A8"/>
+                </a:solidFill>
+                <a:latin typeface="Arial"/>
+                <a:cs typeface="Arial"/>
+              </a:rPr>
+              <a:t>SWT Widgets</a:t>
+            </a:r>
+            <a:endParaRPr lang="en-US" sz="2800" kern="0" dirty="0">
+              <a:solidFill>
+                <a:srgbClr val="4538A8"/>
+              </a:solidFill>
+              <a:latin typeface="Arial"/>
+              <a:cs typeface="Arial"/>
+            </a:endParaRPr>
+          </a:p>
+        </p:txBody>
+      </p:sp>
+      <p:sp>
+        <p:nvSpPr>
+          <p:cNvPr id="3" name="Content Placeholder 2"/>
+          <p:cNvSpPr>
+            <a:spLocks noGrp="1"/>
+          </p:cNvSpPr>
+          <p:nvPr>
+            <p:ph idx="1"/>
+          </p:nvPr>
+        </p:nvSpPr>
+        <p:spPr/>
+        <p:txBody>
+          <a:bodyPr>
+            <a:normAutofit/>
+          </a:bodyPr>
+          <a:lstStyle/>
+          <a:p>
+            <a:r>
+              <a:rPr lang="en-US" dirty="0" smtClean="0"/>
+              <a:t>Label</a:t>
+            </a:r>
+          </a:p>
+          <a:p>
+            <a:pPr lvl="1">
+              <a:buFont typeface="Wingdings" panose="05000000000000000000" pitchFamily="2" charset="2"/>
+              <a:buChar char="Ø"/>
+            </a:pPr>
+            <a:r>
+              <a:rPr lang="en-US" dirty="0" err="1" smtClean="0"/>
+              <a:t>Shadow_Out</a:t>
+            </a:r>
+            <a:endParaRPr lang="en-US" dirty="0" smtClean="0"/>
+          </a:p>
+          <a:p>
+            <a:pPr lvl="1">
+              <a:buFont typeface="Wingdings" panose="05000000000000000000" pitchFamily="2" charset="2"/>
+              <a:buChar char="Ø"/>
+            </a:pPr>
+            <a:r>
+              <a:rPr lang="en-US" dirty="0" err="1" smtClean="0"/>
+              <a:t>Seperator</a:t>
+            </a:r>
+            <a:endParaRPr lang="en-US" dirty="0" smtClean="0"/>
+          </a:p>
+          <a:p>
+            <a:pPr lvl="1">
+              <a:buFont typeface="Wingdings" panose="05000000000000000000" pitchFamily="2" charset="2"/>
+              <a:buChar char="Ø"/>
+            </a:pPr>
+            <a:r>
+              <a:rPr lang="en-US" dirty="0" smtClean="0"/>
+              <a:t>BOLD</a:t>
+            </a:r>
+          </a:p>
+          <a:p>
+            <a:pPr lvl="1">
+              <a:buFont typeface="Wingdings" panose="05000000000000000000" pitchFamily="2" charset="2"/>
+              <a:buChar char="Ø"/>
+            </a:pPr>
+            <a:r>
+              <a:rPr lang="en-US" dirty="0" smtClean="0"/>
+              <a:t>Italic</a:t>
+            </a:r>
+          </a:p>
+          <a:p>
+            <a:r>
+              <a:rPr lang="en-US" dirty="0" smtClean="0"/>
+              <a:t>Button</a:t>
+            </a:r>
+          </a:p>
+          <a:p>
+            <a:pPr lvl="1">
+              <a:buFont typeface="Wingdings" panose="05000000000000000000" pitchFamily="2" charset="2"/>
+              <a:buChar char="Ø"/>
+            </a:pPr>
+            <a:r>
+              <a:rPr lang="en-US" dirty="0" err="1" smtClean="0"/>
+              <a:t>SWT.Check</a:t>
+            </a:r>
+            <a:endParaRPr lang="en-US" dirty="0" smtClean="0"/>
+          </a:p>
+          <a:p>
+            <a:pPr lvl="1">
+              <a:buFont typeface="Wingdings" panose="05000000000000000000" pitchFamily="2" charset="2"/>
+              <a:buChar char="Ø"/>
+            </a:pPr>
+            <a:r>
+              <a:rPr lang="en-US" dirty="0" err="1" smtClean="0"/>
+              <a:t>SWT.Radio</a:t>
+            </a:r>
+            <a:endParaRPr lang="en-US" dirty="0" smtClean="0"/>
+          </a:p>
+          <a:p>
+            <a:pPr lvl="1">
+              <a:buFont typeface="Wingdings" panose="05000000000000000000" pitchFamily="2" charset="2"/>
+              <a:buChar char="Ø"/>
+            </a:pPr>
+            <a:r>
+              <a:rPr lang="en-US" dirty="0" err="1" smtClean="0"/>
+              <a:t>SWT.Toggle</a:t>
+            </a:r>
+            <a:endParaRPr lang="en-US" dirty="0" smtClean="0"/>
+          </a:p>
+          <a:p>
+            <a:endParaRPr lang="en-US" dirty="0"/>
+          </a:p>
+        </p:txBody>
+      </p:sp>
+    </p:spTree>
+    <p:extLst>
+      <p:ext uri="{BB962C8B-B14F-4D97-AF65-F5344CB8AC3E}">
+        <p14:creationId xmlns:p14="http://schemas.microsoft.com/office/powerpoint/2010/main" val="1781559860"/>
+      </p:ext>
+    </p:extLst>
+  </p:cSld>
+  <p:clrMapOvr>
+    <a:overrideClrMapping bg1="lt1" tx1="dk1" bg2="lt2" tx2="dk2" accent1="accent1" accent2="accent2" accent3="accent3" accent4="accent4" accent5="accent5" accent6="accent6" hlink="hlink" folHlink="folHlink"/>
+  </p:clrMapOvr>
+  <p:timing>
+    <p:tnLst>
+      <p:par>
+        <p:cTn id="1" dur="indefinite" restart="never" nodeType="tmRoot"/>
+      </p:par>
+    </p:tnLst>
+  </p:timing>
+</p:sld>
+</file>
+
+<file path=ppt/slides/slide95.xml><?xml version="1.0" encoding="utf-8"?>
+<p:sld xmlns:a="http://schemas.openxmlformats.org/drawingml/2006/main" xmlns:r="http://schemas.openxmlformats.org/officeDocument/2006/relationships" xmlns:p="http://schemas.openxmlformats.org/presentationml/2006/main">
+  <p:cSld>
+    <p:bg>
+      <p:bgRef idx="1001">
+        <a:schemeClr val="bg1"/>
+      </p:bgRef>
+    </p:bg>
+    <p:spTree>
+      <p:nvGrpSpPr>
+        <p:cNvPr id="1" name=""/>
+        <p:cNvGrpSpPr/>
+        <p:nvPr/>
+      </p:nvGrpSpPr>
+      <p:grpSpPr>
+        <a:xfrm>
+          <a:off x="0" y="0"/>
+          <a:ext cx="0" cy="0"/>
+          <a:chOff x="0" y="0"/>
+          <a:chExt cx="0" cy="0"/>
+        </a:xfrm>
+      </p:grpSpPr>
+      <p:sp>
+        <p:nvSpPr>
+          <p:cNvPr id="2" name="Title 1"/>
+          <p:cNvSpPr>
+            <a:spLocks noGrp="1"/>
+          </p:cNvSpPr>
+          <p:nvPr>
+            <p:ph type="title"/>
+          </p:nvPr>
+        </p:nvSpPr>
+        <p:spPr/>
+        <p:txBody>
+          <a:bodyPr>
+            <a:normAutofit/>
+          </a:bodyPr>
+          <a:lstStyle/>
+          <a:p>
+            <a:r>
+              <a:rPr lang="en-US" sz="2800" kern="0" dirty="0">
+                <a:solidFill>
+                  <a:srgbClr val="4538A8"/>
+                </a:solidFill>
+                <a:latin typeface="Arial"/>
+                <a:cs typeface="Arial"/>
+              </a:rPr>
+              <a:t>SWT Widgets</a:t>
+            </a:r>
+            <a:endParaRPr lang="en-US" sz="2800" kern="0" dirty="0">
+              <a:solidFill>
+                <a:srgbClr val="4538A8"/>
+              </a:solidFill>
+              <a:latin typeface="Arial"/>
+              <a:cs typeface="Arial"/>
+            </a:endParaRPr>
+          </a:p>
+        </p:txBody>
+      </p:sp>
+      <p:sp>
+        <p:nvSpPr>
+          <p:cNvPr id="3" name="Content Placeholder 2"/>
+          <p:cNvSpPr>
+            <a:spLocks noGrp="1"/>
+          </p:cNvSpPr>
+          <p:nvPr>
+            <p:ph idx="1"/>
+          </p:nvPr>
+        </p:nvSpPr>
+        <p:spPr/>
+        <p:txBody>
+          <a:bodyPr/>
+          <a:lstStyle/>
+          <a:p>
+            <a:r>
+              <a:rPr lang="en-US" dirty="0" smtClean="0"/>
+              <a:t>Composite</a:t>
+            </a:r>
+          </a:p>
+          <a:p>
+            <a:r>
+              <a:rPr lang="en-US" dirty="0" smtClean="0"/>
+              <a:t>Group</a:t>
+            </a:r>
+            <a:endParaRPr lang="en-US" dirty="0"/>
+          </a:p>
+          <a:p>
+            <a:r>
+              <a:rPr lang="en-US" dirty="0" err="1" smtClean="0"/>
+              <a:t>SashForm</a:t>
+            </a:r>
+            <a:endParaRPr lang="en-US" dirty="0" smtClean="0"/>
+          </a:p>
+          <a:p>
+            <a:r>
+              <a:rPr lang="en-US" dirty="0" err="1" smtClean="0"/>
+              <a:t>TabFolder</a:t>
+            </a:r>
+            <a:endParaRPr lang="en-US" dirty="0" smtClean="0"/>
+          </a:p>
+          <a:p>
+            <a:pPr lvl="1">
+              <a:buFont typeface="Wingdings" panose="05000000000000000000" pitchFamily="2" charset="2"/>
+              <a:buChar char="Ø"/>
+            </a:pPr>
+            <a:r>
+              <a:rPr lang="en-US" dirty="0"/>
+              <a:t> </a:t>
+            </a:r>
+            <a:r>
+              <a:rPr lang="en-US" dirty="0" err="1" smtClean="0"/>
+              <a:t>TabItems</a:t>
+            </a:r>
+            <a:endParaRPr lang="en-US" dirty="0"/>
+          </a:p>
+          <a:p>
+            <a:pPr lvl="0"/>
+            <a:r>
+              <a:rPr lang="en-US" dirty="0">
+                <a:solidFill>
+                  <a:prstClr val="black"/>
+                </a:solidFill>
+              </a:rPr>
+              <a:t>Text Widget</a:t>
+            </a:r>
+          </a:p>
+          <a:p>
+            <a:pPr lvl="1">
+              <a:buFont typeface="Wingdings" panose="05000000000000000000" pitchFamily="2" charset="2"/>
+              <a:buChar char="Ø"/>
+            </a:pPr>
+            <a:r>
+              <a:rPr lang="en-US" dirty="0">
+                <a:solidFill>
+                  <a:prstClr val="black"/>
+                </a:solidFill>
+              </a:rPr>
+              <a:t>Text styles</a:t>
+            </a:r>
+          </a:p>
+          <a:p>
+            <a:pPr lvl="1">
+              <a:buFont typeface="Wingdings" panose="05000000000000000000" pitchFamily="2" charset="2"/>
+              <a:buChar char="Ø"/>
+            </a:pPr>
+            <a:r>
+              <a:rPr lang="en-US" dirty="0">
+                <a:solidFill>
+                  <a:prstClr val="black"/>
+                </a:solidFill>
+              </a:rPr>
+              <a:t>Text Events</a:t>
+            </a:r>
+          </a:p>
+          <a:p>
+            <a:pPr lvl="1">
+              <a:buFont typeface="Wingdings" panose="05000000000000000000" pitchFamily="2" charset="2"/>
+              <a:buChar char="Ø"/>
+            </a:pPr>
+            <a:endParaRPr lang="en-US" dirty="0" smtClean="0"/>
+          </a:p>
+          <a:p>
+            <a:pPr marL="0" indent="0">
+              <a:buNone/>
+            </a:pPr>
+            <a:endParaRPr lang="en-US" dirty="0"/>
+          </a:p>
+        </p:txBody>
+      </p:sp>
+    </p:spTree>
+    <p:extLst>
+      <p:ext uri="{BB962C8B-B14F-4D97-AF65-F5344CB8AC3E}">
+        <p14:creationId xmlns:p14="http://schemas.microsoft.com/office/powerpoint/2010/main" val="2757537695"/>
+      </p:ext>
+    </p:extLst>
+  </p:cSld>
+  <p:clrMapOvr>
+    <a:overrideClrMapping bg1="lt1" tx1="dk1" bg2="lt2" tx2="dk2" accent1="accent1" accent2="accent2" accent3="accent3" accent4="accent4" accent5="accent5" accent6="accent6" hlink="hlink" folHlink="folHlink"/>
+  </p:clrMapOvr>
+  <p:timing>
+    <p:tnLst>
+      <p:par>
+        <p:cTn id="1" dur="indefinite" restart="never" nodeType="tmRoot"/>
+      </p:par>
+    </p:tnLst>
+  </p:timing>
+</p:sld>
+</file>
+
+<file path=ppt/slides/slide96.xml><?xml version="1.0" encoding="utf-8"?>
 <p:sld xmlns:a="http://schemas.openxmlformats.org/drawingml/2006/main" xmlns:r="http://schemas.openxmlformats.org/officeDocument/2006/relationships" xmlns:p="http://schemas.openxmlformats.org/presentationml/2006/main">
   <p:cSld>
     <p:spTree>
@@ -25385,6 +28669,36 @@
       </p:grpSpPr>
       <p:sp>
         <p:nvSpPr>
+          <p:cNvPr id="2" name="Title 1"/>
+          <p:cNvSpPr>
+            <a:spLocks noGrp="1"/>
+          </p:cNvSpPr>
+          <p:nvPr>
+            <p:ph type="title"/>
+          </p:nvPr>
+        </p:nvSpPr>
+        <p:spPr/>
+        <p:txBody>
+          <a:bodyPr>
+            <a:normAutofit/>
+          </a:bodyPr>
+          <a:lstStyle/>
+          <a:p>
+            <a:r>
+              <a:rPr lang="en-US" sz="2800" kern="0" dirty="0">
+                <a:solidFill>
+                  <a:srgbClr val="4538A8"/>
+                </a:solidFill>
+                <a:latin typeface="Arial"/>
+                <a:cs typeface="Arial"/>
+              </a:rPr>
+              <a:t>Graphics</a:t>
+            </a:r>
+          </a:p>
+        </p:txBody>
+      </p:sp>
+      <p:sp>
+        <p:nvSpPr>
           <p:cNvPr id="3" name="Content Placeholder 2"/>
           <p:cNvSpPr>
             <a:spLocks noGrp="1"/>
@@ -25399,102 +28713,493 @@
           <a:lstStyle/>
           <a:p>
             <a:r>
-              <a:rPr lang="en-US" altLang="en-US" dirty="0"/>
-              <a:t>OSGI</a:t>
-            </a:r>
-          </a:p>
-          <a:p>
-            <a:pPr lvl="1"/>
-            <a:r>
-              <a:rPr lang="en-US" altLang="en-US" sz="2000" dirty="0"/>
-              <a:t>Provides the plug-in based environment for Eclipse</a:t>
-            </a:r>
-          </a:p>
-          <a:p>
-            <a:pPr lvl="1"/>
-            <a:r>
-              <a:rPr lang="en-US" altLang="en-US" sz="2000" dirty="0"/>
-              <a:t>Is a standard of which Equinox is the implementation Eclipse uses</a:t>
-            </a:r>
-          </a:p>
-          <a:p>
-            <a:pPr lvl="1"/>
-            <a:r>
-              <a:rPr lang="en-US" altLang="en-US" sz="2000" dirty="0"/>
-              <a:t>Permits lazy-loading of plug-ins</a:t>
-            </a:r>
-          </a:p>
-          <a:p>
-            <a:pPr lvl="1"/>
-            <a:r>
-              <a:rPr lang="en-US" altLang="en-US" sz="2000" dirty="0" smtClean="0"/>
-              <a:t>Permits multiple </a:t>
-            </a:r>
-            <a:r>
-              <a:rPr lang="en-US" altLang="en-US" sz="2000" dirty="0"/>
-              <a:t>versions of the same plug-ins/packages to coexist</a:t>
-            </a:r>
-          </a:p>
-          <a:p>
-            <a:pPr lvl="1"/>
-            <a:r>
-              <a:rPr lang="en-US" altLang="en-US" sz="2000" dirty="0"/>
-              <a:t>Every Eclipse Plug-in is an OSGI plug-in</a:t>
-            </a:r>
-          </a:p>
-          <a:p>
-            <a:pPr lvl="1"/>
-            <a:r>
-              <a:rPr lang="en-US" altLang="en-US" sz="2000" dirty="0"/>
-              <a:t>Every OSGI plug-in can be treated as a standard JAR outside OSGI</a:t>
-            </a:r>
-          </a:p>
-          <a:p>
+              <a:rPr lang="en-US" dirty="0" smtClean="0"/>
+              <a:t>Text Widget</a:t>
+            </a:r>
+          </a:p>
+          <a:p>
+            <a:pPr lvl="1">
+              <a:buFont typeface="Wingdings" panose="05000000000000000000" pitchFamily="2" charset="2"/>
+              <a:buChar char="Ø"/>
+            </a:pPr>
+            <a:r>
+              <a:rPr lang="en-US" dirty="0" smtClean="0"/>
+              <a:t>Text styles</a:t>
+            </a:r>
+          </a:p>
+          <a:p>
+            <a:pPr lvl="1">
+              <a:buFont typeface="Wingdings" panose="05000000000000000000" pitchFamily="2" charset="2"/>
+              <a:buChar char="Ø"/>
+            </a:pPr>
+            <a:r>
+              <a:rPr lang="en-US" dirty="0" smtClean="0"/>
+              <a:t>Text Events</a:t>
+            </a:r>
+          </a:p>
+          <a:p>
+            <a:pPr marL="457200" lvl="1" indent="0">
+              <a:buNone/>
+            </a:pPr>
+            <a:endParaRPr lang="en-US" dirty="0" smtClean="0"/>
+          </a:p>
+          <a:p>
+            <a:pPr>
+              <a:buFont typeface="Wingdings" panose="05000000000000000000" pitchFamily="2" charset="2"/>
+              <a:buChar char="§"/>
+            </a:pPr>
+            <a:r>
+              <a:rPr lang="en-US" dirty="0" smtClean="0"/>
+              <a:t>Graphics</a:t>
+            </a:r>
+          </a:p>
+          <a:p>
+            <a:pPr marL="457200" lvl="1" indent="0">
+              <a:buNone/>
+            </a:pPr>
+            <a:r>
+              <a:rPr lang="en-US" dirty="0" smtClean="0"/>
+              <a:t>Rectangle</a:t>
+            </a:r>
+          </a:p>
+          <a:p>
+            <a:pPr marL="457200" lvl="1" indent="0">
+              <a:buNone/>
+            </a:pPr>
+            <a:r>
+              <a:rPr lang="en-US" smtClean="0"/>
+              <a:t>Oval</a:t>
+            </a:r>
+          </a:p>
+          <a:p>
+            <a:pPr marL="457200" lvl="1" indent="0">
+              <a:buNone/>
+            </a:pPr>
             <a:endParaRPr lang="en-US" dirty="0"/>
           </a:p>
-        </p:txBody>
-      </p:sp>
-      <p:sp>
-        <p:nvSpPr>
-          <p:cNvPr id="4" name="Title 1"/>
-          <p:cNvSpPr>
-            <a:spLocks noGrp="1"/>
-          </p:cNvSpPr>
-          <p:nvPr>
-            <p:ph type="title"/>
-          </p:nvPr>
-        </p:nvSpPr>
-        <p:spPr/>
-        <p:txBody>
-          <a:bodyPr>
-            <a:normAutofit/>
-          </a:bodyPr>
-          <a:lstStyle/>
-          <a:p>
-            <a:r>
-              <a:rPr lang="en-US" altLang="en-US" sz="2800" kern="0" dirty="0">
-                <a:solidFill>
-                  <a:srgbClr val="4538A8"/>
-                </a:solidFill>
-                <a:latin typeface="Arial"/>
-                <a:cs typeface="Arial"/>
-              </a:rPr>
-              <a:t>Core Technologies</a:t>
-            </a:r>
-            <a:endParaRPr lang="en-AU" altLang="en-US" sz="2800" kern="0" dirty="0">
-              <a:solidFill>
-                <a:srgbClr val="4538A8"/>
-              </a:solidFill>
-              <a:latin typeface="Arial"/>
-              <a:cs typeface="Arial"/>
-            </a:endParaRPr>
+          <a:p>
+            <a:pPr marL="457200" lvl="1" indent="0">
+              <a:buNone/>
+            </a:pPr>
+            <a:endParaRPr lang="en-US" dirty="0" smtClean="0"/>
           </a:p>
         </p:txBody>
       </p:sp>
     </p:spTree>
     <p:extLst>
       <p:ext uri="{BB962C8B-B14F-4D97-AF65-F5344CB8AC3E}">
-        <p14:creationId xmlns:p14="http://schemas.microsoft.com/office/powerpoint/2010/main" val="1971777688"/>
+        <p14:creationId xmlns:p14="http://schemas.microsoft.com/office/powerpoint/2010/main" val="796942318"/>
+      </p:ext>
+    </p:extLst>
+  </p:cSld>
+  <p:clrMapOvr>
+    <a:masterClrMapping/>
+  </p:clrMapOvr>
+  <p:timing>
+    <p:tnLst>
+      <p:par>
+        <p:cTn id="1" dur="indefinite" restart="never" nodeType="tmRoot"/>
+      </p:par>
+    </p:tnLst>
+  </p:timing>
+</p:sld>
+</file>
+
+<file path=ppt/slides/slide97.xml><?xml version="1.0" encoding="utf-8"?>
+<p:sld xmlns:a="http://schemas.openxmlformats.org/drawingml/2006/main" xmlns:r="http://schemas.openxmlformats.org/officeDocument/2006/relationships" xmlns:p="http://schemas.openxmlformats.org/presentationml/2006/main">
+  <p:cSld>
+    <p:spTree>
+      <p:nvGrpSpPr>
+        <p:cNvPr id="1" name=""/>
+        <p:cNvGrpSpPr/>
+        <p:nvPr/>
+      </p:nvGrpSpPr>
+      <p:grpSpPr>
+        <a:xfrm>
+          <a:off x="0" y="0"/>
+          <a:ext cx="0" cy="0"/>
+          <a:chOff x="0" y="0"/>
+          <a:chExt cx="0" cy="0"/>
+        </a:xfrm>
+      </p:grpSpPr>
+      <p:pic>
+        <p:nvPicPr>
+          <p:cNvPr id="5" name="Picture 4"/>
+          <p:cNvPicPr>
+            <a:picLocks noChangeAspect="1"/>
+          </p:cNvPicPr>
+          <p:nvPr/>
+        </p:nvPicPr>
+        <p:blipFill>
+          <a:blip r:embed="rId2">
+            <a:extLst>
+              <a:ext uri="{28A0092B-C50C-407E-A947-70E740481C1C}">
+                <a14:useLocalDpi xmlns:a14="http://schemas.microsoft.com/office/drawing/2010/main" val="0"/>
+              </a:ext>
+            </a:extLst>
+          </a:blip>
+          <a:stretch>
+            <a:fillRect/>
+          </a:stretch>
+        </p:blipFill>
+        <p:spPr>
+          <a:xfrm>
+            <a:off x="1361871" y="1000072"/>
+            <a:ext cx="6385547" cy="5857928"/>
+          </a:xfrm>
+          <a:prstGeom prst="rect">
+            <a:avLst/>
+          </a:prstGeom>
+        </p:spPr>
+      </p:pic>
+      <p:sp>
+        <p:nvSpPr>
+          <p:cNvPr id="6" name="TextBox 5"/>
+          <p:cNvSpPr txBox="1"/>
+          <p:nvPr/>
+        </p:nvSpPr>
+        <p:spPr>
+          <a:xfrm>
+            <a:off x="3353280" y="476852"/>
+            <a:ext cx="4649821" cy="523220"/>
+          </a:xfrm>
+          <a:prstGeom prst="rect">
+            <a:avLst/>
+          </a:prstGeom>
+          <a:noFill/>
+        </p:spPr>
+        <p:txBody>
+          <a:bodyPr wrap="square" rtlCol="0">
+            <a:spAutoFit/>
+          </a:bodyPr>
+          <a:lstStyle/>
+          <a:p>
+            <a:r>
+              <a:rPr lang="en-US" sz="2800" dirty="0"/>
+              <a:t>Common SWT Widgets</a:t>
+            </a:r>
+            <a:r>
+              <a:rPr lang="en-US" dirty="0" smtClean="0"/>
+              <a:t> </a:t>
+            </a:r>
+            <a:endParaRPr lang="en-US" dirty="0"/>
+          </a:p>
+        </p:txBody>
+      </p:sp>
+      <p:sp>
+        <p:nvSpPr>
+          <p:cNvPr id="7" name="TextBox 6"/>
+          <p:cNvSpPr txBox="1"/>
+          <p:nvPr/>
+        </p:nvSpPr>
+        <p:spPr>
+          <a:xfrm>
+            <a:off x="7747417" y="2995180"/>
+            <a:ext cx="3779859" cy="646331"/>
+          </a:xfrm>
+          <a:prstGeom prst="rect">
+            <a:avLst/>
+          </a:prstGeom>
+          <a:noFill/>
+        </p:spPr>
+        <p:txBody>
+          <a:bodyPr wrap="square" rtlCol="0">
+            <a:spAutoFit/>
+          </a:bodyPr>
+          <a:lstStyle/>
+          <a:p>
+            <a:r>
+              <a:rPr lang="en-US" dirty="0" smtClean="0"/>
+              <a:t>Source: </a:t>
+            </a:r>
+            <a:r>
+              <a:rPr lang="en-US" dirty="0">
+                <a:hlinkClick r:id="rId3"/>
+              </a:rPr>
+              <a:t>https://www.eclipse.org/swt/widgets/</a:t>
+            </a:r>
+            <a:endParaRPr lang="en-US" dirty="0"/>
+          </a:p>
+        </p:txBody>
+      </p:sp>
+    </p:spTree>
+    <p:extLst>
+      <p:ext uri="{BB962C8B-B14F-4D97-AF65-F5344CB8AC3E}">
+        <p14:creationId xmlns:p14="http://schemas.microsoft.com/office/powerpoint/2010/main" val="4164767644"/>
+      </p:ext>
+    </p:extLst>
+  </p:cSld>
+  <p:clrMapOvr>
+    <a:masterClrMapping/>
+  </p:clrMapOvr>
+  <p:timing>
+    <p:tnLst>
+      <p:par>
+        <p:cTn id="1" dur="indefinite" restart="never" nodeType="tmRoot"/>
+      </p:par>
+    </p:tnLst>
+  </p:timing>
+</p:sld>
+</file>
+
+<file path=ppt/slides/slide98.xml><?xml version="1.0" encoding="utf-8"?>
+<p:sld xmlns:a="http://schemas.openxmlformats.org/drawingml/2006/main" xmlns:r="http://schemas.openxmlformats.org/officeDocument/2006/relationships" xmlns:p="http://schemas.openxmlformats.org/presentationml/2006/main">
+  <p:cSld>
+    <p:spTree>
+      <p:nvGrpSpPr>
+        <p:cNvPr id="1" name=""/>
+        <p:cNvGrpSpPr/>
+        <p:nvPr/>
+      </p:nvGrpSpPr>
+      <p:grpSpPr>
+        <a:xfrm>
+          <a:off x="0" y="0"/>
+          <a:ext cx="0" cy="0"/>
+          <a:chOff x="0" y="0"/>
+          <a:chExt cx="0" cy="0"/>
+        </a:xfrm>
+      </p:grpSpPr>
+      <p:sp>
+        <p:nvSpPr>
+          <p:cNvPr id="6" name="TextBox 5"/>
+          <p:cNvSpPr txBox="1"/>
+          <p:nvPr/>
+        </p:nvSpPr>
+        <p:spPr>
+          <a:xfrm>
+            <a:off x="3447793" y="476852"/>
+            <a:ext cx="4649821" cy="523220"/>
+          </a:xfrm>
+          <a:prstGeom prst="rect">
+            <a:avLst/>
+          </a:prstGeom>
+          <a:noFill/>
+        </p:spPr>
+        <p:txBody>
+          <a:bodyPr wrap="square" rtlCol="0">
+            <a:spAutoFit/>
+          </a:bodyPr>
+          <a:lstStyle/>
+          <a:p>
+            <a:r>
+              <a:rPr lang="en-US" sz="2800" dirty="0"/>
+              <a:t>Common SWT Widgets</a:t>
+            </a:r>
+            <a:r>
+              <a:rPr lang="en-US" dirty="0" smtClean="0"/>
+              <a:t> </a:t>
+            </a:r>
+            <a:endParaRPr lang="en-US" dirty="0"/>
+          </a:p>
+        </p:txBody>
+      </p:sp>
+      <p:pic>
+        <p:nvPicPr>
+          <p:cNvPr id="2" name="Picture 1"/>
+          <p:cNvPicPr>
+            <a:picLocks noChangeAspect="1"/>
+          </p:cNvPicPr>
+          <p:nvPr/>
+        </p:nvPicPr>
+        <p:blipFill>
+          <a:blip r:embed="rId2">
+            <a:extLst>
+              <a:ext uri="{28A0092B-C50C-407E-A947-70E740481C1C}">
+                <a14:useLocalDpi xmlns:a14="http://schemas.microsoft.com/office/drawing/2010/main" val="0"/>
+              </a:ext>
+            </a:extLst>
+          </a:blip>
+          <a:stretch>
+            <a:fillRect/>
+          </a:stretch>
+        </p:blipFill>
+        <p:spPr>
+          <a:xfrm>
+            <a:off x="1459149" y="1000072"/>
+            <a:ext cx="7112247" cy="5724169"/>
+          </a:xfrm>
+          <a:prstGeom prst="rect">
+            <a:avLst/>
+          </a:prstGeom>
+        </p:spPr>
+      </p:pic>
+      <p:sp>
+        <p:nvSpPr>
+          <p:cNvPr id="7" name="TextBox 6"/>
+          <p:cNvSpPr txBox="1"/>
+          <p:nvPr/>
+        </p:nvSpPr>
+        <p:spPr>
+          <a:xfrm>
+            <a:off x="8097614" y="5368729"/>
+            <a:ext cx="3779859" cy="646331"/>
+          </a:xfrm>
+          <a:prstGeom prst="rect">
+            <a:avLst/>
+          </a:prstGeom>
+          <a:noFill/>
+        </p:spPr>
+        <p:txBody>
+          <a:bodyPr wrap="square" rtlCol="0">
+            <a:spAutoFit/>
+          </a:bodyPr>
+          <a:lstStyle/>
+          <a:p>
+            <a:r>
+              <a:rPr lang="en-US" dirty="0" smtClean="0"/>
+              <a:t>Source: </a:t>
+            </a:r>
+            <a:r>
+              <a:rPr lang="en-US" dirty="0">
+                <a:hlinkClick r:id="rId3"/>
+              </a:rPr>
+              <a:t>https://www.eclipse.org/swt/widgets/</a:t>
+            </a:r>
+            <a:endParaRPr lang="en-US" dirty="0"/>
+          </a:p>
+        </p:txBody>
+      </p:sp>
+    </p:spTree>
+    <p:extLst>
+      <p:ext uri="{BB962C8B-B14F-4D97-AF65-F5344CB8AC3E}">
+        <p14:creationId xmlns:p14="http://schemas.microsoft.com/office/powerpoint/2010/main" val="3478267261"/>
+      </p:ext>
+    </p:extLst>
+  </p:cSld>
+  <p:clrMapOvr>
+    <a:masterClrMapping/>
+  </p:clrMapOvr>
+  <p:timing>
+    <p:tnLst>
+      <p:par>
+        <p:cTn id="1" dur="indefinite" restart="never" nodeType="tmRoot"/>
+      </p:par>
+    </p:tnLst>
+  </p:timing>
+</p:sld>
+</file>
+
+<file path=ppt/slides/slide99.xml><?xml version="1.0" encoding="utf-8"?>
+<p:sld xmlns:a="http://schemas.openxmlformats.org/drawingml/2006/main" xmlns:r="http://schemas.openxmlformats.org/officeDocument/2006/relationships" xmlns:p="http://schemas.openxmlformats.org/presentationml/2006/main">
+  <p:cSld>
+    <p:spTree>
+      <p:nvGrpSpPr>
+        <p:cNvPr id="1" name=""/>
+        <p:cNvGrpSpPr/>
+        <p:nvPr/>
+      </p:nvGrpSpPr>
+      <p:grpSpPr>
+        <a:xfrm>
+          <a:off x="0" y="0"/>
+          <a:ext cx="0" cy="0"/>
+          <a:chOff x="0" y="0"/>
+          <a:chExt cx="0" cy="0"/>
+        </a:xfrm>
+      </p:grpSpPr>
+      <p:sp>
+        <p:nvSpPr>
+          <p:cNvPr id="6" name="TextBox 5"/>
+          <p:cNvSpPr txBox="1"/>
+          <p:nvPr/>
+        </p:nvSpPr>
+        <p:spPr>
+          <a:xfrm>
+            <a:off x="2883589" y="648222"/>
+            <a:ext cx="4649821" cy="523220"/>
+          </a:xfrm>
+          <a:prstGeom prst="rect">
+            <a:avLst/>
+          </a:prstGeom>
+          <a:noFill/>
+        </p:spPr>
+        <p:txBody>
+          <a:bodyPr wrap="square" rtlCol="0">
+            <a:spAutoFit/>
+          </a:bodyPr>
+          <a:lstStyle/>
+          <a:p>
+            <a:r>
+              <a:rPr lang="en-US" sz="2800" dirty="0"/>
+              <a:t>Common SWT Widgets</a:t>
+            </a:r>
+            <a:r>
+              <a:rPr lang="en-US" dirty="0" smtClean="0"/>
+              <a:t> </a:t>
+            </a:r>
+            <a:endParaRPr lang="en-US" dirty="0"/>
+          </a:p>
+        </p:txBody>
+      </p:sp>
+      <p:sp>
+        <p:nvSpPr>
+          <p:cNvPr id="7" name="TextBox 6"/>
+          <p:cNvSpPr txBox="1"/>
+          <p:nvPr/>
+        </p:nvSpPr>
+        <p:spPr>
+          <a:xfrm>
+            <a:off x="8097614" y="5368729"/>
+            <a:ext cx="3779859" cy="646331"/>
+          </a:xfrm>
+          <a:prstGeom prst="rect">
+            <a:avLst/>
+          </a:prstGeom>
+          <a:noFill/>
+        </p:spPr>
+        <p:txBody>
+          <a:bodyPr wrap="square" rtlCol="0">
+            <a:spAutoFit/>
+          </a:bodyPr>
+          <a:lstStyle/>
+          <a:p>
+            <a:r>
+              <a:rPr lang="en-US" dirty="0" smtClean="0"/>
+              <a:t>Source: </a:t>
+            </a:r>
+            <a:r>
+              <a:rPr lang="en-US" dirty="0">
+                <a:hlinkClick r:id="rId2"/>
+              </a:rPr>
+              <a:t>https://www.eclipse.org/swt/widgets/</a:t>
+            </a:r>
+            <a:endParaRPr lang="en-US" dirty="0"/>
+          </a:p>
+        </p:txBody>
+      </p:sp>
+      <p:pic>
+        <p:nvPicPr>
+          <p:cNvPr id="3" name="Picture 2"/>
+          <p:cNvPicPr>
+            <a:picLocks noChangeAspect="1"/>
+          </p:cNvPicPr>
+          <p:nvPr/>
+        </p:nvPicPr>
+        <p:blipFill>
+          <a:blip r:embed="rId3">
+            <a:extLst>
+              <a:ext uri="{28A0092B-C50C-407E-A947-70E740481C1C}">
+                <a14:useLocalDpi xmlns:a14="http://schemas.microsoft.com/office/drawing/2010/main" val="0"/>
+              </a:ext>
+            </a:extLst>
+          </a:blip>
+          <a:stretch>
+            <a:fillRect/>
+          </a:stretch>
+        </p:blipFill>
+        <p:spPr>
+          <a:xfrm>
+            <a:off x="1502261" y="1171442"/>
+            <a:ext cx="6370899" cy="5594915"/>
+          </a:xfrm>
+          <a:prstGeom prst="rect">
+            <a:avLst/>
+          </a:prstGeom>
+        </p:spPr>
+      </p:pic>
+    </p:spTree>
+    <p:extLst>
+      <p:ext uri="{BB962C8B-B14F-4D97-AF65-F5344CB8AC3E}">
+        <p14:creationId xmlns:p14="http://schemas.microsoft.com/office/powerpoint/2010/main" val="2305869540"/>
       </p:ext>
     </p:extLst>
   </p:cSld>
@@ -26248,7 +29953,394 @@
 </a:themeOverride>
 </file>
 
+<file path=ppt/theme/themeOverride14.xml><?xml version="1.0" encoding="utf-8"?>
+<a:themeOverride xmlns:a="http://schemas.openxmlformats.org/drawingml/2006/main">
+  <a:clrScheme name="Office">
+    <a:dk1>
+      <a:sysClr val="windowText" lastClr="000000"/>
+    </a:dk1>
+    <a:lt1>
+      <a:sysClr val="window" lastClr="FFFFFF"/>
+    </a:lt1>
+    <a:dk2>
+      <a:srgbClr val="44546A"/>
+    </a:dk2>
+    <a:lt2>
+      <a:srgbClr val="E7E6E6"/>
+    </a:lt2>
+    <a:accent1>
+      <a:srgbClr val="5B9BD5"/>
+    </a:accent1>
+    <a:accent2>
+      <a:srgbClr val="ED7D31"/>
+    </a:accent2>
+    <a:accent3>
+      <a:srgbClr val="A5A5A5"/>
+    </a:accent3>
+    <a:accent4>
+      <a:srgbClr val="FFC000"/>
+    </a:accent4>
+    <a:accent5>
+      <a:srgbClr val="4472C4"/>
+    </a:accent5>
+    <a:accent6>
+      <a:srgbClr val="70AD47"/>
+    </a:accent6>
+    <a:hlink>
+      <a:srgbClr val="0563C1"/>
+    </a:hlink>
+    <a:folHlink>
+      <a:srgbClr val="954F72"/>
+    </a:folHlink>
+  </a:clrScheme>
+</a:themeOverride>
+</file>
+
+<file path=ppt/theme/themeOverride15.xml><?xml version="1.0" encoding="utf-8"?>
+<a:themeOverride xmlns:a="http://schemas.openxmlformats.org/drawingml/2006/main">
+  <a:clrScheme name="Office">
+    <a:dk1>
+      <a:sysClr val="windowText" lastClr="000000"/>
+    </a:dk1>
+    <a:lt1>
+      <a:sysClr val="window" lastClr="FFFFFF"/>
+    </a:lt1>
+    <a:dk2>
+      <a:srgbClr val="44546A"/>
+    </a:dk2>
+    <a:lt2>
+      <a:srgbClr val="E7E6E6"/>
+    </a:lt2>
+    <a:accent1>
+      <a:srgbClr val="5B9BD5"/>
+    </a:accent1>
+    <a:accent2>
+      <a:srgbClr val="ED7D31"/>
+    </a:accent2>
+    <a:accent3>
+      <a:srgbClr val="A5A5A5"/>
+    </a:accent3>
+    <a:accent4>
+      <a:srgbClr val="FFC000"/>
+    </a:accent4>
+    <a:accent5>
+      <a:srgbClr val="4472C4"/>
+    </a:accent5>
+    <a:accent6>
+      <a:srgbClr val="70AD47"/>
+    </a:accent6>
+    <a:hlink>
+      <a:srgbClr val="0563C1"/>
+    </a:hlink>
+    <a:folHlink>
+      <a:srgbClr val="954F72"/>
+    </a:folHlink>
+  </a:clrScheme>
+</a:themeOverride>
+</file>
+
+<file path=ppt/theme/themeOverride16.xml><?xml version="1.0" encoding="utf-8"?>
+<a:themeOverride xmlns:a="http://schemas.openxmlformats.org/drawingml/2006/main">
+  <a:clrScheme name="Office">
+    <a:dk1>
+      <a:sysClr val="windowText" lastClr="000000"/>
+    </a:dk1>
+    <a:lt1>
+      <a:sysClr val="window" lastClr="FFFFFF"/>
+    </a:lt1>
+    <a:dk2>
+      <a:srgbClr val="44546A"/>
+    </a:dk2>
+    <a:lt2>
+      <a:srgbClr val="E7E6E6"/>
+    </a:lt2>
+    <a:accent1>
+      <a:srgbClr val="5B9BD5"/>
+    </a:accent1>
+    <a:accent2>
+      <a:srgbClr val="ED7D31"/>
+    </a:accent2>
+    <a:accent3>
+      <a:srgbClr val="A5A5A5"/>
+    </a:accent3>
+    <a:accent4>
+      <a:srgbClr val="FFC000"/>
+    </a:accent4>
+    <a:accent5>
+      <a:srgbClr val="4472C4"/>
+    </a:accent5>
+    <a:accent6>
+      <a:srgbClr val="70AD47"/>
+    </a:accent6>
+    <a:hlink>
+      <a:srgbClr val="0563C1"/>
+    </a:hlink>
+    <a:folHlink>
+      <a:srgbClr val="954F72"/>
+    </a:folHlink>
+  </a:clrScheme>
+</a:themeOverride>
+</file>
+
+<file path=ppt/theme/themeOverride17.xml><?xml version="1.0" encoding="utf-8"?>
+<a:themeOverride xmlns:a="http://schemas.openxmlformats.org/drawingml/2006/main">
+  <a:clrScheme name="Office">
+    <a:dk1>
+      <a:sysClr val="windowText" lastClr="000000"/>
+    </a:dk1>
+    <a:lt1>
+      <a:sysClr val="window" lastClr="FFFFFF"/>
+    </a:lt1>
+    <a:dk2>
+      <a:srgbClr val="44546A"/>
+    </a:dk2>
+    <a:lt2>
+      <a:srgbClr val="E7E6E6"/>
+    </a:lt2>
+    <a:accent1>
+      <a:srgbClr val="5B9BD5"/>
+    </a:accent1>
+    <a:accent2>
+      <a:srgbClr val="ED7D31"/>
+    </a:accent2>
+    <a:accent3>
+      <a:srgbClr val="A5A5A5"/>
+    </a:accent3>
+    <a:accent4>
+      <a:srgbClr val="FFC000"/>
+    </a:accent4>
+    <a:accent5>
+      <a:srgbClr val="4472C4"/>
+    </a:accent5>
+    <a:accent6>
+      <a:srgbClr val="70AD47"/>
+    </a:accent6>
+    <a:hlink>
+      <a:srgbClr val="0563C1"/>
+    </a:hlink>
+    <a:folHlink>
+      <a:srgbClr val="954F72"/>
+    </a:folHlink>
+  </a:clrScheme>
+</a:themeOverride>
+</file>
+
+<file path=ppt/theme/themeOverride18.xml><?xml version="1.0" encoding="utf-8"?>
+<a:themeOverride xmlns:a="http://schemas.openxmlformats.org/drawingml/2006/main">
+  <a:clrScheme name="Office">
+    <a:dk1>
+      <a:sysClr val="windowText" lastClr="000000"/>
+    </a:dk1>
+    <a:lt1>
+      <a:sysClr val="window" lastClr="FFFFFF"/>
+    </a:lt1>
+    <a:dk2>
+      <a:srgbClr val="44546A"/>
+    </a:dk2>
+    <a:lt2>
+      <a:srgbClr val="E7E6E6"/>
+    </a:lt2>
+    <a:accent1>
+      <a:srgbClr val="5B9BD5"/>
+    </a:accent1>
+    <a:accent2>
+      <a:srgbClr val="ED7D31"/>
+    </a:accent2>
+    <a:accent3>
+      <a:srgbClr val="A5A5A5"/>
+    </a:accent3>
+    <a:accent4>
+      <a:srgbClr val="FFC000"/>
+    </a:accent4>
+    <a:accent5>
+      <a:srgbClr val="4472C4"/>
+    </a:accent5>
+    <a:accent6>
+      <a:srgbClr val="70AD47"/>
+    </a:accent6>
+    <a:hlink>
+      <a:srgbClr val="0563C1"/>
+    </a:hlink>
+    <a:folHlink>
+      <a:srgbClr val="954F72"/>
+    </a:folHlink>
+  </a:clrScheme>
+</a:themeOverride>
+</file>
+
+<file path=ppt/theme/themeOverride19.xml><?xml version="1.0" encoding="utf-8"?>
+<a:themeOverride xmlns:a="http://schemas.openxmlformats.org/drawingml/2006/main">
+  <a:clrScheme name="Office">
+    <a:dk1>
+      <a:sysClr val="windowText" lastClr="000000"/>
+    </a:dk1>
+    <a:lt1>
+      <a:sysClr val="window" lastClr="FFFFFF"/>
+    </a:lt1>
+    <a:dk2>
+      <a:srgbClr val="44546A"/>
+    </a:dk2>
+    <a:lt2>
+      <a:srgbClr val="E7E6E6"/>
+    </a:lt2>
+    <a:accent1>
+      <a:srgbClr val="5B9BD5"/>
+    </a:accent1>
+    <a:accent2>
+      <a:srgbClr val="ED7D31"/>
+    </a:accent2>
+    <a:accent3>
+      <a:srgbClr val="A5A5A5"/>
+    </a:accent3>
+    <a:accent4>
+      <a:srgbClr val="FFC000"/>
+    </a:accent4>
+    <a:accent5>
+      <a:srgbClr val="4472C4"/>
+    </a:accent5>
+    <a:accent6>
+      <a:srgbClr val="70AD47"/>
+    </a:accent6>
+    <a:hlink>
+      <a:srgbClr val="0563C1"/>
+    </a:hlink>
+    <a:folHlink>
+      <a:srgbClr val="954F72"/>
+    </a:folHlink>
+  </a:clrScheme>
+</a:themeOverride>
+</file>
+
 <file path=ppt/theme/themeOverride2.xml><?xml version="1.0" encoding="utf-8"?>
+<a:themeOverride xmlns:a="http://schemas.openxmlformats.org/drawingml/2006/main">
+  <a:clrScheme name="Office">
+    <a:dk1>
+      <a:sysClr val="windowText" lastClr="000000"/>
+    </a:dk1>
+    <a:lt1>
+      <a:sysClr val="window" lastClr="FFFFFF"/>
+    </a:lt1>
+    <a:dk2>
+      <a:srgbClr val="44546A"/>
+    </a:dk2>
+    <a:lt2>
+      <a:srgbClr val="E7E6E6"/>
+    </a:lt2>
+    <a:accent1>
+      <a:srgbClr val="5B9BD5"/>
+    </a:accent1>
+    <a:accent2>
+      <a:srgbClr val="ED7D31"/>
+    </a:accent2>
+    <a:accent3>
+      <a:srgbClr val="A5A5A5"/>
+    </a:accent3>
+    <a:accent4>
+      <a:srgbClr val="FFC000"/>
+    </a:accent4>
+    <a:accent5>
+      <a:srgbClr val="4472C4"/>
+    </a:accent5>
+    <a:accent6>
+      <a:srgbClr val="70AD47"/>
+    </a:accent6>
+    <a:hlink>
+      <a:srgbClr val="0563C1"/>
+    </a:hlink>
+    <a:folHlink>
+      <a:srgbClr val="954F72"/>
+    </a:folHlink>
+  </a:clrScheme>
+</a:themeOverride>
+</file>
+
+<file path=ppt/theme/themeOverride20.xml><?xml version="1.0" encoding="utf-8"?>
+<a:themeOverride xmlns:a="http://schemas.openxmlformats.org/drawingml/2006/main">
+  <a:clrScheme name="Office">
+    <a:dk1>
+      <a:sysClr val="windowText" lastClr="000000"/>
+    </a:dk1>
+    <a:lt1>
+      <a:sysClr val="window" lastClr="FFFFFF"/>
+    </a:lt1>
+    <a:dk2>
+      <a:srgbClr val="44546A"/>
+    </a:dk2>
+    <a:lt2>
+      <a:srgbClr val="E7E6E6"/>
+    </a:lt2>
+    <a:accent1>
+      <a:srgbClr val="5B9BD5"/>
+    </a:accent1>
+    <a:accent2>
+      <a:srgbClr val="ED7D31"/>
+    </a:accent2>
+    <a:accent3>
+      <a:srgbClr val="A5A5A5"/>
+    </a:accent3>
+    <a:accent4>
+      <a:srgbClr val="FFC000"/>
+    </a:accent4>
+    <a:accent5>
+      <a:srgbClr val="4472C4"/>
+    </a:accent5>
+    <a:accent6>
+      <a:srgbClr val="70AD47"/>
+    </a:accent6>
+    <a:hlink>
+      <a:srgbClr val="0563C1"/>
+    </a:hlink>
+    <a:folHlink>
+      <a:srgbClr val="954F72"/>
+    </a:folHlink>
+  </a:clrScheme>
+</a:themeOverride>
+</file>
+
+<file path=ppt/theme/themeOverride21.xml><?xml version="1.0" encoding="utf-8"?>
+<a:themeOverride xmlns:a="http://schemas.openxmlformats.org/drawingml/2006/main">
+  <a:clrScheme name="Office">
+    <a:dk1>
+      <a:sysClr val="windowText" lastClr="000000"/>
+    </a:dk1>
+    <a:lt1>
+      <a:sysClr val="window" lastClr="FFFFFF"/>
+    </a:lt1>
+    <a:dk2>
+      <a:srgbClr val="44546A"/>
+    </a:dk2>
+    <a:lt2>
+      <a:srgbClr val="E7E6E6"/>
+    </a:lt2>
+    <a:accent1>
+      <a:srgbClr val="5B9BD5"/>
+    </a:accent1>
+    <a:accent2>
+      <a:srgbClr val="ED7D31"/>
+    </a:accent2>
+    <a:accent3>
+      <a:srgbClr val="A5A5A5"/>
+    </a:accent3>
+    <a:accent4>
+      <a:srgbClr val="FFC000"/>
+    </a:accent4>
+    <a:accent5>
+      <a:srgbClr val="4472C4"/>
+    </a:accent5>
+    <a:accent6>
+      <a:srgbClr val="70AD47"/>
+    </a:accent6>
+    <a:hlink>
+      <a:srgbClr val="0563C1"/>
+    </a:hlink>
+    <a:folHlink>
+      <a:srgbClr val="954F72"/>
+    </a:folHlink>
+  </a:clrScheme>
+</a:themeOverride>
+</file>
+
+<file path=ppt/theme/themeOverride22.xml><?xml version="1.0" encoding="utf-8"?>
 <a:themeOverride xmlns:a="http://schemas.openxmlformats.org/drawingml/2006/main">
   <a:clrScheme name="Office">
     <a:dk1>

--- a/Eclipse_RCP_Training.pptx
+++ b/Eclipse_RCP_Training.pptx
@@ -5,7 +5,7 @@
     <p:sldMasterId id="2147483660" r:id="rId1"/>
   </p:sldMasterIdLst>
   <p:notesMasterIdLst>
-    <p:notesMasterId r:id="rId148"/>
+    <p:notesMasterId r:id="rId181"/>
   </p:notesMasterIdLst>
   <p:sldIdLst>
     <p:sldId id="256" r:id="rId2"/>
@@ -154,6 +154,39 @@
     <p:sldId id="414" r:id="rId145"/>
     <p:sldId id="415" r:id="rId146"/>
     <p:sldId id="416" r:id="rId147"/>
+    <p:sldId id="417" r:id="rId148"/>
+    <p:sldId id="418" r:id="rId149"/>
+    <p:sldId id="419" r:id="rId150"/>
+    <p:sldId id="420" r:id="rId151"/>
+    <p:sldId id="421" r:id="rId152"/>
+    <p:sldId id="422" r:id="rId153"/>
+    <p:sldId id="423" r:id="rId154"/>
+    <p:sldId id="424" r:id="rId155"/>
+    <p:sldId id="425" r:id="rId156"/>
+    <p:sldId id="426" r:id="rId157"/>
+    <p:sldId id="427" r:id="rId158"/>
+    <p:sldId id="428" r:id="rId159"/>
+    <p:sldId id="429" r:id="rId160"/>
+    <p:sldId id="430" r:id="rId161"/>
+    <p:sldId id="431" r:id="rId162"/>
+    <p:sldId id="432" r:id="rId163"/>
+    <p:sldId id="433" r:id="rId164"/>
+    <p:sldId id="434" r:id="rId165"/>
+    <p:sldId id="435" r:id="rId166"/>
+    <p:sldId id="436" r:id="rId167"/>
+    <p:sldId id="438" r:id="rId168"/>
+    <p:sldId id="439" r:id="rId169"/>
+    <p:sldId id="440" r:id="rId170"/>
+    <p:sldId id="441" r:id="rId171"/>
+    <p:sldId id="442" r:id="rId172"/>
+    <p:sldId id="443" r:id="rId173"/>
+    <p:sldId id="444" r:id="rId174"/>
+    <p:sldId id="446" r:id="rId175"/>
+    <p:sldId id="447" r:id="rId176"/>
+    <p:sldId id="448" r:id="rId177"/>
+    <p:sldId id="449" r:id="rId178"/>
+    <p:sldId id="450" r:id="rId179"/>
+    <p:sldId id="451" r:id="rId180"/>
   </p:sldIdLst>
   <p:sldSz cx="12192000" cy="6858000"/>
   <p:notesSz cx="6858000" cy="9144000"/>
@@ -368,7 +401,7 @@
           <a:p>
             <a:fld id="{980B3559-7B71-47DD-9CED-11C0216BF3BF}" type="datetimeFigureOut">
               <a:rPr lang="en-US" smtClean="0"/>
-              <a:t>4/19/2020</a:t>
+              <a:t>4/20/2020</a:t>
             </a:fld>
             <a:endParaRPr lang="en-US"/>
           </a:p>
@@ -767,7 +800,7 @@
           <a:p>
             <a:fld id="{5B39D71A-B845-43CC-97D4-9F99964C064D}" type="datetimeFigureOut">
               <a:rPr lang="en-US" smtClean="0"/>
-              <a:t>4/19/2020</a:t>
+              <a:t>4/20/2020</a:t>
             </a:fld>
             <a:endParaRPr lang="en-US"/>
           </a:p>
@@ -937,7 +970,7 @@
           <a:p>
             <a:fld id="{5B39D71A-B845-43CC-97D4-9F99964C064D}" type="datetimeFigureOut">
               <a:rPr lang="en-US" smtClean="0"/>
-              <a:t>4/19/2020</a:t>
+              <a:t>4/20/2020</a:t>
             </a:fld>
             <a:endParaRPr lang="en-US"/>
           </a:p>
@@ -1117,7 +1150,7 @@
           <a:p>
             <a:fld id="{5B39D71A-B845-43CC-97D4-9F99964C064D}" type="datetimeFigureOut">
               <a:rPr lang="en-US" smtClean="0"/>
-              <a:t>4/19/2020</a:t>
+              <a:t>4/20/2020</a:t>
             </a:fld>
             <a:endParaRPr lang="en-US"/>
           </a:p>
@@ -1235,7 +1268,7 @@
           <a:p>
             <a:fld id="{5B39D71A-B845-43CC-97D4-9F99964C064D}" type="datetimeFigureOut">
               <a:rPr lang="en-US" smtClean="0"/>
-              <a:t>4/19/2020</a:t>
+              <a:t>4/20/2020</a:t>
             </a:fld>
             <a:endParaRPr lang="en-US"/>
           </a:p>
@@ -1421,7 +1454,7 @@
           <a:p>
             <a:fld id="{5B39D71A-B845-43CC-97D4-9F99964C064D}" type="datetimeFigureOut">
               <a:rPr lang="en-US" smtClean="0"/>
-              <a:t>4/19/2020</a:t>
+              <a:t>4/20/2020</a:t>
             </a:fld>
             <a:endParaRPr lang="en-US"/>
           </a:p>
@@ -1667,7 +1700,7 @@
           <a:p>
             <a:fld id="{5B39D71A-B845-43CC-97D4-9F99964C064D}" type="datetimeFigureOut">
               <a:rPr lang="en-US" smtClean="0"/>
-              <a:t>4/19/2020</a:t>
+              <a:t>4/20/2020</a:t>
             </a:fld>
             <a:endParaRPr lang="en-US"/>
           </a:p>
@@ -1899,7 +1932,7 @@
           <a:p>
             <a:fld id="{5B39D71A-B845-43CC-97D4-9F99964C064D}" type="datetimeFigureOut">
               <a:rPr lang="en-US" smtClean="0"/>
-              <a:t>4/19/2020</a:t>
+              <a:t>4/20/2020</a:t>
             </a:fld>
             <a:endParaRPr lang="en-US"/>
           </a:p>
@@ -2266,7 +2299,7 @@
           <a:p>
             <a:fld id="{5B39D71A-B845-43CC-97D4-9F99964C064D}" type="datetimeFigureOut">
               <a:rPr lang="en-US" smtClean="0"/>
-              <a:t>4/19/2020</a:t>
+              <a:t>4/20/2020</a:t>
             </a:fld>
             <a:endParaRPr lang="en-US"/>
           </a:p>
@@ -2384,7 +2417,7 @@
           <a:p>
             <a:fld id="{5B39D71A-B845-43CC-97D4-9F99964C064D}" type="datetimeFigureOut">
               <a:rPr lang="en-US" smtClean="0"/>
-              <a:t>4/19/2020</a:t>
+              <a:t>4/20/2020</a:t>
             </a:fld>
             <a:endParaRPr lang="en-US"/>
           </a:p>
@@ -2479,7 +2512,7 @@
           <a:p>
             <a:fld id="{5B39D71A-B845-43CC-97D4-9F99964C064D}" type="datetimeFigureOut">
               <a:rPr lang="en-US" smtClean="0"/>
-              <a:t>4/19/2020</a:t>
+              <a:t>4/20/2020</a:t>
             </a:fld>
             <a:endParaRPr lang="en-US"/>
           </a:p>
@@ -2756,7 +2789,7 @@
           <a:p>
             <a:fld id="{5B39D71A-B845-43CC-97D4-9F99964C064D}" type="datetimeFigureOut">
               <a:rPr lang="en-US" smtClean="0"/>
-              <a:t>4/19/2020</a:t>
+              <a:t>4/20/2020</a:t>
             </a:fld>
             <a:endParaRPr lang="en-US"/>
           </a:p>
@@ -3009,7 +3042,7 @@
           <a:p>
             <a:fld id="{5B39D71A-B845-43CC-97D4-9F99964C064D}" type="datetimeFigureOut">
               <a:rPr lang="en-US" smtClean="0"/>
-              <a:t>4/19/2020</a:t>
+              <a:t>4/20/2020</a:t>
             </a:fld>
             <a:endParaRPr lang="en-US"/>
           </a:p>
@@ -3222,7 +3255,7 @@
           <a:p>
             <a:fld id="{5B39D71A-B845-43CC-97D4-9F99964C064D}" type="datetimeFigureOut">
               <a:rPr lang="en-US" smtClean="0"/>
-              <a:t>4/19/2020</a:t>
+              <a:t>4/20/2020</a:t>
             </a:fld>
             <a:endParaRPr lang="en-US"/>
           </a:p>
@@ -4526,13 +4559,6 @@
               </a:rPr>
               <a:t>Types of Layouts</a:t>
             </a:r>
-            <a:endParaRPr lang="en-US" sz="2800" kern="0" dirty="0">
-              <a:solidFill>
-                <a:srgbClr val="4538A8"/>
-              </a:solidFill>
-              <a:latin typeface="Arial"/>
-              <a:cs typeface="Arial"/>
-            </a:endParaRPr>
           </a:p>
         </p:txBody>
       </p:sp>
@@ -4811,13 +4837,6 @@
               </a:rPr>
               <a:t> types</a:t>
             </a:r>
-            <a:endParaRPr lang="en-US" sz="2800" kern="0" dirty="0">
-              <a:solidFill>
-                <a:srgbClr val="4538A8"/>
-              </a:solidFill>
-              <a:latin typeface="Arial"/>
-              <a:cs typeface="Arial"/>
-            </a:endParaRPr>
           </a:p>
         </p:txBody>
       </p:sp>
@@ -4997,13 +5016,6 @@
               </a:rPr>
               <a:t>Row Layout</a:t>
             </a:r>
-            <a:endParaRPr lang="en-US" sz="2800" kern="0" dirty="0">
-              <a:solidFill>
-                <a:srgbClr val="4538A8"/>
-              </a:solidFill>
-              <a:latin typeface="Arial"/>
-              <a:cs typeface="Arial"/>
-            </a:endParaRPr>
           </a:p>
         </p:txBody>
       </p:sp>
@@ -5144,13 +5156,6 @@
               </a:rPr>
               <a:t>Grid Layout</a:t>
             </a:r>
-            <a:endParaRPr lang="en-US" sz="2800" kern="0" dirty="0">
-              <a:solidFill>
-                <a:srgbClr val="4538A8"/>
-              </a:solidFill>
-              <a:latin typeface="Arial"/>
-              <a:cs typeface="Arial"/>
-            </a:endParaRPr>
           </a:p>
         </p:txBody>
       </p:sp>
@@ -5393,13 +5398,6 @@
               </a:rPr>
               <a:t>Custom Layout</a:t>
             </a:r>
-            <a:endParaRPr lang="en-US" sz="2800" kern="0" dirty="0">
-              <a:solidFill>
-                <a:srgbClr val="4538A8"/>
-              </a:solidFill>
-              <a:latin typeface="Arial"/>
-              <a:cs typeface="Arial"/>
-            </a:endParaRPr>
           </a:p>
         </p:txBody>
       </p:sp>
@@ -5887,13 +5885,6 @@
               </a:rPr>
               <a:t>RECAP</a:t>
             </a:r>
-            <a:endParaRPr lang="en-US" sz="6600" kern="0" dirty="0">
-              <a:solidFill>
-                <a:srgbClr val="4538A8"/>
-              </a:solidFill>
-              <a:latin typeface="Arial"/>
-              <a:cs typeface="Arial"/>
-            </a:endParaRPr>
           </a:p>
         </p:txBody>
       </p:sp>
@@ -5980,13 +5971,6 @@
               </a:rPr>
               <a:t>Help</a:t>
             </a:r>
-            <a:endParaRPr lang="en-US" sz="2800" kern="0" dirty="0">
-              <a:solidFill>
-                <a:srgbClr val="4538A8"/>
-              </a:solidFill>
-              <a:latin typeface="Arial"/>
-              <a:cs typeface="Arial"/>
-            </a:endParaRPr>
           </a:p>
         </p:txBody>
       </p:sp>
@@ -6059,7 +6043,6 @@
               <a:rPr lang="en-US" dirty="0"/>
               <a:t>help provide us with opportunity to describe functionalities available with the plugin.</a:t>
             </a:r>
-            <a:endParaRPr lang="en-US" dirty="0"/>
           </a:p>
         </p:txBody>
       </p:sp>
@@ -6305,13 +6288,6 @@
               </a:rPr>
               <a:t>Overview</a:t>
             </a:r>
-            <a:endParaRPr lang="en-US" sz="2800" kern="0" dirty="0">
-              <a:solidFill>
-                <a:srgbClr val="4538A8"/>
-              </a:solidFill>
-              <a:latin typeface="Arial"/>
-              <a:cs typeface="Arial"/>
-            </a:endParaRPr>
           </a:p>
         </p:txBody>
       </p:sp>
@@ -6458,13 +6434,6 @@
               </a:rPr>
               <a:t>TOC files</a:t>
             </a:r>
-            <a:endParaRPr lang="en-US" sz="2800" kern="0" dirty="0">
-              <a:solidFill>
-                <a:srgbClr val="4538A8"/>
-              </a:solidFill>
-              <a:latin typeface="Arial"/>
-              <a:cs typeface="Arial"/>
-            </a:endParaRPr>
           </a:p>
         </p:txBody>
       </p:sp>
@@ -6510,7 +6479,6 @@
               <a:rPr lang="en-US" dirty="0"/>
               <a:t>not flagged as "primary" will not show up in the help hierarchy unless they are linked to from at least one primary toc file. The file attribute points to the XML file which describes the content.</a:t>
             </a:r>
-            <a:endParaRPr lang="en-US" dirty="0"/>
           </a:p>
           <a:p>
             <a:endParaRPr lang="en-US" dirty="0"/>
@@ -6581,13 +6549,6 @@
               </a:rPr>
               <a:t>Anchoring in toc files</a:t>
             </a:r>
-            <a:endParaRPr lang="en-US" sz="2800" kern="0" dirty="0">
-              <a:solidFill>
-                <a:srgbClr val="4538A8"/>
-              </a:solidFill>
-              <a:latin typeface="Arial"/>
-              <a:cs typeface="Arial"/>
-            </a:endParaRPr>
           </a:p>
         </p:txBody>
       </p:sp>
@@ -6786,13 +6747,6 @@
               </a:rPr>
               <a:t>Generating Help Pages</a:t>
             </a:r>
-            <a:endParaRPr lang="en-US" sz="2800" kern="0" dirty="0">
-              <a:solidFill>
-                <a:srgbClr val="4538A8"/>
-              </a:solidFill>
-              <a:latin typeface="Arial"/>
-              <a:cs typeface="Arial"/>
-            </a:endParaRPr>
           </a:p>
         </p:txBody>
       </p:sp>
@@ -6885,13 +6839,6 @@
               </a:rPr>
               <a:t>Creating help plugin</a:t>
             </a:r>
-            <a:endParaRPr lang="en-US" sz="2800" kern="0" dirty="0">
-              <a:solidFill>
-                <a:srgbClr val="4538A8"/>
-              </a:solidFill>
-              <a:latin typeface="Arial"/>
-              <a:cs typeface="Arial"/>
-            </a:endParaRPr>
           </a:p>
         </p:txBody>
       </p:sp>
@@ -7065,7 +7012,6 @@
               <a:rPr lang="en-US" dirty="0"/>
               <a:t>" - Opens the help</a:t>
             </a:r>
-            <a:endParaRPr lang="en-US" dirty="0"/>
           </a:p>
         </p:txBody>
       </p:sp>
@@ -7126,13 +7072,6 @@
               </a:rPr>
               <a:t>Dynamic / Context Help</a:t>
             </a:r>
-            <a:endParaRPr lang="en-US" sz="2800" kern="0" dirty="0">
-              <a:solidFill>
-                <a:srgbClr val="4538A8"/>
-              </a:solidFill>
-              <a:latin typeface="Arial"/>
-              <a:cs typeface="Arial"/>
-            </a:endParaRPr>
           </a:p>
         </p:txBody>
       </p:sp>
@@ -7449,7 +7388,15 @@
                   <a:srgbClr val="00B0F0"/>
                 </a:solidFill>
               </a:rPr>
-              <a:t>(control, </a:t>
+              <a:t>(control, “</a:t>
+            </a:r>
+            <a:r>
+              <a:rPr lang="en-US" sz="2000" i="1" dirty="0" err="1">
+                <a:solidFill>
+                  <a:srgbClr val="00B0F0"/>
+                </a:solidFill>
+              </a:rPr>
+              <a:t>contextHelpID</a:t>
             </a:r>
             <a:r>
               <a:rPr lang="en-US" sz="2000" i="1" dirty="0">
@@ -7457,29 +7404,8 @@
                   <a:srgbClr val="00B0F0"/>
                 </a:solidFill>
               </a:rPr>
-              <a:t>“</a:t>
-            </a:r>
-            <a:r>
-              <a:rPr lang="en-US" sz="2000" i="1" dirty="0" err="1">
-                <a:solidFill>
-                  <a:srgbClr val="00B0F0"/>
-                </a:solidFill>
-              </a:rPr>
-              <a:t>contextHelpID</a:t>
-            </a:r>
-            <a:r>
-              <a:rPr lang="en-US" sz="2000" i="1" dirty="0">
-                <a:solidFill>
-                  <a:srgbClr val="00B0F0"/>
-                </a:solidFill>
-              </a:rPr>
               <a:t>");</a:t>
             </a:r>
-            <a:endParaRPr lang="en-US" sz="2000" i="1" dirty="0">
-              <a:solidFill>
-                <a:srgbClr val="00B0F0"/>
-              </a:solidFill>
-            </a:endParaRPr>
           </a:p>
         </p:txBody>
       </p:sp>
@@ -7540,13 +7466,6 @@
               </a:rPr>
               <a:t>Invoking a Dynamic Help</a:t>
             </a:r>
-            <a:endParaRPr lang="en-US" sz="2800" kern="0" dirty="0">
-              <a:solidFill>
-                <a:srgbClr val="4538A8"/>
-              </a:solidFill>
-              <a:latin typeface="Arial"/>
-              <a:cs typeface="Arial"/>
-            </a:endParaRPr>
           </a:p>
         </p:txBody>
       </p:sp>
@@ -7664,13 +7583,6 @@
               </a:rPr>
               <a:t>Dynamic Help </a:t>
             </a:r>
-            <a:endParaRPr lang="en-US" sz="6600" kern="0" dirty="0">
-              <a:solidFill>
-                <a:srgbClr val="4538A8"/>
-              </a:solidFill>
-              <a:latin typeface="Arial"/>
-              <a:cs typeface="Arial"/>
-            </a:endParaRPr>
           </a:p>
         </p:txBody>
       </p:sp>
@@ -7775,13 +7687,6 @@
               </a:rPr>
               <a:t>OSGI Overview</a:t>
             </a:r>
-            <a:endParaRPr lang="en-US" sz="2800" kern="0" dirty="0">
-              <a:solidFill>
-                <a:srgbClr val="4538A8"/>
-              </a:solidFill>
-              <a:latin typeface="Arial"/>
-              <a:cs typeface="Arial"/>
-            </a:endParaRPr>
           </a:p>
         </p:txBody>
       </p:sp>
@@ -8011,13 +7916,6 @@
               </a:rPr>
               <a:t>?</a:t>
             </a:r>
-            <a:endParaRPr lang="en-US" sz="2800" kern="0" dirty="0">
-              <a:solidFill>
-                <a:srgbClr val="0070C0"/>
-              </a:solidFill>
-              <a:latin typeface="Arial"/>
-              <a:cs typeface="Arial"/>
-            </a:endParaRPr>
           </a:p>
         </p:txBody>
       </p:sp>
@@ -8157,13 +8055,6 @@
               </a:rPr>
               <a:t>Why OSGI?</a:t>
             </a:r>
-            <a:endParaRPr lang="en-US" sz="2800" kern="0" dirty="0">
-              <a:solidFill>
-                <a:srgbClr val="4538A8"/>
-              </a:solidFill>
-              <a:latin typeface="Arial"/>
-              <a:cs typeface="Arial"/>
-            </a:endParaRPr>
           </a:p>
         </p:txBody>
       </p:sp>
@@ -8321,13 +8212,6 @@
               </a:rPr>
               <a:t>Why OSGI?</a:t>
             </a:r>
-            <a:endParaRPr lang="en-US" sz="2800" kern="0" dirty="0">
-              <a:solidFill>
-                <a:srgbClr val="4538A8"/>
-              </a:solidFill>
-              <a:latin typeface="Arial"/>
-              <a:cs typeface="Arial"/>
-            </a:endParaRPr>
           </a:p>
         </p:txBody>
       </p:sp>
@@ -8525,13 +8409,6 @@
               </a:rPr>
               <a:t>OSGI Architecture</a:t>
             </a:r>
-            <a:endParaRPr lang="en-US" sz="2800" kern="0" dirty="0">
-              <a:solidFill>
-                <a:srgbClr val="4538A8"/>
-              </a:solidFill>
-              <a:latin typeface="Arial"/>
-              <a:cs typeface="Arial"/>
-            </a:endParaRPr>
           </a:p>
         </p:txBody>
       </p:sp>
@@ -8770,13 +8647,6 @@
               </a:rPr>
               <a:t>Modular Layer</a:t>
             </a:r>
-            <a:endParaRPr lang="en-US" sz="2800" kern="0" dirty="0">
-              <a:solidFill>
-                <a:srgbClr val="4538A8"/>
-              </a:solidFill>
-              <a:latin typeface="Arial"/>
-              <a:cs typeface="Arial"/>
-            </a:endParaRPr>
           </a:p>
         </p:txBody>
       </p:sp>
@@ -10833,25 +10703,8 @@
                 <a:latin typeface="Arial"/>
                 <a:cs typeface="Arial"/>
               </a:rPr>
-              <a:t>Lifecycle </a:t>
-            </a:r>
-            <a:r>
-              <a:rPr lang="en-US" sz="2800" kern="0" dirty="0">
-                <a:solidFill>
-                  <a:srgbClr val="4538A8"/>
-                </a:solidFill>
-                <a:latin typeface="Arial"/>
-                <a:cs typeface="Arial"/>
-              </a:rPr>
-              <a:t>Layer</a:t>
-            </a:r>
-            <a:endParaRPr lang="en-US" sz="2800" kern="0" dirty="0">
-              <a:solidFill>
-                <a:srgbClr val="4538A8"/>
-              </a:solidFill>
-              <a:latin typeface="Arial"/>
-              <a:cs typeface="Arial"/>
-            </a:endParaRPr>
+              <a:t>Lifecycle Layer</a:t>
+            </a:r>
           </a:p>
         </p:txBody>
       </p:sp>
@@ -11022,25 +10875,8 @@
                 <a:latin typeface="Arial"/>
                 <a:cs typeface="Arial"/>
               </a:rPr>
-              <a:t>Service </a:t>
-            </a:r>
-            <a:r>
-              <a:rPr lang="en-US" sz="2800" kern="0" dirty="0">
-                <a:solidFill>
-                  <a:srgbClr val="4538A8"/>
-                </a:solidFill>
-                <a:latin typeface="Arial"/>
-                <a:cs typeface="Arial"/>
-              </a:rPr>
-              <a:t>Layer</a:t>
-            </a:r>
-            <a:endParaRPr lang="en-US" sz="2800" kern="0" dirty="0">
-              <a:solidFill>
-                <a:srgbClr val="4538A8"/>
-              </a:solidFill>
-              <a:latin typeface="Arial"/>
-              <a:cs typeface="Arial"/>
-            </a:endParaRPr>
+              <a:t>Service Layer</a:t>
+            </a:r>
           </a:p>
         </p:txBody>
       </p:sp>
@@ -17205,6 +17041,311 @@
 </p:sld>
 </file>
 
+<file path=ppt/slides/slide147.xml><?xml version="1.0" encoding="utf-8"?>
+<p:sld xmlns:a="http://schemas.openxmlformats.org/drawingml/2006/main" xmlns:r="http://schemas.openxmlformats.org/officeDocument/2006/relationships" xmlns:p="http://schemas.openxmlformats.org/presentationml/2006/main">
+  <p:cSld>
+    <p:spTree>
+      <p:nvGrpSpPr>
+        <p:cNvPr id="1" name=""/>
+        <p:cNvGrpSpPr/>
+        <p:nvPr/>
+      </p:nvGrpSpPr>
+      <p:grpSpPr>
+        <a:xfrm>
+          <a:off x="0" y="0"/>
+          <a:ext cx="0" cy="0"/>
+          <a:chOff x="0" y="0"/>
+          <a:chExt cx="0" cy="0"/>
+        </a:xfrm>
+      </p:grpSpPr>
+      <p:sp>
+        <p:nvSpPr>
+          <p:cNvPr id="2" name="Title 1"/>
+          <p:cNvSpPr>
+            <a:spLocks noGrp="1"/>
+          </p:cNvSpPr>
+          <p:nvPr>
+            <p:ph type="ctrTitle"/>
+          </p:nvPr>
+        </p:nvSpPr>
+        <p:spPr/>
+        <p:txBody>
+          <a:bodyPr/>
+          <a:lstStyle/>
+          <a:p>
+            <a:r>
+              <a:rPr lang="en-US" dirty="0" smtClean="0"/>
+              <a:t>JFACE </a:t>
+            </a:r>
+            <a:r>
+              <a:rPr lang="en-US" dirty="0" err="1" smtClean="0"/>
+              <a:t>DataBinding</a:t>
+            </a:r>
+            <a:endParaRPr lang="en-US" dirty="0"/>
+          </a:p>
+        </p:txBody>
+      </p:sp>
+      <p:sp>
+        <p:nvSpPr>
+          <p:cNvPr id="3" name="Subtitle 2"/>
+          <p:cNvSpPr>
+            <a:spLocks noGrp="1"/>
+          </p:cNvSpPr>
+          <p:nvPr>
+            <p:ph type="subTitle" idx="1"/>
+          </p:nvPr>
+        </p:nvSpPr>
+        <p:spPr/>
+        <p:txBody>
+          <a:bodyPr/>
+          <a:lstStyle/>
+          <a:p>
+            <a:endParaRPr lang="en-US"/>
+          </a:p>
+        </p:txBody>
+      </p:sp>
+    </p:spTree>
+    <p:extLst>
+      <p:ext uri="{BB962C8B-B14F-4D97-AF65-F5344CB8AC3E}">
+        <p14:creationId xmlns:p14="http://schemas.microsoft.com/office/powerpoint/2010/main" val="2883646560"/>
+      </p:ext>
+    </p:extLst>
+  </p:cSld>
+  <p:clrMapOvr>
+    <a:masterClrMapping/>
+  </p:clrMapOvr>
+  <p:timing>
+    <p:tnLst>
+      <p:par>
+        <p:cTn id="1" dur="indefinite" restart="never" nodeType="tmRoot"/>
+      </p:par>
+    </p:tnLst>
+  </p:timing>
+</p:sld>
+</file>
+
+<file path=ppt/slides/slide148.xml><?xml version="1.0" encoding="utf-8"?>
+<p:sld xmlns:a="http://schemas.openxmlformats.org/drawingml/2006/main" xmlns:r="http://schemas.openxmlformats.org/officeDocument/2006/relationships" xmlns:p="http://schemas.openxmlformats.org/presentationml/2006/main">
+  <p:cSld>
+    <p:spTree>
+      <p:nvGrpSpPr>
+        <p:cNvPr id="1" name=""/>
+        <p:cNvGrpSpPr/>
+        <p:nvPr/>
+      </p:nvGrpSpPr>
+      <p:grpSpPr>
+        <a:xfrm>
+          <a:off x="0" y="0"/>
+          <a:ext cx="0" cy="0"/>
+          <a:chOff x="0" y="0"/>
+          <a:chExt cx="0" cy="0"/>
+        </a:xfrm>
+      </p:grpSpPr>
+      <p:sp>
+        <p:nvSpPr>
+          <p:cNvPr id="2" name="Title 1"/>
+          <p:cNvSpPr>
+            <a:spLocks noGrp="1"/>
+          </p:cNvSpPr>
+          <p:nvPr>
+            <p:ph type="title"/>
+          </p:nvPr>
+        </p:nvSpPr>
+        <p:spPr/>
+        <p:txBody>
+          <a:bodyPr/>
+          <a:lstStyle/>
+          <a:p>
+            <a:r>
+              <a:rPr lang="en-US" dirty="0" err="1" smtClean="0"/>
+              <a:t>DataBinding</a:t>
+            </a:r>
+            <a:endParaRPr lang="en-US" dirty="0"/>
+          </a:p>
+        </p:txBody>
+      </p:sp>
+      <p:sp>
+        <p:nvSpPr>
+          <p:cNvPr id="3" name="Content Placeholder 2"/>
+          <p:cNvSpPr>
+            <a:spLocks noGrp="1"/>
+          </p:cNvSpPr>
+          <p:nvPr>
+            <p:ph idx="1"/>
+          </p:nvPr>
+        </p:nvSpPr>
+        <p:spPr/>
+        <p:txBody>
+          <a:bodyPr/>
+          <a:lstStyle/>
+          <a:p>
+            <a:r>
+              <a:rPr lang="en-US" dirty="0"/>
+              <a:t>The </a:t>
+            </a:r>
+            <a:r>
+              <a:rPr lang="en-US" i="1" dirty="0" err="1"/>
+              <a:t>JFace</a:t>
+            </a:r>
+            <a:r>
+              <a:rPr lang="en-US" i="1" dirty="0"/>
+              <a:t> data binding</a:t>
+            </a:r>
+            <a:r>
+              <a:rPr lang="en-US" dirty="0"/>
+              <a:t> framework allows to synchronize changes in properties of objects. Validation and conversion during the synchronization process is supported</a:t>
+            </a:r>
+            <a:r>
+              <a:rPr lang="en-US" dirty="0" smtClean="0"/>
+              <a:t>.</a:t>
+            </a:r>
+          </a:p>
+          <a:p>
+            <a:endParaRPr lang="en-US" dirty="0"/>
+          </a:p>
+          <a:p>
+            <a:r>
+              <a:rPr lang="en-US" dirty="0" smtClean="0"/>
+              <a:t>For example you could bind the String property called </a:t>
+            </a:r>
+            <a:r>
+              <a:rPr lang="en-US" dirty="0" err="1" smtClean="0"/>
+              <a:t>firstName</a:t>
+            </a:r>
+            <a:r>
+              <a:rPr lang="en-US" dirty="0" smtClean="0"/>
+              <a:t> of a Java object to a text property of the SWT Text widget. If the user changes the text in the user interface, the corresponding property in the Java object is updated.</a:t>
+            </a:r>
+            <a:endParaRPr lang="en-US" dirty="0"/>
+          </a:p>
+        </p:txBody>
+      </p:sp>
+    </p:spTree>
+    <p:extLst>
+      <p:ext uri="{BB962C8B-B14F-4D97-AF65-F5344CB8AC3E}">
+        <p14:creationId xmlns:p14="http://schemas.microsoft.com/office/powerpoint/2010/main" val="1000194681"/>
+      </p:ext>
+    </p:extLst>
+  </p:cSld>
+  <p:clrMapOvr>
+    <a:masterClrMapping/>
+  </p:clrMapOvr>
+  <p:timing>
+    <p:tnLst>
+      <p:par>
+        <p:cTn id="1" dur="indefinite" restart="never" nodeType="tmRoot"/>
+      </p:par>
+    </p:tnLst>
+  </p:timing>
+</p:sld>
+</file>
+
+<file path=ppt/slides/slide149.xml><?xml version="1.0" encoding="utf-8"?>
+<p:sld xmlns:a="http://schemas.openxmlformats.org/drawingml/2006/main" xmlns:r="http://schemas.openxmlformats.org/officeDocument/2006/relationships" xmlns:p="http://schemas.openxmlformats.org/presentationml/2006/main">
+  <p:cSld>
+    <p:spTree>
+      <p:nvGrpSpPr>
+        <p:cNvPr id="1" name=""/>
+        <p:cNvGrpSpPr/>
+        <p:nvPr/>
+      </p:nvGrpSpPr>
+      <p:grpSpPr>
+        <a:xfrm>
+          <a:off x="0" y="0"/>
+          <a:ext cx="0" cy="0"/>
+          <a:chOff x="0" y="0"/>
+          <a:chExt cx="0" cy="0"/>
+        </a:xfrm>
+      </p:grpSpPr>
+      <p:sp>
+        <p:nvSpPr>
+          <p:cNvPr id="2" name="Title 1"/>
+          <p:cNvSpPr>
+            <a:spLocks noGrp="1"/>
+          </p:cNvSpPr>
+          <p:nvPr>
+            <p:ph type="title"/>
+          </p:nvPr>
+        </p:nvSpPr>
+        <p:spPr/>
+        <p:txBody>
+          <a:bodyPr/>
+          <a:lstStyle/>
+          <a:p>
+            <a:r>
+              <a:rPr lang="en-US" dirty="0" err="1" smtClean="0"/>
+              <a:t>Jface</a:t>
+            </a:r>
+            <a:r>
+              <a:rPr lang="en-US" dirty="0" smtClean="0"/>
+              <a:t> </a:t>
+            </a:r>
+            <a:r>
+              <a:rPr lang="en-US" dirty="0" err="1" smtClean="0"/>
+              <a:t>DataBinding</a:t>
+            </a:r>
+            <a:endParaRPr lang="en-US" dirty="0"/>
+          </a:p>
+        </p:txBody>
+      </p:sp>
+      <p:sp>
+        <p:nvSpPr>
+          <p:cNvPr id="3" name="Content Placeholder 2"/>
+          <p:cNvSpPr>
+            <a:spLocks noGrp="1"/>
+          </p:cNvSpPr>
+          <p:nvPr>
+            <p:ph idx="1"/>
+          </p:nvPr>
+        </p:nvSpPr>
+        <p:spPr/>
+        <p:txBody>
+          <a:bodyPr/>
+          <a:lstStyle/>
+          <a:p>
+            <a:r>
+              <a:rPr lang="en-US" dirty="0"/>
+              <a:t>To observe changes in an attribute of a Java object, a data binding framework needs to be able to register itself as a listener to this attribute. </a:t>
+            </a:r>
+            <a:r>
+              <a:rPr lang="en-US" dirty="0" err="1"/>
+              <a:t>JFace</a:t>
+            </a:r>
+            <a:r>
+              <a:rPr lang="en-US" dirty="0"/>
+              <a:t> data binding provides API to register to changes in SWT widgets and </a:t>
+            </a:r>
+            <a:r>
+              <a:rPr lang="en-US" dirty="0" err="1"/>
+              <a:t>JFace</a:t>
+            </a:r>
+            <a:r>
+              <a:rPr lang="en-US" dirty="0"/>
+              <a:t> UI elements. Other Java object must implement this support. </a:t>
+            </a:r>
+          </a:p>
+        </p:txBody>
+      </p:sp>
+    </p:spTree>
+    <p:extLst>
+      <p:ext uri="{BB962C8B-B14F-4D97-AF65-F5344CB8AC3E}">
+        <p14:creationId xmlns:p14="http://schemas.microsoft.com/office/powerpoint/2010/main" val="2206446759"/>
+      </p:ext>
+    </p:extLst>
+  </p:cSld>
+  <p:clrMapOvr>
+    <a:masterClrMapping/>
+  </p:clrMapOvr>
+  <p:timing>
+    <p:tnLst>
+      <p:par>
+        <p:cTn id="1" dur="indefinite" restart="never" nodeType="tmRoot"/>
+      </p:par>
+    </p:tnLst>
+  </p:timing>
+</p:sld>
+</file>
+
 <file path=ppt/slides/slide15.xml><?xml version="1.0" encoding="utf-8"?>
 <p:sld xmlns:a="http://schemas.openxmlformats.org/drawingml/2006/main" xmlns:r="http://schemas.openxmlformats.org/officeDocument/2006/relationships" xmlns:p="http://schemas.openxmlformats.org/presentationml/2006/main">
   <p:cSld>
@@ -17902,6 +18043,3012 @@
       </p:par>
     </p:tnLst>
   </p:timing>
+</p:sld>
+</file>
+
+<file path=ppt/slides/slide150.xml><?xml version="1.0" encoding="utf-8"?>
+<p:sld xmlns:a="http://schemas.openxmlformats.org/drawingml/2006/main" xmlns:r="http://schemas.openxmlformats.org/officeDocument/2006/relationships" xmlns:p="http://schemas.openxmlformats.org/presentationml/2006/main">
+  <p:cSld>
+    <p:spTree>
+      <p:nvGrpSpPr>
+        <p:cNvPr id="1" name=""/>
+        <p:cNvGrpSpPr/>
+        <p:nvPr/>
+      </p:nvGrpSpPr>
+      <p:grpSpPr>
+        <a:xfrm>
+          <a:off x="0" y="0"/>
+          <a:ext cx="0" cy="0"/>
+          <a:chOff x="0" y="0"/>
+          <a:chExt cx="0" cy="0"/>
+        </a:xfrm>
+      </p:grpSpPr>
+      <p:sp>
+        <p:nvSpPr>
+          <p:cNvPr id="2" name="Title 1"/>
+          <p:cNvSpPr>
+            <a:spLocks noGrp="1"/>
+          </p:cNvSpPr>
+          <p:nvPr>
+            <p:ph type="title"/>
+          </p:nvPr>
+        </p:nvSpPr>
+        <p:spPr/>
+        <p:txBody>
+          <a:bodyPr/>
+          <a:lstStyle/>
+          <a:p>
+            <a:r>
+              <a:rPr lang="en-US" dirty="0" err="1"/>
+              <a:t>Jface</a:t>
+            </a:r>
+            <a:r>
+              <a:rPr lang="en-US" dirty="0"/>
+              <a:t> </a:t>
+            </a:r>
+            <a:r>
+              <a:rPr lang="en-US" dirty="0" err="1"/>
+              <a:t>DataBinding</a:t>
+            </a:r>
+            <a:endParaRPr lang="en-US" dirty="0"/>
+          </a:p>
+        </p:txBody>
+      </p:sp>
+      <p:sp>
+        <p:nvSpPr>
+          <p:cNvPr id="3" name="Content Placeholder 2"/>
+          <p:cNvSpPr>
+            <a:spLocks noGrp="1"/>
+          </p:cNvSpPr>
+          <p:nvPr>
+            <p:ph idx="1"/>
+          </p:nvPr>
+        </p:nvSpPr>
+        <p:spPr/>
+        <p:txBody>
+          <a:bodyPr/>
+          <a:lstStyle/>
+          <a:p>
+            <a:r>
+              <a:rPr lang="en-US" dirty="0" smtClean="0"/>
+              <a:t> For example you can implement </a:t>
+            </a:r>
+            <a:r>
+              <a:rPr lang="en-US" dirty="0" err="1" smtClean="0"/>
+              <a:t>PropertyChangeSupport</a:t>
+            </a:r>
+            <a:r>
+              <a:rPr lang="en-US" dirty="0" smtClean="0"/>
+              <a:t> according to the Java Bean specification in these Java elements. Or you can use the </a:t>
+            </a:r>
+            <a:r>
+              <a:rPr lang="en-US" dirty="0" err="1" smtClean="0"/>
+              <a:t>WritableValue</a:t>
+            </a:r>
+            <a:r>
+              <a:rPr lang="en-US" dirty="0" smtClean="0"/>
+              <a:t> interface from </a:t>
+            </a:r>
+            <a:r>
+              <a:rPr lang="en-US" dirty="0" err="1" smtClean="0"/>
+              <a:t>JFace</a:t>
+            </a:r>
+            <a:r>
+              <a:rPr lang="en-US" dirty="0" smtClean="0"/>
+              <a:t> inside the model.</a:t>
+            </a:r>
+            <a:endParaRPr lang="en-US" dirty="0"/>
+          </a:p>
+        </p:txBody>
+      </p:sp>
+    </p:spTree>
+    <p:extLst>
+      <p:ext uri="{BB962C8B-B14F-4D97-AF65-F5344CB8AC3E}">
+        <p14:creationId xmlns:p14="http://schemas.microsoft.com/office/powerpoint/2010/main" val="3350164061"/>
+      </p:ext>
+    </p:extLst>
+  </p:cSld>
+  <p:clrMapOvr>
+    <a:masterClrMapping/>
+  </p:clrMapOvr>
+  <p:timing>
+    <p:tnLst>
+      <p:par>
+        <p:cTn id="1" dur="indefinite" restart="never" nodeType="tmRoot"/>
+      </p:par>
+    </p:tnLst>
+  </p:timing>
+</p:sld>
+</file>
+
+<file path=ppt/slides/slide151.xml><?xml version="1.0" encoding="utf-8"?>
+<p:sld xmlns:a="http://schemas.openxmlformats.org/drawingml/2006/main" xmlns:r="http://schemas.openxmlformats.org/officeDocument/2006/relationships" xmlns:p="http://schemas.openxmlformats.org/presentationml/2006/main">
+  <p:cSld>
+    <p:spTree>
+      <p:nvGrpSpPr>
+        <p:cNvPr id="1" name=""/>
+        <p:cNvGrpSpPr/>
+        <p:nvPr/>
+      </p:nvGrpSpPr>
+      <p:grpSpPr>
+        <a:xfrm>
+          <a:off x="0" y="0"/>
+          <a:ext cx="0" cy="0"/>
+          <a:chOff x="0" y="0"/>
+          <a:chExt cx="0" cy="0"/>
+        </a:xfrm>
+      </p:grpSpPr>
+      <p:graphicFrame>
+        <p:nvGraphicFramePr>
+          <p:cNvPr id="2" name="Table 1"/>
+          <p:cNvGraphicFramePr>
+            <a:graphicFrameLocks noGrp="1"/>
+          </p:cNvGraphicFramePr>
+          <p:nvPr/>
+        </p:nvGraphicFramePr>
+        <p:xfrm>
+          <a:off x="1498058" y="515566"/>
+          <a:ext cx="7665396" cy="5742150"/>
+        </p:xfrm>
+        <a:graphic>
+          <a:graphicData uri="http://schemas.openxmlformats.org/drawingml/2006/table">
+            <a:tbl>
+              <a:tblPr/>
+              <a:tblGrid>
+                <a:gridCol w="3832698">
+                  <a:extLst>
+                    <a:ext uri="{9D8B030D-6E8A-4147-A177-3AD203B41FA5}">
+                      <a16:colId xmlns:a16="http://schemas.microsoft.com/office/drawing/2014/main" val="2555652582"/>
+                    </a:ext>
+                  </a:extLst>
+                </a:gridCol>
+                <a:gridCol w="3832698">
+                  <a:extLst>
+                    <a:ext uri="{9D8B030D-6E8A-4147-A177-3AD203B41FA5}">
+                      <a16:colId xmlns:a16="http://schemas.microsoft.com/office/drawing/2014/main" val="2247967397"/>
+                    </a:ext>
+                  </a:extLst>
+                </a:gridCol>
+              </a:tblGrid>
+              <a:tr h="180391">
+                <a:tc>
+                  <a:txBody>
+                    <a:bodyPr/>
+                    <a:lstStyle/>
+                    <a:p>
+                      <a:pPr algn="l" rtl="0" fontAlgn="t"/>
+                      <a:r>
+                        <a:rPr lang="en-US" sz="700" b="1">
+                          <a:effectLst/>
+                        </a:rPr>
+                        <a:t>Factory</a:t>
+                      </a:r>
+                    </a:p>
+                  </a:txBody>
+                  <a:tcPr marL="35091" marR="35091" marT="17546" marB="17546">
+                    <a:lnL w="7620" cap="flat" cmpd="sng" algn="ctr">
+                      <a:solidFill>
+                        <a:srgbClr val="DEDEDE"/>
+                      </a:solidFill>
+                      <a:prstDash val="solid"/>
+                      <a:round/>
+                      <a:headEnd type="none" w="med" len="med"/>
+                      <a:tailEnd type="none" w="med" len="med"/>
+                    </a:lnL>
+                    <a:lnR w="7620" cap="flat" cmpd="sng" algn="ctr">
+                      <a:solidFill>
+                        <a:srgbClr val="DEDEDE"/>
+                      </a:solidFill>
+                      <a:prstDash val="solid"/>
+                      <a:round/>
+                      <a:headEnd type="none" w="med" len="med"/>
+                      <a:tailEnd type="none" w="med" len="med"/>
+                    </a:lnR>
+                    <a:lnT w="7620" cap="flat" cmpd="sng" algn="ctr">
+                      <a:solidFill>
+                        <a:srgbClr val="DEDEDE"/>
+                      </a:solidFill>
+                      <a:prstDash val="solid"/>
+                      <a:round/>
+                      <a:headEnd type="none" w="med" len="med"/>
+                      <a:tailEnd type="none" w="med" len="med"/>
+                    </a:lnT>
+                    <a:lnB w="7620" cap="flat" cmpd="sng" algn="ctr">
+                      <a:solidFill>
+                        <a:srgbClr val="DEDEDE"/>
+                      </a:solidFill>
+                      <a:prstDash val="solid"/>
+                      <a:round/>
+                      <a:headEnd type="none" w="med" len="med"/>
+                      <a:tailEnd type="none" w="med" len="med"/>
+                    </a:lnB>
+                    <a:solidFill>
+                      <a:srgbClr val="FFFFFF"/>
+                    </a:solidFill>
+                  </a:tcPr>
+                </a:tc>
+                <a:tc>
+                  <a:txBody>
+                    <a:bodyPr/>
+                    <a:lstStyle/>
+                    <a:p>
+                      <a:pPr algn="l" rtl="0" fontAlgn="t"/>
+                      <a:r>
+                        <a:rPr lang="en-US" sz="700" b="1">
+                          <a:effectLst/>
+                        </a:rPr>
+                        <a:t>Description</a:t>
+                      </a:r>
+                    </a:p>
+                  </a:txBody>
+                  <a:tcPr marL="35091" marR="35091" marT="17546" marB="17546">
+                    <a:lnL w="7620" cap="flat" cmpd="sng" algn="ctr">
+                      <a:solidFill>
+                        <a:srgbClr val="DEDEDE"/>
+                      </a:solidFill>
+                      <a:prstDash val="solid"/>
+                      <a:round/>
+                      <a:headEnd type="none" w="med" len="med"/>
+                      <a:tailEnd type="none" w="med" len="med"/>
+                    </a:lnL>
+                    <a:lnR w="7620" cap="flat" cmpd="sng" algn="ctr">
+                      <a:solidFill>
+                        <a:srgbClr val="DEDEDE"/>
+                      </a:solidFill>
+                      <a:prstDash val="solid"/>
+                      <a:round/>
+                      <a:headEnd type="none" w="med" len="med"/>
+                      <a:tailEnd type="none" w="med" len="med"/>
+                    </a:lnR>
+                    <a:lnT w="7620" cap="flat" cmpd="sng" algn="ctr">
+                      <a:solidFill>
+                        <a:srgbClr val="DEDEDE"/>
+                      </a:solidFill>
+                      <a:prstDash val="solid"/>
+                      <a:round/>
+                      <a:headEnd type="none" w="med" len="med"/>
+                      <a:tailEnd type="none" w="med" len="med"/>
+                    </a:lnT>
+                    <a:lnB w="7620" cap="flat" cmpd="sng" algn="ctr">
+                      <a:solidFill>
+                        <a:srgbClr val="DEDEDE"/>
+                      </a:solidFill>
+                      <a:prstDash val="solid"/>
+                      <a:round/>
+                      <a:headEnd type="none" w="med" len="med"/>
+                      <a:tailEnd type="none" w="med" len="med"/>
+                    </a:lnB>
+                    <a:solidFill>
+                      <a:srgbClr val="FFFFFF"/>
+                    </a:solidFill>
+                  </a:tcPr>
+                </a:tc>
+                <a:extLst>
+                  <a:ext uri="{0D108BD9-81ED-4DB2-BD59-A6C34878D82A}">
+                    <a16:rowId xmlns:a16="http://schemas.microsoft.com/office/drawing/2014/main" val="2973635682"/>
+                  </a:ext>
+                </a:extLst>
+              </a:tr>
+              <a:tr h="1266309">
+                <a:tc>
+                  <a:txBody>
+                    <a:bodyPr/>
+                    <a:lstStyle/>
+                    <a:p>
+                      <a:pPr algn="l" rtl="0" fontAlgn="t"/>
+                      <a:r>
+                        <a:rPr lang="en-US" sz="700" b="0" i="0" dirty="0" err="1">
+                          <a:effectLst/>
+                          <a:latin typeface="inherit"/>
+                        </a:rPr>
+                        <a:t>PojoProperties</a:t>
+                      </a:r>
+                      <a:endParaRPr lang="en-US" sz="700" b="0" i="0" dirty="0">
+                        <a:effectLst/>
+                        <a:latin typeface="inherit"/>
+                      </a:endParaRPr>
+                    </a:p>
+                  </a:txBody>
+                  <a:tcPr marL="35091" marR="35091" marT="17546" marB="17546">
+                    <a:lnL w="7620" cap="flat" cmpd="sng" algn="ctr">
+                      <a:solidFill>
+                        <a:srgbClr val="DEDEDE"/>
+                      </a:solidFill>
+                      <a:prstDash val="solid"/>
+                      <a:round/>
+                      <a:headEnd type="none" w="med" len="med"/>
+                      <a:tailEnd type="none" w="med" len="med"/>
+                    </a:lnL>
+                    <a:lnR w="7620" cap="flat" cmpd="sng" algn="ctr">
+                      <a:solidFill>
+                        <a:srgbClr val="DEDEDE"/>
+                      </a:solidFill>
+                      <a:prstDash val="solid"/>
+                      <a:round/>
+                      <a:headEnd type="none" w="med" len="med"/>
+                      <a:tailEnd type="none" w="med" len="med"/>
+                    </a:lnR>
+                    <a:lnT w="7620" cap="flat" cmpd="sng" algn="ctr">
+                      <a:solidFill>
+                        <a:srgbClr val="DEDEDE"/>
+                      </a:solidFill>
+                      <a:prstDash val="solid"/>
+                      <a:round/>
+                      <a:headEnd type="none" w="med" len="med"/>
+                      <a:tailEnd type="none" w="med" len="med"/>
+                    </a:lnT>
+                    <a:lnB w="7620" cap="flat" cmpd="sng" algn="ctr">
+                      <a:solidFill>
+                        <a:srgbClr val="DEDEDE"/>
+                      </a:solidFill>
+                      <a:prstDash val="solid"/>
+                      <a:round/>
+                      <a:headEnd type="none" w="med" len="med"/>
+                      <a:tailEnd type="none" w="med" len="med"/>
+                    </a:lnB>
+                    <a:solidFill>
+                      <a:srgbClr val="FFFFFF"/>
+                    </a:solidFill>
+                  </a:tcPr>
+                </a:tc>
+                <a:tc>
+                  <a:txBody>
+                    <a:bodyPr/>
+                    <a:lstStyle/>
+                    <a:p>
+                      <a:pPr algn="l" rtl="0" fontAlgn="t"/>
+                      <a:r>
+                        <a:rPr lang="en-US" sz="700" b="0" i="0">
+                          <a:effectLst/>
+                          <a:latin typeface="inherit"/>
+                        </a:rPr>
+                        <a:t>Used to create IObservableValue for Java objects. The term Pojo (Plain old Java object) is used to describe a Java object which does not implement a specific framework API.</a:t>
+                      </a:r>
+                    </a:p>
+                  </a:txBody>
+                  <a:tcPr marL="35091" marR="35091" marT="17546" marB="17546">
+                    <a:lnL w="7620" cap="flat" cmpd="sng" algn="ctr">
+                      <a:solidFill>
+                        <a:srgbClr val="DEDEDE"/>
+                      </a:solidFill>
+                      <a:prstDash val="solid"/>
+                      <a:round/>
+                      <a:headEnd type="none" w="med" len="med"/>
+                      <a:tailEnd type="none" w="med" len="med"/>
+                    </a:lnL>
+                    <a:lnR w="7620" cap="flat" cmpd="sng" algn="ctr">
+                      <a:solidFill>
+                        <a:srgbClr val="DEDEDE"/>
+                      </a:solidFill>
+                      <a:prstDash val="solid"/>
+                      <a:round/>
+                      <a:headEnd type="none" w="med" len="med"/>
+                      <a:tailEnd type="none" w="med" len="med"/>
+                    </a:lnR>
+                    <a:lnT w="7620" cap="flat" cmpd="sng" algn="ctr">
+                      <a:solidFill>
+                        <a:srgbClr val="DEDEDE"/>
+                      </a:solidFill>
+                      <a:prstDash val="solid"/>
+                      <a:round/>
+                      <a:headEnd type="none" w="med" len="med"/>
+                      <a:tailEnd type="none" w="med" len="med"/>
+                    </a:lnT>
+                    <a:lnB w="7620" cap="flat" cmpd="sng" algn="ctr">
+                      <a:solidFill>
+                        <a:srgbClr val="DEDEDE"/>
+                      </a:solidFill>
+                      <a:prstDash val="solid"/>
+                      <a:round/>
+                      <a:headEnd type="none" w="med" len="med"/>
+                      <a:tailEnd type="none" w="med" len="med"/>
+                    </a:lnB>
+                    <a:solidFill>
+                      <a:srgbClr val="FFFFFF"/>
+                    </a:solidFill>
+                  </a:tcPr>
+                </a:tc>
+                <a:extLst>
+                  <a:ext uri="{0D108BD9-81ED-4DB2-BD59-A6C34878D82A}">
+                    <a16:rowId xmlns:a16="http://schemas.microsoft.com/office/drawing/2014/main" val="381919112"/>
+                  </a:ext>
+                </a:extLst>
+              </a:tr>
+              <a:tr h="2352228">
+                <a:tc>
+                  <a:txBody>
+                    <a:bodyPr/>
+                    <a:lstStyle/>
+                    <a:p>
+                      <a:pPr algn="l" rtl="0" fontAlgn="t"/>
+                      <a:r>
+                        <a:rPr lang="en-US" sz="700" b="0" i="0">
+                          <a:effectLst/>
+                          <a:latin typeface="inherit"/>
+                        </a:rPr>
+                        <a:t>BeanProperties</a:t>
+                      </a:r>
+                    </a:p>
+                  </a:txBody>
+                  <a:tcPr marL="35091" marR="35091" marT="17546" marB="17546">
+                    <a:lnL w="7620" cap="flat" cmpd="sng" algn="ctr">
+                      <a:solidFill>
+                        <a:srgbClr val="DEDEDE"/>
+                      </a:solidFill>
+                      <a:prstDash val="solid"/>
+                      <a:round/>
+                      <a:headEnd type="none" w="med" len="med"/>
+                      <a:tailEnd type="none" w="med" len="med"/>
+                    </a:lnL>
+                    <a:lnR w="7620" cap="flat" cmpd="sng" algn="ctr">
+                      <a:solidFill>
+                        <a:srgbClr val="DEDEDE"/>
+                      </a:solidFill>
+                      <a:prstDash val="solid"/>
+                      <a:round/>
+                      <a:headEnd type="none" w="med" len="med"/>
+                      <a:tailEnd type="none" w="med" len="med"/>
+                    </a:lnR>
+                    <a:lnT w="7620" cap="flat" cmpd="sng" algn="ctr">
+                      <a:solidFill>
+                        <a:srgbClr val="DEDEDE"/>
+                      </a:solidFill>
+                      <a:prstDash val="solid"/>
+                      <a:round/>
+                      <a:headEnd type="none" w="med" len="med"/>
+                      <a:tailEnd type="none" w="med" len="med"/>
+                    </a:lnT>
+                    <a:lnB w="7620" cap="flat" cmpd="sng" algn="ctr">
+                      <a:solidFill>
+                        <a:srgbClr val="DEDEDE"/>
+                      </a:solidFill>
+                      <a:prstDash val="solid"/>
+                      <a:round/>
+                      <a:headEnd type="none" w="med" len="med"/>
+                      <a:tailEnd type="none" w="med" len="med"/>
+                    </a:lnB>
+                    <a:solidFill>
+                      <a:srgbClr val="FFFFFF"/>
+                    </a:solidFill>
+                  </a:tcPr>
+                </a:tc>
+                <a:tc>
+                  <a:txBody>
+                    <a:bodyPr/>
+                    <a:lstStyle/>
+                    <a:p>
+                      <a:pPr algn="l" rtl="0" fontAlgn="t"/>
+                      <a:r>
+                        <a:rPr lang="en-US" sz="700" b="0" i="0">
+                          <a:effectLst/>
+                          <a:latin typeface="inherit"/>
+                        </a:rPr>
+                        <a:t>Used for Java Beans. A Java Bean is a Java object which follows the Java Bean specification. This specification requires that the class implements getter and setter methods for all its attributes. It must also implement property change support via the PropertyChangeSupport class and propagate changes to registered listeners.</a:t>
+                      </a:r>
+                    </a:p>
+                  </a:txBody>
+                  <a:tcPr marL="35091" marR="35091" marT="17546" marB="17546">
+                    <a:lnL w="7620" cap="flat" cmpd="sng" algn="ctr">
+                      <a:solidFill>
+                        <a:srgbClr val="DEDEDE"/>
+                      </a:solidFill>
+                      <a:prstDash val="solid"/>
+                      <a:round/>
+                      <a:headEnd type="none" w="med" len="med"/>
+                      <a:tailEnd type="none" w="med" len="med"/>
+                    </a:lnL>
+                    <a:lnR w="7620" cap="flat" cmpd="sng" algn="ctr">
+                      <a:solidFill>
+                        <a:srgbClr val="DEDEDE"/>
+                      </a:solidFill>
+                      <a:prstDash val="solid"/>
+                      <a:round/>
+                      <a:headEnd type="none" w="med" len="med"/>
+                      <a:tailEnd type="none" w="med" len="med"/>
+                    </a:lnR>
+                    <a:lnT w="7620" cap="flat" cmpd="sng" algn="ctr">
+                      <a:solidFill>
+                        <a:srgbClr val="DEDEDE"/>
+                      </a:solidFill>
+                      <a:prstDash val="solid"/>
+                      <a:round/>
+                      <a:headEnd type="none" w="med" len="med"/>
+                      <a:tailEnd type="none" w="med" len="med"/>
+                    </a:lnT>
+                    <a:lnB w="7620" cap="flat" cmpd="sng" algn="ctr">
+                      <a:solidFill>
+                        <a:srgbClr val="DEDEDE"/>
+                      </a:solidFill>
+                      <a:prstDash val="solid"/>
+                      <a:round/>
+                      <a:headEnd type="none" w="med" len="med"/>
+                      <a:tailEnd type="none" w="med" len="med"/>
+                    </a:lnB>
+                    <a:solidFill>
+                      <a:srgbClr val="FFFFFF"/>
+                    </a:solidFill>
+                  </a:tcPr>
+                </a:tc>
+                <a:extLst>
+                  <a:ext uri="{0D108BD9-81ED-4DB2-BD59-A6C34878D82A}">
+                    <a16:rowId xmlns:a16="http://schemas.microsoft.com/office/drawing/2014/main" val="2051863752"/>
+                  </a:ext>
+                </a:extLst>
+              </a:tr>
+              <a:tr h="316131">
+                <a:tc>
+                  <a:txBody>
+                    <a:bodyPr/>
+                    <a:lstStyle/>
+                    <a:p>
+                      <a:pPr algn="l" rtl="0" fontAlgn="t"/>
+                      <a:r>
+                        <a:rPr lang="en-US" sz="700" b="0" i="0">
+                          <a:effectLst/>
+                          <a:latin typeface="inherit"/>
+                        </a:rPr>
+                        <a:t>WidgetProperties</a:t>
+                      </a:r>
+                    </a:p>
+                  </a:txBody>
+                  <a:tcPr marL="35091" marR="35091" marT="17546" marB="17546">
+                    <a:lnL w="7620" cap="flat" cmpd="sng" algn="ctr">
+                      <a:solidFill>
+                        <a:srgbClr val="DEDEDE"/>
+                      </a:solidFill>
+                      <a:prstDash val="solid"/>
+                      <a:round/>
+                      <a:headEnd type="none" w="med" len="med"/>
+                      <a:tailEnd type="none" w="med" len="med"/>
+                    </a:lnL>
+                    <a:lnR w="7620" cap="flat" cmpd="sng" algn="ctr">
+                      <a:solidFill>
+                        <a:srgbClr val="DEDEDE"/>
+                      </a:solidFill>
+                      <a:prstDash val="solid"/>
+                      <a:round/>
+                      <a:headEnd type="none" w="med" len="med"/>
+                      <a:tailEnd type="none" w="med" len="med"/>
+                    </a:lnR>
+                    <a:lnT w="7620" cap="flat" cmpd="sng" algn="ctr">
+                      <a:solidFill>
+                        <a:srgbClr val="DEDEDE"/>
+                      </a:solidFill>
+                      <a:prstDash val="solid"/>
+                      <a:round/>
+                      <a:headEnd type="none" w="med" len="med"/>
+                      <a:tailEnd type="none" w="med" len="med"/>
+                    </a:lnT>
+                    <a:lnB w="7620" cap="flat" cmpd="sng" algn="ctr">
+                      <a:solidFill>
+                        <a:srgbClr val="DEDEDE"/>
+                      </a:solidFill>
+                      <a:prstDash val="solid"/>
+                      <a:round/>
+                      <a:headEnd type="none" w="med" len="med"/>
+                      <a:tailEnd type="none" w="med" len="med"/>
+                    </a:lnB>
+                    <a:solidFill>
+                      <a:srgbClr val="FFFFFF"/>
+                    </a:solidFill>
+                  </a:tcPr>
+                </a:tc>
+                <a:tc>
+                  <a:txBody>
+                    <a:bodyPr/>
+                    <a:lstStyle/>
+                    <a:p>
+                      <a:pPr algn="l" rtl="0" fontAlgn="t"/>
+                      <a:r>
+                        <a:rPr lang="en-US" sz="700" b="0" i="0">
+                          <a:effectLst/>
+                          <a:latin typeface="inherit"/>
+                        </a:rPr>
+                        <a:t>Used for properties of SWT widgets.</a:t>
+                      </a:r>
+                    </a:p>
+                  </a:txBody>
+                  <a:tcPr marL="35091" marR="35091" marT="17546" marB="17546">
+                    <a:lnL w="7620" cap="flat" cmpd="sng" algn="ctr">
+                      <a:solidFill>
+                        <a:srgbClr val="DEDEDE"/>
+                      </a:solidFill>
+                      <a:prstDash val="solid"/>
+                      <a:round/>
+                      <a:headEnd type="none" w="med" len="med"/>
+                      <a:tailEnd type="none" w="med" len="med"/>
+                    </a:lnL>
+                    <a:lnR w="7620" cap="flat" cmpd="sng" algn="ctr">
+                      <a:solidFill>
+                        <a:srgbClr val="DEDEDE"/>
+                      </a:solidFill>
+                      <a:prstDash val="solid"/>
+                      <a:round/>
+                      <a:headEnd type="none" w="med" len="med"/>
+                      <a:tailEnd type="none" w="med" len="med"/>
+                    </a:lnR>
+                    <a:lnT w="7620" cap="flat" cmpd="sng" algn="ctr">
+                      <a:solidFill>
+                        <a:srgbClr val="DEDEDE"/>
+                      </a:solidFill>
+                      <a:prstDash val="solid"/>
+                      <a:round/>
+                      <a:headEnd type="none" w="med" len="med"/>
+                      <a:tailEnd type="none" w="med" len="med"/>
+                    </a:lnT>
+                    <a:lnB w="7620" cap="flat" cmpd="sng" algn="ctr">
+                      <a:solidFill>
+                        <a:srgbClr val="DEDEDE"/>
+                      </a:solidFill>
+                      <a:prstDash val="solid"/>
+                      <a:round/>
+                      <a:headEnd type="none" w="med" len="med"/>
+                      <a:tailEnd type="none" w="med" len="med"/>
+                    </a:lnB>
+                    <a:solidFill>
+                      <a:srgbClr val="FFFFFF"/>
+                    </a:solidFill>
+                  </a:tcPr>
+                </a:tc>
+                <a:extLst>
+                  <a:ext uri="{0D108BD9-81ED-4DB2-BD59-A6C34878D82A}">
+                    <a16:rowId xmlns:a16="http://schemas.microsoft.com/office/drawing/2014/main" val="2202658650"/>
+                  </a:ext>
+                </a:extLst>
+              </a:tr>
+              <a:tr h="316131">
+                <a:tc>
+                  <a:txBody>
+                    <a:bodyPr/>
+                    <a:lstStyle/>
+                    <a:p>
+                      <a:pPr algn="l" rtl="0" fontAlgn="t"/>
+                      <a:r>
+                        <a:rPr lang="en-US" sz="700" b="0" i="0">
+                          <a:effectLst/>
+                          <a:latin typeface="inherit"/>
+                        </a:rPr>
+                        <a:t>ViewerProperties</a:t>
+                      </a:r>
+                    </a:p>
+                  </a:txBody>
+                  <a:tcPr marL="35091" marR="35091" marT="17546" marB="17546">
+                    <a:lnL w="7620" cap="flat" cmpd="sng" algn="ctr">
+                      <a:solidFill>
+                        <a:srgbClr val="DEDEDE"/>
+                      </a:solidFill>
+                      <a:prstDash val="solid"/>
+                      <a:round/>
+                      <a:headEnd type="none" w="med" len="med"/>
+                      <a:tailEnd type="none" w="med" len="med"/>
+                    </a:lnL>
+                    <a:lnR w="7620" cap="flat" cmpd="sng" algn="ctr">
+                      <a:solidFill>
+                        <a:srgbClr val="DEDEDE"/>
+                      </a:solidFill>
+                      <a:prstDash val="solid"/>
+                      <a:round/>
+                      <a:headEnd type="none" w="med" len="med"/>
+                      <a:tailEnd type="none" w="med" len="med"/>
+                    </a:lnR>
+                    <a:lnT w="7620" cap="flat" cmpd="sng" algn="ctr">
+                      <a:solidFill>
+                        <a:srgbClr val="DEDEDE"/>
+                      </a:solidFill>
+                      <a:prstDash val="solid"/>
+                      <a:round/>
+                      <a:headEnd type="none" w="med" len="med"/>
+                      <a:tailEnd type="none" w="med" len="med"/>
+                    </a:lnT>
+                    <a:lnB w="7620" cap="flat" cmpd="sng" algn="ctr">
+                      <a:solidFill>
+                        <a:srgbClr val="DEDEDE"/>
+                      </a:solidFill>
+                      <a:prstDash val="solid"/>
+                      <a:round/>
+                      <a:headEnd type="none" w="med" len="med"/>
+                      <a:tailEnd type="none" w="med" len="med"/>
+                    </a:lnB>
+                    <a:solidFill>
+                      <a:srgbClr val="FFFFFF"/>
+                    </a:solidFill>
+                  </a:tcPr>
+                </a:tc>
+                <a:tc>
+                  <a:txBody>
+                    <a:bodyPr/>
+                    <a:lstStyle/>
+                    <a:p>
+                      <a:pPr algn="l" rtl="0" fontAlgn="t"/>
+                      <a:r>
+                        <a:rPr lang="en-US" sz="700" b="0" i="0">
+                          <a:effectLst/>
+                          <a:latin typeface="inherit"/>
+                        </a:rPr>
+                        <a:t>Used for properties of JFace Viewer.</a:t>
+                      </a:r>
+                    </a:p>
+                  </a:txBody>
+                  <a:tcPr marL="35091" marR="35091" marT="17546" marB="17546">
+                    <a:lnL w="7620" cap="flat" cmpd="sng" algn="ctr">
+                      <a:solidFill>
+                        <a:srgbClr val="DEDEDE"/>
+                      </a:solidFill>
+                      <a:prstDash val="solid"/>
+                      <a:round/>
+                      <a:headEnd type="none" w="med" len="med"/>
+                      <a:tailEnd type="none" w="med" len="med"/>
+                    </a:lnL>
+                    <a:lnR w="7620" cap="flat" cmpd="sng" algn="ctr">
+                      <a:solidFill>
+                        <a:srgbClr val="DEDEDE"/>
+                      </a:solidFill>
+                      <a:prstDash val="solid"/>
+                      <a:round/>
+                      <a:headEnd type="none" w="med" len="med"/>
+                      <a:tailEnd type="none" w="med" len="med"/>
+                    </a:lnR>
+                    <a:lnT w="7620" cap="flat" cmpd="sng" algn="ctr">
+                      <a:solidFill>
+                        <a:srgbClr val="DEDEDE"/>
+                      </a:solidFill>
+                      <a:prstDash val="solid"/>
+                      <a:round/>
+                      <a:headEnd type="none" w="med" len="med"/>
+                      <a:tailEnd type="none" w="med" len="med"/>
+                    </a:lnT>
+                    <a:lnB w="7620" cap="flat" cmpd="sng" algn="ctr">
+                      <a:solidFill>
+                        <a:srgbClr val="DEDEDE"/>
+                      </a:solidFill>
+                      <a:prstDash val="solid"/>
+                      <a:round/>
+                      <a:headEnd type="none" w="med" len="med"/>
+                      <a:tailEnd type="none" w="med" len="med"/>
+                    </a:lnB>
+                    <a:solidFill>
+                      <a:srgbClr val="FFFFFF"/>
+                    </a:solidFill>
+                  </a:tcPr>
+                </a:tc>
+                <a:extLst>
+                  <a:ext uri="{0D108BD9-81ED-4DB2-BD59-A6C34878D82A}">
+                    <a16:rowId xmlns:a16="http://schemas.microsoft.com/office/drawing/2014/main" val="2423605173"/>
+                  </a:ext>
+                </a:extLst>
+              </a:tr>
+              <a:tr h="587610">
+                <a:tc>
+                  <a:txBody>
+                    <a:bodyPr/>
+                    <a:lstStyle/>
+                    <a:p>
+                      <a:pPr algn="l" rtl="0" fontAlgn="t"/>
+                      <a:r>
+                        <a:rPr lang="en-US" sz="700" b="0" i="0">
+                          <a:effectLst/>
+                          <a:latin typeface="inherit"/>
+                        </a:rPr>
+                        <a:t>Properties</a:t>
+                      </a:r>
+                    </a:p>
+                  </a:txBody>
+                  <a:tcPr marL="35091" marR="35091" marT="17546" marB="17546">
+                    <a:lnL w="7620" cap="flat" cmpd="sng" algn="ctr">
+                      <a:solidFill>
+                        <a:srgbClr val="DEDEDE"/>
+                      </a:solidFill>
+                      <a:prstDash val="solid"/>
+                      <a:round/>
+                      <a:headEnd type="none" w="med" len="med"/>
+                      <a:tailEnd type="none" w="med" len="med"/>
+                    </a:lnL>
+                    <a:lnR w="7620" cap="flat" cmpd="sng" algn="ctr">
+                      <a:solidFill>
+                        <a:srgbClr val="DEDEDE"/>
+                      </a:solidFill>
+                      <a:prstDash val="solid"/>
+                      <a:round/>
+                      <a:headEnd type="none" w="med" len="med"/>
+                      <a:tailEnd type="none" w="med" len="med"/>
+                    </a:lnR>
+                    <a:lnT w="7620" cap="flat" cmpd="sng" algn="ctr">
+                      <a:solidFill>
+                        <a:srgbClr val="DEDEDE"/>
+                      </a:solidFill>
+                      <a:prstDash val="solid"/>
+                      <a:round/>
+                      <a:headEnd type="none" w="med" len="med"/>
+                      <a:tailEnd type="none" w="med" len="med"/>
+                    </a:lnT>
+                    <a:lnB w="7620" cap="flat" cmpd="sng" algn="ctr">
+                      <a:solidFill>
+                        <a:srgbClr val="DEDEDE"/>
+                      </a:solidFill>
+                      <a:prstDash val="solid"/>
+                      <a:round/>
+                      <a:headEnd type="none" w="med" len="med"/>
+                      <a:tailEnd type="none" w="med" len="med"/>
+                    </a:lnB>
+                    <a:solidFill>
+                      <a:srgbClr val="FFFFFF"/>
+                    </a:solidFill>
+                  </a:tcPr>
+                </a:tc>
+                <a:tc>
+                  <a:txBody>
+                    <a:bodyPr/>
+                    <a:lstStyle/>
+                    <a:p>
+                      <a:pPr algn="l" rtl="0" fontAlgn="t"/>
+                      <a:r>
+                        <a:rPr lang="en-US" sz="700" b="0" i="0">
+                          <a:effectLst/>
+                          <a:latin typeface="inherit"/>
+                        </a:rPr>
+                        <a:t>Used for properties of non specialized types, like Objects, Collections or Maps.</a:t>
+                      </a:r>
+                    </a:p>
+                  </a:txBody>
+                  <a:tcPr marL="35091" marR="35091" marT="17546" marB="17546">
+                    <a:lnL w="7620" cap="flat" cmpd="sng" algn="ctr">
+                      <a:solidFill>
+                        <a:srgbClr val="DEDEDE"/>
+                      </a:solidFill>
+                      <a:prstDash val="solid"/>
+                      <a:round/>
+                      <a:headEnd type="none" w="med" len="med"/>
+                      <a:tailEnd type="none" w="med" len="med"/>
+                    </a:lnL>
+                    <a:lnR w="7620" cap="flat" cmpd="sng" algn="ctr">
+                      <a:solidFill>
+                        <a:srgbClr val="DEDEDE"/>
+                      </a:solidFill>
+                      <a:prstDash val="solid"/>
+                      <a:round/>
+                      <a:headEnd type="none" w="med" len="med"/>
+                      <a:tailEnd type="none" w="med" len="med"/>
+                    </a:lnR>
+                    <a:lnT w="7620" cap="flat" cmpd="sng" algn="ctr">
+                      <a:solidFill>
+                        <a:srgbClr val="DEDEDE"/>
+                      </a:solidFill>
+                      <a:prstDash val="solid"/>
+                      <a:round/>
+                      <a:headEnd type="none" w="med" len="med"/>
+                      <a:tailEnd type="none" w="med" len="med"/>
+                    </a:lnT>
+                    <a:lnB w="7620" cap="flat" cmpd="sng" algn="ctr">
+                      <a:solidFill>
+                        <a:srgbClr val="DEDEDE"/>
+                      </a:solidFill>
+                      <a:prstDash val="solid"/>
+                      <a:round/>
+                      <a:headEnd type="none" w="med" len="med"/>
+                      <a:tailEnd type="none" w="med" len="med"/>
+                    </a:lnB>
+                    <a:solidFill>
+                      <a:srgbClr val="FFFFFF"/>
+                    </a:solidFill>
+                  </a:tcPr>
+                </a:tc>
+                <a:extLst>
+                  <a:ext uri="{0D108BD9-81ED-4DB2-BD59-A6C34878D82A}">
+                    <a16:rowId xmlns:a16="http://schemas.microsoft.com/office/drawing/2014/main" val="2347162567"/>
+                  </a:ext>
+                </a:extLst>
+              </a:tr>
+              <a:tr h="723350">
+                <a:tc>
+                  <a:txBody>
+                    <a:bodyPr/>
+                    <a:lstStyle/>
+                    <a:p>
+                      <a:pPr algn="l" rtl="0" fontAlgn="t"/>
+                      <a:r>
+                        <a:rPr lang="en-US" sz="700" b="0" i="0">
+                          <a:effectLst/>
+                          <a:latin typeface="inherit"/>
+                        </a:rPr>
+                        <a:t>Observables</a:t>
+                      </a:r>
+                    </a:p>
+                  </a:txBody>
+                  <a:tcPr marL="35091" marR="35091" marT="17546" marB="17546">
+                    <a:lnL w="7620" cap="flat" cmpd="sng" algn="ctr">
+                      <a:solidFill>
+                        <a:srgbClr val="DEDEDE"/>
+                      </a:solidFill>
+                      <a:prstDash val="solid"/>
+                      <a:round/>
+                      <a:headEnd type="none" w="med" len="med"/>
+                      <a:tailEnd type="none" w="med" len="med"/>
+                    </a:lnL>
+                    <a:lnR w="7620" cap="flat" cmpd="sng" algn="ctr">
+                      <a:solidFill>
+                        <a:srgbClr val="DEDEDE"/>
+                      </a:solidFill>
+                      <a:prstDash val="solid"/>
+                      <a:round/>
+                      <a:headEnd type="none" w="med" len="med"/>
+                      <a:tailEnd type="none" w="med" len="med"/>
+                    </a:lnR>
+                    <a:lnT w="7620" cap="flat" cmpd="sng" algn="ctr">
+                      <a:solidFill>
+                        <a:srgbClr val="DEDEDE"/>
+                      </a:solidFill>
+                      <a:prstDash val="solid"/>
+                      <a:round/>
+                      <a:headEnd type="none" w="med" len="med"/>
+                      <a:tailEnd type="none" w="med" len="med"/>
+                    </a:lnT>
+                    <a:lnB w="7620" cap="flat" cmpd="sng" algn="ctr">
+                      <a:solidFill>
+                        <a:srgbClr val="DEDEDE"/>
+                      </a:solidFill>
+                      <a:prstDash val="solid"/>
+                      <a:round/>
+                      <a:headEnd type="none" w="med" len="med"/>
+                      <a:tailEnd type="none" w="med" len="med"/>
+                    </a:lnB>
+                    <a:solidFill>
+                      <a:srgbClr val="FFFFFF"/>
+                    </a:solidFill>
+                  </a:tcPr>
+                </a:tc>
+                <a:tc>
+                  <a:txBody>
+                    <a:bodyPr/>
+                    <a:lstStyle/>
+                    <a:p>
+                      <a:pPr algn="l" rtl="0" fontAlgn="t"/>
+                      <a:r>
+                        <a:rPr lang="en-US" sz="700" b="0" i="0" dirty="0">
+                          <a:effectLst/>
+                          <a:latin typeface="inherit"/>
+                        </a:rPr>
+                        <a:t>Used for properties of special Objects, Collections, Maps and Entries of an </a:t>
+                      </a:r>
+                      <a:r>
+                        <a:rPr lang="en-US" sz="700" b="0" i="0" dirty="0" err="1">
+                          <a:effectLst/>
+                          <a:latin typeface="inherit"/>
+                        </a:rPr>
+                        <a:t>IObservableMap</a:t>
+                      </a:r>
+                      <a:endParaRPr lang="en-US" sz="700" b="0" i="0" dirty="0">
+                        <a:effectLst/>
+                        <a:latin typeface="inherit"/>
+                      </a:endParaRPr>
+                    </a:p>
+                  </a:txBody>
+                  <a:tcPr marL="35091" marR="35091" marT="17546" marB="17546">
+                    <a:lnL w="7620" cap="flat" cmpd="sng" algn="ctr">
+                      <a:solidFill>
+                        <a:srgbClr val="DEDEDE"/>
+                      </a:solidFill>
+                      <a:prstDash val="solid"/>
+                      <a:round/>
+                      <a:headEnd type="none" w="med" len="med"/>
+                      <a:tailEnd type="none" w="med" len="med"/>
+                    </a:lnL>
+                    <a:lnR w="7620" cap="flat" cmpd="sng" algn="ctr">
+                      <a:solidFill>
+                        <a:srgbClr val="DEDEDE"/>
+                      </a:solidFill>
+                      <a:prstDash val="solid"/>
+                      <a:round/>
+                      <a:headEnd type="none" w="med" len="med"/>
+                      <a:tailEnd type="none" w="med" len="med"/>
+                    </a:lnR>
+                    <a:lnT w="7620" cap="flat" cmpd="sng" algn="ctr">
+                      <a:solidFill>
+                        <a:srgbClr val="DEDEDE"/>
+                      </a:solidFill>
+                      <a:prstDash val="solid"/>
+                      <a:round/>
+                      <a:headEnd type="none" w="med" len="med"/>
+                      <a:tailEnd type="none" w="med" len="med"/>
+                    </a:lnT>
+                    <a:lnB w="7620" cap="flat" cmpd="sng" algn="ctr">
+                      <a:solidFill>
+                        <a:srgbClr val="DEDEDE"/>
+                      </a:solidFill>
+                      <a:prstDash val="solid"/>
+                      <a:round/>
+                      <a:headEnd type="none" w="med" len="med"/>
+                      <a:tailEnd type="none" w="med" len="med"/>
+                    </a:lnB>
+                    <a:solidFill>
+                      <a:srgbClr val="FFFFFF"/>
+                    </a:solidFill>
+                  </a:tcPr>
+                </a:tc>
+                <a:extLst>
+                  <a:ext uri="{0D108BD9-81ED-4DB2-BD59-A6C34878D82A}">
+                    <a16:rowId xmlns:a16="http://schemas.microsoft.com/office/drawing/2014/main" val="1740000812"/>
+                  </a:ext>
+                </a:extLst>
+              </a:tr>
+            </a:tbl>
+          </a:graphicData>
+        </a:graphic>
+      </p:graphicFrame>
+    </p:spTree>
+    <p:extLst>
+      <p:ext uri="{BB962C8B-B14F-4D97-AF65-F5344CB8AC3E}">
+        <p14:creationId xmlns:p14="http://schemas.microsoft.com/office/powerpoint/2010/main" val="3732951440"/>
+      </p:ext>
+    </p:extLst>
+  </p:cSld>
+  <p:clrMapOvr>
+    <a:masterClrMapping/>
+  </p:clrMapOvr>
+  <p:timing>
+    <p:tnLst>
+      <p:par>
+        <p:cTn id="1" dur="indefinite" restart="never" nodeType="tmRoot"/>
+      </p:par>
+    </p:tnLst>
+  </p:timing>
+</p:sld>
+</file>
+
+<file path=ppt/slides/slide152.xml><?xml version="1.0" encoding="utf-8"?>
+<p:sld xmlns:a="http://schemas.openxmlformats.org/drawingml/2006/main" xmlns:r="http://schemas.openxmlformats.org/officeDocument/2006/relationships" xmlns:p="http://schemas.openxmlformats.org/presentationml/2006/main">
+  <p:cSld>
+    <p:spTree>
+      <p:nvGrpSpPr>
+        <p:cNvPr id="1" name=""/>
+        <p:cNvGrpSpPr/>
+        <p:nvPr/>
+      </p:nvGrpSpPr>
+      <p:grpSpPr>
+        <a:xfrm>
+          <a:off x="0" y="0"/>
+          <a:ext cx="0" cy="0"/>
+          <a:chOff x="0" y="0"/>
+          <a:chExt cx="0" cy="0"/>
+        </a:xfrm>
+      </p:grpSpPr>
+      <p:sp>
+        <p:nvSpPr>
+          <p:cNvPr id="2" name="Title 1"/>
+          <p:cNvSpPr>
+            <a:spLocks noGrp="1"/>
+          </p:cNvSpPr>
+          <p:nvPr>
+            <p:ph type="title"/>
+          </p:nvPr>
+        </p:nvSpPr>
+        <p:spPr/>
+        <p:txBody>
+          <a:bodyPr/>
+          <a:lstStyle/>
+          <a:p>
+            <a:r>
+              <a:rPr lang="en-US" dirty="0" smtClean="0"/>
+              <a:t>Databinding context</a:t>
+            </a:r>
+            <a:endParaRPr lang="en-US" dirty="0"/>
+          </a:p>
+        </p:txBody>
+      </p:sp>
+      <p:sp>
+        <p:nvSpPr>
+          <p:cNvPr id="3" name="Content Placeholder 2"/>
+          <p:cNvSpPr>
+            <a:spLocks noGrp="1"/>
+          </p:cNvSpPr>
+          <p:nvPr>
+            <p:ph idx="1"/>
+          </p:nvPr>
+        </p:nvSpPr>
+        <p:spPr/>
+        <p:txBody>
+          <a:bodyPr/>
+          <a:lstStyle/>
+          <a:p>
+            <a:r>
+              <a:rPr lang="en-US" dirty="0" err="1"/>
+              <a:t>DataBindingContext.bindValue</a:t>
+            </a:r>
+            <a:r>
+              <a:rPr lang="en-US" dirty="0" smtClean="0"/>
+              <a:t>()</a:t>
+            </a:r>
+          </a:p>
+          <a:p>
+            <a:r>
+              <a:rPr lang="en-US" dirty="0" smtClean="0"/>
+              <a:t>Using the </a:t>
+            </a:r>
+            <a:r>
+              <a:rPr lang="en-US" dirty="0" err="1" smtClean="0"/>
+              <a:t>DataBindingContext.bindValue</a:t>
+            </a:r>
+            <a:r>
+              <a:rPr lang="en-US" dirty="0" smtClean="0"/>
+              <a:t>() method two </a:t>
+            </a:r>
+            <a:r>
+              <a:rPr lang="en-US" dirty="0" err="1" smtClean="0"/>
+              <a:t>IObservableValue</a:t>
+            </a:r>
+            <a:r>
+              <a:rPr lang="en-US" dirty="0" smtClean="0"/>
+              <a:t> objects are connected. The first parameter is the target and the second is the model. During the initial binding the value from the model is copied to the target. The initial copying from model to target is useful for the initial synchronization. For example, if you have an attribute of a Person p object and the text attribute of a Text </a:t>
+            </a:r>
+            <a:r>
+              <a:rPr lang="en-US" dirty="0" err="1" smtClean="0"/>
+              <a:t>txtName</a:t>
+            </a:r>
+            <a:r>
+              <a:rPr lang="en-US" dirty="0" smtClean="0"/>
+              <a:t> widget, you typically want to copy the value from p to </a:t>
+            </a:r>
+            <a:r>
+              <a:rPr lang="en-US" dirty="0" err="1" smtClean="0"/>
+              <a:t>txtName</a:t>
+            </a:r>
+            <a:r>
+              <a:rPr lang="en-US" dirty="0" smtClean="0"/>
+              <a:t> at the beginning.</a:t>
+            </a:r>
+            <a:endParaRPr lang="en-US" dirty="0"/>
+          </a:p>
+        </p:txBody>
+      </p:sp>
+    </p:spTree>
+    <p:extLst>
+      <p:ext uri="{BB962C8B-B14F-4D97-AF65-F5344CB8AC3E}">
+        <p14:creationId xmlns:p14="http://schemas.microsoft.com/office/powerpoint/2010/main" val="2433139165"/>
+      </p:ext>
+    </p:extLst>
+  </p:cSld>
+  <p:clrMapOvr>
+    <a:masterClrMapping/>
+  </p:clrMapOvr>
+  <p:timing>
+    <p:tnLst>
+      <p:par>
+        <p:cTn id="1" dur="indefinite" restart="never" nodeType="tmRoot"/>
+      </p:par>
+    </p:tnLst>
+  </p:timing>
+</p:sld>
+</file>
+
+<file path=ppt/slides/slide153.xml><?xml version="1.0" encoding="utf-8"?>
+<p:sld xmlns:a="http://schemas.openxmlformats.org/drawingml/2006/main" xmlns:r="http://schemas.openxmlformats.org/officeDocument/2006/relationships" xmlns:p="http://schemas.openxmlformats.org/presentationml/2006/main">
+  <p:cSld>
+    <p:spTree>
+      <p:nvGrpSpPr>
+        <p:cNvPr id="1" name=""/>
+        <p:cNvGrpSpPr/>
+        <p:nvPr/>
+      </p:nvGrpSpPr>
+      <p:grpSpPr>
+        <a:xfrm>
+          <a:off x="0" y="0"/>
+          <a:ext cx="0" cy="0"/>
+          <a:chOff x="0" y="0"/>
+          <a:chExt cx="0" cy="0"/>
+        </a:xfrm>
+      </p:grpSpPr>
+      <p:sp>
+        <p:nvSpPr>
+          <p:cNvPr id="2" name="Title 1"/>
+          <p:cNvSpPr>
+            <a:spLocks noGrp="1"/>
+          </p:cNvSpPr>
+          <p:nvPr>
+            <p:ph type="title"/>
+          </p:nvPr>
+        </p:nvSpPr>
+        <p:spPr/>
+        <p:txBody>
+          <a:bodyPr/>
+          <a:lstStyle/>
+          <a:p>
+            <a:r>
+              <a:rPr lang="en-US" dirty="0" smtClean="0"/>
+              <a:t>Plugins Used</a:t>
+            </a:r>
+            <a:endParaRPr lang="en-US" dirty="0"/>
+          </a:p>
+        </p:txBody>
+      </p:sp>
+      <p:sp>
+        <p:nvSpPr>
+          <p:cNvPr id="3" name="Content Placeholder 2"/>
+          <p:cNvSpPr>
+            <a:spLocks noGrp="1"/>
+          </p:cNvSpPr>
+          <p:nvPr>
+            <p:ph idx="1"/>
+          </p:nvPr>
+        </p:nvSpPr>
+        <p:spPr/>
+        <p:txBody>
+          <a:bodyPr/>
+          <a:lstStyle/>
+          <a:p>
+            <a:r>
+              <a:rPr lang="en-US" dirty="0"/>
+              <a:t>The following plug-ins are required to use </a:t>
+            </a:r>
+            <a:r>
+              <a:rPr lang="en-US" dirty="0" err="1"/>
+              <a:t>JFace</a:t>
+            </a:r>
+            <a:r>
+              <a:rPr lang="en-US" dirty="0"/>
+              <a:t> Data Binding.</a:t>
+            </a:r>
+          </a:p>
+          <a:p>
+            <a:r>
+              <a:rPr lang="en-US" dirty="0" err="1"/>
+              <a:t>org.eclipse.core.databinding</a:t>
+            </a:r>
+            <a:endParaRPr lang="en-US" dirty="0"/>
+          </a:p>
+          <a:p>
+            <a:r>
+              <a:rPr lang="en-US" dirty="0" err="1"/>
+              <a:t>org.eclipse.core.databinding.beans</a:t>
+            </a:r>
+            <a:endParaRPr lang="en-US" dirty="0"/>
+          </a:p>
+          <a:p>
+            <a:r>
+              <a:rPr lang="en-US" dirty="0" err="1"/>
+              <a:t>org.eclipse.core.databinding.property</a:t>
+            </a:r>
+            <a:endParaRPr lang="en-US" dirty="0"/>
+          </a:p>
+          <a:p>
+            <a:r>
+              <a:rPr lang="en-US" dirty="0" err="1"/>
+              <a:t>org.eclipse.jface.databinding</a:t>
+            </a:r>
+            <a:endParaRPr lang="en-US" dirty="0"/>
+          </a:p>
+          <a:p>
+            <a:endParaRPr lang="en-US" dirty="0"/>
+          </a:p>
+        </p:txBody>
+      </p:sp>
+    </p:spTree>
+    <p:extLst>
+      <p:ext uri="{BB962C8B-B14F-4D97-AF65-F5344CB8AC3E}">
+        <p14:creationId xmlns:p14="http://schemas.microsoft.com/office/powerpoint/2010/main" val="1603635551"/>
+      </p:ext>
+    </p:extLst>
+  </p:cSld>
+  <p:clrMapOvr>
+    <a:masterClrMapping/>
+  </p:clrMapOvr>
+</p:sld>
+</file>
+
+<file path=ppt/slides/slide154.xml><?xml version="1.0" encoding="utf-8"?>
+<p:sld xmlns:a="http://schemas.openxmlformats.org/drawingml/2006/main" xmlns:r="http://schemas.openxmlformats.org/officeDocument/2006/relationships" xmlns:p="http://schemas.openxmlformats.org/presentationml/2006/main">
+  <p:cSld>
+    <p:spTree>
+      <p:nvGrpSpPr>
+        <p:cNvPr id="1" name=""/>
+        <p:cNvGrpSpPr/>
+        <p:nvPr/>
+      </p:nvGrpSpPr>
+      <p:grpSpPr>
+        <a:xfrm>
+          <a:off x="0" y="0"/>
+          <a:ext cx="0" cy="0"/>
+          <a:chOff x="0" y="0"/>
+          <a:chExt cx="0" cy="0"/>
+        </a:xfrm>
+      </p:grpSpPr>
+      <p:sp>
+        <p:nvSpPr>
+          <p:cNvPr id="2" name="Title 1"/>
+          <p:cNvSpPr>
+            <a:spLocks noGrp="1"/>
+          </p:cNvSpPr>
+          <p:nvPr>
+            <p:ph type="title"/>
+          </p:nvPr>
+        </p:nvSpPr>
+        <p:spPr/>
+        <p:txBody>
+          <a:bodyPr/>
+          <a:lstStyle/>
+          <a:p>
+            <a:r>
+              <a:rPr lang="en-US" dirty="0" smtClean="0"/>
+              <a:t>Creating Binding Context</a:t>
+            </a:r>
+            <a:endParaRPr lang="en-US" dirty="0"/>
+          </a:p>
+        </p:txBody>
+      </p:sp>
+      <p:sp>
+        <p:nvSpPr>
+          <p:cNvPr id="3" name="Content Placeholder 2"/>
+          <p:cNvSpPr>
+            <a:spLocks noGrp="1"/>
+          </p:cNvSpPr>
+          <p:nvPr>
+            <p:ph idx="1"/>
+          </p:nvPr>
+        </p:nvSpPr>
+        <p:spPr/>
+        <p:txBody>
+          <a:bodyPr/>
+          <a:lstStyle/>
+          <a:p>
+            <a:r>
+              <a:rPr lang="en-US" dirty="0" smtClean="0"/>
+              <a:t>To Create a binding context we use the class</a:t>
+            </a:r>
+          </a:p>
+          <a:p>
+            <a:pPr marL="0" indent="0">
+              <a:buNone/>
+            </a:pPr>
+            <a:endParaRPr lang="en-US" dirty="0" smtClean="0"/>
+          </a:p>
+          <a:p>
+            <a:pPr marL="0" indent="0">
+              <a:buNone/>
+            </a:pPr>
+            <a:r>
+              <a:rPr lang="en-US" dirty="0" err="1" smtClean="0"/>
+              <a:t>DataBindingContext</a:t>
+            </a:r>
+            <a:r>
+              <a:rPr lang="en-US" dirty="0" smtClean="0"/>
+              <a:t> </a:t>
+            </a:r>
+            <a:r>
+              <a:rPr lang="en-US" dirty="0" err="1"/>
+              <a:t>ctx</a:t>
+            </a:r>
+            <a:r>
+              <a:rPr lang="en-US" dirty="0"/>
+              <a:t> </a:t>
+            </a:r>
+            <a:r>
+              <a:rPr lang="en-US" b="1" dirty="0"/>
+              <a:t>=</a:t>
+            </a:r>
+            <a:r>
+              <a:rPr lang="en-US" dirty="0"/>
+              <a:t> </a:t>
+            </a:r>
+            <a:r>
+              <a:rPr lang="en-US" b="1" dirty="0"/>
+              <a:t>new</a:t>
+            </a:r>
+            <a:r>
+              <a:rPr lang="en-US" dirty="0"/>
+              <a:t> </a:t>
+            </a:r>
+            <a:r>
+              <a:rPr lang="en-US" dirty="0" err="1"/>
+              <a:t>DataBindingContext</a:t>
+            </a:r>
+            <a:r>
+              <a:rPr lang="en-US" b="1" dirty="0" smtClean="0"/>
+              <a:t>();</a:t>
+            </a:r>
+          </a:p>
+          <a:p>
+            <a:pPr marL="0" indent="0">
+              <a:buNone/>
+            </a:pPr>
+            <a:endParaRPr lang="en-US" b="1" dirty="0"/>
+          </a:p>
+          <a:p>
+            <a:pPr marL="0" indent="0">
+              <a:buNone/>
+            </a:pPr>
+            <a:r>
+              <a:rPr lang="en-US" b="1" dirty="0" smtClean="0"/>
+              <a:t>To bind a UI control with a model the </a:t>
+            </a:r>
+            <a:r>
+              <a:rPr lang="en-US" b="1" dirty="0" err="1" smtClean="0"/>
+              <a:t>ctx.bind</a:t>
+            </a:r>
+            <a:r>
+              <a:rPr lang="en-US" b="1" dirty="0" smtClean="0"/>
+              <a:t>() method is used.</a:t>
+            </a:r>
+          </a:p>
+          <a:p>
+            <a:endParaRPr lang="en-US" b="1" dirty="0"/>
+          </a:p>
+          <a:p>
+            <a:endParaRPr lang="en-US" dirty="0"/>
+          </a:p>
+        </p:txBody>
+      </p:sp>
+    </p:spTree>
+    <p:extLst>
+      <p:ext uri="{BB962C8B-B14F-4D97-AF65-F5344CB8AC3E}">
+        <p14:creationId xmlns:p14="http://schemas.microsoft.com/office/powerpoint/2010/main" val="241962312"/>
+      </p:ext>
+    </p:extLst>
+  </p:cSld>
+  <p:clrMapOvr>
+    <a:masterClrMapping/>
+  </p:clrMapOvr>
+</p:sld>
+</file>
+
+<file path=ppt/slides/slide155.xml><?xml version="1.0" encoding="utf-8"?>
+<p:sld xmlns:a="http://schemas.openxmlformats.org/drawingml/2006/main" xmlns:r="http://schemas.openxmlformats.org/officeDocument/2006/relationships" xmlns:p="http://schemas.openxmlformats.org/presentationml/2006/main">
+  <p:cSld>
+    <p:spTree>
+      <p:nvGrpSpPr>
+        <p:cNvPr id="1" name=""/>
+        <p:cNvGrpSpPr/>
+        <p:nvPr/>
+      </p:nvGrpSpPr>
+      <p:grpSpPr>
+        <a:xfrm>
+          <a:off x="0" y="0"/>
+          <a:ext cx="0" cy="0"/>
+          <a:chOff x="0" y="0"/>
+          <a:chExt cx="0" cy="0"/>
+        </a:xfrm>
+      </p:grpSpPr>
+      <p:sp>
+        <p:nvSpPr>
+          <p:cNvPr id="2" name="Title 1"/>
+          <p:cNvSpPr>
+            <a:spLocks noGrp="1"/>
+          </p:cNvSpPr>
+          <p:nvPr>
+            <p:ph type="title"/>
+          </p:nvPr>
+        </p:nvSpPr>
+        <p:spPr/>
+        <p:txBody>
+          <a:bodyPr/>
+          <a:lstStyle/>
+          <a:p>
+            <a:r>
+              <a:rPr lang="en-US" dirty="0" smtClean="0"/>
+              <a:t>Observables</a:t>
+            </a:r>
+            <a:endParaRPr lang="en-US" dirty="0"/>
+          </a:p>
+        </p:txBody>
+      </p:sp>
+      <p:sp>
+        <p:nvSpPr>
+          <p:cNvPr id="3" name="Content Placeholder 2"/>
+          <p:cNvSpPr>
+            <a:spLocks noGrp="1"/>
+          </p:cNvSpPr>
+          <p:nvPr>
+            <p:ph idx="1"/>
+          </p:nvPr>
+        </p:nvSpPr>
+        <p:spPr/>
+        <p:txBody>
+          <a:bodyPr/>
+          <a:lstStyle/>
+          <a:p>
+            <a:r>
+              <a:rPr lang="en-US" dirty="0" smtClean="0"/>
+              <a:t>Different type of bindings is done by using the </a:t>
+            </a:r>
+            <a:r>
+              <a:rPr lang="en-US" dirty="0" err="1" smtClean="0"/>
+              <a:t>IObservable</a:t>
+            </a:r>
+            <a:r>
+              <a:rPr lang="en-US" dirty="0" smtClean="0"/>
+              <a:t> implementation.</a:t>
+            </a:r>
+          </a:p>
+          <a:p>
+            <a:endParaRPr lang="en-US" dirty="0"/>
+          </a:p>
+          <a:p>
+            <a:r>
+              <a:rPr lang="en-US" dirty="0" smtClean="0"/>
+              <a:t>The list of Observables implementation for different type of widgets and control is shown in the table.</a:t>
+            </a:r>
+            <a:endParaRPr lang="en-US" dirty="0"/>
+          </a:p>
+        </p:txBody>
+      </p:sp>
+    </p:spTree>
+    <p:extLst>
+      <p:ext uri="{BB962C8B-B14F-4D97-AF65-F5344CB8AC3E}">
+        <p14:creationId xmlns:p14="http://schemas.microsoft.com/office/powerpoint/2010/main" val="3929195493"/>
+      </p:ext>
+    </p:extLst>
+  </p:cSld>
+  <p:clrMapOvr>
+    <a:masterClrMapping/>
+  </p:clrMapOvr>
+</p:sld>
+</file>
+
+<file path=ppt/slides/slide156.xml><?xml version="1.0" encoding="utf-8"?>
+<p:sld xmlns:a="http://schemas.openxmlformats.org/drawingml/2006/main" xmlns:r="http://schemas.openxmlformats.org/officeDocument/2006/relationships" xmlns:p="http://schemas.openxmlformats.org/presentationml/2006/main">
+  <p:cSld>
+    <p:spTree>
+      <p:nvGrpSpPr>
+        <p:cNvPr id="1" name=""/>
+        <p:cNvGrpSpPr/>
+        <p:nvPr/>
+      </p:nvGrpSpPr>
+      <p:grpSpPr>
+        <a:xfrm>
+          <a:off x="0" y="0"/>
+          <a:ext cx="0" cy="0"/>
+          <a:chOff x="0" y="0"/>
+          <a:chExt cx="0" cy="0"/>
+        </a:xfrm>
+      </p:grpSpPr>
+      <p:graphicFrame>
+        <p:nvGraphicFramePr>
+          <p:cNvPr id="3" name="Table 2"/>
+          <p:cNvGraphicFramePr>
+            <a:graphicFrameLocks noGrp="1"/>
+          </p:cNvGraphicFramePr>
+          <p:nvPr/>
+        </p:nvGraphicFramePr>
+        <p:xfrm>
+          <a:off x="2159540" y="321013"/>
+          <a:ext cx="7256834" cy="5936703"/>
+        </p:xfrm>
+        <a:graphic>
+          <a:graphicData uri="http://schemas.openxmlformats.org/drawingml/2006/table">
+            <a:tbl>
+              <a:tblPr/>
+              <a:tblGrid>
+                <a:gridCol w="3628417">
+                  <a:extLst>
+                    <a:ext uri="{9D8B030D-6E8A-4147-A177-3AD203B41FA5}">
+                      <a16:colId xmlns:a16="http://schemas.microsoft.com/office/drawing/2014/main" val="3695004308"/>
+                    </a:ext>
+                  </a:extLst>
+                </a:gridCol>
+                <a:gridCol w="3628417">
+                  <a:extLst>
+                    <a:ext uri="{9D8B030D-6E8A-4147-A177-3AD203B41FA5}">
+                      <a16:colId xmlns:a16="http://schemas.microsoft.com/office/drawing/2014/main" val="1782704006"/>
+                    </a:ext>
+                  </a:extLst>
+                </a:gridCol>
+              </a:tblGrid>
+              <a:tr h="186503">
+                <a:tc>
+                  <a:txBody>
+                    <a:bodyPr/>
+                    <a:lstStyle/>
+                    <a:p>
+                      <a:pPr algn="l" rtl="0" fontAlgn="t"/>
+                      <a:r>
+                        <a:rPr lang="en-US" sz="700" b="1">
+                          <a:effectLst/>
+                        </a:rPr>
+                        <a:t>Factory</a:t>
+                      </a:r>
+                    </a:p>
+                  </a:txBody>
+                  <a:tcPr marL="35091" marR="35091" marT="17546" marB="17546">
+                    <a:lnL w="7620" cap="flat" cmpd="sng" algn="ctr">
+                      <a:solidFill>
+                        <a:srgbClr val="DEDEDE"/>
+                      </a:solidFill>
+                      <a:prstDash val="solid"/>
+                      <a:round/>
+                      <a:headEnd type="none" w="med" len="med"/>
+                      <a:tailEnd type="none" w="med" len="med"/>
+                    </a:lnL>
+                    <a:lnR w="7620" cap="flat" cmpd="sng" algn="ctr">
+                      <a:solidFill>
+                        <a:srgbClr val="DEDEDE"/>
+                      </a:solidFill>
+                      <a:prstDash val="solid"/>
+                      <a:round/>
+                      <a:headEnd type="none" w="med" len="med"/>
+                      <a:tailEnd type="none" w="med" len="med"/>
+                    </a:lnR>
+                    <a:lnT w="7620" cap="flat" cmpd="sng" algn="ctr">
+                      <a:solidFill>
+                        <a:srgbClr val="DEDEDE"/>
+                      </a:solidFill>
+                      <a:prstDash val="solid"/>
+                      <a:round/>
+                      <a:headEnd type="none" w="med" len="med"/>
+                      <a:tailEnd type="none" w="med" len="med"/>
+                    </a:lnT>
+                    <a:lnB w="7620" cap="flat" cmpd="sng" algn="ctr">
+                      <a:solidFill>
+                        <a:srgbClr val="DEDEDE"/>
+                      </a:solidFill>
+                      <a:prstDash val="solid"/>
+                      <a:round/>
+                      <a:headEnd type="none" w="med" len="med"/>
+                      <a:tailEnd type="none" w="med" len="med"/>
+                    </a:lnB>
+                    <a:solidFill>
+                      <a:srgbClr val="FFFFFF"/>
+                    </a:solidFill>
+                  </a:tcPr>
+                </a:tc>
+                <a:tc>
+                  <a:txBody>
+                    <a:bodyPr/>
+                    <a:lstStyle/>
+                    <a:p>
+                      <a:pPr algn="l" rtl="0" fontAlgn="t"/>
+                      <a:r>
+                        <a:rPr lang="en-US" sz="700" b="1">
+                          <a:effectLst/>
+                        </a:rPr>
+                        <a:t>Description</a:t>
+                      </a:r>
+                    </a:p>
+                  </a:txBody>
+                  <a:tcPr marL="35091" marR="35091" marT="17546" marB="17546">
+                    <a:lnL w="7620" cap="flat" cmpd="sng" algn="ctr">
+                      <a:solidFill>
+                        <a:srgbClr val="DEDEDE"/>
+                      </a:solidFill>
+                      <a:prstDash val="solid"/>
+                      <a:round/>
+                      <a:headEnd type="none" w="med" len="med"/>
+                      <a:tailEnd type="none" w="med" len="med"/>
+                    </a:lnL>
+                    <a:lnR w="7620" cap="flat" cmpd="sng" algn="ctr">
+                      <a:solidFill>
+                        <a:srgbClr val="DEDEDE"/>
+                      </a:solidFill>
+                      <a:prstDash val="solid"/>
+                      <a:round/>
+                      <a:headEnd type="none" w="med" len="med"/>
+                      <a:tailEnd type="none" w="med" len="med"/>
+                    </a:lnR>
+                    <a:lnT w="7620" cap="flat" cmpd="sng" algn="ctr">
+                      <a:solidFill>
+                        <a:srgbClr val="DEDEDE"/>
+                      </a:solidFill>
+                      <a:prstDash val="solid"/>
+                      <a:round/>
+                      <a:headEnd type="none" w="med" len="med"/>
+                      <a:tailEnd type="none" w="med" len="med"/>
+                    </a:lnT>
+                    <a:lnB w="7620" cap="flat" cmpd="sng" algn="ctr">
+                      <a:solidFill>
+                        <a:srgbClr val="DEDEDE"/>
+                      </a:solidFill>
+                      <a:prstDash val="solid"/>
+                      <a:round/>
+                      <a:headEnd type="none" w="med" len="med"/>
+                      <a:tailEnd type="none" w="med" len="med"/>
+                    </a:lnB>
+                    <a:solidFill>
+                      <a:srgbClr val="FFFFFF"/>
+                    </a:solidFill>
+                  </a:tcPr>
+                </a:tc>
+                <a:extLst>
+                  <a:ext uri="{0D108BD9-81ED-4DB2-BD59-A6C34878D82A}">
+                    <a16:rowId xmlns:a16="http://schemas.microsoft.com/office/drawing/2014/main" val="3421627156"/>
+                  </a:ext>
+                </a:extLst>
+              </a:tr>
+              <a:tr h="1309214">
+                <a:tc>
+                  <a:txBody>
+                    <a:bodyPr/>
+                    <a:lstStyle/>
+                    <a:p>
+                      <a:pPr algn="l" rtl="0" fontAlgn="t"/>
+                      <a:r>
+                        <a:rPr lang="en-US" sz="700" b="0" i="0" dirty="0" err="1">
+                          <a:effectLst/>
+                          <a:latin typeface="inherit"/>
+                        </a:rPr>
+                        <a:t>PojoProperties</a:t>
+                      </a:r>
+                      <a:endParaRPr lang="en-US" sz="700" b="0" i="0" dirty="0">
+                        <a:effectLst/>
+                        <a:latin typeface="inherit"/>
+                      </a:endParaRPr>
+                    </a:p>
+                  </a:txBody>
+                  <a:tcPr marL="35091" marR="35091" marT="17546" marB="17546">
+                    <a:lnL w="7620" cap="flat" cmpd="sng" algn="ctr">
+                      <a:solidFill>
+                        <a:srgbClr val="DEDEDE"/>
+                      </a:solidFill>
+                      <a:prstDash val="solid"/>
+                      <a:round/>
+                      <a:headEnd type="none" w="med" len="med"/>
+                      <a:tailEnd type="none" w="med" len="med"/>
+                    </a:lnL>
+                    <a:lnR w="7620" cap="flat" cmpd="sng" algn="ctr">
+                      <a:solidFill>
+                        <a:srgbClr val="DEDEDE"/>
+                      </a:solidFill>
+                      <a:prstDash val="solid"/>
+                      <a:round/>
+                      <a:headEnd type="none" w="med" len="med"/>
+                      <a:tailEnd type="none" w="med" len="med"/>
+                    </a:lnR>
+                    <a:lnT w="7620" cap="flat" cmpd="sng" algn="ctr">
+                      <a:solidFill>
+                        <a:srgbClr val="DEDEDE"/>
+                      </a:solidFill>
+                      <a:prstDash val="solid"/>
+                      <a:round/>
+                      <a:headEnd type="none" w="med" len="med"/>
+                      <a:tailEnd type="none" w="med" len="med"/>
+                    </a:lnT>
+                    <a:lnB w="7620" cap="flat" cmpd="sng" algn="ctr">
+                      <a:solidFill>
+                        <a:srgbClr val="DEDEDE"/>
+                      </a:solidFill>
+                      <a:prstDash val="solid"/>
+                      <a:round/>
+                      <a:headEnd type="none" w="med" len="med"/>
+                      <a:tailEnd type="none" w="med" len="med"/>
+                    </a:lnB>
+                    <a:solidFill>
+                      <a:srgbClr val="FFFFFF"/>
+                    </a:solidFill>
+                  </a:tcPr>
+                </a:tc>
+                <a:tc>
+                  <a:txBody>
+                    <a:bodyPr/>
+                    <a:lstStyle/>
+                    <a:p>
+                      <a:pPr algn="l" rtl="0" fontAlgn="t"/>
+                      <a:r>
+                        <a:rPr lang="en-US" sz="700" b="0" i="0">
+                          <a:effectLst/>
+                          <a:latin typeface="inherit"/>
+                        </a:rPr>
+                        <a:t>Used to create IObservableValue for Java objects. The term Pojo (Plain old Java object) is used to describe a Java object which does not implement a specific framework API.</a:t>
+                      </a:r>
+                    </a:p>
+                  </a:txBody>
+                  <a:tcPr marL="35091" marR="35091" marT="17546" marB="17546">
+                    <a:lnL w="7620" cap="flat" cmpd="sng" algn="ctr">
+                      <a:solidFill>
+                        <a:srgbClr val="DEDEDE"/>
+                      </a:solidFill>
+                      <a:prstDash val="solid"/>
+                      <a:round/>
+                      <a:headEnd type="none" w="med" len="med"/>
+                      <a:tailEnd type="none" w="med" len="med"/>
+                    </a:lnL>
+                    <a:lnR w="7620" cap="flat" cmpd="sng" algn="ctr">
+                      <a:solidFill>
+                        <a:srgbClr val="DEDEDE"/>
+                      </a:solidFill>
+                      <a:prstDash val="solid"/>
+                      <a:round/>
+                      <a:headEnd type="none" w="med" len="med"/>
+                      <a:tailEnd type="none" w="med" len="med"/>
+                    </a:lnR>
+                    <a:lnT w="7620" cap="flat" cmpd="sng" algn="ctr">
+                      <a:solidFill>
+                        <a:srgbClr val="DEDEDE"/>
+                      </a:solidFill>
+                      <a:prstDash val="solid"/>
+                      <a:round/>
+                      <a:headEnd type="none" w="med" len="med"/>
+                      <a:tailEnd type="none" w="med" len="med"/>
+                    </a:lnT>
+                    <a:lnB w="7620" cap="flat" cmpd="sng" algn="ctr">
+                      <a:solidFill>
+                        <a:srgbClr val="DEDEDE"/>
+                      </a:solidFill>
+                      <a:prstDash val="solid"/>
+                      <a:round/>
+                      <a:headEnd type="none" w="med" len="med"/>
+                      <a:tailEnd type="none" w="med" len="med"/>
+                    </a:lnB>
+                    <a:solidFill>
+                      <a:srgbClr val="FFFFFF"/>
+                    </a:solidFill>
+                  </a:tcPr>
+                </a:tc>
+                <a:extLst>
+                  <a:ext uri="{0D108BD9-81ED-4DB2-BD59-A6C34878D82A}">
+                    <a16:rowId xmlns:a16="http://schemas.microsoft.com/office/drawing/2014/main" val="1743440142"/>
+                  </a:ext>
+                </a:extLst>
+              </a:tr>
+              <a:tr h="2431925">
+                <a:tc>
+                  <a:txBody>
+                    <a:bodyPr/>
+                    <a:lstStyle/>
+                    <a:p>
+                      <a:pPr algn="l" rtl="0" fontAlgn="t"/>
+                      <a:r>
+                        <a:rPr lang="en-US" sz="700" b="0" i="0">
+                          <a:effectLst/>
+                          <a:latin typeface="inherit"/>
+                        </a:rPr>
+                        <a:t>BeanProperties</a:t>
+                      </a:r>
+                    </a:p>
+                  </a:txBody>
+                  <a:tcPr marL="35091" marR="35091" marT="17546" marB="17546">
+                    <a:lnL w="7620" cap="flat" cmpd="sng" algn="ctr">
+                      <a:solidFill>
+                        <a:srgbClr val="DEDEDE"/>
+                      </a:solidFill>
+                      <a:prstDash val="solid"/>
+                      <a:round/>
+                      <a:headEnd type="none" w="med" len="med"/>
+                      <a:tailEnd type="none" w="med" len="med"/>
+                    </a:lnL>
+                    <a:lnR w="7620" cap="flat" cmpd="sng" algn="ctr">
+                      <a:solidFill>
+                        <a:srgbClr val="DEDEDE"/>
+                      </a:solidFill>
+                      <a:prstDash val="solid"/>
+                      <a:round/>
+                      <a:headEnd type="none" w="med" len="med"/>
+                      <a:tailEnd type="none" w="med" len="med"/>
+                    </a:lnR>
+                    <a:lnT w="7620" cap="flat" cmpd="sng" algn="ctr">
+                      <a:solidFill>
+                        <a:srgbClr val="DEDEDE"/>
+                      </a:solidFill>
+                      <a:prstDash val="solid"/>
+                      <a:round/>
+                      <a:headEnd type="none" w="med" len="med"/>
+                      <a:tailEnd type="none" w="med" len="med"/>
+                    </a:lnT>
+                    <a:lnB w="7620" cap="flat" cmpd="sng" algn="ctr">
+                      <a:solidFill>
+                        <a:srgbClr val="DEDEDE"/>
+                      </a:solidFill>
+                      <a:prstDash val="solid"/>
+                      <a:round/>
+                      <a:headEnd type="none" w="med" len="med"/>
+                      <a:tailEnd type="none" w="med" len="med"/>
+                    </a:lnB>
+                    <a:solidFill>
+                      <a:srgbClr val="FFFFFF"/>
+                    </a:solidFill>
+                  </a:tcPr>
+                </a:tc>
+                <a:tc>
+                  <a:txBody>
+                    <a:bodyPr/>
+                    <a:lstStyle/>
+                    <a:p>
+                      <a:pPr algn="l" rtl="0" fontAlgn="t"/>
+                      <a:r>
+                        <a:rPr lang="en-US" sz="700" b="0" i="0">
+                          <a:effectLst/>
+                          <a:latin typeface="inherit"/>
+                        </a:rPr>
+                        <a:t>Used for Java Beans. A Java Bean is a Java object which follows the Java Bean specification. This specification requires that the class implements getter and setter methods for all its attributes. It must also implement property change support via the PropertyChangeSupport class and propagate changes to registered listeners.</a:t>
+                      </a:r>
+                    </a:p>
+                  </a:txBody>
+                  <a:tcPr marL="35091" marR="35091" marT="17546" marB="17546">
+                    <a:lnL w="7620" cap="flat" cmpd="sng" algn="ctr">
+                      <a:solidFill>
+                        <a:srgbClr val="DEDEDE"/>
+                      </a:solidFill>
+                      <a:prstDash val="solid"/>
+                      <a:round/>
+                      <a:headEnd type="none" w="med" len="med"/>
+                      <a:tailEnd type="none" w="med" len="med"/>
+                    </a:lnL>
+                    <a:lnR w="7620" cap="flat" cmpd="sng" algn="ctr">
+                      <a:solidFill>
+                        <a:srgbClr val="DEDEDE"/>
+                      </a:solidFill>
+                      <a:prstDash val="solid"/>
+                      <a:round/>
+                      <a:headEnd type="none" w="med" len="med"/>
+                      <a:tailEnd type="none" w="med" len="med"/>
+                    </a:lnR>
+                    <a:lnT w="7620" cap="flat" cmpd="sng" algn="ctr">
+                      <a:solidFill>
+                        <a:srgbClr val="DEDEDE"/>
+                      </a:solidFill>
+                      <a:prstDash val="solid"/>
+                      <a:round/>
+                      <a:headEnd type="none" w="med" len="med"/>
+                      <a:tailEnd type="none" w="med" len="med"/>
+                    </a:lnT>
+                    <a:lnB w="7620" cap="flat" cmpd="sng" algn="ctr">
+                      <a:solidFill>
+                        <a:srgbClr val="DEDEDE"/>
+                      </a:solidFill>
+                      <a:prstDash val="solid"/>
+                      <a:round/>
+                      <a:headEnd type="none" w="med" len="med"/>
+                      <a:tailEnd type="none" w="med" len="med"/>
+                    </a:lnB>
+                    <a:solidFill>
+                      <a:srgbClr val="FFFFFF"/>
+                    </a:solidFill>
+                  </a:tcPr>
+                </a:tc>
+                <a:extLst>
+                  <a:ext uri="{0D108BD9-81ED-4DB2-BD59-A6C34878D82A}">
+                    <a16:rowId xmlns:a16="http://schemas.microsoft.com/office/drawing/2014/main" val="3686496164"/>
+                  </a:ext>
+                </a:extLst>
+              </a:tr>
+              <a:tr h="326842">
+                <a:tc>
+                  <a:txBody>
+                    <a:bodyPr/>
+                    <a:lstStyle/>
+                    <a:p>
+                      <a:pPr algn="l" rtl="0" fontAlgn="t"/>
+                      <a:r>
+                        <a:rPr lang="en-US" sz="700" b="0" i="0">
+                          <a:effectLst/>
+                          <a:latin typeface="inherit"/>
+                        </a:rPr>
+                        <a:t>WidgetProperties</a:t>
+                      </a:r>
+                    </a:p>
+                  </a:txBody>
+                  <a:tcPr marL="35091" marR="35091" marT="17546" marB="17546">
+                    <a:lnL w="7620" cap="flat" cmpd="sng" algn="ctr">
+                      <a:solidFill>
+                        <a:srgbClr val="DEDEDE"/>
+                      </a:solidFill>
+                      <a:prstDash val="solid"/>
+                      <a:round/>
+                      <a:headEnd type="none" w="med" len="med"/>
+                      <a:tailEnd type="none" w="med" len="med"/>
+                    </a:lnL>
+                    <a:lnR w="7620" cap="flat" cmpd="sng" algn="ctr">
+                      <a:solidFill>
+                        <a:srgbClr val="DEDEDE"/>
+                      </a:solidFill>
+                      <a:prstDash val="solid"/>
+                      <a:round/>
+                      <a:headEnd type="none" w="med" len="med"/>
+                      <a:tailEnd type="none" w="med" len="med"/>
+                    </a:lnR>
+                    <a:lnT w="7620" cap="flat" cmpd="sng" algn="ctr">
+                      <a:solidFill>
+                        <a:srgbClr val="DEDEDE"/>
+                      </a:solidFill>
+                      <a:prstDash val="solid"/>
+                      <a:round/>
+                      <a:headEnd type="none" w="med" len="med"/>
+                      <a:tailEnd type="none" w="med" len="med"/>
+                    </a:lnT>
+                    <a:lnB w="7620" cap="flat" cmpd="sng" algn="ctr">
+                      <a:solidFill>
+                        <a:srgbClr val="DEDEDE"/>
+                      </a:solidFill>
+                      <a:prstDash val="solid"/>
+                      <a:round/>
+                      <a:headEnd type="none" w="med" len="med"/>
+                      <a:tailEnd type="none" w="med" len="med"/>
+                    </a:lnB>
+                    <a:solidFill>
+                      <a:srgbClr val="FFFFFF"/>
+                    </a:solidFill>
+                  </a:tcPr>
+                </a:tc>
+                <a:tc>
+                  <a:txBody>
+                    <a:bodyPr/>
+                    <a:lstStyle/>
+                    <a:p>
+                      <a:pPr algn="l" rtl="0" fontAlgn="t"/>
+                      <a:r>
+                        <a:rPr lang="en-US" sz="700" b="0" i="0">
+                          <a:effectLst/>
+                          <a:latin typeface="inherit"/>
+                        </a:rPr>
+                        <a:t>Used for properties of SWT widgets.</a:t>
+                      </a:r>
+                    </a:p>
+                  </a:txBody>
+                  <a:tcPr marL="35091" marR="35091" marT="17546" marB="17546">
+                    <a:lnL w="7620" cap="flat" cmpd="sng" algn="ctr">
+                      <a:solidFill>
+                        <a:srgbClr val="DEDEDE"/>
+                      </a:solidFill>
+                      <a:prstDash val="solid"/>
+                      <a:round/>
+                      <a:headEnd type="none" w="med" len="med"/>
+                      <a:tailEnd type="none" w="med" len="med"/>
+                    </a:lnL>
+                    <a:lnR w="7620" cap="flat" cmpd="sng" algn="ctr">
+                      <a:solidFill>
+                        <a:srgbClr val="DEDEDE"/>
+                      </a:solidFill>
+                      <a:prstDash val="solid"/>
+                      <a:round/>
+                      <a:headEnd type="none" w="med" len="med"/>
+                      <a:tailEnd type="none" w="med" len="med"/>
+                    </a:lnR>
+                    <a:lnT w="7620" cap="flat" cmpd="sng" algn="ctr">
+                      <a:solidFill>
+                        <a:srgbClr val="DEDEDE"/>
+                      </a:solidFill>
+                      <a:prstDash val="solid"/>
+                      <a:round/>
+                      <a:headEnd type="none" w="med" len="med"/>
+                      <a:tailEnd type="none" w="med" len="med"/>
+                    </a:lnT>
+                    <a:lnB w="7620" cap="flat" cmpd="sng" algn="ctr">
+                      <a:solidFill>
+                        <a:srgbClr val="DEDEDE"/>
+                      </a:solidFill>
+                      <a:prstDash val="solid"/>
+                      <a:round/>
+                      <a:headEnd type="none" w="med" len="med"/>
+                      <a:tailEnd type="none" w="med" len="med"/>
+                    </a:lnB>
+                    <a:solidFill>
+                      <a:srgbClr val="FFFFFF"/>
+                    </a:solidFill>
+                  </a:tcPr>
+                </a:tc>
+                <a:extLst>
+                  <a:ext uri="{0D108BD9-81ED-4DB2-BD59-A6C34878D82A}">
+                    <a16:rowId xmlns:a16="http://schemas.microsoft.com/office/drawing/2014/main" val="2631190003"/>
+                  </a:ext>
+                </a:extLst>
+              </a:tr>
+              <a:tr h="326842">
+                <a:tc>
+                  <a:txBody>
+                    <a:bodyPr/>
+                    <a:lstStyle/>
+                    <a:p>
+                      <a:pPr algn="l" rtl="0" fontAlgn="t"/>
+                      <a:r>
+                        <a:rPr lang="en-US" sz="700" b="0" i="0">
+                          <a:effectLst/>
+                          <a:latin typeface="inherit"/>
+                        </a:rPr>
+                        <a:t>ViewerProperties</a:t>
+                      </a:r>
+                    </a:p>
+                  </a:txBody>
+                  <a:tcPr marL="35091" marR="35091" marT="17546" marB="17546">
+                    <a:lnL w="7620" cap="flat" cmpd="sng" algn="ctr">
+                      <a:solidFill>
+                        <a:srgbClr val="DEDEDE"/>
+                      </a:solidFill>
+                      <a:prstDash val="solid"/>
+                      <a:round/>
+                      <a:headEnd type="none" w="med" len="med"/>
+                      <a:tailEnd type="none" w="med" len="med"/>
+                    </a:lnL>
+                    <a:lnR w="7620" cap="flat" cmpd="sng" algn="ctr">
+                      <a:solidFill>
+                        <a:srgbClr val="DEDEDE"/>
+                      </a:solidFill>
+                      <a:prstDash val="solid"/>
+                      <a:round/>
+                      <a:headEnd type="none" w="med" len="med"/>
+                      <a:tailEnd type="none" w="med" len="med"/>
+                    </a:lnR>
+                    <a:lnT w="7620" cap="flat" cmpd="sng" algn="ctr">
+                      <a:solidFill>
+                        <a:srgbClr val="DEDEDE"/>
+                      </a:solidFill>
+                      <a:prstDash val="solid"/>
+                      <a:round/>
+                      <a:headEnd type="none" w="med" len="med"/>
+                      <a:tailEnd type="none" w="med" len="med"/>
+                    </a:lnT>
+                    <a:lnB w="7620" cap="flat" cmpd="sng" algn="ctr">
+                      <a:solidFill>
+                        <a:srgbClr val="DEDEDE"/>
+                      </a:solidFill>
+                      <a:prstDash val="solid"/>
+                      <a:round/>
+                      <a:headEnd type="none" w="med" len="med"/>
+                      <a:tailEnd type="none" w="med" len="med"/>
+                    </a:lnB>
+                    <a:solidFill>
+                      <a:srgbClr val="FFFFFF"/>
+                    </a:solidFill>
+                  </a:tcPr>
+                </a:tc>
+                <a:tc>
+                  <a:txBody>
+                    <a:bodyPr/>
+                    <a:lstStyle/>
+                    <a:p>
+                      <a:pPr algn="l" rtl="0" fontAlgn="t"/>
+                      <a:r>
+                        <a:rPr lang="en-US" sz="700" b="0" i="0">
+                          <a:effectLst/>
+                          <a:latin typeface="inherit"/>
+                        </a:rPr>
+                        <a:t>Used for properties of JFace Viewer.</a:t>
+                      </a:r>
+                    </a:p>
+                  </a:txBody>
+                  <a:tcPr marL="35091" marR="35091" marT="17546" marB="17546">
+                    <a:lnL w="7620" cap="flat" cmpd="sng" algn="ctr">
+                      <a:solidFill>
+                        <a:srgbClr val="DEDEDE"/>
+                      </a:solidFill>
+                      <a:prstDash val="solid"/>
+                      <a:round/>
+                      <a:headEnd type="none" w="med" len="med"/>
+                      <a:tailEnd type="none" w="med" len="med"/>
+                    </a:lnL>
+                    <a:lnR w="7620" cap="flat" cmpd="sng" algn="ctr">
+                      <a:solidFill>
+                        <a:srgbClr val="DEDEDE"/>
+                      </a:solidFill>
+                      <a:prstDash val="solid"/>
+                      <a:round/>
+                      <a:headEnd type="none" w="med" len="med"/>
+                      <a:tailEnd type="none" w="med" len="med"/>
+                    </a:lnR>
+                    <a:lnT w="7620" cap="flat" cmpd="sng" algn="ctr">
+                      <a:solidFill>
+                        <a:srgbClr val="DEDEDE"/>
+                      </a:solidFill>
+                      <a:prstDash val="solid"/>
+                      <a:round/>
+                      <a:headEnd type="none" w="med" len="med"/>
+                      <a:tailEnd type="none" w="med" len="med"/>
+                    </a:lnT>
+                    <a:lnB w="7620" cap="flat" cmpd="sng" algn="ctr">
+                      <a:solidFill>
+                        <a:srgbClr val="DEDEDE"/>
+                      </a:solidFill>
+                      <a:prstDash val="solid"/>
+                      <a:round/>
+                      <a:headEnd type="none" w="med" len="med"/>
+                      <a:tailEnd type="none" w="med" len="med"/>
+                    </a:lnB>
+                    <a:solidFill>
+                      <a:srgbClr val="FFFFFF"/>
+                    </a:solidFill>
+                  </a:tcPr>
+                </a:tc>
+                <a:extLst>
+                  <a:ext uri="{0D108BD9-81ED-4DB2-BD59-A6C34878D82A}">
+                    <a16:rowId xmlns:a16="http://schemas.microsoft.com/office/drawing/2014/main" val="1133022810"/>
+                  </a:ext>
+                </a:extLst>
+              </a:tr>
+              <a:tr h="607519">
+                <a:tc>
+                  <a:txBody>
+                    <a:bodyPr/>
+                    <a:lstStyle/>
+                    <a:p>
+                      <a:pPr algn="l" rtl="0" fontAlgn="t"/>
+                      <a:r>
+                        <a:rPr lang="en-US" sz="700" b="0" i="0">
+                          <a:effectLst/>
+                          <a:latin typeface="inherit"/>
+                        </a:rPr>
+                        <a:t>Properties</a:t>
+                      </a:r>
+                    </a:p>
+                  </a:txBody>
+                  <a:tcPr marL="35091" marR="35091" marT="17546" marB="17546">
+                    <a:lnL w="7620" cap="flat" cmpd="sng" algn="ctr">
+                      <a:solidFill>
+                        <a:srgbClr val="DEDEDE"/>
+                      </a:solidFill>
+                      <a:prstDash val="solid"/>
+                      <a:round/>
+                      <a:headEnd type="none" w="med" len="med"/>
+                      <a:tailEnd type="none" w="med" len="med"/>
+                    </a:lnL>
+                    <a:lnR w="7620" cap="flat" cmpd="sng" algn="ctr">
+                      <a:solidFill>
+                        <a:srgbClr val="DEDEDE"/>
+                      </a:solidFill>
+                      <a:prstDash val="solid"/>
+                      <a:round/>
+                      <a:headEnd type="none" w="med" len="med"/>
+                      <a:tailEnd type="none" w="med" len="med"/>
+                    </a:lnR>
+                    <a:lnT w="7620" cap="flat" cmpd="sng" algn="ctr">
+                      <a:solidFill>
+                        <a:srgbClr val="DEDEDE"/>
+                      </a:solidFill>
+                      <a:prstDash val="solid"/>
+                      <a:round/>
+                      <a:headEnd type="none" w="med" len="med"/>
+                      <a:tailEnd type="none" w="med" len="med"/>
+                    </a:lnT>
+                    <a:lnB w="7620" cap="flat" cmpd="sng" algn="ctr">
+                      <a:solidFill>
+                        <a:srgbClr val="DEDEDE"/>
+                      </a:solidFill>
+                      <a:prstDash val="solid"/>
+                      <a:round/>
+                      <a:headEnd type="none" w="med" len="med"/>
+                      <a:tailEnd type="none" w="med" len="med"/>
+                    </a:lnB>
+                    <a:solidFill>
+                      <a:srgbClr val="FFFFFF"/>
+                    </a:solidFill>
+                  </a:tcPr>
+                </a:tc>
+                <a:tc>
+                  <a:txBody>
+                    <a:bodyPr/>
+                    <a:lstStyle/>
+                    <a:p>
+                      <a:pPr algn="l" rtl="0" fontAlgn="t"/>
+                      <a:r>
+                        <a:rPr lang="en-US" sz="700" b="0" i="0">
+                          <a:effectLst/>
+                          <a:latin typeface="inherit"/>
+                        </a:rPr>
+                        <a:t>Used for properties of non specialized types, like Objects, Collections or Maps.</a:t>
+                      </a:r>
+                    </a:p>
+                  </a:txBody>
+                  <a:tcPr marL="35091" marR="35091" marT="17546" marB="17546">
+                    <a:lnL w="7620" cap="flat" cmpd="sng" algn="ctr">
+                      <a:solidFill>
+                        <a:srgbClr val="DEDEDE"/>
+                      </a:solidFill>
+                      <a:prstDash val="solid"/>
+                      <a:round/>
+                      <a:headEnd type="none" w="med" len="med"/>
+                      <a:tailEnd type="none" w="med" len="med"/>
+                    </a:lnL>
+                    <a:lnR w="7620" cap="flat" cmpd="sng" algn="ctr">
+                      <a:solidFill>
+                        <a:srgbClr val="DEDEDE"/>
+                      </a:solidFill>
+                      <a:prstDash val="solid"/>
+                      <a:round/>
+                      <a:headEnd type="none" w="med" len="med"/>
+                      <a:tailEnd type="none" w="med" len="med"/>
+                    </a:lnR>
+                    <a:lnT w="7620" cap="flat" cmpd="sng" algn="ctr">
+                      <a:solidFill>
+                        <a:srgbClr val="DEDEDE"/>
+                      </a:solidFill>
+                      <a:prstDash val="solid"/>
+                      <a:round/>
+                      <a:headEnd type="none" w="med" len="med"/>
+                      <a:tailEnd type="none" w="med" len="med"/>
+                    </a:lnT>
+                    <a:lnB w="7620" cap="flat" cmpd="sng" algn="ctr">
+                      <a:solidFill>
+                        <a:srgbClr val="DEDEDE"/>
+                      </a:solidFill>
+                      <a:prstDash val="solid"/>
+                      <a:round/>
+                      <a:headEnd type="none" w="med" len="med"/>
+                      <a:tailEnd type="none" w="med" len="med"/>
+                    </a:lnB>
+                    <a:solidFill>
+                      <a:srgbClr val="FFFFFF"/>
+                    </a:solidFill>
+                  </a:tcPr>
+                </a:tc>
+                <a:extLst>
+                  <a:ext uri="{0D108BD9-81ED-4DB2-BD59-A6C34878D82A}">
+                    <a16:rowId xmlns:a16="http://schemas.microsoft.com/office/drawing/2014/main" val="2356055670"/>
+                  </a:ext>
+                </a:extLst>
+              </a:tr>
+              <a:tr h="747858">
+                <a:tc>
+                  <a:txBody>
+                    <a:bodyPr/>
+                    <a:lstStyle/>
+                    <a:p>
+                      <a:pPr algn="l" rtl="0" fontAlgn="t"/>
+                      <a:r>
+                        <a:rPr lang="en-US" sz="700" b="0" i="0">
+                          <a:effectLst/>
+                          <a:latin typeface="inherit"/>
+                        </a:rPr>
+                        <a:t>Observables</a:t>
+                      </a:r>
+                    </a:p>
+                  </a:txBody>
+                  <a:tcPr marL="35091" marR="35091" marT="17546" marB="17546">
+                    <a:lnL w="7620" cap="flat" cmpd="sng" algn="ctr">
+                      <a:solidFill>
+                        <a:srgbClr val="DEDEDE"/>
+                      </a:solidFill>
+                      <a:prstDash val="solid"/>
+                      <a:round/>
+                      <a:headEnd type="none" w="med" len="med"/>
+                      <a:tailEnd type="none" w="med" len="med"/>
+                    </a:lnL>
+                    <a:lnR w="7620" cap="flat" cmpd="sng" algn="ctr">
+                      <a:solidFill>
+                        <a:srgbClr val="DEDEDE"/>
+                      </a:solidFill>
+                      <a:prstDash val="solid"/>
+                      <a:round/>
+                      <a:headEnd type="none" w="med" len="med"/>
+                      <a:tailEnd type="none" w="med" len="med"/>
+                    </a:lnR>
+                    <a:lnT w="7620" cap="flat" cmpd="sng" algn="ctr">
+                      <a:solidFill>
+                        <a:srgbClr val="DEDEDE"/>
+                      </a:solidFill>
+                      <a:prstDash val="solid"/>
+                      <a:round/>
+                      <a:headEnd type="none" w="med" len="med"/>
+                      <a:tailEnd type="none" w="med" len="med"/>
+                    </a:lnT>
+                    <a:lnB w="7620" cap="flat" cmpd="sng" algn="ctr">
+                      <a:solidFill>
+                        <a:srgbClr val="DEDEDE"/>
+                      </a:solidFill>
+                      <a:prstDash val="solid"/>
+                      <a:round/>
+                      <a:headEnd type="none" w="med" len="med"/>
+                      <a:tailEnd type="none" w="med" len="med"/>
+                    </a:lnB>
+                    <a:solidFill>
+                      <a:srgbClr val="FFFFFF"/>
+                    </a:solidFill>
+                  </a:tcPr>
+                </a:tc>
+                <a:tc>
+                  <a:txBody>
+                    <a:bodyPr/>
+                    <a:lstStyle/>
+                    <a:p>
+                      <a:pPr algn="l" rtl="0" fontAlgn="t"/>
+                      <a:r>
+                        <a:rPr lang="en-US" sz="700" b="0" i="0" dirty="0">
+                          <a:effectLst/>
+                          <a:latin typeface="inherit"/>
+                        </a:rPr>
+                        <a:t>Used for properties of special Objects, Collections, Maps and Entries of an </a:t>
+                      </a:r>
+                      <a:r>
+                        <a:rPr lang="en-US" sz="700" b="0" i="0" dirty="0" err="1">
+                          <a:effectLst/>
+                          <a:latin typeface="inherit"/>
+                        </a:rPr>
+                        <a:t>IObservableMap</a:t>
+                      </a:r>
+                      <a:r>
+                        <a:rPr lang="en-US" sz="700" b="0" i="0" dirty="0">
+                          <a:effectLst/>
+                          <a:latin typeface="inherit"/>
+                        </a:rPr>
+                        <a:t>.</a:t>
+                      </a:r>
+                    </a:p>
+                  </a:txBody>
+                  <a:tcPr marL="35091" marR="35091" marT="17546" marB="17546">
+                    <a:lnL w="7620" cap="flat" cmpd="sng" algn="ctr">
+                      <a:solidFill>
+                        <a:srgbClr val="DEDEDE"/>
+                      </a:solidFill>
+                      <a:prstDash val="solid"/>
+                      <a:round/>
+                      <a:headEnd type="none" w="med" len="med"/>
+                      <a:tailEnd type="none" w="med" len="med"/>
+                    </a:lnL>
+                    <a:lnR w="7620" cap="flat" cmpd="sng" algn="ctr">
+                      <a:solidFill>
+                        <a:srgbClr val="DEDEDE"/>
+                      </a:solidFill>
+                      <a:prstDash val="solid"/>
+                      <a:round/>
+                      <a:headEnd type="none" w="med" len="med"/>
+                      <a:tailEnd type="none" w="med" len="med"/>
+                    </a:lnR>
+                    <a:lnT w="7620" cap="flat" cmpd="sng" algn="ctr">
+                      <a:solidFill>
+                        <a:srgbClr val="DEDEDE"/>
+                      </a:solidFill>
+                      <a:prstDash val="solid"/>
+                      <a:round/>
+                      <a:headEnd type="none" w="med" len="med"/>
+                      <a:tailEnd type="none" w="med" len="med"/>
+                    </a:lnT>
+                    <a:lnB w="7620" cap="flat" cmpd="sng" algn="ctr">
+                      <a:solidFill>
+                        <a:srgbClr val="DEDEDE"/>
+                      </a:solidFill>
+                      <a:prstDash val="solid"/>
+                      <a:round/>
+                      <a:headEnd type="none" w="med" len="med"/>
+                      <a:tailEnd type="none" w="med" len="med"/>
+                    </a:lnB>
+                    <a:solidFill>
+                      <a:srgbClr val="FFFFFF"/>
+                    </a:solidFill>
+                  </a:tcPr>
+                </a:tc>
+                <a:extLst>
+                  <a:ext uri="{0D108BD9-81ED-4DB2-BD59-A6C34878D82A}">
+                    <a16:rowId xmlns:a16="http://schemas.microsoft.com/office/drawing/2014/main" val="1575680946"/>
+                  </a:ext>
+                </a:extLst>
+              </a:tr>
+            </a:tbl>
+          </a:graphicData>
+        </a:graphic>
+      </p:graphicFrame>
+    </p:spTree>
+    <p:extLst>
+      <p:ext uri="{BB962C8B-B14F-4D97-AF65-F5344CB8AC3E}">
+        <p14:creationId xmlns:p14="http://schemas.microsoft.com/office/powerpoint/2010/main" val="1229034840"/>
+      </p:ext>
+    </p:extLst>
+  </p:cSld>
+  <p:clrMapOvr>
+    <a:masterClrMapping/>
+  </p:clrMapOvr>
+</p:sld>
+</file>
+
+<file path=ppt/slides/slide157.xml><?xml version="1.0" encoding="utf-8"?>
+<p:sld xmlns:a="http://schemas.openxmlformats.org/drawingml/2006/main" xmlns:r="http://schemas.openxmlformats.org/officeDocument/2006/relationships" xmlns:p="http://schemas.openxmlformats.org/presentationml/2006/main">
+  <p:cSld>
+    <p:spTree>
+      <p:nvGrpSpPr>
+        <p:cNvPr id="1" name=""/>
+        <p:cNvGrpSpPr/>
+        <p:nvPr/>
+      </p:nvGrpSpPr>
+      <p:grpSpPr>
+        <a:xfrm>
+          <a:off x="0" y="0"/>
+          <a:ext cx="0" cy="0"/>
+          <a:chOff x="0" y="0"/>
+          <a:chExt cx="0" cy="0"/>
+        </a:xfrm>
+      </p:grpSpPr>
+      <p:sp>
+        <p:nvSpPr>
+          <p:cNvPr id="3" name="Content Placeholder 2"/>
+          <p:cNvSpPr>
+            <a:spLocks noGrp="1"/>
+          </p:cNvSpPr>
+          <p:nvPr>
+            <p:ph idx="1"/>
+          </p:nvPr>
+        </p:nvSpPr>
+        <p:spPr/>
+        <p:txBody>
+          <a:bodyPr/>
+          <a:lstStyle/>
+          <a:p>
+            <a:r>
+              <a:rPr lang="en-US" dirty="0" smtClean="0"/>
+              <a:t>A </a:t>
+            </a:r>
+            <a:r>
+              <a:rPr lang="en-US" dirty="0" err="1" smtClean="0"/>
+              <a:t>PropertyChangeSupport</a:t>
+            </a:r>
+            <a:r>
+              <a:rPr lang="en-US" dirty="0" smtClean="0"/>
+              <a:t> instance is used to propagate the change by firing an event on add , remove or update call.</a:t>
+            </a:r>
+          </a:p>
+          <a:p>
+            <a:endParaRPr lang="en-US" dirty="0"/>
+          </a:p>
+          <a:p>
+            <a:r>
+              <a:rPr lang="en-US" dirty="0" smtClean="0"/>
+              <a:t>Model Classes implement this </a:t>
+            </a:r>
+            <a:r>
+              <a:rPr lang="en-US" dirty="0" err="1" smtClean="0"/>
+              <a:t>PropertyChange</a:t>
+            </a:r>
+            <a:r>
+              <a:rPr lang="en-US" dirty="0" smtClean="0"/>
+              <a:t> class and create an abstract model class from which the concrete data models are to be created.</a:t>
+            </a:r>
+            <a:endParaRPr lang="en-US" dirty="0"/>
+          </a:p>
+        </p:txBody>
+      </p:sp>
+      <p:sp>
+        <p:nvSpPr>
+          <p:cNvPr id="2" name="Title 1"/>
+          <p:cNvSpPr>
+            <a:spLocks noGrp="1"/>
+          </p:cNvSpPr>
+          <p:nvPr>
+            <p:ph type="title"/>
+          </p:nvPr>
+        </p:nvSpPr>
+        <p:spPr/>
+        <p:txBody>
+          <a:bodyPr/>
+          <a:lstStyle/>
+          <a:p>
+            <a:r>
+              <a:rPr lang="en-US" dirty="0" err="1" smtClean="0"/>
+              <a:t>PropertyChangeSupport</a:t>
+            </a:r>
+            <a:endParaRPr lang="en-US" dirty="0"/>
+          </a:p>
+        </p:txBody>
+      </p:sp>
+    </p:spTree>
+    <p:extLst>
+      <p:ext uri="{BB962C8B-B14F-4D97-AF65-F5344CB8AC3E}">
+        <p14:creationId xmlns:p14="http://schemas.microsoft.com/office/powerpoint/2010/main" val="3810742657"/>
+      </p:ext>
+    </p:extLst>
+  </p:cSld>
+  <p:clrMapOvr>
+    <a:masterClrMapping/>
+  </p:clrMapOvr>
+</p:sld>
+</file>
+
+<file path=ppt/slides/slide158.xml><?xml version="1.0" encoding="utf-8"?>
+<p:sld xmlns:a="http://schemas.openxmlformats.org/drawingml/2006/main" xmlns:r="http://schemas.openxmlformats.org/officeDocument/2006/relationships" xmlns:p="http://schemas.openxmlformats.org/presentationml/2006/main">
+  <p:cSld>
+    <p:spTree>
+      <p:nvGrpSpPr>
+        <p:cNvPr id="1" name=""/>
+        <p:cNvGrpSpPr/>
+        <p:nvPr/>
+      </p:nvGrpSpPr>
+      <p:grpSpPr>
+        <a:xfrm>
+          <a:off x="0" y="0"/>
+          <a:ext cx="0" cy="0"/>
+          <a:chOff x="0" y="0"/>
+          <a:chExt cx="0" cy="0"/>
+        </a:xfrm>
+      </p:grpSpPr>
+      <p:sp>
+        <p:nvSpPr>
+          <p:cNvPr id="2" name="Title 1"/>
+          <p:cNvSpPr>
+            <a:spLocks noGrp="1"/>
+          </p:cNvSpPr>
+          <p:nvPr>
+            <p:ph type="title"/>
+          </p:nvPr>
+        </p:nvSpPr>
+        <p:spPr/>
+        <p:txBody>
+          <a:bodyPr/>
+          <a:lstStyle/>
+          <a:p>
+            <a:r>
+              <a:rPr lang="en-US" dirty="0" err="1" smtClean="0"/>
+              <a:t>WidgetProperties</a:t>
+            </a:r>
+            <a:r>
+              <a:rPr lang="en-US" dirty="0" smtClean="0"/>
+              <a:t> &amp; </a:t>
+            </a:r>
+            <a:r>
+              <a:rPr lang="en-US" dirty="0" err="1" smtClean="0"/>
+              <a:t>BeanProperties</a:t>
+            </a:r>
+            <a:endParaRPr lang="en-US" dirty="0"/>
+          </a:p>
+        </p:txBody>
+      </p:sp>
+      <p:sp>
+        <p:nvSpPr>
+          <p:cNvPr id="3" name="Content Placeholder 2"/>
+          <p:cNvSpPr>
+            <a:spLocks noGrp="1"/>
+          </p:cNvSpPr>
+          <p:nvPr>
+            <p:ph idx="1"/>
+          </p:nvPr>
+        </p:nvSpPr>
+        <p:spPr/>
+        <p:txBody>
+          <a:bodyPr/>
+          <a:lstStyle/>
+          <a:p>
+            <a:r>
+              <a:rPr lang="en-US" dirty="0" smtClean="0"/>
+              <a:t>A widget like a text can be connected to the </a:t>
+            </a:r>
+            <a:r>
+              <a:rPr lang="en-US" dirty="0" err="1" smtClean="0"/>
+              <a:t>datamodel</a:t>
+            </a:r>
+            <a:r>
+              <a:rPr lang="en-US" dirty="0" smtClean="0"/>
+              <a:t> using a widget and a bean properties classes.</a:t>
+            </a:r>
+          </a:p>
+          <a:p>
+            <a:pPr marL="0" indent="0">
+              <a:buNone/>
+            </a:pPr>
+            <a:r>
+              <a:rPr lang="en-US" dirty="0"/>
+              <a:t>	</a:t>
+            </a:r>
+            <a:r>
+              <a:rPr lang="en-US" i="1" dirty="0" err="1" smtClean="0"/>
+              <a:t>IObservableValue</a:t>
+            </a:r>
+            <a:r>
+              <a:rPr lang="en-US" i="1" dirty="0" smtClean="0"/>
+              <a:t> </a:t>
+            </a:r>
+            <a:r>
+              <a:rPr lang="en-US" i="1" dirty="0"/>
+              <a:t>target </a:t>
+            </a:r>
+            <a:r>
+              <a:rPr lang="en-US" b="1" i="1" dirty="0"/>
+              <a:t>=</a:t>
+            </a:r>
+            <a:r>
+              <a:rPr lang="en-US" i="1" dirty="0"/>
+              <a:t> </a:t>
+            </a:r>
+            <a:r>
+              <a:rPr lang="en-US" i="1" dirty="0" err="1"/>
+              <a:t>WidgetProperties</a:t>
+            </a:r>
+            <a:r>
+              <a:rPr lang="en-US" b="1" i="1" dirty="0" err="1"/>
+              <a:t>.</a:t>
+            </a:r>
+            <a:r>
+              <a:rPr lang="en-US" i="1" dirty="0" err="1"/>
+              <a:t>text</a:t>
+            </a:r>
+            <a:r>
+              <a:rPr lang="en-US" b="1" i="1" dirty="0"/>
+              <a:t>(</a:t>
+            </a:r>
+            <a:r>
+              <a:rPr lang="en-US" i="1" dirty="0" err="1"/>
+              <a:t>SWT</a:t>
+            </a:r>
+            <a:r>
+              <a:rPr lang="en-US" b="1" i="1" dirty="0" err="1"/>
+              <a:t>.</a:t>
+            </a:r>
+            <a:r>
+              <a:rPr lang="en-US" i="1" dirty="0" err="1"/>
+              <a:t>Modify</a:t>
+            </a:r>
+            <a:r>
+              <a:rPr lang="en-US" b="1" i="1" dirty="0"/>
+              <a:t>).</a:t>
+            </a:r>
+            <a:r>
+              <a:rPr lang="en-US" i="1" dirty="0"/>
+              <a:t> </a:t>
+            </a:r>
+            <a:r>
+              <a:rPr lang="en-US" i="1" dirty="0" smtClean="0"/>
+              <a:t>	observe</a:t>
+            </a:r>
+            <a:r>
+              <a:rPr lang="en-US" b="1" i="1" dirty="0" smtClean="0"/>
+              <a:t>(</a:t>
+            </a:r>
+            <a:r>
+              <a:rPr lang="en-US" i="1" dirty="0" err="1" smtClean="0"/>
+              <a:t>firstName</a:t>
+            </a:r>
+            <a:r>
+              <a:rPr lang="en-US" b="1" i="1" dirty="0"/>
+              <a:t>);</a:t>
+            </a:r>
+            <a:r>
+              <a:rPr lang="en-US" i="1" dirty="0"/>
+              <a:t> </a:t>
+            </a:r>
+            <a:endParaRPr lang="en-US" i="1" dirty="0" smtClean="0"/>
+          </a:p>
+          <a:p>
+            <a:pPr marL="0" indent="0">
+              <a:buNone/>
+            </a:pPr>
+            <a:r>
+              <a:rPr lang="en-US" i="1" dirty="0" smtClean="0"/>
+              <a:t>	</a:t>
+            </a:r>
+            <a:r>
+              <a:rPr lang="en-US" i="1" dirty="0" err="1" smtClean="0"/>
+              <a:t>IObservableValue</a:t>
+            </a:r>
+            <a:r>
+              <a:rPr lang="en-US" i="1" dirty="0" smtClean="0"/>
+              <a:t> </a:t>
+            </a:r>
+            <a:r>
+              <a:rPr lang="en-US" i="1" dirty="0"/>
+              <a:t>model</a:t>
+            </a:r>
+            <a:r>
+              <a:rPr lang="en-US" b="1" i="1" dirty="0"/>
+              <a:t>=</a:t>
+            </a:r>
+            <a:r>
+              <a:rPr lang="en-US" i="1" dirty="0"/>
+              <a:t> </a:t>
+            </a:r>
+            <a:r>
+              <a:rPr lang="en-US" i="1" dirty="0" err="1"/>
+              <a:t>BeanProperties</a:t>
+            </a:r>
+            <a:r>
+              <a:rPr lang="en-US" b="1" i="1" dirty="0"/>
+              <a:t>.</a:t>
+            </a:r>
+            <a:r>
+              <a:rPr lang="en-US" i="1" dirty="0"/>
+              <a:t> </a:t>
+            </a:r>
+            <a:r>
+              <a:rPr lang="en-US" i="1" dirty="0" smtClean="0"/>
+              <a:t>	value</a:t>
+            </a:r>
+            <a:r>
+              <a:rPr lang="en-US" b="1" i="1" dirty="0" smtClean="0"/>
+              <a:t>(</a:t>
+            </a:r>
+            <a:r>
+              <a:rPr lang="en-US" i="1" dirty="0" smtClean="0"/>
+              <a:t>Person</a:t>
+            </a:r>
+            <a:r>
+              <a:rPr lang="en-US" b="1" i="1" dirty="0" smtClean="0"/>
+              <a:t>.</a:t>
+            </a:r>
+            <a:r>
+              <a:rPr lang="en-US" i="1" dirty="0" smtClean="0"/>
+              <a:t>class</a:t>
+            </a:r>
+            <a:r>
+              <a:rPr lang="en-US" b="1" i="1" dirty="0"/>
+              <a:t>,"</a:t>
+            </a:r>
+            <a:r>
+              <a:rPr lang="en-US" b="1" i="1" dirty="0" err="1"/>
+              <a:t>firstName</a:t>
+            </a:r>
+            <a:r>
+              <a:rPr lang="en-US" b="1" i="1" dirty="0"/>
+              <a:t>").</a:t>
+            </a:r>
+            <a:r>
+              <a:rPr lang="en-US" i="1" dirty="0"/>
+              <a:t>observe</a:t>
+            </a:r>
+            <a:r>
+              <a:rPr lang="en-US" b="1" i="1" dirty="0"/>
+              <a:t>(</a:t>
+            </a:r>
+            <a:r>
+              <a:rPr lang="en-US" i="1" dirty="0"/>
+              <a:t>person</a:t>
+            </a:r>
+            <a:r>
+              <a:rPr lang="en-US" b="1" i="1" dirty="0" smtClean="0"/>
+              <a:t>);</a:t>
+            </a:r>
+          </a:p>
+          <a:p>
+            <a:pPr marL="0" indent="0">
+              <a:buNone/>
+            </a:pPr>
+            <a:r>
+              <a:rPr lang="en-US" i="1" dirty="0" smtClean="0"/>
+              <a:t>   	</a:t>
+            </a:r>
+            <a:r>
+              <a:rPr lang="en-US" i="1" dirty="0" err="1" smtClean="0"/>
+              <a:t>ctx</a:t>
+            </a:r>
+            <a:r>
+              <a:rPr lang="en-US" b="1" i="1" dirty="0" err="1" smtClean="0"/>
+              <a:t>.</a:t>
+            </a:r>
+            <a:r>
+              <a:rPr lang="en-US" i="1" dirty="0" err="1" smtClean="0"/>
+              <a:t>bindValue</a:t>
+            </a:r>
+            <a:r>
+              <a:rPr lang="en-US" b="1" i="1" dirty="0" smtClean="0"/>
+              <a:t>(</a:t>
+            </a:r>
+            <a:r>
+              <a:rPr lang="en-US" i="1" dirty="0" smtClean="0"/>
+              <a:t>target</a:t>
+            </a:r>
+            <a:r>
+              <a:rPr lang="en-US" b="1" i="1" dirty="0"/>
+              <a:t>,</a:t>
+            </a:r>
+            <a:r>
+              <a:rPr lang="en-US" i="1" dirty="0"/>
+              <a:t> model</a:t>
+            </a:r>
+            <a:r>
+              <a:rPr lang="en-US" b="1" i="1" dirty="0"/>
+              <a:t>);</a:t>
+            </a:r>
+            <a:endParaRPr lang="en-US" i="1" dirty="0"/>
+          </a:p>
+        </p:txBody>
+      </p:sp>
+    </p:spTree>
+    <p:extLst>
+      <p:ext uri="{BB962C8B-B14F-4D97-AF65-F5344CB8AC3E}">
+        <p14:creationId xmlns:p14="http://schemas.microsoft.com/office/powerpoint/2010/main" val="1753978984"/>
+      </p:ext>
+    </p:extLst>
+  </p:cSld>
+  <p:clrMapOvr>
+    <a:masterClrMapping/>
+  </p:clrMapOvr>
+</p:sld>
+</file>
+
+<file path=ppt/slides/slide159.xml><?xml version="1.0" encoding="utf-8"?>
+<p:sld xmlns:a="http://schemas.openxmlformats.org/drawingml/2006/main" xmlns:r="http://schemas.openxmlformats.org/officeDocument/2006/relationships" xmlns:p="http://schemas.openxmlformats.org/presentationml/2006/main">
+  <p:cSld>
+    <p:spTree>
+      <p:nvGrpSpPr>
+        <p:cNvPr id="1" name=""/>
+        <p:cNvGrpSpPr/>
+        <p:nvPr/>
+      </p:nvGrpSpPr>
+      <p:grpSpPr>
+        <a:xfrm>
+          <a:off x="0" y="0"/>
+          <a:ext cx="0" cy="0"/>
+          <a:chOff x="0" y="0"/>
+          <a:chExt cx="0" cy="0"/>
+        </a:xfrm>
+      </p:grpSpPr>
+      <p:sp>
+        <p:nvSpPr>
+          <p:cNvPr id="2" name="Title 1"/>
+          <p:cNvSpPr>
+            <a:spLocks noGrp="1"/>
+          </p:cNvSpPr>
+          <p:nvPr>
+            <p:ph type="title"/>
+          </p:nvPr>
+        </p:nvSpPr>
+        <p:spPr/>
+        <p:txBody>
+          <a:bodyPr/>
+          <a:lstStyle/>
+          <a:p>
+            <a:r>
+              <a:rPr lang="en-US" dirty="0" err="1" smtClean="0"/>
+              <a:t>UpdateValueStrategy</a:t>
+            </a:r>
+            <a:endParaRPr lang="en-US" dirty="0"/>
+          </a:p>
+        </p:txBody>
+      </p:sp>
+      <p:sp>
+        <p:nvSpPr>
+          <p:cNvPr id="5" name="Content Placeholder 4"/>
+          <p:cNvSpPr>
+            <a:spLocks noGrp="1"/>
+          </p:cNvSpPr>
+          <p:nvPr>
+            <p:ph idx="1"/>
+          </p:nvPr>
+        </p:nvSpPr>
+        <p:spPr/>
+        <p:txBody>
+          <a:bodyPr/>
+          <a:lstStyle/>
+          <a:p>
+            <a:r>
+              <a:rPr lang="en-US" dirty="0" smtClean="0"/>
+              <a:t>The </a:t>
+            </a:r>
+            <a:r>
+              <a:rPr lang="en-US" dirty="0" err="1" smtClean="0"/>
+              <a:t>bindValue</a:t>
+            </a:r>
+            <a:r>
+              <a:rPr lang="en-US" dirty="0" smtClean="0"/>
+              <a:t>() method from </a:t>
+            </a:r>
+            <a:r>
+              <a:rPr lang="en-US" dirty="0" err="1" smtClean="0"/>
+              <a:t>DataBindingContext</a:t>
+            </a:r>
+            <a:r>
+              <a:rPr lang="en-US" dirty="0" smtClean="0"/>
+              <a:t> allows you to specify </a:t>
+            </a:r>
+            <a:r>
+              <a:rPr lang="en-US" dirty="0" err="1" smtClean="0"/>
+              <a:t>UpdateValueStrategy</a:t>
+            </a:r>
+            <a:r>
+              <a:rPr lang="en-US" dirty="0" smtClean="0"/>
+              <a:t> objects as third and fourth parameters. These objects allow you to control the update of the values</a:t>
+            </a:r>
+          </a:p>
+          <a:p>
+            <a:endParaRPr lang="en-US" dirty="0"/>
+          </a:p>
+          <a:p>
+            <a:r>
+              <a:rPr lang="en-US" dirty="0" smtClean="0"/>
+              <a:t>If no </a:t>
+            </a:r>
+            <a:r>
+              <a:rPr lang="en-US" dirty="0" err="1" smtClean="0"/>
+              <a:t>UpdateValueStrategy</a:t>
+            </a:r>
+            <a:r>
+              <a:rPr lang="en-US" dirty="0" smtClean="0"/>
+              <a:t> is specified, the </a:t>
+            </a:r>
+            <a:r>
+              <a:rPr lang="en-US" dirty="0" err="1" smtClean="0"/>
+              <a:t>UpdateValueStrategy.POLICY_UPDATE</a:t>
+            </a:r>
+            <a:r>
+              <a:rPr lang="en-US" dirty="0" smtClean="0"/>
+              <a:t> is used by default. You can register converters and validators in the </a:t>
+            </a:r>
+            <a:r>
+              <a:rPr lang="en-US" dirty="0" err="1" smtClean="0"/>
+              <a:t>UpdateValueStrategy</a:t>
+            </a:r>
+            <a:r>
+              <a:rPr lang="en-US" dirty="0" smtClean="0"/>
+              <a:t> object.</a:t>
+            </a:r>
+            <a:endParaRPr lang="en-US" dirty="0"/>
+          </a:p>
+        </p:txBody>
+      </p:sp>
+    </p:spTree>
+    <p:extLst>
+      <p:ext uri="{BB962C8B-B14F-4D97-AF65-F5344CB8AC3E}">
+        <p14:creationId xmlns:p14="http://schemas.microsoft.com/office/powerpoint/2010/main" val="2388016679"/>
+      </p:ext>
+    </p:extLst>
+  </p:cSld>
+  <p:clrMapOvr>
+    <a:masterClrMapping/>
+  </p:clrMapOvr>
 </p:sld>
 </file>
 
@@ -18284,6 +21431,1762 @@
       </p:par>
     </p:tnLst>
   </p:timing>
+</p:sld>
+</file>
+
+<file path=ppt/slides/slide160.xml><?xml version="1.0" encoding="utf-8"?>
+<p:sld xmlns:a="http://schemas.openxmlformats.org/drawingml/2006/main" xmlns:r="http://schemas.openxmlformats.org/officeDocument/2006/relationships" xmlns:p="http://schemas.openxmlformats.org/presentationml/2006/main">
+  <p:cSld>
+    <p:spTree>
+      <p:nvGrpSpPr>
+        <p:cNvPr id="1" name=""/>
+        <p:cNvGrpSpPr/>
+        <p:nvPr/>
+      </p:nvGrpSpPr>
+      <p:grpSpPr>
+        <a:xfrm>
+          <a:off x="0" y="0"/>
+          <a:ext cx="0" cy="0"/>
+          <a:chOff x="0" y="0"/>
+          <a:chExt cx="0" cy="0"/>
+        </a:xfrm>
+      </p:grpSpPr>
+      <p:graphicFrame>
+        <p:nvGraphicFramePr>
+          <p:cNvPr id="2" name="Table 1"/>
+          <p:cNvGraphicFramePr>
+            <a:graphicFrameLocks noGrp="1"/>
+          </p:cNvGraphicFramePr>
+          <p:nvPr/>
+        </p:nvGraphicFramePr>
+        <p:xfrm>
+          <a:off x="2305453" y="204281"/>
+          <a:ext cx="6712086" cy="6106723"/>
+        </p:xfrm>
+        <a:graphic>
+          <a:graphicData uri="http://schemas.openxmlformats.org/drawingml/2006/table">
+            <a:tbl>
+              <a:tblPr/>
+              <a:tblGrid>
+                <a:gridCol w="3356043">
+                  <a:extLst>
+                    <a:ext uri="{9D8B030D-6E8A-4147-A177-3AD203B41FA5}">
+                      <a16:colId xmlns:a16="http://schemas.microsoft.com/office/drawing/2014/main" val="730772690"/>
+                    </a:ext>
+                  </a:extLst>
+                </a:gridCol>
+                <a:gridCol w="3356043">
+                  <a:extLst>
+                    <a:ext uri="{9D8B030D-6E8A-4147-A177-3AD203B41FA5}">
+                      <a16:colId xmlns:a16="http://schemas.microsoft.com/office/drawing/2014/main" val="3485573301"/>
+                    </a:ext>
+                  </a:extLst>
+                </a:gridCol>
+              </a:tblGrid>
+              <a:tr h="133418">
+                <a:tc>
+                  <a:txBody>
+                    <a:bodyPr/>
+                    <a:lstStyle/>
+                    <a:p>
+                      <a:pPr algn="l" rtl="0" fontAlgn="t"/>
+                      <a:r>
+                        <a:rPr lang="en-US" sz="500" b="1">
+                          <a:effectLst/>
+                        </a:rPr>
+                        <a:t>Value</a:t>
+                      </a:r>
+                    </a:p>
+                  </a:txBody>
+                  <a:tcPr marL="24724" marR="24724" marT="12362" marB="12362">
+                    <a:lnL w="7620" cap="flat" cmpd="sng" algn="ctr">
+                      <a:solidFill>
+                        <a:srgbClr val="DEDEDE"/>
+                      </a:solidFill>
+                      <a:prstDash val="solid"/>
+                      <a:round/>
+                      <a:headEnd type="none" w="med" len="med"/>
+                      <a:tailEnd type="none" w="med" len="med"/>
+                    </a:lnL>
+                    <a:lnR w="7620" cap="flat" cmpd="sng" algn="ctr">
+                      <a:solidFill>
+                        <a:srgbClr val="DEDEDE"/>
+                      </a:solidFill>
+                      <a:prstDash val="solid"/>
+                      <a:round/>
+                      <a:headEnd type="none" w="med" len="med"/>
+                      <a:tailEnd type="none" w="med" len="med"/>
+                    </a:lnR>
+                    <a:lnT w="7620" cap="flat" cmpd="sng" algn="ctr">
+                      <a:solidFill>
+                        <a:srgbClr val="DEDEDE"/>
+                      </a:solidFill>
+                      <a:prstDash val="solid"/>
+                      <a:round/>
+                      <a:headEnd type="none" w="med" len="med"/>
+                      <a:tailEnd type="none" w="med" len="med"/>
+                    </a:lnT>
+                    <a:lnB w="7620" cap="flat" cmpd="sng" algn="ctr">
+                      <a:solidFill>
+                        <a:srgbClr val="DEDEDE"/>
+                      </a:solidFill>
+                      <a:prstDash val="solid"/>
+                      <a:round/>
+                      <a:headEnd type="none" w="med" len="med"/>
+                      <a:tailEnd type="none" w="med" len="med"/>
+                    </a:lnB>
+                    <a:solidFill>
+                      <a:srgbClr val="FFFFFF"/>
+                    </a:solidFill>
+                  </a:tcPr>
+                </a:tc>
+                <a:tc>
+                  <a:txBody>
+                    <a:bodyPr/>
+                    <a:lstStyle/>
+                    <a:p>
+                      <a:pPr algn="l" rtl="0" fontAlgn="t"/>
+                      <a:r>
+                        <a:rPr lang="en-US" sz="500" b="1">
+                          <a:effectLst/>
+                        </a:rPr>
+                        <a:t>Description</a:t>
+                      </a:r>
+                    </a:p>
+                  </a:txBody>
+                  <a:tcPr marL="24724" marR="24724" marT="12362" marB="12362">
+                    <a:lnL w="7620" cap="flat" cmpd="sng" algn="ctr">
+                      <a:solidFill>
+                        <a:srgbClr val="DEDEDE"/>
+                      </a:solidFill>
+                      <a:prstDash val="solid"/>
+                      <a:round/>
+                      <a:headEnd type="none" w="med" len="med"/>
+                      <a:tailEnd type="none" w="med" len="med"/>
+                    </a:lnL>
+                    <a:lnR w="7620" cap="flat" cmpd="sng" algn="ctr">
+                      <a:solidFill>
+                        <a:srgbClr val="DEDEDE"/>
+                      </a:solidFill>
+                      <a:prstDash val="solid"/>
+                      <a:round/>
+                      <a:headEnd type="none" w="med" len="med"/>
+                      <a:tailEnd type="none" w="med" len="med"/>
+                    </a:lnR>
+                    <a:lnT w="7620" cap="flat" cmpd="sng" algn="ctr">
+                      <a:solidFill>
+                        <a:srgbClr val="DEDEDE"/>
+                      </a:solidFill>
+                      <a:prstDash val="solid"/>
+                      <a:round/>
+                      <a:headEnd type="none" w="med" len="med"/>
+                      <a:tailEnd type="none" w="med" len="med"/>
+                    </a:lnT>
+                    <a:lnB w="7620" cap="flat" cmpd="sng" algn="ctr">
+                      <a:solidFill>
+                        <a:srgbClr val="DEDEDE"/>
+                      </a:solidFill>
+                      <a:prstDash val="solid"/>
+                      <a:round/>
+                      <a:headEnd type="none" w="med" len="med"/>
+                      <a:tailEnd type="none" w="med" len="med"/>
+                    </a:lnB>
+                    <a:solidFill>
+                      <a:srgbClr val="FFFFFF"/>
+                    </a:solidFill>
+                  </a:tcPr>
+                </a:tc>
+                <a:extLst>
+                  <a:ext uri="{0D108BD9-81ED-4DB2-BD59-A6C34878D82A}">
+                    <a16:rowId xmlns:a16="http://schemas.microsoft.com/office/drawing/2014/main" val="621818860"/>
+                  </a:ext>
+                </a:extLst>
+              </a:tr>
+              <a:tr h="939290">
+                <a:tc>
+                  <a:txBody>
+                    <a:bodyPr/>
+                    <a:lstStyle/>
+                    <a:p>
+                      <a:pPr algn="l" rtl="0" fontAlgn="t"/>
+                      <a:r>
+                        <a:rPr lang="en-US" sz="500" b="0" i="0">
+                          <a:effectLst/>
+                          <a:latin typeface="inherit"/>
+                        </a:rPr>
+                        <a:t>UpdateValueStrategy.POLICY_NEVER</a:t>
+                      </a:r>
+                    </a:p>
+                  </a:txBody>
+                  <a:tcPr marL="24724" marR="24724" marT="12362" marB="12362">
+                    <a:lnL w="7620" cap="flat" cmpd="sng" algn="ctr">
+                      <a:solidFill>
+                        <a:srgbClr val="DEDEDE"/>
+                      </a:solidFill>
+                      <a:prstDash val="solid"/>
+                      <a:round/>
+                      <a:headEnd type="none" w="med" len="med"/>
+                      <a:tailEnd type="none" w="med" len="med"/>
+                    </a:lnL>
+                    <a:lnR w="7620" cap="flat" cmpd="sng" algn="ctr">
+                      <a:solidFill>
+                        <a:srgbClr val="DEDEDE"/>
+                      </a:solidFill>
+                      <a:prstDash val="solid"/>
+                      <a:round/>
+                      <a:headEnd type="none" w="med" len="med"/>
+                      <a:tailEnd type="none" w="med" len="med"/>
+                    </a:lnR>
+                    <a:lnT w="7620" cap="flat" cmpd="sng" algn="ctr">
+                      <a:solidFill>
+                        <a:srgbClr val="DEDEDE"/>
+                      </a:solidFill>
+                      <a:prstDash val="solid"/>
+                      <a:round/>
+                      <a:headEnd type="none" w="med" len="med"/>
+                      <a:tailEnd type="none" w="med" len="med"/>
+                    </a:lnT>
+                    <a:lnB w="7620" cap="flat" cmpd="sng" algn="ctr">
+                      <a:solidFill>
+                        <a:srgbClr val="DEDEDE"/>
+                      </a:solidFill>
+                      <a:prstDash val="solid"/>
+                      <a:round/>
+                      <a:headEnd type="none" w="med" len="med"/>
+                      <a:tailEnd type="none" w="med" len="med"/>
+                    </a:lnB>
+                    <a:solidFill>
+                      <a:srgbClr val="FFFFFF"/>
+                    </a:solidFill>
+                  </a:tcPr>
+                </a:tc>
+                <a:tc>
+                  <a:txBody>
+                    <a:bodyPr/>
+                    <a:lstStyle/>
+                    <a:p>
+                      <a:pPr algn="l" rtl="0" fontAlgn="t"/>
+                      <a:r>
+                        <a:rPr lang="en-US" sz="500" b="0" i="0">
+                          <a:effectLst/>
+                          <a:latin typeface="inherit"/>
+                        </a:rPr>
+                        <a:t>Policy constant denoting that the source observable’s state should not be tracked and that the destination observable’s value should never be updated.</a:t>
+                      </a:r>
+                    </a:p>
+                  </a:txBody>
+                  <a:tcPr marL="24724" marR="24724" marT="12362" marB="12362">
+                    <a:lnL w="7620" cap="flat" cmpd="sng" algn="ctr">
+                      <a:solidFill>
+                        <a:srgbClr val="DEDEDE"/>
+                      </a:solidFill>
+                      <a:prstDash val="solid"/>
+                      <a:round/>
+                      <a:headEnd type="none" w="med" len="med"/>
+                      <a:tailEnd type="none" w="med" len="med"/>
+                    </a:lnL>
+                    <a:lnR w="7620" cap="flat" cmpd="sng" algn="ctr">
+                      <a:solidFill>
+                        <a:srgbClr val="DEDEDE"/>
+                      </a:solidFill>
+                      <a:prstDash val="solid"/>
+                      <a:round/>
+                      <a:headEnd type="none" w="med" len="med"/>
+                      <a:tailEnd type="none" w="med" len="med"/>
+                    </a:lnR>
+                    <a:lnT w="7620" cap="flat" cmpd="sng" algn="ctr">
+                      <a:solidFill>
+                        <a:srgbClr val="DEDEDE"/>
+                      </a:solidFill>
+                      <a:prstDash val="solid"/>
+                      <a:round/>
+                      <a:headEnd type="none" w="med" len="med"/>
+                      <a:tailEnd type="none" w="med" len="med"/>
+                    </a:lnT>
+                    <a:lnB w="7620" cap="flat" cmpd="sng" algn="ctr">
+                      <a:solidFill>
+                        <a:srgbClr val="DEDEDE"/>
+                      </a:solidFill>
+                      <a:prstDash val="solid"/>
+                      <a:round/>
+                      <a:headEnd type="none" w="med" len="med"/>
+                      <a:tailEnd type="none" w="med" len="med"/>
+                    </a:lnB>
+                    <a:solidFill>
+                      <a:srgbClr val="FFFFFF"/>
+                    </a:solidFill>
+                  </a:tcPr>
+                </a:tc>
+                <a:extLst>
+                  <a:ext uri="{0D108BD9-81ED-4DB2-BD59-A6C34878D82A}">
+                    <a16:rowId xmlns:a16="http://schemas.microsoft.com/office/drawing/2014/main" val="4145956789"/>
+                  </a:ext>
+                </a:extLst>
+              </a:tr>
+              <a:tr h="2349565">
+                <a:tc>
+                  <a:txBody>
+                    <a:bodyPr/>
+                    <a:lstStyle/>
+                    <a:p>
+                      <a:pPr algn="l" rtl="0" fontAlgn="t"/>
+                      <a:r>
+                        <a:rPr lang="en-US" sz="500" b="0" i="0" dirty="0" err="1">
+                          <a:effectLst/>
+                          <a:latin typeface="inherit"/>
+                        </a:rPr>
+                        <a:t>UpdateValueStrategy.POLICY_ON_REQUEST</a:t>
+                      </a:r>
+                      <a:endParaRPr lang="en-US" sz="500" b="0" i="0" dirty="0">
+                        <a:effectLst/>
+                        <a:latin typeface="inherit"/>
+                      </a:endParaRPr>
+                    </a:p>
+                  </a:txBody>
+                  <a:tcPr marL="24724" marR="24724" marT="12362" marB="12362">
+                    <a:lnL w="7620" cap="flat" cmpd="sng" algn="ctr">
+                      <a:solidFill>
+                        <a:srgbClr val="DEDEDE"/>
+                      </a:solidFill>
+                      <a:prstDash val="solid"/>
+                      <a:round/>
+                      <a:headEnd type="none" w="med" len="med"/>
+                      <a:tailEnd type="none" w="med" len="med"/>
+                    </a:lnL>
+                    <a:lnR w="7620" cap="flat" cmpd="sng" algn="ctr">
+                      <a:solidFill>
+                        <a:srgbClr val="DEDEDE"/>
+                      </a:solidFill>
+                      <a:prstDash val="solid"/>
+                      <a:round/>
+                      <a:headEnd type="none" w="med" len="med"/>
+                      <a:tailEnd type="none" w="med" len="med"/>
+                    </a:lnR>
+                    <a:lnT w="7620" cap="flat" cmpd="sng" algn="ctr">
+                      <a:solidFill>
+                        <a:srgbClr val="DEDEDE"/>
+                      </a:solidFill>
+                      <a:prstDash val="solid"/>
+                      <a:round/>
+                      <a:headEnd type="none" w="med" len="med"/>
+                      <a:tailEnd type="none" w="med" len="med"/>
+                    </a:lnT>
+                    <a:lnB w="7620" cap="flat" cmpd="sng" algn="ctr">
+                      <a:solidFill>
+                        <a:srgbClr val="DEDEDE"/>
+                      </a:solidFill>
+                      <a:prstDash val="solid"/>
+                      <a:round/>
+                      <a:headEnd type="none" w="med" len="med"/>
+                      <a:tailEnd type="none" w="med" len="med"/>
+                    </a:lnB>
+                    <a:solidFill>
+                      <a:srgbClr val="FFFFFF"/>
+                    </a:solidFill>
+                  </a:tcPr>
+                </a:tc>
+                <a:tc>
+                  <a:txBody>
+                    <a:bodyPr/>
+                    <a:lstStyle/>
+                    <a:p>
+                      <a:pPr algn="l" rtl="0" fontAlgn="t"/>
+                      <a:r>
+                        <a:rPr lang="en-US" sz="500" b="0" i="0">
+                          <a:effectLst/>
+                          <a:latin typeface="inherit"/>
+                        </a:rPr>
+                        <a:t>Policy constant denoting that the source observable’s state should not be tracked, but that validation, conversion and updating the destination observable’s value should be performed when explicitly requested. You can call DataBindingContext.updateModels() or DataBindingContext.updateTargets() to update all bindings at once. Or you can call Binding.updateTargetToModel() or Binding.updateModelToTarget() to update a single binding.</a:t>
+                      </a:r>
+                    </a:p>
+                  </a:txBody>
+                  <a:tcPr marL="24724" marR="24724" marT="12362" marB="12362">
+                    <a:lnL w="7620" cap="flat" cmpd="sng" algn="ctr">
+                      <a:solidFill>
+                        <a:srgbClr val="DEDEDE"/>
+                      </a:solidFill>
+                      <a:prstDash val="solid"/>
+                      <a:round/>
+                      <a:headEnd type="none" w="med" len="med"/>
+                      <a:tailEnd type="none" w="med" len="med"/>
+                    </a:lnL>
+                    <a:lnR w="7620" cap="flat" cmpd="sng" algn="ctr">
+                      <a:solidFill>
+                        <a:srgbClr val="DEDEDE"/>
+                      </a:solidFill>
+                      <a:prstDash val="solid"/>
+                      <a:round/>
+                      <a:headEnd type="none" w="med" len="med"/>
+                      <a:tailEnd type="none" w="med" len="med"/>
+                    </a:lnR>
+                    <a:lnT w="7620" cap="flat" cmpd="sng" algn="ctr">
+                      <a:solidFill>
+                        <a:srgbClr val="DEDEDE"/>
+                      </a:solidFill>
+                      <a:prstDash val="solid"/>
+                      <a:round/>
+                      <a:headEnd type="none" w="med" len="med"/>
+                      <a:tailEnd type="none" w="med" len="med"/>
+                    </a:lnT>
+                    <a:lnB w="7620" cap="flat" cmpd="sng" algn="ctr">
+                      <a:solidFill>
+                        <a:srgbClr val="DEDEDE"/>
+                      </a:solidFill>
+                      <a:prstDash val="solid"/>
+                      <a:round/>
+                      <a:headEnd type="none" w="med" len="med"/>
+                      <a:tailEnd type="none" w="med" len="med"/>
+                    </a:lnB>
+                    <a:solidFill>
+                      <a:srgbClr val="FFFFFF"/>
+                    </a:solidFill>
+                  </a:tcPr>
+                </a:tc>
+                <a:extLst>
+                  <a:ext uri="{0D108BD9-81ED-4DB2-BD59-A6C34878D82A}">
+                    <a16:rowId xmlns:a16="http://schemas.microsoft.com/office/drawing/2014/main" val="2610633360"/>
+                  </a:ext>
+                </a:extLst>
+              </a:tr>
+              <a:tr h="1342225">
+                <a:tc>
+                  <a:txBody>
+                    <a:bodyPr/>
+                    <a:lstStyle/>
+                    <a:p>
+                      <a:pPr algn="l" rtl="0" fontAlgn="t"/>
+                      <a:r>
+                        <a:rPr lang="en-US" sz="500" b="0" i="0">
+                          <a:effectLst/>
+                          <a:latin typeface="inherit"/>
+                        </a:rPr>
+                        <a:t>UpdateValueStrategy.POLICY_CONVERT</a:t>
+                      </a:r>
+                    </a:p>
+                  </a:txBody>
+                  <a:tcPr marL="24724" marR="24724" marT="12362" marB="12362">
+                    <a:lnL w="7620" cap="flat" cmpd="sng" algn="ctr">
+                      <a:solidFill>
+                        <a:srgbClr val="DEDEDE"/>
+                      </a:solidFill>
+                      <a:prstDash val="solid"/>
+                      <a:round/>
+                      <a:headEnd type="none" w="med" len="med"/>
+                      <a:tailEnd type="none" w="med" len="med"/>
+                    </a:lnL>
+                    <a:lnR w="7620" cap="flat" cmpd="sng" algn="ctr">
+                      <a:solidFill>
+                        <a:srgbClr val="DEDEDE"/>
+                      </a:solidFill>
+                      <a:prstDash val="solid"/>
+                      <a:round/>
+                      <a:headEnd type="none" w="med" len="med"/>
+                      <a:tailEnd type="none" w="med" len="med"/>
+                    </a:lnR>
+                    <a:lnT w="7620" cap="flat" cmpd="sng" algn="ctr">
+                      <a:solidFill>
+                        <a:srgbClr val="DEDEDE"/>
+                      </a:solidFill>
+                      <a:prstDash val="solid"/>
+                      <a:round/>
+                      <a:headEnd type="none" w="med" len="med"/>
+                      <a:tailEnd type="none" w="med" len="med"/>
+                    </a:lnT>
+                    <a:lnB w="7620" cap="flat" cmpd="sng" algn="ctr">
+                      <a:solidFill>
+                        <a:srgbClr val="DEDEDE"/>
+                      </a:solidFill>
+                      <a:prstDash val="solid"/>
+                      <a:round/>
+                      <a:headEnd type="none" w="med" len="med"/>
+                      <a:tailEnd type="none" w="med" len="med"/>
+                    </a:lnB>
+                    <a:solidFill>
+                      <a:srgbClr val="FFFFFF"/>
+                    </a:solidFill>
+                  </a:tcPr>
+                </a:tc>
+                <a:tc>
+                  <a:txBody>
+                    <a:bodyPr/>
+                    <a:lstStyle/>
+                    <a:p>
+                      <a:pPr algn="l" rtl="0" fontAlgn="t"/>
+                      <a:r>
+                        <a:rPr lang="en-US" sz="500" b="0" i="0">
+                          <a:effectLst/>
+                          <a:latin typeface="inherit"/>
+                        </a:rPr>
+                        <a:t>Policy constant denoting that the source observable’s state should be tracked, including Validate changes except for validateBeforeSet(Object), but that the destination observable’s value should only be updated on request.</a:t>
+                      </a:r>
+                    </a:p>
+                  </a:txBody>
+                  <a:tcPr marL="24724" marR="24724" marT="12362" marB="12362">
+                    <a:lnL w="7620" cap="flat" cmpd="sng" algn="ctr">
+                      <a:solidFill>
+                        <a:srgbClr val="DEDEDE"/>
+                      </a:solidFill>
+                      <a:prstDash val="solid"/>
+                      <a:round/>
+                      <a:headEnd type="none" w="med" len="med"/>
+                      <a:tailEnd type="none" w="med" len="med"/>
+                    </a:lnL>
+                    <a:lnR w="7620" cap="flat" cmpd="sng" algn="ctr">
+                      <a:solidFill>
+                        <a:srgbClr val="DEDEDE"/>
+                      </a:solidFill>
+                      <a:prstDash val="solid"/>
+                      <a:round/>
+                      <a:headEnd type="none" w="med" len="med"/>
+                      <a:tailEnd type="none" w="med" len="med"/>
+                    </a:lnR>
+                    <a:lnT w="7620" cap="flat" cmpd="sng" algn="ctr">
+                      <a:solidFill>
+                        <a:srgbClr val="DEDEDE"/>
+                      </a:solidFill>
+                      <a:prstDash val="solid"/>
+                      <a:round/>
+                      <a:headEnd type="none" w="med" len="med"/>
+                      <a:tailEnd type="none" w="med" len="med"/>
+                    </a:lnT>
+                    <a:lnB w="7620" cap="flat" cmpd="sng" algn="ctr">
+                      <a:solidFill>
+                        <a:srgbClr val="DEDEDE"/>
+                      </a:solidFill>
+                      <a:prstDash val="solid"/>
+                      <a:round/>
+                      <a:headEnd type="none" w="med" len="med"/>
+                      <a:tailEnd type="none" w="med" len="med"/>
+                    </a:lnB>
+                    <a:solidFill>
+                      <a:srgbClr val="FFFFFF"/>
+                    </a:solidFill>
+                  </a:tcPr>
+                </a:tc>
+                <a:extLst>
+                  <a:ext uri="{0D108BD9-81ED-4DB2-BD59-A6C34878D82A}">
+                    <a16:rowId xmlns:a16="http://schemas.microsoft.com/office/drawing/2014/main" val="2676515359"/>
+                  </a:ext>
+                </a:extLst>
+              </a:tr>
+              <a:tr h="1342225">
+                <a:tc>
+                  <a:txBody>
+                    <a:bodyPr/>
+                    <a:lstStyle/>
+                    <a:p>
+                      <a:pPr algn="l" rtl="0" fontAlgn="t"/>
+                      <a:r>
+                        <a:rPr lang="en-US" sz="500" b="0" i="0">
+                          <a:effectLst/>
+                          <a:latin typeface="inherit"/>
+                        </a:rPr>
+                        <a:t>UpdateValueStrategy.POLICY_UPDATE</a:t>
+                      </a:r>
+                    </a:p>
+                  </a:txBody>
+                  <a:tcPr marL="24724" marR="24724" marT="12362" marB="12362">
+                    <a:lnL w="7620" cap="flat" cmpd="sng" algn="ctr">
+                      <a:solidFill>
+                        <a:srgbClr val="DEDEDE"/>
+                      </a:solidFill>
+                      <a:prstDash val="solid"/>
+                      <a:round/>
+                      <a:headEnd type="none" w="med" len="med"/>
+                      <a:tailEnd type="none" w="med" len="med"/>
+                    </a:lnL>
+                    <a:lnR w="7620" cap="flat" cmpd="sng" algn="ctr">
+                      <a:solidFill>
+                        <a:srgbClr val="DEDEDE"/>
+                      </a:solidFill>
+                      <a:prstDash val="solid"/>
+                      <a:round/>
+                      <a:headEnd type="none" w="med" len="med"/>
+                      <a:tailEnd type="none" w="med" len="med"/>
+                    </a:lnR>
+                    <a:lnT w="7620" cap="flat" cmpd="sng" algn="ctr">
+                      <a:solidFill>
+                        <a:srgbClr val="DEDEDE"/>
+                      </a:solidFill>
+                      <a:prstDash val="solid"/>
+                      <a:round/>
+                      <a:headEnd type="none" w="med" len="med"/>
+                      <a:tailEnd type="none" w="med" len="med"/>
+                    </a:lnT>
+                    <a:lnB w="7620" cap="flat" cmpd="sng" algn="ctr">
+                      <a:solidFill>
+                        <a:srgbClr val="DEDEDE"/>
+                      </a:solidFill>
+                      <a:prstDash val="solid"/>
+                      <a:round/>
+                      <a:headEnd type="none" w="med" len="med"/>
+                      <a:tailEnd type="none" w="med" len="med"/>
+                    </a:lnB>
+                    <a:solidFill>
+                      <a:srgbClr val="FFFFFF"/>
+                    </a:solidFill>
+                  </a:tcPr>
+                </a:tc>
+                <a:tc>
+                  <a:txBody>
+                    <a:bodyPr/>
+                    <a:lstStyle/>
+                    <a:p>
+                      <a:pPr algn="l" rtl="0" fontAlgn="t"/>
+                      <a:r>
+                        <a:rPr lang="en-US" sz="500" b="0" i="0" dirty="0">
+                          <a:effectLst/>
+                          <a:latin typeface="inherit"/>
+                        </a:rPr>
+                        <a:t>Policy constant denoting that the source observable’s state should be tracked, and that validation, conversion and updating the destination observable’s value should be performed automatically on every change of the source observable value.</a:t>
+                      </a:r>
+                    </a:p>
+                  </a:txBody>
+                  <a:tcPr marL="24724" marR="24724" marT="12362" marB="12362">
+                    <a:lnL w="7620" cap="flat" cmpd="sng" algn="ctr">
+                      <a:solidFill>
+                        <a:srgbClr val="DEDEDE"/>
+                      </a:solidFill>
+                      <a:prstDash val="solid"/>
+                      <a:round/>
+                      <a:headEnd type="none" w="med" len="med"/>
+                      <a:tailEnd type="none" w="med" len="med"/>
+                    </a:lnL>
+                    <a:lnR w="7620" cap="flat" cmpd="sng" algn="ctr">
+                      <a:solidFill>
+                        <a:srgbClr val="DEDEDE"/>
+                      </a:solidFill>
+                      <a:prstDash val="solid"/>
+                      <a:round/>
+                      <a:headEnd type="none" w="med" len="med"/>
+                      <a:tailEnd type="none" w="med" len="med"/>
+                    </a:lnR>
+                    <a:lnT w="7620" cap="flat" cmpd="sng" algn="ctr">
+                      <a:solidFill>
+                        <a:srgbClr val="DEDEDE"/>
+                      </a:solidFill>
+                      <a:prstDash val="solid"/>
+                      <a:round/>
+                      <a:headEnd type="none" w="med" len="med"/>
+                      <a:tailEnd type="none" w="med" len="med"/>
+                    </a:lnT>
+                    <a:lnB w="7620" cap="flat" cmpd="sng" algn="ctr">
+                      <a:solidFill>
+                        <a:srgbClr val="DEDEDE"/>
+                      </a:solidFill>
+                      <a:prstDash val="solid"/>
+                      <a:round/>
+                      <a:headEnd type="none" w="med" len="med"/>
+                      <a:tailEnd type="none" w="med" len="med"/>
+                    </a:lnB>
+                    <a:solidFill>
+                      <a:srgbClr val="FFFFFF"/>
+                    </a:solidFill>
+                  </a:tcPr>
+                </a:tc>
+                <a:extLst>
+                  <a:ext uri="{0D108BD9-81ED-4DB2-BD59-A6C34878D82A}">
+                    <a16:rowId xmlns:a16="http://schemas.microsoft.com/office/drawing/2014/main" val="5388106"/>
+                  </a:ext>
+                </a:extLst>
+              </a:tr>
+            </a:tbl>
+          </a:graphicData>
+        </a:graphic>
+      </p:graphicFrame>
+    </p:spTree>
+    <p:extLst>
+      <p:ext uri="{BB962C8B-B14F-4D97-AF65-F5344CB8AC3E}">
+        <p14:creationId xmlns:p14="http://schemas.microsoft.com/office/powerpoint/2010/main" val="555493561"/>
+      </p:ext>
+    </p:extLst>
+  </p:cSld>
+  <p:clrMapOvr>
+    <a:masterClrMapping/>
+  </p:clrMapOvr>
+  <p:timing>
+    <p:tnLst>
+      <p:par>
+        <p:cTn id="1" dur="indefinite" restart="never" nodeType="tmRoot"/>
+      </p:par>
+    </p:tnLst>
+  </p:timing>
+</p:sld>
+</file>
+
+<file path=ppt/slides/slide161.xml><?xml version="1.0" encoding="utf-8"?>
+<p:sld xmlns:a="http://schemas.openxmlformats.org/drawingml/2006/main" xmlns:r="http://schemas.openxmlformats.org/officeDocument/2006/relationships" xmlns:p="http://schemas.openxmlformats.org/presentationml/2006/main">
+  <p:cSld>
+    <p:spTree>
+      <p:nvGrpSpPr>
+        <p:cNvPr id="1" name=""/>
+        <p:cNvGrpSpPr/>
+        <p:nvPr/>
+      </p:nvGrpSpPr>
+      <p:grpSpPr>
+        <a:xfrm>
+          <a:off x="0" y="0"/>
+          <a:ext cx="0" cy="0"/>
+          <a:chOff x="0" y="0"/>
+          <a:chExt cx="0" cy="0"/>
+        </a:xfrm>
+      </p:grpSpPr>
+      <p:sp>
+        <p:nvSpPr>
+          <p:cNvPr id="2" name="Title 1"/>
+          <p:cNvSpPr>
+            <a:spLocks noGrp="1"/>
+          </p:cNvSpPr>
+          <p:nvPr>
+            <p:ph type="title"/>
+          </p:nvPr>
+        </p:nvSpPr>
+        <p:spPr/>
+        <p:txBody>
+          <a:bodyPr/>
+          <a:lstStyle/>
+          <a:p>
+            <a:r>
+              <a:rPr lang="en-US" dirty="0" smtClean="0"/>
+              <a:t>Validator</a:t>
+            </a:r>
+            <a:endParaRPr lang="en-US" dirty="0"/>
+          </a:p>
+        </p:txBody>
+      </p:sp>
+      <p:sp>
+        <p:nvSpPr>
+          <p:cNvPr id="6" name="Content Placeholder 5"/>
+          <p:cNvSpPr>
+            <a:spLocks noGrp="1"/>
+          </p:cNvSpPr>
+          <p:nvPr>
+            <p:ph idx="1"/>
+          </p:nvPr>
+        </p:nvSpPr>
+        <p:spPr/>
+        <p:txBody>
+          <a:bodyPr/>
+          <a:lstStyle/>
+          <a:p>
+            <a:r>
+              <a:rPr lang="en-US" dirty="0" smtClean="0"/>
+              <a:t>A validator allows you to implement validation of the data before it is propagated to the other connected property. A class which wants to provide this functionality must implement the </a:t>
+            </a:r>
+            <a:r>
+              <a:rPr lang="en-US" dirty="0" err="1" smtClean="0"/>
+              <a:t>org.eclipse.core.databinding.validation.IValidator</a:t>
+            </a:r>
+            <a:r>
+              <a:rPr lang="en-US" dirty="0" smtClean="0"/>
+              <a:t> interface</a:t>
+            </a:r>
+          </a:p>
+          <a:p>
+            <a:endParaRPr lang="en-US" dirty="0"/>
+          </a:p>
+          <a:p>
+            <a:r>
+              <a:rPr lang="en-US" dirty="0" smtClean="0"/>
+              <a:t>A validator can check in the setter methods where the value is valid before firing </a:t>
+            </a:r>
+            <a:r>
+              <a:rPr lang="en-US" dirty="0" err="1" smtClean="0"/>
+              <a:t>propertyChange</a:t>
+            </a:r>
+            <a:r>
+              <a:rPr lang="en-US" dirty="0" smtClean="0"/>
+              <a:t> Event .</a:t>
+            </a:r>
+            <a:endParaRPr lang="en-US" dirty="0"/>
+          </a:p>
+        </p:txBody>
+      </p:sp>
+    </p:spTree>
+    <p:extLst>
+      <p:ext uri="{BB962C8B-B14F-4D97-AF65-F5344CB8AC3E}">
+        <p14:creationId xmlns:p14="http://schemas.microsoft.com/office/powerpoint/2010/main" val="2307546188"/>
+      </p:ext>
+    </p:extLst>
+  </p:cSld>
+  <p:clrMapOvr>
+    <a:masterClrMapping/>
+  </p:clrMapOvr>
+  <p:timing>
+    <p:tnLst>
+      <p:par>
+        <p:cTn id="1" dur="indefinite" restart="never" nodeType="tmRoot"/>
+      </p:par>
+    </p:tnLst>
+  </p:timing>
+</p:sld>
+</file>
+
+<file path=ppt/slides/slide162.xml><?xml version="1.0" encoding="utf-8"?>
+<p:sld xmlns:a="http://schemas.openxmlformats.org/drawingml/2006/main" xmlns:r="http://schemas.openxmlformats.org/officeDocument/2006/relationships" xmlns:p="http://schemas.openxmlformats.org/presentationml/2006/main">
+  <p:cSld>
+    <p:spTree>
+      <p:nvGrpSpPr>
+        <p:cNvPr id="1" name=""/>
+        <p:cNvGrpSpPr/>
+        <p:nvPr/>
+      </p:nvGrpSpPr>
+      <p:grpSpPr>
+        <a:xfrm>
+          <a:off x="0" y="0"/>
+          <a:ext cx="0" cy="0"/>
+          <a:chOff x="0" y="0"/>
+          <a:chExt cx="0" cy="0"/>
+        </a:xfrm>
+      </p:grpSpPr>
+      <p:sp>
+        <p:nvSpPr>
+          <p:cNvPr id="2" name="Title 1"/>
+          <p:cNvSpPr>
+            <a:spLocks noGrp="1"/>
+          </p:cNvSpPr>
+          <p:nvPr>
+            <p:ph type="title"/>
+          </p:nvPr>
+        </p:nvSpPr>
+        <p:spPr/>
+        <p:txBody>
+          <a:bodyPr/>
+          <a:lstStyle/>
+          <a:p>
+            <a:r>
+              <a:rPr lang="en-US" dirty="0" smtClean="0"/>
+              <a:t>Decorators</a:t>
+            </a:r>
+            <a:endParaRPr lang="en-US" dirty="0"/>
+          </a:p>
+        </p:txBody>
+      </p:sp>
+      <p:sp>
+        <p:nvSpPr>
+          <p:cNvPr id="3" name="Content Placeholder 2"/>
+          <p:cNvSpPr>
+            <a:spLocks noGrp="1"/>
+          </p:cNvSpPr>
+          <p:nvPr>
+            <p:ph idx="1"/>
+          </p:nvPr>
+        </p:nvSpPr>
+        <p:spPr/>
+        <p:txBody>
+          <a:bodyPr/>
+          <a:lstStyle/>
+          <a:p>
+            <a:r>
+              <a:rPr lang="en-US" dirty="0" err="1" smtClean="0"/>
+              <a:t>JFace</a:t>
+            </a:r>
+            <a:r>
+              <a:rPr lang="en-US" dirty="0" smtClean="0"/>
+              <a:t> Data Binding allows you to use icon decorators in the user interface which reflect the status of the field validation. This allows you to provide immediate feedback to the user. For the creation of the control decoration you use the return object from the </a:t>
+            </a:r>
+            <a:r>
+              <a:rPr lang="en-US" dirty="0" err="1" smtClean="0"/>
+              <a:t>bindvalue</a:t>
+            </a:r>
+            <a:r>
+              <a:rPr lang="en-US" dirty="0" smtClean="0"/>
+              <a:t>() method of </a:t>
+            </a:r>
+            <a:r>
+              <a:rPr lang="en-US" dirty="0" err="1" smtClean="0"/>
+              <a:t>DataBindingContext</a:t>
+            </a:r>
+            <a:r>
+              <a:rPr lang="en-US" dirty="0" smtClean="0"/>
+              <a:t> object.</a:t>
+            </a:r>
+            <a:endParaRPr lang="en-US" dirty="0"/>
+          </a:p>
+        </p:txBody>
+      </p:sp>
+    </p:spTree>
+    <p:extLst>
+      <p:ext uri="{BB962C8B-B14F-4D97-AF65-F5344CB8AC3E}">
+        <p14:creationId xmlns:p14="http://schemas.microsoft.com/office/powerpoint/2010/main" val="381969840"/>
+      </p:ext>
+    </p:extLst>
+  </p:cSld>
+  <p:clrMapOvr>
+    <a:masterClrMapping/>
+  </p:clrMapOvr>
+</p:sld>
+</file>
+
+<file path=ppt/slides/slide163.xml><?xml version="1.0" encoding="utf-8"?>
+<p:sld xmlns:a="http://schemas.openxmlformats.org/drawingml/2006/main" xmlns:r="http://schemas.openxmlformats.org/officeDocument/2006/relationships" xmlns:p="http://schemas.openxmlformats.org/presentationml/2006/main">
+  <p:cSld>
+    <p:spTree>
+      <p:nvGrpSpPr>
+        <p:cNvPr id="1" name=""/>
+        <p:cNvGrpSpPr/>
+        <p:nvPr/>
+      </p:nvGrpSpPr>
+      <p:grpSpPr>
+        <a:xfrm>
+          <a:off x="0" y="0"/>
+          <a:ext cx="0" cy="0"/>
+          <a:chOff x="0" y="0"/>
+          <a:chExt cx="0" cy="0"/>
+        </a:xfrm>
+      </p:grpSpPr>
+      <p:sp>
+        <p:nvSpPr>
+          <p:cNvPr id="2" name="Title 1"/>
+          <p:cNvSpPr>
+            <a:spLocks noGrp="1"/>
+          </p:cNvSpPr>
+          <p:nvPr>
+            <p:ph type="title"/>
+          </p:nvPr>
+        </p:nvSpPr>
+        <p:spPr/>
+        <p:txBody>
+          <a:bodyPr/>
+          <a:lstStyle/>
+          <a:p>
+            <a:r>
+              <a:rPr lang="en-US" dirty="0" smtClean="0"/>
+              <a:t>Binding Viewers</a:t>
+            </a:r>
+            <a:endParaRPr lang="en-US" dirty="0"/>
+          </a:p>
+        </p:txBody>
+      </p:sp>
+      <p:sp>
+        <p:nvSpPr>
+          <p:cNvPr id="3" name="Content Placeholder 2"/>
+          <p:cNvSpPr>
+            <a:spLocks noGrp="1"/>
+          </p:cNvSpPr>
+          <p:nvPr>
+            <p:ph idx="1"/>
+          </p:nvPr>
+        </p:nvSpPr>
+        <p:spPr/>
+        <p:txBody>
+          <a:bodyPr>
+            <a:normAutofit fontScale="92500" lnSpcReduction="10000"/>
+          </a:bodyPr>
+          <a:lstStyle/>
+          <a:p>
+            <a:r>
+              <a:rPr lang="en-US" dirty="0" err="1" smtClean="0"/>
+              <a:t>JFace</a:t>
+            </a:r>
+            <a:r>
+              <a:rPr lang="en-US" dirty="0" smtClean="0"/>
+              <a:t> data binding provides functionality to bind the data of </a:t>
+            </a:r>
+            <a:r>
+              <a:rPr lang="en-US" dirty="0" err="1" smtClean="0"/>
+              <a:t>JFace</a:t>
+            </a:r>
+            <a:r>
+              <a:rPr lang="en-US" dirty="0" smtClean="0"/>
+              <a:t> viewers. Data binding for these viewers distinguish between changes in the collection and changes in the individual object.</a:t>
+            </a:r>
+          </a:p>
+          <a:p>
+            <a:endParaRPr lang="en-US" dirty="0" smtClean="0"/>
+          </a:p>
+          <a:p>
+            <a:r>
+              <a:rPr lang="en-US" dirty="0" smtClean="0"/>
+              <a:t>In the case that data binding observes a collection, it requires a content provider which notifies the viewer, once the data in the collection changes.</a:t>
+            </a:r>
+          </a:p>
+          <a:p>
+            <a:endParaRPr lang="en-US" dirty="0" smtClean="0"/>
+          </a:p>
+          <a:p>
+            <a:r>
+              <a:rPr lang="en-US" dirty="0" smtClean="0"/>
+              <a:t>The </a:t>
+            </a:r>
+            <a:r>
+              <a:rPr lang="en-US" dirty="0" err="1" smtClean="0"/>
+              <a:t>ObservableListContentProvider</a:t>
+            </a:r>
+            <a:r>
+              <a:rPr lang="en-US" dirty="0" smtClean="0"/>
+              <a:t> class is a content provider which requires a list implementing the </a:t>
+            </a:r>
+            <a:r>
+              <a:rPr lang="en-US" dirty="0" err="1" smtClean="0"/>
+              <a:t>IObservableList</a:t>
+            </a:r>
+            <a:r>
+              <a:rPr lang="en-US" dirty="0" smtClean="0"/>
+              <a:t> interface. The Properties class allows you to wrap another list with its </a:t>
+            </a:r>
+            <a:r>
+              <a:rPr lang="en-US" dirty="0" err="1" smtClean="0"/>
+              <a:t>selfList</a:t>
+            </a:r>
+            <a:r>
+              <a:rPr lang="en-US" dirty="0" smtClean="0"/>
+              <a:t>() method into an </a:t>
+            </a:r>
+            <a:r>
+              <a:rPr lang="en-US" dirty="0" err="1" smtClean="0"/>
+              <a:t>IObservableList</a:t>
+            </a:r>
+            <a:endParaRPr lang="en-US" dirty="0"/>
+          </a:p>
+        </p:txBody>
+      </p:sp>
+    </p:spTree>
+    <p:extLst>
+      <p:ext uri="{BB962C8B-B14F-4D97-AF65-F5344CB8AC3E}">
+        <p14:creationId xmlns:p14="http://schemas.microsoft.com/office/powerpoint/2010/main" val="3632252916"/>
+      </p:ext>
+    </p:extLst>
+  </p:cSld>
+  <p:clrMapOvr>
+    <a:masterClrMapping/>
+  </p:clrMapOvr>
+</p:sld>
+</file>
+
+<file path=ppt/slides/slide164.xml><?xml version="1.0" encoding="utf-8"?>
+<p:sld xmlns:a="http://schemas.openxmlformats.org/drawingml/2006/main" xmlns:r="http://schemas.openxmlformats.org/officeDocument/2006/relationships" xmlns:p="http://schemas.openxmlformats.org/presentationml/2006/main">
+  <p:cSld>
+    <p:spTree>
+      <p:nvGrpSpPr>
+        <p:cNvPr id="1" name=""/>
+        <p:cNvGrpSpPr/>
+        <p:nvPr/>
+      </p:nvGrpSpPr>
+      <p:grpSpPr>
+        <a:xfrm>
+          <a:off x="0" y="0"/>
+          <a:ext cx="0" cy="0"/>
+          <a:chOff x="0" y="0"/>
+          <a:chExt cx="0" cy="0"/>
+        </a:xfrm>
+      </p:grpSpPr>
+      <p:sp>
+        <p:nvSpPr>
+          <p:cNvPr id="2" name="Title 1"/>
+          <p:cNvSpPr>
+            <a:spLocks noGrp="1"/>
+          </p:cNvSpPr>
+          <p:nvPr>
+            <p:ph type="title"/>
+          </p:nvPr>
+        </p:nvSpPr>
+        <p:spPr/>
+        <p:txBody>
+          <a:bodyPr/>
+          <a:lstStyle/>
+          <a:p>
+            <a:r>
+              <a:rPr lang="en-US" dirty="0" smtClean="0"/>
+              <a:t>For List in </a:t>
+            </a:r>
+            <a:r>
+              <a:rPr lang="en-US" dirty="0" err="1" smtClean="0"/>
+              <a:t>ContentProviders</a:t>
+            </a:r>
+            <a:endParaRPr lang="en-US" dirty="0"/>
+          </a:p>
+        </p:txBody>
+      </p:sp>
+      <p:sp>
+        <p:nvSpPr>
+          <p:cNvPr id="3" name="Content Placeholder 2"/>
+          <p:cNvSpPr>
+            <a:spLocks noGrp="1"/>
+          </p:cNvSpPr>
+          <p:nvPr>
+            <p:ph idx="1"/>
+          </p:nvPr>
+        </p:nvSpPr>
+        <p:spPr/>
+        <p:txBody>
+          <a:bodyPr/>
+          <a:lstStyle/>
+          <a:p>
+            <a:pPr marL="0" indent="0">
+              <a:buNone/>
+            </a:pPr>
+            <a:r>
+              <a:rPr lang="en-US" i="1" dirty="0" smtClean="0"/>
+              <a:t>wrap </a:t>
+            </a:r>
+            <a:r>
+              <a:rPr lang="en-US" i="1" dirty="0"/>
+              <a:t>the input into a writable </a:t>
+            </a:r>
+            <a:r>
+              <a:rPr lang="en-US" i="1" dirty="0" smtClean="0"/>
+              <a:t>list</a:t>
+            </a:r>
+          </a:p>
+          <a:p>
+            <a:pPr marL="0" indent="0">
+              <a:buNone/>
+            </a:pPr>
+            <a:r>
+              <a:rPr lang="en-US" i="1" dirty="0"/>
+              <a:t> </a:t>
+            </a:r>
+            <a:r>
+              <a:rPr lang="en-US" dirty="0" smtClean="0"/>
+              <a:t> </a:t>
+            </a:r>
+            <a:r>
+              <a:rPr lang="en-US" dirty="0" err="1"/>
+              <a:t>IObservableList</a:t>
+            </a:r>
+            <a:r>
+              <a:rPr lang="en-US" dirty="0"/>
+              <a:t> input </a:t>
+            </a:r>
+            <a:r>
+              <a:rPr lang="en-US" b="1" dirty="0"/>
+              <a:t>=</a:t>
+            </a:r>
+            <a:r>
+              <a:rPr lang="en-US" dirty="0"/>
+              <a:t> </a:t>
+            </a:r>
+            <a:r>
+              <a:rPr lang="en-US" dirty="0" err="1"/>
+              <a:t>Properties</a:t>
+            </a:r>
+            <a:r>
+              <a:rPr lang="en-US" b="1" dirty="0" err="1"/>
+              <a:t>.</a:t>
+            </a:r>
+            <a:r>
+              <a:rPr lang="en-US" dirty="0" err="1"/>
+              <a:t>selfList</a:t>
+            </a:r>
+            <a:r>
+              <a:rPr lang="en-US" b="1" dirty="0"/>
+              <a:t>(</a:t>
+            </a:r>
+            <a:r>
+              <a:rPr lang="en-US" dirty="0" err="1"/>
+              <a:t>Person</a:t>
+            </a:r>
+            <a:r>
+              <a:rPr lang="en-US" b="1" dirty="0" err="1"/>
+              <a:t>.</a:t>
+            </a:r>
+            <a:r>
+              <a:rPr lang="en-US" dirty="0" err="1"/>
+              <a:t>class</a:t>
+            </a:r>
+            <a:r>
+              <a:rPr lang="en-US" b="1" dirty="0"/>
+              <a:t>).</a:t>
+            </a:r>
+            <a:r>
+              <a:rPr lang="en-US" dirty="0"/>
+              <a:t>observe</a:t>
+            </a:r>
+            <a:r>
+              <a:rPr lang="en-US" b="1" dirty="0"/>
+              <a:t>(</a:t>
+            </a:r>
+            <a:r>
+              <a:rPr lang="en-US" dirty="0"/>
+              <a:t>persons</a:t>
+            </a:r>
+            <a:r>
+              <a:rPr lang="en-US" b="1" dirty="0"/>
+              <a:t>);</a:t>
+            </a:r>
+            <a:r>
+              <a:rPr lang="en-US" dirty="0"/>
+              <a:t> </a:t>
+            </a:r>
+            <a:endParaRPr lang="en-US" dirty="0" smtClean="0"/>
+          </a:p>
+          <a:p>
+            <a:pPr marL="0" indent="0">
+              <a:buNone/>
+            </a:pPr>
+            <a:r>
+              <a:rPr lang="en-US" i="1" dirty="0" smtClean="0"/>
+              <a:t> </a:t>
+            </a:r>
+            <a:r>
+              <a:rPr lang="en-US" i="1" dirty="0"/>
+              <a:t>set the </a:t>
+            </a:r>
+            <a:r>
+              <a:rPr lang="en-US" i="1" dirty="0" err="1"/>
+              <a:t>IObservableList</a:t>
+            </a:r>
+            <a:r>
+              <a:rPr lang="en-US" i="1" dirty="0"/>
+              <a:t> as input for the </a:t>
+            </a:r>
+            <a:r>
+              <a:rPr lang="en-US" i="1" dirty="0" smtClean="0"/>
+              <a:t>viewer</a:t>
+            </a:r>
+            <a:r>
+              <a:rPr lang="en-US" dirty="0" smtClean="0"/>
+              <a:t> </a:t>
+            </a:r>
+          </a:p>
+          <a:p>
+            <a:pPr marL="0" indent="0">
+              <a:buNone/>
+            </a:pPr>
+            <a:r>
+              <a:rPr lang="en-US" dirty="0" err="1" smtClean="0"/>
+              <a:t>viewer</a:t>
+            </a:r>
+            <a:r>
+              <a:rPr lang="en-US" b="1" dirty="0" err="1" smtClean="0"/>
+              <a:t>.</a:t>
+            </a:r>
+            <a:r>
+              <a:rPr lang="en-US" dirty="0" err="1" smtClean="0"/>
+              <a:t>setInput</a:t>
+            </a:r>
+            <a:r>
+              <a:rPr lang="en-US" b="1" dirty="0" smtClean="0"/>
+              <a:t>(</a:t>
+            </a:r>
+            <a:r>
+              <a:rPr lang="en-US" dirty="0" smtClean="0"/>
+              <a:t>input</a:t>
+            </a:r>
+            <a:r>
+              <a:rPr lang="en-US" b="1" dirty="0" smtClean="0"/>
+              <a:t>);</a:t>
+            </a:r>
+            <a:endParaRPr lang="en-US" dirty="0"/>
+          </a:p>
+        </p:txBody>
+      </p:sp>
+    </p:spTree>
+    <p:extLst>
+      <p:ext uri="{BB962C8B-B14F-4D97-AF65-F5344CB8AC3E}">
+        <p14:creationId xmlns:p14="http://schemas.microsoft.com/office/powerpoint/2010/main" val="2437782563"/>
+      </p:ext>
+    </p:extLst>
+  </p:cSld>
+  <p:clrMapOvr>
+    <a:masterClrMapping/>
+  </p:clrMapOvr>
+</p:sld>
+</file>
+
+<file path=ppt/slides/slide165.xml><?xml version="1.0" encoding="utf-8"?>
+<p:sld xmlns:a="http://schemas.openxmlformats.org/drawingml/2006/main" xmlns:r="http://schemas.openxmlformats.org/officeDocument/2006/relationships" xmlns:p="http://schemas.openxmlformats.org/presentationml/2006/main">
+  <p:cSld>
+    <p:spTree>
+      <p:nvGrpSpPr>
+        <p:cNvPr id="1" name=""/>
+        <p:cNvGrpSpPr/>
+        <p:nvPr/>
+      </p:nvGrpSpPr>
+      <p:grpSpPr>
+        <a:xfrm>
+          <a:off x="0" y="0"/>
+          <a:ext cx="0" cy="0"/>
+          <a:chOff x="0" y="0"/>
+          <a:chExt cx="0" cy="0"/>
+        </a:xfrm>
+      </p:grpSpPr>
+      <p:sp>
+        <p:nvSpPr>
+          <p:cNvPr id="2" name="Title 1"/>
+          <p:cNvSpPr>
+            <a:spLocks noGrp="1"/>
+          </p:cNvSpPr>
+          <p:nvPr>
+            <p:ph type="title"/>
+          </p:nvPr>
+        </p:nvSpPr>
+        <p:spPr/>
+        <p:txBody>
+          <a:bodyPr/>
+          <a:lstStyle/>
+          <a:p>
+            <a:r>
+              <a:rPr lang="en-US" dirty="0" err="1" smtClean="0"/>
+              <a:t>ObservableMapLabelProvider</a:t>
+            </a:r>
+            <a:r>
+              <a:rPr lang="en-US" dirty="0" smtClean="0"/>
+              <a:t/>
+            </a:r>
+            <a:br>
+              <a:rPr lang="en-US" dirty="0" smtClean="0"/>
+            </a:br>
+            <a:endParaRPr lang="en-US" dirty="0"/>
+          </a:p>
+        </p:txBody>
+      </p:sp>
+      <p:sp>
+        <p:nvSpPr>
+          <p:cNvPr id="3" name="Content Placeholder 2"/>
+          <p:cNvSpPr>
+            <a:spLocks noGrp="1"/>
+          </p:cNvSpPr>
+          <p:nvPr>
+            <p:ph idx="1"/>
+          </p:nvPr>
+        </p:nvSpPr>
+        <p:spPr/>
+        <p:txBody>
+          <a:bodyPr/>
+          <a:lstStyle/>
+          <a:p>
+            <a:r>
+              <a:rPr lang="en-US" dirty="0" smtClean="0"/>
+              <a:t> You can also use the </a:t>
+            </a:r>
+            <a:r>
+              <a:rPr lang="en-US" dirty="0" err="1" smtClean="0"/>
+              <a:t>ObservableMapLabelProvider</a:t>
+            </a:r>
+            <a:r>
+              <a:rPr lang="en-US" dirty="0" smtClean="0"/>
+              <a:t> class to observe changes of the list elements.</a:t>
+            </a:r>
+          </a:p>
+          <a:p>
+            <a:endParaRPr lang="en-US" dirty="0"/>
+          </a:p>
+          <a:p>
+            <a:endParaRPr lang="en-US" dirty="0"/>
+          </a:p>
+        </p:txBody>
+      </p:sp>
+    </p:spTree>
+    <p:extLst>
+      <p:ext uri="{BB962C8B-B14F-4D97-AF65-F5344CB8AC3E}">
+        <p14:creationId xmlns:p14="http://schemas.microsoft.com/office/powerpoint/2010/main" val="1440154846"/>
+      </p:ext>
+    </p:extLst>
+  </p:cSld>
+  <p:clrMapOvr>
+    <a:masterClrMapping/>
+  </p:clrMapOvr>
+</p:sld>
+</file>
+
+<file path=ppt/slides/slide166.xml><?xml version="1.0" encoding="utf-8"?>
+<p:sld xmlns:a="http://schemas.openxmlformats.org/drawingml/2006/main" xmlns:r="http://schemas.openxmlformats.org/officeDocument/2006/relationships" xmlns:p="http://schemas.openxmlformats.org/presentationml/2006/main">
+  <p:cSld>
+    <p:spTree>
+      <p:nvGrpSpPr>
+        <p:cNvPr id="1" name=""/>
+        <p:cNvGrpSpPr/>
+        <p:nvPr/>
+      </p:nvGrpSpPr>
+      <p:grpSpPr>
+        <a:xfrm>
+          <a:off x="0" y="0"/>
+          <a:ext cx="0" cy="0"/>
+          <a:chOff x="0" y="0"/>
+          <a:chExt cx="0" cy="0"/>
+        </a:xfrm>
+      </p:grpSpPr>
+      <p:sp>
+        <p:nvSpPr>
+          <p:cNvPr id="2" name="Title 1"/>
+          <p:cNvSpPr>
+            <a:spLocks noGrp="1"/>
+          </p:cNvSpPr>
+          <p:nvPr>
+            <p:ph type="title"/>
+          </p:nvPr>
+        </p:nvSpPr>
+        <p:spPr/>
+        <p:txBody>
+          <a:bodyPr/>
+          <a:lstStyle/>
+          <a:p>
+            <a:r>
+              <a:rPr lang="en-US" b="1" dirty="0" err="1">
+                <a:hlinkClick r:id="rId2"/>
+              </a:rPr>
+              <a:t>ViewerSupport</a:t>
+            </a:r>
+            <a:r>
+              <a:rPr lang="en-US" dirty="0"/>
+              <a:t/>
+            </a:r>
+            <a:br>
+              <a:rPr lang="en-US" dirty="0"/>
+            </a:br>
+            <a:endParaRPr lang="en-US" dirty="0"/>
+          </a:p>
+        </p:txBody>
+      </p:sp>
+      <p:sp>
+        <p:nvSpPr>
+          <p:cNvPr id="3" name="Content Placeholder 2"/>
+          <p:cNvSpPr>
+            <a:spLocks noGrp="1"/>
+          </p:cNvSpPr>
+          <p:nvPr>
+            <p:ph idx="1"/>
+          </p:nvPr>
+        </p:nvSpPr>
+        <p:spPr/>
+        <p:txBody>
+          <a:bodyPr/>
+          <a:lstStyle/>
+          <a:p>
+            <a:r>
+              <a:rPr lang="en-US" dirty="0" smtClean="0"/>
+              <a:t>Does Both</a:t>
+            </a:r>
+          </a:p>
+          <a:p>
+            <a:r>
+              <a:rPr lang="en-US" dirty="0" err="1" smtClean="0"/>
+              <a:t>ViewerSupport</a:t>
+            </a:r>
+            <a:r>
+              <a:rPr lang="en-US" dirty="0" smtClean="0"/>
+              <a:t> simplifies the setup for </a:t>
+            </a:r>
+            <a:r>
+              <a:rPr lang="en-US" dirty="0" err="1" smtClean="0"/>
+              <a:t>JFace</a:t>
+            </a:r>
+            <a:r>
+              <a:rPr lang="en-US" dirty="0" smtClean="0"/>
+              <a:t> viewers in cases where selected columns should be displayed. It registers changes listeners on the collection as well as on the individual elements.</a:t>
+            </a:r>
+          </a:p>
+          <a:p>
+            <a:endParaRPr lang="en-US" dirty="0" smtClean="0"/>
+          </a:p>
+          <a:p>
+            <a:r>
+              <a:rPr lang="en-US" dirty="0" err="1" smtClean="0"/>
+              <a:t>ViewerSupport</a:t>
+            </a:r>
+            <a:r>
+              <a:rPr lang="en-US" dirty="0" smtClean="0"/>
+              <a:t> creates via the bind() method the </a:t>
+            </a:r>
+            <a:r>
+              <a:rPr lang="en-US" dirty="0" err="1" smtClean="0"/>
+              <a:t>LabelProvider</a:t>
+            </a:r>
+            <a:r>
+              <a:rPr lang="en-US" dirty="0" smtClean="0"/>
+              <a:t> and </a:t>
+            </a:r>
+            <a:r>
+              <a:rPr lang="en-US" dirty="0" err="1" smtClean="0"/>
+              <a:t>ContentProvider</a:t>
+            </a:r>
+            <a:r>
+              <a:rPr lang="en-US" dirty="0" smtClean="0"/>
+              <a:t> for a viewer automatically.</a:t>
+            </a:r>
+            <a:endParaRPr lang="en-US" dirty="0"/>
+          </a:p>
+        </p:txBody>
+      </p:sp>
+    </p:spTree>
+    <p:extLst>
+      <p:ext uri="{BB962C8B-B14F-4D97-AF65-F5344CB8AC3E}">
+        <p14:creationId xmlns:p14="http://schemas.microsoft.com/office/powerpoint/2010/main" val="2484619604"/>
+      </p:ext>
+    </p:extLst>
+  </p:cSld>
+  <p:clrMapOvr>
+    <a:masterClrMapping/>
+  </p:clrMapOvr>
+</p:sld>
+</file>
+
+<file path=ppt/slides/slide167.xml><?xml version="1.0" encoding="utf-8"?>
+<p:sld xmlns:a="http://schemas.openxmlformats.org/drawingml/2006/main" xmlns:r="http://schemas.openxmlformats.org/officeDocument/2006/relationships" xmlns:p="http://schemas.openxmlformats.org/presentationml/2006/main">
+  <p:cSld>
+    <p:spTree>
+      <p:nvGrpSpPr>
+        <p:cNvPr id="1" name=""/>
+        <p:cNvGrpSpPr/>
+        <p:nvPr/>
+      </p:nvGrpSpPr>
+      <p:grpSpPr>
+        <a:xfrm>
+          <a:off x="0" y="0"/>
+          <a:ext cx="0" cy="0"/>
+          <a:chOff x="0" y="0"/>
+          <a:chExt cx="0" cy="0"/>
+        </a:xfrm>
+      </p:grpSpPr>
+      <p:sp>
+        <p:nvSpPr>
+          <p:cNvPr id="2" name="Title 1"/>
+          <p:cNvSpPr>
+            <a:spLocks noGrp="1"/>
+          </p:cNvSpPr>
+          <p:nvPr>
+            <p:ph type="ctrTitle"/>
+          </p:nvPr>
+        </p:nvSpPr>
+        <p:spPr/>
+        <p:txBody>
+          <a:bodyPr/>
+          <a:lstStyle/>
+          <a:p>
+            <a:r>
+              <a:rPr lang="en-US" dirty="0" smtClean="0"/>
+              <a:t>JFACE Binding DEMO</a:t>
+            </a:r>
+            <a:endParaRPr lang="en-US" dirty="0"/>
+          </a:p>
+        </p:txBody>
+      </p:sp>
+      <p:sp>
+        <p:nvSpPr>
+          <p:cNvPr id="3" name="Subtitle 2"/>
+          <p:cNvSpPr>
+            <a:spLocks noGrp="1"/>
+          </p:cNvSpPr>
+          <p:nvPr>
+            <p:ph type="subTitle" idx="1"/>
+          </p:nvPr>
+        </p:nvSpPr>
+        <p:spPr/>
+        <p:txBody>
+          <a:bodyPr/>
+          <a:lstStyle/>
+          <a:p>
+            <a:endParaRPr lang="en-US"/>
+          </a:p>
+        </p:txBody>
+      </p:sp>
+    </p:spTree>
+    <p:extLst>
+      <p:ext uri="{BB962C8B-B14F-4D97-AF65-F5344CB8AC3E}">
+        <p14:creationId xmlns:p14="http://schemas.microsoft.com/office/powerpoint/2010/main" val="3358416677"/>
+      </p:ext>
+    </p:extLst>
+  </p:cSld>
+  <p:clrMapOvr>
+    <a:masterClrMapping/>
+  </p:clrMapOvr>
+</p:sld>
+</file>
+
+<file path=ppt/slides/slide168.xml><?xml version="1.0" encoding="utf-8"?>
+<p:sld xmlns:a="http://schemas.openxmlformats.org/drawingml/2006/main" xmlns:r="http://schemas.openxmlformats.org/officeDocument/2006/relationships" xmlns:p="http://schemas.openxmlformats.org/presentationml/2006/main">
+  <p:cSld>
+    <p:spTree>
+      <p:nvGrpSpPr>
+        <p:cNvPr id="1" name=""/>
+        <p:cNvGrpSpPr/>
+        <p:nvPr/>
+      </p:nvGrpSpPr>
+      <p:grpSpPr>
+        <a:xfrm>
+          <a:off x="0" y="0"/>
+          <a:ext cx="0" cy="0"/>
+          <a:chOff x="0" y="0"/>
+          <a:chExt cx="0" cy="0"/>
+        </a:xfrm>
+      </p:grpSpPr>
+      <p:sp>
+        <p:nvSpPr>
+          <p:cNvPr id="2" name="Title 1"/>
+          <p:cNvSpPr>
+            <a:spLocks noGrp="1"/>
+          </p:cNvSpPr>
+          <p:nvPr>
+            <p:ph type="title"/>
+          </p:nvPr>
+        </p:nvSpPr>
+        <p:spPr/>
+        <p:txBody>
+          <a:bodyPr/>
+          <a:lstStyle/>
+          <a:p>
+            <a:r>
+              <a:rPr lang="en-US" dirty="0" smtClean="0"/>
+              <a:t>Internationalization</a:t>
+            </a:r>
+            <a:endParaRPr lang="en-US" dirty="0"/>
+          </a:p>
+        </p:txBody>
+      </p:sp>
+      <p:sp>
+        <p:nvSpPr>
+          <p:cNvPr id="3" name="Content Placeholder 2"/>
+          <p:cNvSpPr>
+            <a:spLocks noGrp="1"/>
+          </p:cNvSpPr>
+          <p:nvPr>
+            <p:ph idx="1"/>
+          </p:nvPr>
+        </p:nvSpPr>
+        <p:spPr/>
+        <p:txBody>
+          <a:bodyPr/>
+          <a:lstStyle/>
+          <a:p>
+            <a:r>
+              <a:rPr lang="en-US" dirty="0" smtClean="0"/>
+              <a:t>Why ?</a:t>
+            </a:r>
+          </a:p>
+          <a:p>
+            <a:r>
+              <a:rPr lang="en-US" dirty="0" smtClean="0"/>
+              <a:t>How?</a:t>
+            </a:r>
+          </a:p>
+          <a:p>
+            <a:r>
+              <a:rPr lang="en-US" dirty="0" smtClean="0"/>
+              <a:t>Who ?</a:t>
+            </a:r>
+          </a:p>
+          <a:p>
+            <a:endParaRPr lang="en-US" dirty="0"/>
+          </a:p>
+        </p:txBody>
+      </p:sp>
+    </p:spTree>
+    <p:extLst>
+      <p:ext uri="{BB962C8B-B14F-4D97-AF65-F5344CB8AC3E}">
+        <p14:creationId xmlns:p14="http://schemas.microsoft.com/office/powerpoint/2010/main" val="1465139878"/>
+      </p:ext>
+    </p:extLst>
+  </p:cSld>
+  <p:clrMapOvr>
+    <a:masterClrMapping/>
+  </p:clrMapOvr>
+</p:sld>
+</file>
+
+<file path=ppt/slides/slide169.xml><?xml version="1.0" encoding="utf-8"?>
+<p:sld xmlns:a="http://schemas.openxmlformats.org/drawingml/2006/main" xmlns:r="http://schemas.openxmlformats.org/officeDocument/2006/relationships" xmlns:p="http://schemas.openxmlformats.org/presentationml/2006/main">
+  <p:cSld>
+    <p:spTree>
+      <p:nvGrpSpPr>
+        <p:cNvPr id="1" name=""/>
+        <p:cNvGrpSpPr/>
+        <p:nvPr/>
+      </p:nvGrpSpPr>
+      <p:grpSpPr>
+        <a:xfrm>
+          <a:off x="0" y="0"/>
+          <a:ext cx="0" cy="0"/>
+          <a:chOff x="0" y="0"/>
+          <a:chExt cx="0" cy="0"/>
+        </a:xfrm>
+      </p:grpSpPr>
+      <p:sp>
+        <p:nvSpPr>
+          <p:cNvPr id="2" name="Title 1"/>
+          <p:cNvSpPr>
+            <a:spLocks noGrp="1"/>
+          </p:cNvSpPr>
+          <p:nvPr>
+            <p:ph type="title"/>
+          </p:nvPr>
+        </p:nvSpPr>
+        <p:spPr/>
+        <p:txBody>
+          <a:bodyPr/>
+          <a:lstStyle/>
+          <a:p>
+            <a:r>
+              <a:rPr lang="en-US" dirty="0" smtClean="0"/>
+              <a:t>Locale?</a:t>
+            </a:r>
+            <a:endParaRPr lang="en-US" dirty="0"/>
+          </a:p>
+        </p:txBody>
+      </p:sp>
+      <p:sp>
+        <p:nvSpPr>
+          <p:cNvPr id="3" name="Content Placeholder 2"/>
+          <p:cNvSpPr>
+            <a:spLocks noGrp="1"/>
+          </p:cNvSpPr>
+          <p:nvPr>
+            <p:ph idx="1"/>
+          </p:nvPr>
+        </p:nvSpPr>
+        <p:spPr/>
+        <p:txBody>
+          <a:bodyPr/>
+          <a:lstStyle/>
+          <a:p>
+            <a:r>
+              <a:rPr lang="en-US" dirty="0" smtClean="0"/>
+              <a:t>A Locale defines the localization of a UI details in the language and the location </a:t>
+            </a:r>
+          </a:p>
+          <a:p>
+            <a:endParaRPr lang="en-US" dirty="0"/>
+          </a:p>
+          <a:p>
+            <a:r>
+              <a:rPr lang="en-US" dirty="0" smtClean="0"/>
+              <a:t>Commonly used locales are </a:t>
+            </a:r>
+            <a:r>
+              <a:rPr lang="en-US" dirty="0" err="1" smtClean="0"/>
+              <a:t>en_US</a:t>
+            </a:r>
+            <a:r>
+              <a:rPr lang="en-US" dirty="0" smtClean="0"/>
+              <a:t> , </a:t>
+            </a:r>
+            <a:r>
+              <a:rPr lang="en-US" dirty="0" err="1" smtClean="0"/>
+              <a:t>de_DE</a:t>
+            </a:r>
+            <a:r>
+              <a:rPr lang="en-US" dirty="0" smtClean="0"/>
+              <a:t>, </a:t>
+            </a:r>
+            <a:r>
+              <a:rPr lang="en-US" dirty="0" err="1" smtClean="0"/>
+              <a:t>en_UK,pt_BR</a:t>
+            </a:r>
+            <a:endParaRPr lang="en-US" dirty="0" smtClean="0"/>
+          </a:p>
+          <a:p>
+            <a:endParaRPr lang="en-US" dirty="0"/>
+          </a:p>
+          <a:p>
+            <a:r>
+              <a:rPr lang="en-US" dirty="0" smtClean="0"/>
+              <a:t>Internationalization makes the application to be used by others as per the locale in which the app is being viewed.</a:t>
+            </a:r>
+            <a:endParaRPr lang="en-US" dirty="0"/>
+          </a:p>
+        </p:txBody>
+      </p:sp>
+    </p:spTree>
+    <p:extLst>
+      <p:ext uri="{BB962C8B-B14F-4D97-AF65-F5344CB8AC3E}">
+        <p14:creationId xmlns:p14="http://schemas.microsoft.com/office/powerpoint/2010/main" val="2055309060"/>
+      </p:ext>
+    </p:extLst>
+  </p:cSld>
+  <p:clrMapOvr>
+    <a:masterClrMapping/>
+  </p:clrMapOvr>
 </p:sld>
 </file>
 
@@ -18736,6 +23639,987 @@
       </p:par>
     </p:tnLst>
   </p:timing>
+</p:sld>
+</file>
+
+<file path=ppt/slides/slide170.xml><?xml version="1.0" encoding="utf-8"?>
+<p:sld xmlns:a="http://schemas.openxmlformats.org/drawingml/2006/main" xmlns:r="http://schemas.openxmlformats.org/officeDocument/2006/relationships" xmlns:p="http://schemas.openxmlformats.org/presentationml/2006/main">
+  <p:cSld>
+    <p:spTree>
+      <p:nvGrpSpPr>
+        <p:cNvPr id="1" name=""/>
+        <p:cNvGrpSpPr/>
+        <p:nvPr/>
+      </p:nvGrpSpPr>
+      <p:grpSpPr>
+        <a:xfrm>
+          <a:off x="0" y="0"/>
+          <a:ext cx="0" cy="0"/>
+          <a:chOff x="0" y="0"/>
+          <a:chExt cx="0" cy="0"/>
+        </a:xfrm>
+      </p:grpSpPr>
+      <p:sp>
+        <p:nvSpPr>
+          <p:cNvPr id="2" name="Title 1"/>
+          <p:cNvSpPr>
+            <a:spLocks noGrp="1"/>
+          </p:cNvSpPr>
+          <p:nvPr>
+            <p:ph type="title"/>
+          </p:nvPr>
+        </p:nvSpPr>
+        <p:spPr/>
+        <p:txBody>
+          <a:bodyPr/>
+          <a:lstStyle/>
+          <a:p>
+            <a:r>
+              <a:rPr lang="en-US" dirty="0" smtClean="0"/>
+              <a:t>Internationalization in Eclipse</a:t>
+            </a:r>
+            <a:endParaRPr lang="en-US" dirty="0"/>
+          </a:p>
+        </p:txBody>
+      </p:sp>
+      <p:sp>
+        <p:nvSpPr>
+          <p:cNvPr id="3" name="Content Placeholder 2"/>
+          <p:cNvSpPr>
+            <a:spLocks noGrp="1"/>
+          </p:cNvSpPr>
+          <p:nvPr>
+            <p:ph idx="1"/>
+          </p:nvPr>
+        </p:nvSpPr>
+        <p:spPr/>
+        <p:txBody>
+          <a:bodyPr/>
+          <a:lstStyle/>
+          <a:p>
+            <a:r>
+              <a:rPr lang="en-US" dirty="0" smtClean="0"/>
+              <a:t>In Eclipse there is a framework inbuilt called the NLS </a:t>
+            </a:r>
+          </a:p>
+          <a:p>
+            <a:r>
+              <a:rPr lang="en-US" dirty="0" smtClean="0"/>
+              <a:t>The NLS can generate the source files and the </a:t>
+            </a:r>
+            <a:r>
+              <a:rPr lang="en-US" dirty="0" err="1" smtClean="0"/>
+              <a:t>message.properties</a:t>
+            </a:r>
+            <a:r>
+              <a:rPr lang="en-US" dirty="0" smtClean="0"/>
+              <a:t> file for the plugin code.</a:t>
+            </a:r>
+          </a:p>
+          <a:p>
+            <a:r>
+              <a:rPr lang="en-US" dirty="0" smtClean="0"/>
+              <a:t>The plugin UI can be internationalized by using a file for Bundle Localization by providing key value pairs in the </a:t>
+            </a:r>
+            <a:r>
+              <a:rPr lang="en-US" dirty="0" err="1" smtClean="0"/>
+              <a:t>plugin.properties</a:t>
+            </a:r>
+            <a:r>
+              <a:rPr lang="en-US" dirty="0" smtClean="0"/>
+              <a:t> file.</a:t>
+            </a:r>
+          </a:p>
+          <a:p>
+            <a:endParaRPr lang="en-US" dirty="0"/>
+          </a:p>
+        </p:txBody>
+      </p:sp>
+    </p:spTree>
+    <p:extLst>
+      <p:ext uri="{BB962C8B-B14F-4D97-AF65-F5344CB8AC3E}">
+        <p14:creationId xmlns:p14="http://schemas.microsoft.com/office/powerpoint/2010/main" val="2269855643"/>
+      </p:ext>
+    </p:extLst>
+  </p:cSld>
+  <p:clrMapOvr>
+    <a:masterClrMapping/>
+  </p:clrMapOvr>
+</p:sld>
+</file>
+
+<file path=ppt/slides/slide171.xml><?xml version="1.0" encoding="utf-8"?>
+<p:sld xmlns:a="http://schemas.openxmlformats.org/drawingml/2006/main" xmlns:r="http://schemas.openxmlformats.org/officeDocument/2006/relationships" xmlns:p="http://schemas.openxmlformats.org/presentationml/2006/main">
+  <p:cSld>
+    <p:spTree>
+      <p:nvGrpSpPr>
+        <p:cNvPr id="1" name=""/>
+        <p:cNvGrpSpPr/>
+        <p:nvPr/>
+      </p:nvGrpSpPr>
+      <p:grpSpPr>
+        <a:xfrm>
+          <a:off x="0" y="0"/>
+          <a:ext cx="0" cy="0"/>
+          <a:chOff x="0" y="0"/>
+          <a:chExt cx="0" cy="0"/>
+        </a:xfrm>
+      </p:grpSpPr>
+      <p:sp>
+        <p:nvSpPr>
+          <p:cNvPr id="2" name="Title 1"/>
+          <p:cNvSpPr>
+            <a:spLocks noGrp="1"/>
+          </p:cNvSpPr>
+          <p:nvPr>
+            <p:ph type="title"/>
+          </p:nvPr>
+        </p:nvSpPr>
+        <p:spPr/>
+        <p:txBody>
+          <a:bodyPr/>
+          <a:lstStyle/>
+          <a:p>
+            <a:r>
+              <a:rPr lang="en-US" dirty="0" smtClean="0"/>
+              <a:t>Messages.java and </a:t>
+            </a:r>
+            <a:r>
+              <a:rPr lang="en-US" dirty="0" err="1" smtClean="0"/>
+              <a:t>messages.properties</a:t>
+            </a:r>
+            <a:endParaRPr lang="en-US" dirty="0"/>
+          </a:p>
+        </p:txBody>
+      </p:sp>
+      <p:sp>
+        <p:nvSpPr>
+          <p:cNvPr id="3" name="Content Placeholder 2"/>
+          <p:cNvSpPr>
+            <a:spLocks noGrp="1"/>
+          </p:cNvSpPr>
+          <p:nvPr>
+            <p:ph idx="1"/>
+          </p:nvPr>
+        </p:nvSpPr>
+        <p:spPr/>
+        <p:txBody>
+          <a:bodyPr/>
+          <a:lstStyle/>
+          <a:p>
+            <a:r>
+              <a:rPr lang="en-US" dirty="0" smtClean="0"/>
+              <a:t>The class Messages.java and the properties file </a:t>
+            </a:r>
+            <a:r>
+              <a:rPr lang="en-US" dirty="0" err="1" smtClean="0"/>
+              <a:t>messages.properties</a:t>
+            </a:r>
+            <a:r>
+              <a:rPr lang="en-US" dirty="0" smtClean="0"/>
+              <a:t> are auto-generate by the NLS framework.</a:t>
+            </a:r>
+          </a:p>
+          <a:p>
+            <a:endParaRPr lang="en-US" dirty="0"/>
+          </a:p>
+          <a:p>
+            <a:r>
+              <a:rPr lang="en-US" dirty="0" smtClean="0"/>
+              <a:t>The strings which need to be translated are externalized </a:t>
+            </a:r>
+            <a:endParaRPr lang="en-US" dirty="0"/>
+          </a:p>
+          <a:p>
+            <a:r>
+              <a:rPr lang="en-US" dirty="0" smtClean="0"/>
+              <a:t>This can be done by selecting the file(.java) and using the source option in the Eclipse IDE menu.</a:t>
+            </a:r>
+          </a:p>
+          <a:p>
+            <a:endParaRPr lang="en-US" dirty="0"/>
+          </a:p>
+          <a:p>
+            <a:r>
+              <a:rPr lang="en-US" dirty="0" smtClean="0"/>
+              <a:t>It creates a Messages.java and a </a:t>
+            </a:r>
+            <a:r>
+              <a:rPr lang="en-US" dirty="0" err="1" smtClean="0"/>
+              <a:t>messages.properties</a:t>
+            </a:r>
+            <a:r>
+              <a:rPr lang="en-US" dirty="0" smtClean="0"/>
+              <a:t> file.</a:t>
+            </a:r>
+          </a:p>
+        </p:txBody>
+      </p:sp>
+    </p:spTree>
+    <p:extLst>
+      <p:ext uri="{BB962C8B-B14F-4D97-AF65-F5344CB8AC3E}">
+        <p14:creationId xmlns:p14="http://schemas.microsoft.com/office/powerpoint/2010/main" val="3758265378"/>
+      </p:ext>
+    </p:extLst>
+  </p:cSld>
+  <p:clrMapOvr>
+    <a:masterClrMapping/>
+  </p:clrMapOvr>
+</p:sld>
+</file>
+
+<file path=ppt/slides/slide172.xml><?xml version="1.0" encoding="utf-8"?>
+<p:sld xmlns:a="http://schemas.openxmlformats.org/drawingml/2006/main" xmlns:r="http://schemas.openxmlformats.org/officeDocument/2006/relationships" xmlns:p="http://schemas.openxmlformats.org/presentationml/2006/main">
+  <p:cSld>
+    <p:spTree>
+      <p:nvGrpSpPr>
+        <p:cNvPr id="1" name=""/>
+        <p:cNvGrpSpPr/>
+        <p:nvPr/>
+      </p:nvGrpSpPr>
+      <p:grpSpPr>
+        <a:xfrm>
+          <a:off x="0" y="0"/>
+          <a:ext cx="0" cy="0"/>
+          <a:chOff x="0" y="0"/>
+          <a:chExt cx="0" cy="0"/>
+        </a:xfrm>
+      </p:grpSpPr>
+      <p:sp>
+        <p:nvSpPr>
+          <p:cNvPr id="2" name="Title 1"/>
+          <p:cNvSpPr>
+            <a:spLocks noGrp="1"/>
+          </p:cNvSpPr>
+          <p:nvPr>
+            <p:ph type="title"/>
+          </p:nvPr>
+        </p:nvSpPr>
+        <p:spPr/>
+        <p:txBody>
+          <a:bodyPr/>
+          <a:lstStyle/>
+          <a:p>
+            <a:r>
+              <a:rPr lang="en-US" dirty="0" smtClean="0"/>
+              <a:t>Locale files</a:t>
+            </a:r>
+            <a:endParaRPr lang="en-US" dirty="0"/>
+          </a:p>
+        </p:txBody>
+      </p:sp>
+      <p:sp>
+        <p:nvSpPr>
+          <p:cNvPr id="3" name="Content Placeholder 2"/>
+          <p:cNvSpPr>
+            <a:spLocks noGrp="1"/>
+          </p:cNvSpPr>
+          <p:nvPr>
+            <p:ph idx="1"/>
+          </p:nvPr>
+        </p:nvSpPr>
+        <p:spPr/>
+        <p:txBody>
+          <a:bodyPr/>
+          <a:lstStyle/>
+          <a:p>
+            <a:r>
+              <a:rPr lang="en-US" dirty="0" smtClean="0"/>
+              <a:t>The </a:t>
+            </a:r>
+            <a:r>
+              <a:rPr lang="en-US" dirty="0" err="1" smtClean="0"/>
+              <a:t>messages.properties</a:t>
+            </a:r>
+            <a:r>
+              <a:rPr lang="en-US" dirty="0" smtClean="0"/>
+              <a:t> are used for the default language of the system .</a:t>
+            </a:r>
+          </a:p>
+          <a:p>
+            <a:endParaRPr lang="en-US" dirty="0"/>
+          </a:p>
+          <a:p>
+            <a:r>
+              <a:rPr lang="en-US" dirty="0" smtClean="0"/>
+              <a:t>The </a:t>
+            </a:r>
+            <a:r>
+              <a:rPr lang="en-US" dirty="0" err="1" smtClean="0"/>
+              <a:t>messages.properties</a:t>
+            </a:r>
+            <a:r>
+              <a:rPr lang="en-US" dirty="0" smtClean="0"/>
+              <a:t> are copied and re-named as </a:t>
+            </a:r>
+            <a:r>
+              <a:rPr lang="en-US" dirty="0" err="1" smtClean="0"/>
+              <a:t>messages_locale.properties</a:t>
+            </a:r>
+            <a:r>
+              <a:rPr lang="en-US" dirty="0" smtClean="0"/>
+              <a:t>.</a:t>
+            </a:r>
+          </a:p>
+          <a:p>
+            <a:r>
+              <a:rPr lang="en-US" dirty="0" smtClean="0"/>
+              <a:t>For ex: for locale </a:t>
+            </a:r>
+            <a:r>
+              <a:rPr lang="en-US" dirty="0" err="1" smtClean="0"/>
+              <a:t>de_DE</a:t>
+            </a:r>
+            <a:r>
+              <a:rPr lang="en-US" dirty="0" smtClean="0"/>
+              <a:t> , the properties would look like</a:t>
+            </a:r>
+          </a:p>
+          <a:p>
+            <a:pPr marL="0" indent="0">
+              <a:buNone/>
+            </a:pPr>
+            <a:r>
+              <a:rPr lang="en-US" dirty="0"/>
+              <a:t> </a:t>
+            </a:r>
+            <a:r>
+              <a:rPr lang="en-US" dirty="0" smtClean="0"/>
+              <a:t>    </a:t>
+            </a:r>
+            <a:r>
+              <a:rPr lang="en-US" dirty="0" err="1" smtClean="0"/>
+              <a:t>messages_de_DE.properties</a:t>
+            </a:r>
+            <a:r>
+              <a:rPr lang="en-US" dirty="0" smtClean="0"/>
+              <a:t>.</a:t>
+            </a:r>
+            <a:endParaRPr lang="en-US" dirty="0"/>
+          </a:p>
+        </p:txBody>
+      </p:sp>
+    </p:spTree>
+    <p:extLst>
+      <p:ext uri="{BB962C8B-B14F-4D97-AF65-F5344CB8AC3E}">
+        <p14:creationId xmlns:p14="http://schemas.microsoft.com/office/powerpoint/2010/main" val="2049911665"/>
+      </p:ext>
+    </p:extLst>
+  </p:cSld>
+  <p:clrMapOvr>
+    <a:masterClrMapping/>
+  </p:clrMapOvr>
+</p:sld>
+</file>
+
+<file path=ppt/slides/slide173.xml><?xml version="1.0" encoding="utf-8"?>
+<p:sld xmlns:a="http://schemas.openxmlformats.org/drawingml/2006/main" xmlns:r="http://schemas.openxmlformats.org/officeDocument/2006/relationships" xmlns:p="http://schemas.openxmlformats.org/presentationml/2006/main">
+  <p:cSld>
+    <p:spTree>
+      <p:nvGrpSpPr>
+        <p:cNvPr id="1" name=""/>
+        <p:cNvGrpSpPr/>
+        <p:nvPr/>
+      </p:nvGrpSpPr>
+      <p:grpSpPr>
+        <a:xfrm>
+          <a:off x="0" y="0"/>
+          <a:ext cx="0" cy="0"/>
+          <a:chOff x="0" y="0"/>
+          <a:chExt cx="0" cy="0"/>
+        </a:xfrm>
+      </p:grpSpPr>
+      <p:sp>
+        <p:nvSpPr>
+          <p:cNvPr id="2" name="Title 1"/>
+          <p:cNvSpPr>
+            <a:spLocks noGrp="1"/>
+          </p:cNvSpPr>
+          <p:nvPr>
+            <p:ph type="ctrTitle"/>
+          </p:nvPr>
+        </p:nvSpPr>
+        <p:spPr/>
+        <p:txBody>
+          <a:bodyPr/>
+          <a:lstStyle/>
+          <a:p>
+            <a:r>
+              <a:rPr lang="en-US" dirty="0" smtClean="0"/>
+              <a:t>DEMO</a:t>
+            </a:r>
+            <a:endParaRPr lang="en-US" dirty="0"/>
+          </a:p>
+        </p:txBody>
+      </p:sp>
+      <p:sp>
+        <p:nvSpPr>
+          <p:cNvPr id="3" name="Subtitle 2"/>
+          <p:cNvSpPr>
+            <a:spLocks noGrp="1"/>
+          </p:cNvSpPr>
+          <p:nvPr>
+            <p:ph type="subTitle" idx="1"/>
+          </p:nvPr>
+        </p:nvSpPr>
+        <p:spPr/>
+        <p:txBody>
+          <a:bodyPr/>
+          <a:lstStyle/>
+          <a:p>
+            <a:r>
+              <a:rPr lang="en-US" sz="4400" dirty="0" smtClean="0"/>
+              <a:t>Internationalization</a:t>
+            </a:r>
+            <a:endParaRPr lang="en-US" sz="4400" dirty="0"/>
+          </a:p>
+        </p:txBody>
+      </p:sp>
+    </p:spTree>
+    <p:extLst>
+      <p:ext uri="{BB962C8B-B14F-4D97-AF65-F5344CB8AC3E}">
+        <p14:creationId xmlns:p14="http://schemas.microsoft.com/office/powerpoint/2010/main" val="3917923315"/>
+      </p:ext>
+    </p:extLst>
+  </p:cSld>
+  <p:clrMapOvr>
+    <a:masterClrMapping/>
+  </p:clrMapOvr>
+</p:sld>
+</file>
+
+<file path=ppt/slides/slide174.xml><?xml version="1.0" encoding="utf-8"?>
+<p:sld xmlns:a="http://schemas.openxmlformats.org/drawingml/2006/main" xmlns:r="http://schemas.openxmlformats.org/officeDocument/2006/relationships" xmlns:p="http://schemas.openxmlformats.org/presentationml/2006/main">
+  <p:cSld>
+    <p:spTree>
+      <p:nvGrpSpPr>
+        <p:cNvPr id="1" name=""/>
+        <p:cNvGrpSpPr/>
+        <p:nvPr/>
+      </p:nvGrpSpPr>
+      <p:grpSpPr>
+        <a:xfrm>
+          <a:off x="0" y="0"/>
+          <a:ext cx="0" cy="0"/>
+          <a:chOff x="0" y="0"/>
+          <a:chExt cx="0" cy="0"/>
+        </a:xfrm>
+      </p:grpSpPr>
+      <p:sp>
+        <p:nvSpPr>
+          <p:cNvPr id="2" name="Title 1"/>
+          <p:cNvSpPr>
+            <a:spLocks noGrp="1"/>
+          </p:cNvSpPr>
+          <p:nvPr>
+            <p:ph type="ctrTitle"/>
+          </p:nvPr>
+        </p:nvSpPr>
+        <p:spPr/>
+        <p:txBody>
+          <a:bodyPr/>
+          <a:lstStyle/>
+          <a:p>
+            <a:r>
+              <a:rPr lang="en-US" dirty="0" err="1" smtClean="0"/>
+              <a:t>ExtensionPoint</a:t>
+            </a:r>
+            <a:r>
+              <a:rPr lang="en-US" dirty="0" smtClean="0"/>
+              <a:t> Creation</a:t>
+            </a:r>
+            <a:endParaRPr lang="en-US" dirty="0"/>
+          </a:p>
+        </p:txBody>
+      </p:sp>
+      <p:sp>
+        <p:nvSpPr>
+          <p:cNvPr id="3" name="Subtitle 2"/>
+          <p:cNvSpPr>
+            <a:spLocks noGrp="1"/>
+          </p:cNvSpPr>
+          <p:nvPr>
+            <p:ph type="subTitle" idx="1"/>
+          </p:nvPr>
+        </p:nvSpPr>
+        <p:spPr/>
+        <p:txBody>
+          <a:bodyPr/>
+          <a:lstStyle/>
+          <a:p>
+            <a:endParaRPr lang="en-US"/>
+          </a:p>
+        </p:txBody>
+      </p:sp>
+    </p:spTree>
+    <p:extLst>
+      <p:ext uri="{BB962C8B-B14F-4D97-AF65-F5344CB8AC3E}">
+        <p14:creationId xmlns:p14="http://schemas.microsoft.com/office/powerpoint/2010/main" val="2707740232"/>
+      </p:ext>
+    </p:extLst>
+  </p:cSld>
+  <p:clrMapOvr>
+    <a:masterClrMapping/>
+  </p:clrMapOvr>
+</p:sld>
+</file>
+
+<file path=ppt/slides/slide175.xml><?xml version="1.0" encoding="utf-8"?>
+<p:sld xmlns:a="http://schemas.openxmlformats.org/drawingml/2006/main" xmlns:r="http://schemas.openxmlformats.org/officeDocument/2006/relationships" xmlns:p="http://schemas.openxmlformats.org/presentationml/2006/main">
+  <p:cSld>
+    <p:spTree>
+      <p:nvGrpSpPr>
+        <p:cNvPr id="1" name=""/>
+        <p:cNvGrpSpPr/>
+        <p:nvPr/>
+      </p:nvGrpSpPr>
+      <p:grpSpPr>
+        <a:xfrm>
+          <a:off x="0" y="0"/>
+          <a:ext cx="0" cy="0"/>
+          <a:chOff x="0" y="0"/>
+          <a:chExt cx="0" cy="0"/>
+        </a:xfrm>
+      </p:grpSpPr>
+      <p:sp>
+        <p:nvSpPr>
+          <p:cNvPr id="2" name="Title 1"/>
+          <p:cNvSpPr>
+            <a:spLocks noGrp="1"/>
+          </p:cNvSpPr>
+          <p:nvPr>
+            <p:ph type="title"/>
+          </p:nvPr>
+        </p:nvSpPr>
+        <p:spPr/>
+        <p:txBody>
+          <a:bodyPr/>
+          <a:lstStyle/>
+          <a:p>
+            <a:r>
+              <a:rPr lang="en-US" dirty="0" smtClean="0"/>
+              <a:t>Want to create extension point?</a:t>
+            </a:r>
+            <a:endParaRPr lang="en-US" dirty="0"/>
+          </a:p>
+        </p:txBody>
+      </p:sp>
+      <p:sp>
+        <p:nvSpPr>
+          <p:cNvPr id="3" name="Content Placeholder 2"/>
+          <p:cNvSpPr>
+            <a:spLocks noGrp="1"/>
+          </p:cNvSpPr>
+          <p:nvPr>
+            <p:ph idx="1"/>
+          </p:nvPr>
+        </p:nvSpPr>
+        <p:spPr/>
+        <p:txBody>
+          <a:bodyPr/>
+          <a:lstStyle/>
+          <a:p>
+            <a:r>
+              <a:rPr lang="en-US" dirty="0" smtClean="0"/>
+              <a:t>In the application when we need to provide a functionalities so that others can use we create an extension point for it.</a:t>
+            </a:r>
+          </a:p>
+          <a:p>
+            <a:endParaRPr lang="en-US" dirty="0"/>
+          </a:p>
+          <a:p>
+            <a:r>
+              <a:rPr lang="en-US" dirty="0" smtClean="0"/>
+              <a:t>These extension points are available for a user to start contributing .</a:t>
+            </a:r>
+          </a:p>
+          <a:p>
+            <a:endParaRPr lang="en-US" dirty="0"/>
+          </a:p>
+          <a:p>
+            <a:r>
+              <a:rPr lang="en-US" dirty="0" smtClean="0"/>
+              <a:t>Making APIs public.</a:t>
+            </a:r>
+          </a:p>
+          <a:p>
+            <a:endParaRPr lang="en-US" dirty="0"/>
+          </a:p>
+          <a:p>
+            <a:endParaRPr lang="en-US" dirty="0"/>
+          </a:p>
+        </p:txBody>
+      </p:sp>
+    </p:spTree>
+    <p:extLst>
+      <p:ext uri="{BB962C8B-B14F-4D97-AF65-F5344CB8AC3E}">
+        <p14:creationId xmlns:p14="http://schemas.microsoft.com/office/powerpoint/2010/main" val="2407507282"/>
+      </p:ext>
+    </p:extLst>
+  </p:cSld>
+  <p:clrMapOvr>
+    <a:masterClrMapping/>
+  </p:clrMapOvr>
+</p:sld>
+</file>
+
+<file path=ppt/slides/slide176.xml><?xml version="1.0" encoding="utf-8"?>
+<p:sld xmlns:a="http://schemas.openxmlformats.org/drawingml/2006/main" xmlns:r="http://schemas.openxmlformats.org/officeDocument/2006/relationships" xmlns:p="http://schemas.openxmlformats.org/presentationml/2006/main">
+  <p:cSld>
+    <p:spTree>
+      <p:nvGrpSpPr>
+        <p:cNvPr id="1" name=""/>
+        <p:cNvGrpSpPr/>
+        <p:nvPr/>
+      </p:nvGrpSpPr>
+      <p:grpSpPr>
+        <a:xfrm>
+          <a:off x="0" y="0"/>
+          <a:ext cx="0" cy="0"/>
+          <a:chOff x="0" y="0"/>
+          <a:chExt cx="0" cy="0"/>
+        </a:xfrm>
+      </p:grpSpPr>
+      <p:sp>
+        <p:nvSpPr>
+          <p:cNvPr id="2" name="Title 1"/>
+          <p:cNvSpPr>
+            <a:spLocks noGrp="1"/>
+          </p:cNvSpPr>
+          <p:nvPr>
+            <p:ph type="title"/>
+          </p:nvPr>
+        </p:nvSpPr>
+        <p:spPr/>
+        <p:txBody>
+          <a:bodyPr/>
+          <a:lstStyle/>
+          <a:p>
+            <a:r>
+              <a:rPr lang="en-US" dirty="0" smtClean="0"/>
+              <a:t>Extension point Schema</a:t>
+            </a:r>
+            <a:endParaRPr lang="en-US" dirty="0"/>
+          </a:p>
+        </p:txBody>
+      </p:sp>
+      <p:sp>
+        <p:nvSpPr>
+          <p:cNvPr id="3" name="Content Placeholder 2"/>
+          <p:cNvSpPr>
+            <a:spLocks noGrp="1"/>
+          </p:cNvSpPr>
+          <p:nvPr>
+            <p:ph idx="1"/>
+          </p:nvPr>
+        </p:nvSpPr>
+        <p:spPr/>
+        <p:txBody>
+          <a:bodyPr/>
+          <a:lstStyle/>
+          <a:p>
+            <a:r>
+              <a:rPr lang="en-US" dirty="0" smtClean="0"/>
+              <a:t>An extension point is created using the extension point tab from the Manifest file.</a:t>
+            </a:r>
+          </a:p>
+          <a:p>
+            <a:endParaRPr lang="en-US" dirty="0"/>
+          </a:p>
+          <a:p>
+            <a:r>
+              <a:rPr lang="en-US" dirty="0" smtClean="0"/>
+              <a:t>The extension-point should have a id, name and a schema defined.</a:t>
+            </a:r>
+          </a:p>
+          <a:p>
+            <a:endParaRPr lang="en-US" dirty="0"/>
+          </a:p>
+          <a:p>
+            <a:r>
+              <a:rPr lang="en-US" dirty="0" smtClean="0"/>
+              <a:t>The schema defines how the extension point should be used by the user and provides the extension point elements and attributes to which a contributor plugin specifies values</a:t>
+            </a:r>
+            <a:endParaRPr lang="en-US" dirty="0"/>
+          </a:p>
+        </p:txBody>
+      </p:sp>
+    </p:spTree>
+    <p:extLst>
+      <p:ext uri="{BB962C8B-B14F-4D97-AF65-F5344CB8AC3E}">
+        <p14:creationId xmlns:p14="http://schemas.microsoft.com/office/powerpoint/2010/main" val="2506212022"/>
+      </p:ext>
+    </p:extLst>
+  </p:cSld>
+  <p:clrMapOvr>
+    <a:masterClrMapping/>
+  </p:clrMapOvr>
+</p:sld>
+</file>
+
+<file path=ppt/slides/slide177.xml><?xml version="1.0" encoding="utf-8"?>
+<p:sld xmlns:a="http://schemas.openxmlformats.org/drawingml/2006/main" xmlns:r="http://schemas.openxmlformats.org/officeDocument/2006/relationships" xmlns:p="http://schemas.openxmlformats.org/presentationml/2006/main">
+  <p:cSld>
+    <p:spTree>
+      <p:nvGrpSpPr>
+        <p:cNvPr id="1" name=""/>
+        <p:cNvGrpSpPr/>
+        <p:nvPr/>
+      </p:nvGrpSpPr>
+      <p:grpSpPr>
+        <a:xfrm>
+          <a:off x="0" y="0"/>
+          <a:ext cx="0" cy="0"/>
+          <a:chOff x="0" y="0"/>
+          <a:chExt cx="0" cy="0"/>
+        </a:xfrm>
+      </p:grpSpPr>
+      <p:sp>
+        <p:nvSpPr>
+          <p:cNvPr id="2" name="Title 1"/>
+          <p:cNvSpPr>
+            <a:spLocks noGrp="1"/>
+          </p:cNvSpPr>
+          <p:nvPr>
+            <p:ph type="title"/>
+          </p:nvPr>
+        </p:nvSpPr>
+        <p:spPr/>
+        <p:txBody>
+          <a:bodyPr/>
+          <a:lstStyle/>
+          <a:p>
+            <a:r>
+              <a:rPr lang="en-US" dirty="0" smtClean="0"/>
+              <a:t>Plugin Registry</a:t>
+            </a:r>
+            <a:endParaRPr lang="en-US" dirty="0"/>
+          </a:p>
+        </p:txBody>
+      </p:sp>
+      <p:sp>
+        <p:nvSpPr>
+          <p:cNvPr id="3" name="Content Placeholder 2"/>
+          <p:cNvSpPr>
+            <a:spLocks noGrp="1"/>
+          </p:cNvSpPr>
+          <p:nvPr>
+            <p:ph idx="1"/>
+          </p:nvPr>
+        </p:nvSpPr>
+        <p:spPr/>
+        <p:txBody>
+          <a:bodyPr/>
+          <a:lstStyle/>
+          <a:p>
+            <a:r>
+              <a:rPr lang="en-US" dirty="0" smtClean="0"/>
+              <a:t>All plugins come for Extension Registry.</a:t>
+            </a:r>
+          </a:p>
+          <a:p>
+            <a:r>
+              <a:rPr lang="en-US" dirty="0" smtClean="0"/>
+              <a:t>When a plugin is installed the plugin registry will have this plugin , and using the registry instance the extension-points exposed can be accessed in the application using the Platform APIs</a:t>
+            </a:r>
+          </a:p>
+          <a:p>
+            <a:endParaRPr lang="en-US" dirty="0"/>
+          </a:p>
+          <a:p>
+            <a:r>
+              <a:rPr lang="en-US" dirty="0" smtClean="0"/>
+              <a:t>The elements and attributes of the extension-points can be accessed and evaluate to call the appropriate method calls.</a:t>
+            </a:r>
+          </a:p>
+          <a:p>
+            <a:endParaRPr lang="en-US" dirty="0"/>
+          </a:p>
+          <a:p>
+            <a:endParaRPr lang="en-US" dirty="0"/>
+          </a:p>
+        </p:txBody>
+      </p:sp>
+    </p:spTree>
+    <p:extLst>
+      <p:ext uri="{BB962C8B-B14F-4D97-AF65-F5344CB8AC3E}">
+        <p14:creationId xmlns:p14="http://schemas.microsoft.com/office/powerpoint/2010/main" val="1054401502"/>
+      </p:ext>
+    </p:extLst>
+  </p:cSld>
+  <p:clrMapOvr>
+    <a:masterClrMapping/>
+  </p:clrMapOvr>
+</p:sld>
+</file>
+
+<file path=ppt/slides/slide178.xml><?xml version="1.0" encoding="utf-8"?>
+<p:sld xmlns:a="http://schemas.openxmlformats.org/drawingml/2006/main" xmlns:r="http://schemas.openxmlformats.org/officeDocument/2006/relationships" xmlns:p="http://schemas.openxmlformats.org/presentationml/2006/main">
+  <p:cSld>
+    <p:spTree>
+      <p:nvGrpSpPr>
+        <p:cNvPr id="1" name=""/>
+        <p:cNvGrpSpPr/>
+        <p:nvPr/>
+      </p:nvGrpSpPr>
+      <p:grpSpPr>
+        <a:xfrm>
+          <a:off x="0" y="0"/>
+          <a:ext cx="0" cy="0"/>
+          <a:chOff x="0" y="0"/>
+          <a:chExt cx="0" cy="0"/>
+        </a:xfrm>
+      </p:grpSpPr>
+      <p:sp>
+        <p:nvSpPr>
+          <p:cNvPr id="2" name="Title 1"/>
+          <p:cNvSpPr>
+            <a:spLocks noGrp="1"/>
+          </p:cNvSpPr>
+          <p:nvPr>
+            <p:ph type="title"/>
+          </p:nvPr>
+        </p:nvSpPr>
+        <p:spPr/>
+        <p:txBody>
+          <a:bodyPr/>
+          <a:lstStyle/>
+          <a:p>
+            <a:r>
+              <a:rPr lang="en-US" dirty="0" smtClean="0"/>
+              <a:t>Executable Extension</a:t>
+            </a:r>
+            <a:endParaRPr lang="en-US" dirty="0"/>
+          </a:p>
+        </p:txBody>
+      </p:sp>
+      <p:sp>
+        <p:nvSpPr>
+          <p:cNvPr id="3" name="Content Placeholder 2"/>
+          <p:cNvSpPr>
+            <a:spLocks noGrp="1"/>
+          </p:cNvSpPr>
+          <p:nvPr>
+            <p:ph idx="1"/>
+          </p:nvPr>
+        </p:nvSpPr>
+        <p:spPr/>
+        <p:txBody>
+          <a:bodyPr/>
+          <a:lstStyle/>
+          <a:p>
+            <a:r>
+              <a:rPr lang="en-US" dirty="0" smtClean="0"/>
+              <a:t>A executable extension class is created which can be used to invoke the APIs of the class attribute of the extension .</a:t>
+            </a:r>
+          </a:p>
+          <a:p>
+            <a:endParaRPr lang="en-US" dirty="0"/>
+          </a:p>
+          <a:p>
+            <a:r>
+              <a:rPr lang="en-US" dirty="0" smtClean="0"/>
+              <a:t>The plugin extension point can be called by using a Handler instance on click of a command also .</a:t>
+            </a:r>
+          </a:p>
+          <a:p>
+            <a:endParaRPr lang="en-US" dirty="0"/>
+          </a:p>
+        </p:txBody>
+      </p:sp>
+    </p:spTree>
+    <p:extLst>
+      <p:ext uri="{BB962C8B-B14F-4D97-AF65-F5344CB8AC3E}">
+        <p14:creationId xmlns:p14="http://schemas.microsoft.com/office/powerpoint/2010/main" val="4088935725"/>
+      </p:ext>
+    </p:extLst>
+  </p:cSld>
+  <p:clrMapOvr>
+    <a:masterClrMapping/>
+  </p:clrMapOvr>
+</p:sld>
+</file>
+
+<file path=ppt/slides/slide179.xml><?xml version="1.0" encoding="utf-8"?>
+<p:sld xmlns:a="http://schemas.openxmlformats.org/drawingml/2006/main" xmlns:r="http://schemas.openxmlformats.org/officeDocument/2006/relationships" xmlns:p="http://schemas.openxmlformats.org/presentationml/2006/main">
+  <p:cSld>
+    <p:spTree>
+      <p:nvGrpSpPr>
+        <p:cNvPr id="1" name=""/>
+        <p:cNvGrpSpPr/>
+        <p:nvPr/>
+      </p:nvGrpSpPr>
+      <p:grpSpPr>
+        <a:xfrm>
+          <a:off x="0" y="0"/>
+          <a:ext cx="0" cy="0"/>
+          <a:chOff x="0" y="0"/>
+          <a:chExt cx="0" cy="0"/>
+        </a:xfrm>
+      </p:grpSpPr>
+      <p:sp>
+        <p:nvSpPr>
+          <p:cNvPr id="2" name="Title 1"/>
+          <p:cNvSpPr>
+            <a:spLocks noGrp="1"/>
+          </p:cNvSpPr>
+          <p:nvPr>
+            <p:ph type="ctrTitle"/>
+          </p:nvPr>
+        </p:nvSpPr>
+        <p:spPr/>
+        <p:txBody>
+          <a:bodyPr/>
+          <a:lstStyle/>
+          <a:p>
+            <a:r>
+              <a:rPr lang="en-US" dirty="0" smtClean="0"/>
+              <a:t>DEMO</a:t>
+            </a:r>
+            <a:endParaRPr lang="en-US" dirty="0"/>
+          </a:p>
+        </p:txBody>
+      </p:sp>
+      <p:sp>
+        <p:nvSpPr>
+          <p:cNvPr id="3" name="Subtitle 2"/>
+          <p:cNvSpPr>
+            <a:spLocks noGrp="1"/>
+          </p:cNvSpPr>
+          <p:nvPr>
+            <p:ph type="subTitle" idx="1"/>
+          </p:nvPr>
+        </p:nvSpPr>
+        <p:spPr/>
+        <p:txBody>
+          <a:bodyPr/>
+          <a:lstStyle/>
+          <a:p>
+            <a:r>
+              <a:rPr lang="en-US" sz="4400" dirty="0" smtClean="0"/>
+              <a:t>Creating</a:t>
+            </a:r>
+            <a:r>
+              <a:rPr lang="en-US" dirty="0" smtClean="0"/>
+              <a:t> </a:t>
+            </a:r>
+            <a:r>
+              <a:rPr lang="en-US" sz="4400" dirty="0"/>
+              <a:t>extension-points</a:t>
+            </a:r>
+          </a:p>
+        </p:txBody>
+      </p:sp>
+    </p:spTree>
+    <p:extLst>
+      <p:ext uri="{BB962C8B-B14F-4D97-AF65-F5344CB8AC3E}">
+        <p14:creationId xmlns:p14="http://schemas.microsoft.com/office/powerpoint/2010/main" val="2231170657"/>
+      </p:ext>
+    </p:extLst>
+  </p:cSld>
+  <p:clrMapOvr>
+    <a:masterClrMapping/>
+  </p:clrMapOvr>
 </p:sld>
 </file>
 
